--- a/notes/sorting.pptx
+++ b/notes/sorting.pptx
@@ -5,10 +5,10 @@
     <p:sldMasterId id="2147483672" r:id="rId1"/>
   </p:sldMasterIdLst>
   <p:notesMasterIdLst>
-    <p:notesMasterId r:id="rId14"/>
+    <p:notesMasterId r:id="rId16"/>
   </p:notesMasterIdLst>
   <p:handoutMasterIdLst>
-    <p:handoutMasterId r:id="rId15"/>
+    <p:handoutMasterId r:id="rId17"/>
   </p:handoutMasterIdLst>
   <p:sldIdLst>
     <p:sldId id="256" r:id="rId2"/>
@@ -19,10 +19,12 @@
     <p:sldId id="292" r:id="rId7"/>
     <p:sldId id="293" r:id="rId8"/>
     <p:sldId id="294" r:id="rId9"/>
-    <p:sldId id="295" r:id="rId10"/>
-    <p:sldId id="296" r:id="rId11"/>
-    <p:sldId id="297" r:id="rId12"/>
-    <p:sldId id="298" r:id="rId13"/>
+    <p:sldId id="300" r:id="rId10"/>
+    <p:sldId id="295" r:id="rId11"/>
+    <p:sldId id="296" r:id="rId12"/>
+    <p:sldId id="297" r:id="rId13"/>
+    <p:sldId id="298" r:id="rId14"/>
+    <p:sldId id="299" r:id="rId15"/>
   </p:sldIdLst>
   <p:sldSz cx="12192000" cy="6858000"/>
   <p:notesSz cx="9144000" cy="6858000"/>
@@ -671,7 +673,7 @@
           <p:cNvPr id="2" name="Title 1">
             <a:extLst>
               <a:ext uri="{FF2B5EF4-FFF2-40B4-BE49-F238E27FC236}">
-                <a16:creationId xmlns="" xmlns:a16="http://schemas.microsoft.com/office/drawing/2014/main" id="{FCECE00E-B2E2-4D43-8A21-E17BBDC017E1}"/>
+                <a16:creationId xmlns:a16="http://schemas.microsoft.com/office/drawing/2014/main" id="{FCECE00E-B2E2-4D43-8A21-E17BBDC017E1}"/>
               </a:ext>
             </a:extLst>
           </p:cNvPr>
@@ -697,10 +699,9 @@
           </a:lstStyle>
           <a:p>
             <a:r>
-              <a:rPr lang="en-US" smtClean="0"/>
+              <a:rPr lang="en-US"/>
               <a:t>Click to edit Master title style</a:t>
             </a:r>
-            <a:endParaRPr lang="en-US"/>
           </a:p>
         </p:txBody>
       </p:sp>
@@ -709,7 +710,7 @@
           <p:cNvPr id="3" name="Subtitle 2">
             <a:extLst>
               <a:ext uri="{FF2B5EF4-FFF2-40B4-BE49-F238E27FC236}">
-                <a16:creationId xmlns="" xmlns:a16="http://schemas.microsoft.com/office/drawing/2014/main" id="{0C4C7E7C-3478-264C-BF00-D75996D63509}"/>
+                <a16:creationId xmlns:a16="http://schemas.microsoft.com/office/drawing/2014/main" id="{0C4C7E7C-3478-264C-BF00-D75996D63509}"/>
               </a:ext>
             </a:extLst>
           </p:cNvPr>
@@ -768,10 +769,9 @@
           </a:lstStyle>
           <a:p>
             <a:r>
-              <a:rPr lang="en-US" smtClean="0"/>
+              <a:rPr lang="en-US"/>
               <a:t>Click to edit Master subtitle style</a:t>
             </a:r>
-            <a:endParaRPr lang="en-US"/>
           </a:p>
         </p:txBody>
       </p:sp>
@@ -780,7 +780,7 @@
           <p:cNvPr id="4" name="Date Placeholder 3">
             <a:extLst>
               <a:ext uri="{FF2B5EF4-FFF2-40B4-BE49-F238E27FC236}">
-                <a16:creationId xmlns="" xmlns:a16="http://schemas.microsoft.com/office/drawing/2014/main" id="{64E1EB94-602A-4843-8753-4DB51430704B}"/>
+                <a16:creationId xmlns:a16="http://schemas.microsoft.com/office/drawing/2014/main" id="{64E1EB94-602A-4843-8753-4DB51430704B}"/>
               </a:ext>
             </a:extLst>
           </p:cNvPr>
@@ -809,7 +809,7 @@
           <p:cNvPr id="5" name="Footer Placeholder 4">
             <a:extLst>
               <a:ext uri="{FF2B5EF4-FFF2-40B4-BE49-F238E27FC236}">
-                <a16:creationId xmlns="" xmlns:a16="http://schemas.microsoft.com/office/drawing/2014/main" id="{FF136E26-0E46-B848-BBFC-A0D2BFA17F33}"/>
+                <a16:creationId xmlns:a16="http://schemas.microsoft.com/office/drawing/2014/main" id="{FF136E26-0E46-B848-BBFC-A0D2BFA17F33}"/>
               </a:ext>
             </a:extLst>
           </p:cNvPr>
@@ -834,7 +834,7 @@
           <p:cNvPr id="6" name="Slide Number Placeholder 5">
             <a:extLst>
               <a:ext uri="{FF2B5EF4-FFF2-40B4-BE49-F238E27FC236}">
-                <a16:creationId xmlns="" xmlns:a16="http://schemas.microsoft.com/office/drawing/2014/main" id="{CEAD4217-442E-6C4A-8D0F-CADFE9EACB6D}"/>
+                <a16:creationId xmlns:a16="http://schemas.microsoft.com/office/drawing/2014/main" id="{CEAD4217-442E-6C4A-8D0F-CADFE9EACB6D}"/>
               </a:ext>
             </a:extLst>
           </p:cNvPr>
@@ -893,7 +893,7 @@
           <p:cNvPr id="2" name="Title 1">
             <a:extLst>
               <a:ext uri="{FF2B5EF4-FFF2-40B4-BE49-F238E27FC236}">
-                <a16:creationId xmlns="" xmlns:a16="http://schemas.microsoft.com/office/drawing/2014/main" id="{F416C72F-B1B5-6442-B3EF-170DEDF83067}"/>
+                <a16:creationId xmlns:a16="http://schemas.microsoft.com/office/drawing/2014/main" id="{F416C72F-B1B5-6442-B3EF-170DEDF83067}"/>
               </a:ext>
             </a:extLst>
           </p:cNvPr>
@@ -910,10 +910,9 @@
           <a:lstStyle/>
           <a:p>
             <a:r>
-              <a:rPr lang="en-US" smtClean="0"/>
+              <a:rPr lang="en-US"/>
               <a:t>Click to edit Master title style</a:t>
             </a:r>
-            <a:endParaRPr lang="en-US"/>
           </a:p>
         </p:txBody>
       </p:sp>
@@ -922,7 +921,7 @@
           <p:cNvPr id="3" name="Vertical Text Placeholder 2">
             <a:extLst>
               <a:ext uri="{FF2B5EF4-FFF2-40B4-BE49-F238E27FC236}">
-                <a16:creationId xmlns="" xmlns:a16="http://schemas.microsoft.com/office/drawing/2014/main" id="{19182C6A-7EA1-C840-86BB-65DF578F4F4B}"/>
+                <a16:creationId xmlns:a16="http://schemas.microsoft.com/office/drawing/2014/main" id="{19182C6A-7EA1-C840-86BB-65DF578F4F4B}"/>
               </a:ext>
             </a:extLst>
           </p:cNvPr>
@@ -940,38 +939,37 @@
           <a:p>
             <a:pPr lvl="0"/>
             <a:r>
-              <a:rPr lang="en-US" smtClean="0"/>
+              <a:rPr lang="en-US"/>
               <a:t>Click to edit Master text styles</a:t>
             </a:r>
           </a:p>
           <a:p>
             <a:pPr lvl="1"/>
             <a:r>
-              <a:rPr lang="en-US" smtClean="0"/>
+              <a:rPr lang="en-US"/>
               <a:t>Second level</a:t>
             </a:r>
           </a:p>
           <a:p>
             <a:pPr lvl="2"/>
             <a:r>
-              <a:rPr lang="en-US" smtClean="0"/>
+              <a:rPr lang="en-US"/>
               <a:t>Third level</a:t>
             </a:r>
           </a:p>
           <a:p>
             <a:pPr lvl="3"/>
             <a:r>
-              <a:rPr lang="en-US" smtClean="0"/>
+              <a:rPr lang="en-US"/>
               <a:t>Fourth level</a:t>
             </a:r>
           </a:p>
           <a:p>
             <a:pPr lvl="4"/>
             <a:r>
-              <a:rPr lang="en-US" smtClean="0"/>
+              <a:rPr lang="en-US"/>
               <a:t>Fifth level</a:t>
             </a:r>
-            <a:endParaRPr lang="en-US"/>
           </a:p>
         </p:txBody>
       </p:sp>
@@ -980,7 +978,7 @@
           <p:cNvPr id="4" name="Date Placeholder 3">
             <a:extLst>
               <a:ext uri="{FF2B5EF4-FFF2-40B4-BE49-F238E27FC236}">
-                <a16:creationId xmlns="" xmlns:a16="http://schemas.microsoft.com/office/drawing/2014/main" id="{DBCD3C4B-E6D4-B140-8126-90FD013DE38A}"/>
+                <a16:creationId xmlns:a16="http://schemas.microsoft.com/office/drawing/2014/main" id="{DBCD3C4B-E6D4-B140-8126-90FD013DE38A}"/>
               </a:ext>
             </a:extLst>
           </p:cNvPr>
@@ -1009,7 +1007,7 @@
           <p:cNvPr id="5" name="Footer Placeholder 4">
             <a:extLst>
               <a:ext uri="{FF2B5EF4-FFF2-40B4-BE49-F238E27FC236}">
-                <a16:creationId xmlns="" xmlns:a16="http://schemas.microsoft.com/office/drawing/2014/main" id="{E26FD8A5-25AB-2742-9333-F1864AA98C6D}"/>
+                <a16:creationId xmlns:a16="http://schemas.microsoft.com/office/drawing/2014/main" id="{E26FD8A5-25AB-2742-9333-F1864AA98C6D}"/>
               </a:ext>
             </a:extLst>
           </p:cNvPr>
@@ -1034,7 +1032,7 @@
           <p:cNvPr id="6" name="Slide Number Placeholder 5">
             <a:extLst>
               <a:ext uri="{FF2B5EF4-FFF2-40B4-BE49-F238E27FC236}">
-                <a16:creationId xmlns="" xmlns:a16="http://schemas.microsoft.com/office/drawing/2014/main" id="{B4FFBFCA-F2F7-544E-BB46-A887273990B8}"/>
+                <a16:creationId xmlns:a16="http://schemas.microsoft.com/office/drawing/2014/main" id="{B4FFBFCA-F2F7-544E-BB46-A887273990B8}"/>
               </a:ext>
             </a:extLst>
           </p:cNvPr>
@@ -1093,7 +1091,7 @@
           <p:cNvPr id="2" name="Vertical Title 1">
             <a:extLst>
               <a:ext uri="{FF2B5EF4-FFF2-40B4-BE49-F238E27FC236}">
-                <a16:creationId xmlns="" xmlns:a16="http://schemas.microsoft.com/office/drawing/2014/main" id="{A54E5286-71CD-184D-922F-2C587370C871}"/>
+                <a16:creationId xmlns:a16="http://schemas.microsoft.com/office/drawing/2014/main" id="{A54E5286-71CD-184D-922F-2C587370C871}"/>
               </a:ext>
             </a:extLst>
           </p:cNvPr>
@@ -1115,10 +1113,9 @@
           <a:lstStyle/>
           <a:p>
             <a:r>
-              <a:rPr lang="en-US" smtClean="0"/>
+              <a:rPr lang="en-US"/>
               <a:t>Click to edit Master title style</a:t>
             </a:r>
-            <a:endParaRPr lang="en-US"/>
           </a:p>
         </p:txBody>
       </p:sp>
@@ -1127,7 +1124,7 @@
           <p:cNvPr id="3" name="Vertical Text Placeholder 2">
             <a:extLst>
               <a:ext uri="{FF2B5EF4-FFF2-40B4-BE49-F238E27FC236}">
-                <a16:creationId xmlns="" xmlns:a16="http://schemas.microsoft.com/office/drawing/2014/main" id="{8E6C93D7-83D1-8740-A256-2B405524A089}"/>
+                <a16:creationId xmlns:a16="http://schemas.microsoft.com/office/drawing/2014/main" id="{8E6C93D7-83D1-8740-A256-2B405524A089}"/>
               </a:ext>
             </a:extLst>
           </p:cNvPr>
@@ -1150,38 +1147,37 @@
           <a:p>
             <a:pPr lvl="0"/>
             <a:r>
-              <a:rPr lang="en-US" smtClean="0"/>
+              <a:rPr lang="en-US"/>
               <a:t>Click to edit Master text styles</a:t>
             </a:r>
           </a:p>
           <a:p>
             <a:pPr lvl="1"/>
             <a:r>
-              <a:rPr lang="en-US" smtClean="0"/>
+              <a:rPr lang="en-US"/>
               <a:t>Second level</a:t>
             </a:r>
           </a:p>
           <a:p>
             <a:pPr lvl="2"/>
             <a:r>
-              <a:rPr lang="en-US" smtClean="0"/>
+              <a:rPr lang="en-US"/>
               <a:t>Third level</a:t>
             </a:r>
           </a:p>
           <a:p>
             <a:pPr lvl="3"/>
             <a:r>
-              <a:rPr lang="en-US" smtClean="0"/>
+              <a:rPr lang="en-US"/>
               <a:t>Fourth level</a:t>
             </a:r>
           </a:p>
           <a:p>
             <a:pPr lvl="4"/>
             <a:r>
-              <a:rPr lang="en-US" smtClean="0"/>
+              <a:rPr lang="en-US"/>
               <a:t>Fifth level</a:t>
             </a:r>
-            <a:endParaRPr lang="en-US"/>
           </a:p>
         </p:txBody>
       </p:sp>
@@ -1190,7 +1186,7 @@
           <p:cNvPr id="4" name="Date Placeholder 3">
             <a:extLst>
               <a:ext uri="{FF2B5EF4-FFF2-40B4-BE49-F238E27FC236}">
-                <a16:creationId xmlns="" xmlns:a16="http://schemas.microsoft.com/office/drawing/2014/main" id="{C7CCB8DC-90E9-1D49-B70B-5103FBBD3972}"/>
+                <a16:creationId xmlns:a16="http://schemas.microsoft.com/office/drawing/2014/main" id="{C7CCB8DC-90E9-1D49-B70B-5103FBBD3972}"/>
               </a:ext>
             </a:extLst>
           </p:cNvPr>
@@ -1219,7 +1215,7 @@
           <p:cNvPr id="5" name="Footer Placeholder 4">
             <a:extLst>
               <a:ext uri="{FF2B5EF4-FFF2-40B4-BE49-F238E27FC236}">
-                <a16:creationId xmlns="" xmlns:a16="http://schemas.microsoft.com/office/drawing/2014/main" id="{0997D847-8768-9843-9B66-E6B3989BA3D2}"/>
+                <a16:creationId xmlns:a16="http://schemas.microsoft.com/office/drawing/2014/main" id="{0997D847-8768-9843-9B66-E6B3989BA3D2}"/>
               </a:ext>
             </a:extLst>
           </p:cNvPr>
@@ -1244,7 +1240,7 @@
           <p:cNvPr id="6" name="Slide Number Placeholder 5">
             <a:extLst>
               <a:ext uri="{FF2B5EF4-FFF2-40B4-BE49-F238E27FC236}">
-                <a16:creationId xmlns="" xmlns:a16="http://schemas.microsoft.com/office/drawing/2014/main" id="{8E82CB94-E0A6-3E47-9F30-8DEB64C2027C}"/>
+                <a16:creationId xmlns:a16="http://schemas.microsoft.com/office/drawing/2014/main" id="{8E82CB94-E0A6-3E47-9F30-8DEB64C2027C}"/>
               </a:ext>
             </a:extLst>
           </p:cNvPr>
@@ -1303,7 +1299,7 @@
           <p:cNvPr id="2" name="Title 1">
             <a:extLst>
               <a:ext uri="{FF2B5EF4-FFF2-40B4-BE49-F238E27FC236}">
-                <a16:creationId xmlns="" xmlns:a16="http://schemas.microsoft.com/office/drawing/2014/main" id="{B8842375-E5EF-4D4E-AFD0-A94090E7DB29}"/>
+                <a16:creationId xmlns:a16="http://schemas.microsoft.com/office/drawing/2014/main" id="{B8842375-E5EF-4D4E-AFD0-A94090E7DB29}"/>
               </a:ext>
             </a:extLst>
           </p:cNvPr>
@@ -1320,10 +1316,9 @@
           <a:lstStyle/>
           <a:p>
             <a:r>
-              <a:rPr lang="en-US" smtClean="0"/>
+              <a:rPr lang="en-US"/>
               <a:t>Click to edit Master title style</a:t>
             </a:r>
-            <a:endParaRPr lang="en-US"/>
           </a:p>
         </p:txBody>
       </p:sp>
@@ -1332,7 +1327,7 @@
           <p:cNvPr id="3" name="Content Placeholder 2">
             <a:extLst>
               <a:ext uri="{FF2B5EF4-FFF2-40B4-BE49-F238E27FC236}">
-                <a16:creationId xmlns="" xmlns:a16="http://schemas.microsoft.com/office/drawing/2014/main" id="{F366F610-FF9B-2A4B-8E35-314B0D78D9D8}"/>
+                <a16:creationId xmlns:a16="http://schemas.microsoft.com/office/drawing/2014/main" id="{F366F610-FF9B-2A4B-8E35-314B0D78D9D8}"/>
               </a:ext>
             </a:extLst>
           </p:cNvPr>
@@ -1350,38 +1345,37 @@
           <a:p>
             <a:pPr lvl="0"/>
             <a:r>
-              <a:rPr lang="en-US" smtClean="0"/>
+              <a:rPr lang="en-US"/>
               <a:t>Click to edit Master text styles</a:t>
             </a:r>
           </a:p>
           <a:p>
             <a:pPr lvl="1"/>
             <a:r>
-              <a:rPr lang="en-US" smtClean="0"/>
+              <a:rPr lang="en-US"/>
               <a:t>Second level</a:t>
             </a:r>
           </a:p>
           <a:p>
             <a:pPr lvl="2"/>
             <a:r>
-              <a:rPr lang="en-US" smtClean="0"/>
+              <a:rPr lang="en-US"/>
               <a:t>Third level</a:t>
             </a:r>
           </a:p>
           <a:p>
             <a:pPr lvl="3"/>
             <a:r>
-              <a:rPr lang="en-US" smtClean="0"/>
+              <a:rPr lang="en-US"/>
               <a:t>Fourth level</a:t>
             </a:r>
           </a:p>
           <a:p>
             <a:pPr lvl="4"/>
             <a:r>
-              <a:rPr lang="en-US" smtClean="0"/>
+              <a:rPr lang="en-US"/>
               <a:t>Fifth level</a:t>
             </a:r>
-            <a:endParaRPr lang="en-US"/>
           </a:p>
         </p:txBody>
       </p:sp>
@@ -1390,7 +1384,7 @@
           <p:cNvPr id="4" name="Date Placeholder 3">
             <a:extLst>
               <a:ext uri="{FF2B5EF4-FFF2-40B4-BE49-F238E27FC236}">
-                <a16:creationId xmlns="" xmlns:a16="http://schemas.microsoft.com/office/drawing/2014/main" id="{1561E808-F7D2-E84B-8CD4-83F18272EA72}"/>
+                <a16:creationId xmlns:a16="http://schemas.microsoft.com/office/drawing/2014/main" id="{1561E808-F7D2-E84B-8CD4-83F18272EA72}"/>
               </a:ext>
             </a:extLst>
           </p:cNvPr>
@@ -1419,7 +1413,7 @@
           <p:cNvPr id="5" name="Footer Placeholder 4">
             <a:extLst>
               <a:ext uri="{FF2B5EF4-FFF2-40B4-BE49-F238E27FC236}">
-                <a16:creationId xmlns="" xmlns:a16="http://schemas.microsoft.com/office/drawing/2014/main" id="{7B3AD9A1-B1EC-984E-A23E-0ECF6F652482}"/>
+                <a16:creationId xmlns:a16="http://schemas.microsoft.com/office/drawing/2014/main" id="{7B3AD9A1-B1EC-984E-A23E-0ECF6F652482}"/>
               </a:ext>
             </a:extLst>
           </p:cNvPr>
@@ -1444,7 +1438,7 @@
           <p:cNvPr id="6" name="Slide Number Placeholder 5">
             <a:extLst>
               <a:ext uri="{FF2B5EF4-FFF2-40B4-BE49-F238E27FC236}">
-                <a16:creationId xmlns="" xmlns:a16="http://schemas.microsoft.com/office/drawing/2014/main" id="{01BFD94D-9604-2A43-AADF-14B0876B6EBB}"/>
+                <a16:creationId xmlns:a16="http://schemas.microsoft.com/office/drawing/2014/main" id="{01BFD94D-9604-2A43-AADF-14B0876B6EBB}"/>
               </a:ext>
             </a:extLst>
           </p:cNvPr>
@@ -1503,7 +1497,7 @@
           <p:cNvPr id="2" name="Title 1">
             <a:extLst>
               <a:ext uri="{FF2B5EF4-FFF2-40B4-BE49-F238E27FC236}">
-                <a16:creationId xmlns="" xmlns:a16="http://schemas.microsoft.com/office/drawing/2014/main" id="{771589AC-2242-B445-BBEA-95D500596EE6}"/>
+                <a16:creationId xmlns:a16="http://schemas.microsoft.com/office/drawing/2014/main" id="{771589AC-2242-B445-BBEA-95D500596EE6}"/>
               </a:ext>
             </a:extLst>
           </p:cNvPr>
@@ -1529,10 +1523,9 @@
           </a:lstStyle>
           <a:p>
             <a:r>
-              <a:rPr lang="en-US" smtClean="0"/>
+              <a:rPr lang="en-US"/>
               <a:t>Click to edit Master title style</a:t>
             </a:r>
-            <a:endParaRPr lang="en-US"/>
           </a:p>
         </p:txBody>
       </p:sp>
@@ -1541,7 +1534,7 @@
           <p:cNvPr id="3" name="Text Placeholder 2">
             <a:extLst>
               <a:ext uri="{FF2B5EF4-FFF2-40B4-BE49-F238E27FC236}">
-                <a16:creationId xmlns="" xmlns:a16="http://schemas.microsoft.com/office/drawing/2014/main" id="{255D194C-D171-4B45-BA38-8D16CD1C3449}"/>
+                <a16:creationId xmlns:a16="http://schemas.microsoft.com/office/drawing/2014/main" id="{255D194C-D171-4B45-BA38-8D16CD1C3449}"/>
               </a:ext>
             </a:extLst>
           </p:cNvPr>
@@ -1655,7 +1648,7 @@
           <a:p>
             <a:pPr lvl="0"/>
             <a:r>
-              <a:rPr lang="en-US" smtClean="0"/>
+              <a:rPr lang="en-US"/>
               <a:t>Click to edit Master text styles</a:t>
             </a:r>
           </a:p>
@@ -1666,7 +1659,7 @@
           <p:cNvPr id="4" name="Date Placeholder 3">
             <a:extLst>
               <a:ext uri="{FF2B5EF4-FFF2-40B4-BE49-F238E27FC236}">
-                <a16:creationId xmlns="" xmlns:a16="http://schemas.microsoft.com/office/drawing/2014/main" id="{68A38244-2F9E-AB4A-B300-488462389FF9}"/>
+                <a16:creationId xmlns:a16="http://schemas.microsoft.com/office/drawing/2014/main" id="{68A38244-2F9E-AB4A-B300-488462389FF9}"/>
               </a:ext>
             </a:extLst>
           </p:cNvPr>
@@ -1695,7 +1688,7 @@
           <p:cNvPr id="5" name="Footer Placeholder 4">
             <a:extLst>
               <a:ext uri="{FF2B5EF4-FFF2-40B4-BE49-F238E27FC236}">
-                <a16:creationId xmlns="" xmlns:a16="http://schemas.microsoft.com/office/drawing/2014/main" id="{B33A7B5A-1475-C94F-AD18-1726D2BA89C2}"/>
+                <a16:creationId xmlns:a16="http://schemas.microsoft.com/office/drawing/2014/main" id="{B33A7B5A-1475-C94F-AD18-1726D2BA89C2}"/>
               </a:ext>
             </a:extLst>
           </p:cNvPr>
@@ -1720,7 +1713,7 @@
           <p:cNvPr id="6" name="Slide Number Placeholder 5">
             <a:extLst>
               <a:ext uri="{FF2B5EF4-FFF2-40B4-BE49-F238E27FC236}">
-                <a16:creationId xmlns="" xmlns:a16="http://schemas.microsoft.com/office/drawing/2014/main" id="{8069DDF6-CCE5-3946-8A72-14D318AB4D22}"/>
+                <a16:creationId xmlns:a16="http://schemas.microsoft.com/office/drawing/2014/main" id="{8069DDF6-CCE5-3946-8A72-14D318AB4D22}"/>
               </a:ext>
             </a:extLst>
           </p:cNvPr>
@@ -1779,7 +1772,7 @@
           <p:cNvPr id="2" name="Title 1">
             <a:extLst>
               <a:ext uri="{FF2B5EF4-FFF2-40B4-BE49-F238E27FC236}">
-                <a16:creationId xmlns="" xmlns:a16="http://schemas.microsoft.com/office/drawing/2014/main" id="{AC1D2791-2196-8F4F-AD62-59B19A8810A3}"/>
+                <a16:creationId xmlns:a16="http://schemas.microsoft.com/office/drawing/2014/main" id="{AC1D2791-2196-8F4F-AD62-59B19A8810A3}"/>
               </a:ext>
             </a:extLst>
           </p:cNvPr>
@@ -1796,10 +1789,9 @@
           <a:lstStyle/>
           <a:p>
             <a:r>
-              <a:rPr lang="en-US" smtClean="0"/>
+              <a:rPr lang="en-US"/>
               <a:t>Click to edit Master title style</a:t>
             </a:r>
-            <a:endParaRPr lang="en-US"/>
           </a:p>
         </p:txBody>
       </p:sp>
@@ -1808,7 +1800,7 @@
           <p:cNvPr id="3" name="Content Placeholder 2">
             <a:extLst>
               <a:ext uri="{FF2B5EF4-FFF2-40B4-BE49-F238E27FC236}">
-                <a16:creationId xmlns="" xmlns:a16="http://schemas.microsoft.com/office/drawing/2014/main" id="{3962F23A-0A28-6141-B0BF-D7B92C213877}"/>
+                <a16:creationId xmlns:a16="http://schemas.microsoft.com/office/drawing/2014/main" id="{3962F23A-0A28-6141-B0BF-D7B92C213877}"/>
               </a:ext>
             </a:extLst>
           </p:cNvPr>
@@ -1831,38 +1823,37 @@
           <a:p>
             <a:pPr lvl="0"/>
             <a:r>
-              <a:rPr lang="en-US" smtClean="0"/>
+              <a:rPr lang="en-US"/>
               <a:t>Click to edit Master text styles</a:t>
             </a:r>
           </a:p>
           <a:p>
             <a:pPr lvl="1"/>
             <a:r>
-              <a:rPr lang="en-US" smtClean="0"/>
+              <a:rPr lang="en-US"/>
               <a:t>Second level</a:t>
             </a:r>
           </a:p>
           <a:p>
             <a:pPr lvl="2"/>
             <a:r>
-              <a:rPr lang="en-US" smtClean="0"/>
+              <a:rPr lang="en-US"/>
               <a:t>Third level</a:t>
             </a:r>
           </a:p>
           <a:p>
             <a:pPr lvl="3"/>
             <a:r>
-              <a:rPr lang="en-US" smtClean="0"/>
+              <a:rPr lang="en-US"/>
               <a:t>Fourth level</a:t>
             </a:r>
           </a:p>
           <a:p>
             <a:pPr lvl="4"/>
             <a:r>
-              <a:rPr lang="en-US" smtClean="0"/>
+              <a:rPr lang="en-US"/>
               <a:t>Fifth level</a:t>
             </a:r>
-            <a:endParaRPr lang="en-US"/>
           </a:p>
         </p:txBody>
       </p:sp>
@@ -1871,7 +1862,7 @@
           <p:cNvPr id="4" name="Content Placeholder 3">
             <a:extLst>
               <a:ext uri="{FF2B5EF4-FFF2-40B4-BE49-F238E27FC236}">
-                <a16:creationId xmlns="" xmlns:a16="http://schemas.microsoft.com/office/drawing/2014/main" id="{C36DF3E7-529D-1C40-B815-3C505F4D107E}"/>
+                <a16:creationId xmlns:a16="http://schemas.microsoft.com/office/drawing/2014/main" id="{C36DF3E7-529D-1C40-B815-3C505F4D107E}"/>
               </a:ext>
             </a:extLst>
           </p:cNvPr>
@@ -1894,38 +1885,37 @@
           <a:p>
             <a:pPr lvl="0"/>
             <a:r>
-              <a:rPr lang="en-US" smtClean="0"/>
+              <a:rPr lang="en-US"/>
               <a:t>Click to edit Master text styles</a:t>
             </a:r>
           </a:p>
           <a:p>
             <a:pPr lvl="1"/>
             <a:r>
-              <a:rPr lang="en-US" smtClean="0"/>
+              <a:rPr lang="en-US"/>
               <a:t>Second level</a:t>
             </a:r>
           </a:p>
           <a:p>
             <a:pPr lvl="2"/>
             <a:r>
-              <a:rPr lang="en-US" smtClean="0"/>
+              <a:rPr lang="en-US"/>
               <a:t>Third level</a:t>
             </a:r>
           </a:p>
           <a:p>
             <a:pPr lvl="3"/>
             <a:r>
-              <a:rPr lang="en-US" smtClean="0"/>
+              <a:rPr lang="en-US"/>
               <a:t>Fourth level</a:t>
             </a:r>
           </a:p>
           <a:p>
             <a:pPr lvl="4"/>
             <a:r>
-              <a:rPr lang="en-US" smtClean="0"/>
+              <a:rPr lang="en-US"/>
               <a:t>Fifth level</a:t>
             </a:r>
-            <a:endParaRPr lang="en-US"/>
           </a:p>
         </p:txBody>
       </p:sp>
@@ -1934,7 +1924,7 @@
           <p:cNvPr id="5" name="Date Placeholder 4">
             <a:extLst>
               <a:ext uri="{FF2B5EF4-FFF2-40B4-BE49-F238E27FC236}">
-                <a16:creationId xmlns="" xmlns:a16="http://schemas.microsoft.com/office/drawing/2014/main" id="{ECFEE966-F172-8C42-A9F6-013C2A368C90}"/>
+                <a16:creationId xmlns:a16="http://schemas.microsoft.com/office/drawing/2014/main" id="{ECFEE966-F172-8C42-A9F6-013C2A368C90}"/>
               </a:ext>
             </a:extLst>
           </p:cNvPr>
@@ -1963,7 +1953,7 @@
           <p:cNvPr id="6" name="Footer Placeholder 5">
             <a:extLst>
               <a:ext uri="{FF2B5EF4-FFF2-40B4-BE49-F238E27FC236}">
-                <a16:creationId xmlns="" xmlns:a16="http://schemas.microsoft.com/office/drawing/2014/main" id="{54FDED73-DCFA-6648-B65F-CBEDB1D3556B}"/>
+                <a16:creationId xmlns:a16="http://schemas.microsoft.com/office/drawing/2014/main" id="{54FDED73-DCFA-6648-B65F-CBEDB1D3556B}"/>
               </a:ext>
             </a:extLst>
           </p:cNvPr>
@@ -1988,7 +1978,7 @@
           <p:cNvPr id="7" name="Slide Number Placeholder 6">
             <a:extLst>
               <a:ext uri="{FF2B5EF4-FFF2-40B4-BE49-F238E27FC236}">
-                <a16:creationId xmlns="" xmlns:a16="http://schemas.microsoft.com/office/drawing/2014/main" id="{F3D072AD-ADC5-2943-B36C-F14AE6555C55}"/>
+                <a16:creationId xmlns:a16="http://schemas.microsoft.com/office/drawing/2014/main" id="{F3D072AD-ADC5-2943-B36C-F14AE6555C55}"/>
               </a:ext>
             </a:extLst>
           </p:cNvPr>
@@ -2047,7 +2037,7 @@
           <p:cNvPr id="2" name="Title 1">
             <a:extLst>
               <a:ext uri="{FF2B5EF4-FFF2-40B4-BE49-F238E27FC236}">
-                <a16:creationId xmlns="" xmlns:a16="http://schemas.microsoft.com/office/drawing/2014/main" id="{478E3FB4-66D6-9040-98CF-3DE68ABAAB18}"/>
+                <a16:creationId xmlns:a16="http://schemas.microsoft.com/office/drawing/2014/main" id="{478E3FB4-66D6-9040-98CF-3DE68ABAAB18}"/>
               </a:ext>
             </a:extLst>
           </p:cNvPr>
@@ -2069,10 +2059,9 @@
           <a:lstStyle/>
           <a:p>
             <a:r>
-              <a:rPr lang="en-US" smtClean="0"/>
+              <a:rPr lang="en-US"/>
               <a:t>Click to edit Master title style</a:t>
             </a:r>
-            <a:endParaRPr lang="en-US"/>
           </a:p>
         </p:txBody>
       </p:sp>
@@ -2081,7 +2070,7 @@
           <p:cNvPr id="3" name="Text Placeholder 2">
             <a:extLst>
               <a:ext uri="{FF2B5EF4-FFF2-40B4-BE49-F238E27FC236}">
-                <a16:creationId xmlns="" xmlns:a16="http://schemas.microsoft.com/office/drawing/2014/main" id="{C3B9CBA2-D589-E342-B02C-AFD0528E353B}"/>
+                <a16:creationId xmlns:a16="http://schemas.microsoft.com/office/drawing/2014/main" id="{C3B9CBA2-D589-E342-B02C-AFD0528E353B}"/>
               </a:ext>
             </a:extLst>
           </p:cNvPr>
@@ -2141,7 +2130,7 @@
           <a:p>
             <a:pPr lvl="0"/>
             <a:r>
-              <a:rPr lang="en-US" smtClean="0"/>
+              <a:rPr lang="en-US"/>
               <a:t>Click to edit Master text styles</a:t>
             </a:r>
           </a:p>
@@ -2152,7 +2141,7 @@
           <p:cNvPr id="4" name="Content Placeholder 3">
             <a:extLst>
               <a:ext uri="{FF2B5EF4-FFF2-40B4-BE49-F238E27FC236}">
-                <a16:creationId xmlns="" xmlns:a16="http://schemas.microsoft.com/office/drawing/2014/main" id="{F570E95A-9A57-7F42-A0D4-A9C36B16D13C}"/>
+                <a16:creationId xmlns:a16="http://schemas.microsoft.com/office/drawing/2014/main" id="{F570E95A-9A57-7F42-A0D4-A9C36B16D13C}"/>
               </a:ext>
             </a:extLst>
           </p:cNvPr>
@@ -2175,38 +2164,37 @@
           <a:p>
             <a:pPr lvl="0"/>
             <a:r>
-              <a:rPr lang="en-US" smtClean="0"/>
+              <a:rPr lang="en-US"/>
               <a:t>Click to edit Master text styles</a:t>
             </a:r>
           </a:p>
           <a:p>
             <a:pPr lvl="1"/>
             <a:r>
-              <a:rPr lang="en-US" smtClean="0"/>
+              <a:rPr lang="en-US"/>
               <a:t>Second level</a:t>
             </a:r>
           </a:p>
           <a:p>
             <a:pPr lvl="2"/>
             <a:r>
-              <a:rPr lang="en-US" smtClean="0"/>
+              <a:rPr lang="en-US"/>
               <a:t>Third level</a:t>
             </a:r>
           </a:p>
           <a:p>
             <a:pPr lvl="3"/>
             <a:r>
-              <a:rPr lang="en-US" smtClean="0"/>
+              <a:rPr lang="en-US"/>
               <a:t>Fourth level</a:t>
             </a:r>
           </a:p>
           <a:p>
             <a:pPr lvl="4"/>
             <a:r>
-              <a:rPr lang="en-US" smtClean="0"/>
+              <a:rPr lang="en-US"/>
               <a:t>Fifth level</a:t>
             </a:r>
-            <a:endParaRPr lang="en-US"/>
           </a:p>
         </p:txBody>
       </p:sp>
@@ -2215,7 +2203,7 @@
           <p:cNvPr id="5" name="Text Placeholder 4">
             <a:extLst>
               <a:ext uri="{FF2B5EF4-FFF2-40B4-BE49-F238E27FC236}">
-                <a16:creationId xmlns="" xmlns:a16="http://schemas.microsoft.com/office/drawing/2014/main" id="{B6A72F40-C7A9-CC45-82FB-CCCE1FE08B0B}"/>
+                <a16:creationId xmlns:a16="http://schemas.microsoft.com/office/drawing/2014/main" id="{B6A72F40-C7A9-CC45-82FB-CCCE1FE08B0B}"/>
               </a:ext>
             </a:extLst>
           </p:cNvPr>
@@ -2275,7 +2263,7 @@
           <a:p>
             <a:pPr lvl="0"/>
             <a:r>
-              <a:rPr lang="en-US" smtClean="0"/>
+              <a:rPr lang="en-US"/>
               <a:t>Click to edit Master text styles</a:t>
             </a:r>
           </a:p>
@@ -2286,7 +2274,7 @@
           <p:cNvPr id="6" name="Content Placeholder 5">
             <a:extLst>
               <a:ext uri="{FF2B5EF4-FFF2-40B4-BE49-F238E27FC236}">
-                <a16:creationId xmlns="" xmlns:a16="http://schemas.microsoft.com/office/drawing/2014/main" id="{9FDA6D2A-2E9D-714C-B9CB-D0F9D788FCD3}"/>
+                <a16:creationId xmlns:a16="http://schemas.microsoft.com/office/drawing/2014/main" id="{9FDA6D2A-2E9D-714C-B9CB-D0F9D788FCD3}"/>
               </a:ext>
             </a:extLst>
           </p:cNvPr>
@@ -2309,38 +2297,37 @@
           <a:p>
             <a:pPr lvl="0"/>
             <a:r>
-              <a:rPr lang="en-US" smtClean="0"/>
+              <a:rPr lang="en-US"/>
               <a:t>Click to edit Master text styles</a:t>
             </a:r>
           </a:p>
           <a:p>
             <a:pPr lvl="1"/>
             <a:r>
-              <a:rPr lang="en-US" smtClean="0"/>
+              <a:rPr lang="en-US"/>
               <a:t>Second level</a:t>
             </a:r>
           </a:p>
           <a:p>
             <a:pPr lvl="2"/>
             <a:r>
-              <a:rPr lang="en-US" smtClean="0"/>
+              <a:rPr lang="en-US"/>
               <a:t>Third level</a:t>
             </a:r>
           </a:p>
           <a:p>
             <a:pPr lvl="3"/>
             <a:r>
-              <a:rPr lang="en-US" smtClean="0"/>
+              <a:rPr lang="en-US"/>
               <a:t>Fourth level</a:t>
             </a:r>
           </a:p>
           <a:p>
             <a:pPr lvl="4"/>
             <a:r>
-              <a:rPr lang="en-US" smtClean="0"/>
+              <a:rPr lang="en-US"/>
               <a:t>Fifth level</a:t>
             </a:r>
-            <a:endParaRPr lang="en-US"/>
           </a:p>
         </p:txBody>
       </p:sp>
@@ -2349,7 +2336,7 @@
           <p:cNvPr id="7" name="Date Placeholder 6">
             <a:extLst>
               <a:ext uri="{FF2B5EF4-FFF2-40B4-BE49-F238E27FC236}">
-                <a16:creationId xmlns="" xmlns:a16="http://schemas.microsoft.com/office/drawing/2014/main" id="{1B7F3C0C-4D75-9C49-9075-FA8B3D33CF9B}"/>
+                <a16:creationId xmlns:a16="http://schemas.microsoft.com/office/drawing/2014/main" id="{1B7F3C0C-4D75-9C49-9075-FA8B3D33CF9B}"/>
               </a:ext>
             </a:extLst>
           </p:cNvPr>
@@ -2378,7 +2365,7 @@
           <p:cNvPr id="8" name="Footer Placeholder 7">
             <a:extLst>
               <a:ext uri="{FF2B5EF4-FFF2-40B4-BE49-F238E27FC236}">
-                <a16:creationId xmlns="" xmlns:a16="http://schemas.microsoft.com/office/drawing/2014/main" id="{9788C8FA-359A-5447-AA0E-98D16ECCC92D}"/>
+                <a16:creationId xmlns:a16="http://schemas.microsoft.com/office/drawing/2014/main" id="{9788C8FA-359A-5447-AA0E-98D16ECCC92D}"/>
               </a:ext>
             </a:extLst>
           </p:cNvPr>
@@ -2403,7 +2390,7 @@
           <p:cNvPr id="9" name="Slide Number Placeholder 8">
             <a:extLst>
               <a:ext uri="{FF2B5EF4-FFF2-40B4-BE49-F238E27FC236}">
-                <a16:creationId xmlns="" xmlns:a16="http://schemas.microsoft.com/office/drawing/2014/main" id="{3D69C8CD-0DF6-4E4C-A412-31B03845FA24}"/>
+                <a16:creationId xmlns:a16="http://schemas.microsoft.com/office/drawing/2014/main" id="{3D69C8CD-0DF6-4E4C-A412-31B03845FA24}"/>
               </a:ext>
             </a:extLst>
           </p:cNvPr>
@@ -2462,7 +2449,7 @@
           <p:cNvPr id="2" name="Title 1">
             <a:extLst>
               <a:ext uri="{FF2B5EF4-FFF2-40B4-BE49-F238E27FC236}">
-                <a16:creationId xmlns="" xmlns:a16="http://schemas.microsoft.com/office/drawing/2014/main" id="{13C48C8E-A743-0B4F-AB6E-AB828F1218C8}"/>
+                <a16:creationId xmlns:a16="http://schemas.microsoft.com/office/drawing/2014/main" id="{13C48C8E-A743-0B4F-AB6E-AB828F1218C8}"/>
               </a:ext>
             </a:extLst>
           </p:cNvPr>
@@ -2479,10 +2466,9 @@
           <a:lstStyle/>
           <a:p>
             <a:r>
-              <a:rPr lang="en-US" smtClean="0"/>
+              <a:rPr lang="en-US"/>
               <a:t>Click to edit Master title style</a:t>
             </a:r>
-            <a:endParaRPr lang="en-US"/>
           </a:p>
         </p:txBody>
       </p:sp>
@@ -2491,7 +2477,7 @@
           <p:cNvPr id="3" name="Date Placeholder 2">
             <a:extLst>
               <a:ext uri="{FF2B5EF4-FFF2-40B4-BE49-F238E27FC236}">
-                <a16:creationId xmlns="" xmlns:a16="http://schemas.microsoft.com/office/drawing/2014/main" id="{70FAB17F-6D86-B147-9346-A9B5242FC803}"/>
+                <a16:creationId xmlns:a16="http://schemas.microsoft.com/office/drawing/2014/main" id="{70FAB17F-6D86-B147-9346-A9B5242FC803}"/>
               </a:ext>
             </a:extLst>
           </p:cNvPr>
@@ -2520,7 +2506,7 @@
           <p:cNvPr id="4" name="Footer Placeholder 3">
             <a:extLst>
               <a:ext uri="{FF2B5EF4-FFF2-40B4-BE49-F238E27FC236}">
-                <a16:creationId xmlns="" xmlns:a16="http://schemas.microsoft.com/office/drawing/2014/main" id="{4B8A6F49-DCD7-7B4B-8496-2547B2A81C83}"/>
+                <a16:creationId xmlns:a16="http://schemas.microsoft.com/office/drawing/2014/main" id="{4B8A6F49-DCD7-7B4B-8496-2547B2A81C83}"/>
               </a:ext>
             </a:extLst>
           </p:cNvPr>
@@ -2545,7 +2531,7 @@
           <p:cNvPr id="5" name="Slide Number Placeholder 4">
             <a:extLst>
               <a:ext uri="{FF2B5EF4-FFF2-40B4-BE49-F238E27FC236}">
-                <a16:creationId xmlns="" xmlns:a16="http://schemas.microsoft.com/office/drawing/2014/main" id="{D4D1F89D-8541-BB4B-A145-D0DC66605C91}"/>
+                <a16:creationId xmlns:a16="http://schemas.microsoft.com/office/drawing/2014/main" id="{D4D1F89D-8541-BB4B-A145-D0DC66605C91}"/>
               </a:ext>
             </a:extLst>
           </p:cNvPr>
@@ -2604,7 +2590,7 @@
           <p:cNvPr id="2" name="Date Placeholder 1">
             <a:extLst>
               <a:ext uri="{FF2B5EF4-FFF2-40B4-BE49-F238E27FC236}">
-                <a16:creationId xmlns="" xmlns:a16="http://schemas.microsoft.com/office/drawing/2014/main" id="{AD68AA44-A589-744E-AB85-5B6ED8E7D8C0}"/>
+                <a16:creationId xmlns:a16="http://schemas.microsoft.com/office/drawing/2014/main" id="{AD68AA44-A589-744E-AB85-5B6ED8E7D8C0}"/>
               </a:ext>
             </a:extLst>
           </p:cNvPr>
@@ -2633,7 +2619,7 @@
           <p:cNvPr id="3" name="Footer Placeholder 2">
             <a:extLst>
               <a:ext uri="{FF2B5EF4-FFF2-40B4-BE49-F238E27FC236}">
-                <a16:creationId xmlns="" xmlns:a16="http://schemas.microsoft.com/office/drawing/2014/main" id="{1CA0E6D3-947A-FA4D-8626-2883D14EFE8D}"/>
+                <a16:creationId xmlns:a16="http://schemas.microsoft.com/office/drawing/2014/main" id="{1CA0E6D3-947A-FA4D-8626-2883D14EFE8D}"/>
               </a:ext>
             </a:extLst>
           </p:cNvPr>
@@ -2658,7 +2644,7 @@
           <p:cNvPr id="4" name="Slide Number Placeholder 3">
             <a:extLst>
               <a:ext uri="{FF2B5EF4-FFF2-40B4-BE49-F238E27FC236}">
-                <a16:creationId xmlns="" xmlns:a16="http://schemas.microsoft.com/office/drawing/2014/main" id="{5BF0953F-E6D0-2240-B174-03015D0856A8}"/>
+                <a16:creationId xmlns:a16="http://schemas.microsoft.com/office/drawing/2014/main" id="{5BF0953F-E6D0-2240-B174-03015D0856A8}"/>
               </a:ext>
             </a:extLst>
           </p:cNvPr>
@@ -2717,7 +2703,7 @@
           <p:cNvPr id="2" name="Title 1">
             <a:extLst>
               <a:ext uri="{FF2B5EF4-FFF2-40B4-BE49-F238E27FC236}">
-                <a16:creationId xmlns="" xmlns:a16="http://schemas.microsoft.com/office/drawing/2014/main" id="{26FFD677-FF02-3E4E-8E32-44D146E24D90}"/>
+                <a16:creationId xmlns:a16="http://schemas.microsoft.com/office/drawing/2014/main" id="{26FFD677-FF02-3E4E-8E32-44D146E24D90}"/>
               </a:ext>
             </a:extLst>
           </p:cNvPr>
@@ -2743,10 +2729,9 @@
           </a:lstStyle>
           <a:p>
             <a:r>
-              <a:rPr lang="en-US" smtClean="0"/>
+              <a:rPr lang="en-US"/>
               <a:t>Click to edit Master title style</a:t>
             </a:r>
-            <a:endParaRPr lang="en-US"/>
           </a:p>
         </p:txBody>
       </p:sp>
@@ -2755,7 +2740,7 @@
           <p:cNvPr id="3" name="Content Placeholder 2">
             <a:extLst>
               <a:ext uri="{FF2B5EF4-FFF2-40B4-BE49-F238E27FC236}">
-                <a16:creationId xmlns="" xmlns:a16="http://schemas.microsoft.com/office/drawing/2014/main" id="{9942170F-E10D-1348-86CE-8E869B806F9B}"/>
+                <a16:creationId xmlns:a16="http://schemas.microsoft.com/office/drawing/2014/main" id="{9942170F-E10D-1348-86CE-8E869B806F9B}"/>
               </a:ext>
             </a:extLst>
           </p:cNvPr>
@@ -2806,38 +2791,37 @@
           <a:p>
             <a:pPr lvl="0"/>
             <a:r>
-              <a:rPr lang="en-US" smtClean="0"/>
+              <a:rPr lang="en-US"/>
               <a:t>Click to edit Master text styles</a:t>
             </a:r>
           </a:p>
           <a:p>
             <a:pPr lvl="1"/>
             <a:r>
-              <a:rPr lang="en-US" smtClean="0"/>
+              <a:rPr lang="en-US"/>
               <a:t>Second level</a:t>
             </a:r>
           </a:p>
           <a:p>
             <a:pPr lvl="2"/>
             <a:r>
-              <a:rPr lang="en-US" smtClean="0"/>
+              <a:rPr lang="en-US"/>
               <a:t>Third level</a:t>
             </a:r>
           </a:p>
           <a:p>
             <a:pPr lvl="3"/>
             <a:r>
-              <a:rPr lang="en-US" smtClean="0"/>
+              <a:rPr lang="en-US"/>
               <a:t>Fourth level</a:t>
             </a:r>
           </a:p>
           <a:p>
             <a:pPr lvl="4"/>
             <a:r>
-              <a:rPr lang="en-US" smtClean="0"/>
+              <a:rPr lang="en-US"/>
               <a:t>Fifth level</a:t>
             </a:r>
-            <a:endParaRPr lang="en-US"/>
           </a:p>
         </p:txBody>
       </p:sp>
@@ -2846,7 +2830,7 @@
           <p:cNvPr id="4" name="Text Placeholder 3">
             <a:extLst>
               <a:ext uri="{FF2B5EF4-FFF2-40B4-BE49-F238E27FC236}">
-                <a16:creationId xmlns="" xmlns:a16="http://schemas.microsoft.com/office/drawing/2014/main" id="{80772D86-2794-394C-A208-2D3E234A3A20}"/>
+                <a16:creationId xmlns:a16="http://schemas.microsoft.com/office/drawing/2014/main" id="{80772D86-2794-394C-A208-2D3E234A3A20}"/>
               </a:ext>
             </a:extLst>
           </p:cNvPr>
@@ -2906,7 +2890,7 @@
           <a:p>
             <a:pPr lvl="0"/>
             <a:r>
-              <a:rPr lang="en-US" smtClean="0"/>
+              <a:rPr lang="en-US"/>
               <a:t>Click to edit Master text styles</a:t>
             </a:r>
           </a:p>
@@ -2917,7 +2901,7 @@
           <p:cNvPr id="5" name="Date Placeholder 4">
             <a:extLst>
               <a:ext uri="{FF2B5EF4-FFF2-40B4-BE49-F238E27FC236}">
-                <a16:creationId xmlns="" xmlns:a16="http://schemas.microsoft.com/office/drawing/2014/main" id="{B5314D31-901A-D944-B06D-3D8106F2A2BC}"/>
+                <a16:creationId xmlns:a16="http://schemas.microsoft.com/office/drawing/2014/main" id="{B5314D31-901A-D944-B06D-3D8106F2A2BC}"/>
               </a:ext>
             </a:extLst>
           </p:cNvPr>
@@ -2946,7 +2930,7 @@
           <p:cNvPr id="6" name="Footer Placeholder 5">
             <a:extLst>
               <a:ext uri="{FF2B5EF4-FFF2-40B4-BE49-F238E27FC236}">
-                <a16:creationId xmlns="" xmlns:a16="http://schemas.microsoft.com/office/drawing/2014/main" id="{BFFC6519-9D04-AC45-BB37-9DD413CC741D}"/>
+                <a16:creationId xmlns:a16="http://schemas.microsoft.com/office/drawing/2014/main" id="{BFFC6519-9D04-AC45-BB37-9DD413CC741D}"/>
               </a:ext>
             </a:extLst>
           </p:cNvPr>
@@ -2971,7 +2955,7 @@
           <p:cNvPr id="7" name="Slide Number Placeholder 6">
             <a:extLst>
               <a:ext uri="{FF2B5EF4-FFF2-40B4-BE49-F238E27FC236}">
-                <a16:creationId xmlns="" xmlns:a16="http://schemas.microsoft.com/office/drawing/2014/main" id="{856ACFF3-3C93-FA41-80F3-4708944F9A8C}"/>
+                <a16:creationId xmlns:a16="http://schemas.microsoft.com/office/drawing/2014/main" id="{856ACFF3-3C93-FA41-80F3-4708944F9A8C}"/>
               </a:ext>
             </a:extLst>
           </p:cNvPr>
@@ -3030,7 +3014,7 @@
           <p:cNvPr id="2" name="Title 1">
             <a:extLst>
               <a:ext uri="{FF2B5EF4-FFF2-40B4-BE49-F238E27FC236}">
-                <a16:creationId xmlns="" xmlns:a16="http://schemas.microsoft.com/office/drawing/2014/main" id="{52F7D6A8-4C7A-ED44-A821-97E76FB58748}"/>
+                <a16:creationId xmlns:a16="http://schemas.microsoft.com/office/drawing/2014/main" id="{52F7D6A8-4C7A-ED44-A821-97E76FB58748}"/>
               </a:ext>
             </a:extLst>
           </p:cNvPr>
@@ -3056,10 +3040,9 @@
           </a:lstStyle>
           <a:p>
             <a:r>
-              <a:rPr lang="en-US" smtClean="0"/>
+              <a:rPr lang="en-US"/>
               <a:t>Click to edit Master title style</a:t>
             </a:r>
-            <a:endParaRPr lang="en-US"/>
           </a:p>
         </p:txBody>
       </p:sp>
@@ -3068,7 +3051,7 @@
           <p:cNvPr id="3" name="Picture Placeholder 2">
             <a:extLst>
               <a:ext uri="{FF2B5EF4-FFF2-40B4-BE49-F238E27FC236}">
-                <a16:creationId xmlns="" xmlns:a16="http://schemas.microsoft.com/office/drawing/2014/main" id="{FFA0AABB-AB65-FB40-8DCA-227F017E16C5}"/>
+                <a16:creationId xmlns:a16="http://schemas.microsoft.com/office/drawing/2014/main" id="{FFA0AABB-AB65-FB40-8DCA-227F017E16C5}"/>
               </a:ext>
             </a:extLst>
           </p:cNvPr>
@@ -3127,10 +3110,9 @@
           </a:lstStyle>
           <a:p>
             <a:r>
-              <a:rPr lang="en-US" smtClean="0"/>
+              <a:rPr lang="en-US"/>
               <a:t>Drag picture to placeholder or click icon to add</a:t>
             </a:r>
-            <a:endParaRPr lang="en-US"/>
           </a:p>
         </p:txBody>
       </p:sp>
@@ -3139,7 +3121,7 @@
           <p:cNvPr id="4" name="Text Placeholder 3">
             <a:extLst>
               <a:ext uri="{FF2B5EF4-FFF2-40B4-BE49-F238E27FC236}">
-                <a16:creationId xmlns="" xmlns:a16="http://schemas.microsoft.com/office/drawing/2014/main" id="{67AC3EE9-FB8F-F642-BB10-A468CFF85E6A}"/>
+                <a16:creationId xmlns:a16="http://schemas.microsoft.com/office/drawing/2014/main" id="{67AC3EE9-FB8F-F642-BB10-A468CFF85E6A}"/>
               </a:ext>
             </a:extLst>
           </p:cNvPr>
@@ -3199,7 +3181,7 @@
           <a:p>
             <a:pPr lvl="0"/>
             <a:r>
-              <a:rPr lang="en-US" smtClean="0"/>
+              <a:rPr lang="en-US"/>
               <a:t>Click to edit Master text styles</a:t>
             </a:r>
           </a:p>
@@ -3210,7 +3192,7 @@
           <p:cNvPr id="5" name="Date Placeholder 4">
             <a:extLst>
               <a:ext uri="{FF2B5EF4-FFF2-40B4-BE49-F238E27FC236}">
-                <a16:creationId xmlns="" xmlns:a16="http://schemas.microsoft.com/office/drawing/2014/main" id="{0A0EC8A2-C616-8B40-8C9C-A15442358393}"/>
+                <a16:creationId xmlns:a16="http://schemas.microsoft.com/office/drawing/2014/main" id="{0A0EC8A2-C616-8B40-8C9C-A15442358393}"/>
               </a:ext>
             </a:extLst>
           </p:cNvPr>
@@ -3239,7 +3221,7 @@
           <p:cNvPr id="6" name="Footer Placeholder 5">
             <a:extLst>
               <a:ext uri="{FF2B5EF4-FFF2-40B4-BE49-F238E27FC236}">
-                <a16:creationId xmlns="" xmlns:a16="http://schemas.microsoft.com/office/drawing/2014/main" id="{AA229EC7-73FC-4D43-8916-C76404AC37DC}"/>
+                <a16:creationId xmlns:a16="http://schemas.microsoft.com/office/drawing/2014/main" id="{AA229EC7-73FC-4D43-8916-C76404AC37DC}"/>
               </a:ext>
             </a:extLst>
           </p:cNvPr>
@@ -3264,7 +3246,7 @@
           <p:cNvPr id="7" name="Slide Number Placeholder 6">
             <a:extLst>
               <a:ext uri="{FF2B5EF4-FFF2-40B4-BE49-F238E27FC236}">
-                <a16:creationId xmlns="" xmlns:a16="http://schemas.microsoft.com/office/drawing/2014/main" id="{D84430E4-67BB-3342-B2B8-DFBE758CFA59}"/>
+                <a16:creationId xmlns:a16="http://schemas.microsoft.com/office/drawing/2014/main" id="{D84430E4-67BB-3342-B2B8-DFBE758CFA59}"/>
               </a:ext>
             </a:extLst>
           </p:cNvPr>
@@ -3328,7 +3310,7 @@
           <p:cNvPr id="2" name="Title Placeholder 1">
             <a:extLst>
               <a:ext uri="{FF2B5EF4-FFF2-40B4-BE49-F238E27FC236}">
-                <a16:creationId xmlns="" xmlns:a16="http://schemas.microsoft.com/office/drawing/2014/main" id="{ED530927-E202-4648-95ED-A701F648A289}"/>
+                <a16:creationId xmlns:a16="http://schemas.microsoft.com/office/drawing/2014/main" id="{ED530927-E202-4648-95ED-A701F648A289}"/>
               </a:ext>
             </a:extLst>
           </p:cNvPr>
@@ -3355,10 +3337,9 @@
           <a:lstStyle/>
           <a:p>
             <a:r>
-              <a:rPr lang="en-US" smtClean="0"/>
+              <a:rPr lang="en-US"/>
               <a:t>Click to edit Master title style</a:t>
             </a:r>
-            <a:endParaRPr lang="en-US"/>
           </a:p>
         </p:txBody>
       </p:sp>
@@ -3367,7 +3348,7 @@
           <p:cNvPr id="3" name="Text Placeholder 2">
             <a:extLst>
               <a:ext uri="{FF2B5EF4-FFF2-40B4-BE49-F238E27FC236}">
-                <a16:creationId xmlns="" xmlns:a16="http://schemas.microsoft.com/office/drawing/2014/main" id="{F00E1E3E-B2FE-5A47-8C43-849DE842741B}"/>
+                <a16:creationId xmlns:a16="http://schemas.microsoft.com/office/drawing/2014/main" id="{F00E1E3E-B2FE-5A47-8C43-849DE842741B}"/>
               </a:ext>
             </a:extLst>
           </p:cNvPr>
@@ -3434,7 +3415,7 @@
           <p:cNvPr id="4" name="Date Placeholder 3">
             <a:extLst>
               <a:ext uri="{FF2B5EF4-FFF2-40B4-BE49-F238E27FC236}">
-                <a16:creationId xmlns="" xmlns:a16="http://schemas.microsoft.com/office/drawing/2014/main" id="{A51822C1-C9FC-554F-B744-0FF8DD0A61C0}"/>
+                <a16:creationId xmlns:a16="http://schemas.microsoft.com/office/drawing/2014/main" id="{A51822C1-C9FC-554F-B744-0FF8DD0A61C0}"/>
               </a:ext>
             </a:extLst>
           </p:cNvPr>
@@ -3481,7 +3462,7 @@
           <p:cNvPr id="5" name="Footer Placeholder 4">
             <a:extLst>
               <a:ext uri="{FF2B5EF4-FFF2-40B4-BE49-F238E27FC236}">
-                <a16:creationId xmlns="" xmlns:a16="http://schemas.microsoft.com/office/drawing/2014/main" id="{AA4916E3-9D5B-B647-A5DA-A5B78525EFFB}"/>
+                <a16:creationId xmlns:a16="http://schemas.microsoft.com/office/drawing/2014/main" id="{AA4916E3-9D5B-B647-A5DA-A5B78525EFFB}"/>
               </a:ext>
             </a:extLst>
           </p:cNvPr>
@@ -3524,7 +3505,7 @@
           <p:cNvPr id="6" name="Slide Number Placeholder 5">
             <a:extLst>
               <a:ext uri="{FF2B5EF4-FFF2-40B4-BE49-F238E27FC236}">
-                <a16:creationId xmlns="" xmlns:a16="http://schemas.microsoft.com/office/drawing/2014/main" id="{11872E83-B77B-9647-AE80-95985B60F4F0}"/>
+                <a16:creationId xmlns:a16="http://schemas.microsoft.com/office/drawing/2014/main" id="{11872E83-B77B-9647-AE80-95985B60F4F0}"/>
               </a:ext>
             </a:extLst>
           </p:cNvPr>
@@ -3571,7 +3552,7 @@
           <p:cNvPr id="7" name="Picture 6">
             <a:extLst>
               <a:ext uri="{FF2B5EF4-FFF2-40B4-BE49-F238E27FC236}">
-                <a16:creationId xmlns="" xmlns:a16="http://schemas.microsoft.com/office/drawing/2014/main" id="{F0F46825-E66D-B247-B71A-C48424207597}"/>
+                <a16:creationId xmlns:a16="http://schemas.microsoft.com/office/drawing/2014/main" id="{F0F46825-E66D-B247-B71A-C48424207597}"/>
               </a:ext>
             </a:extLst>
           </p:cNvPr>
@@ -3922,7 +3903,7 @@
           <p:cNvPr id="2" name="Title 1">
             <a:extLst>
               <a:ext uri="{FF2B5EF4-FFF2-40B4-BE49-F238E27FC236}">
-                <a16:creationId xmlns="" xmlns:a16="http://schemas.microsoft.com/office/drawing/2014/main" id="{DDB4A5C5-CE37-5241-A9FF-85F98EF1E91E}"/>
+                <a16:creationId xmlns:a16="http://schemas.microsoft.com/office/drawing/2014/main" id="{DDB4A5C5-CE37-5241-A9FF-85F98EF1E91E}"/>
               </a:ext>
             </a:extLst>
           </p:cNvPr>
@@ -3942,7 +3923,7 @@
           <a:p>
             <a:pPr algn="l"/>
             <a:r>
-              <a:rPr lang="en-US" b="1" dirty="0" smtClean="0"/>
+              <a:rPr lang="en-US" b="1" dirty="0"/>
               <a:t>Sorting</a:t>
             </a:r>
             <a:endParaRPr lang="en-US" dirty="0"/>
@@ -3954,7 +3935,7 @@
           <p:cNvPr id="3" name="Subtitle 2">
             <a:extLst>
               <a:ext uri="{FF2B5EF4-FFF2-40B4-BE49-F238E27FC236}">
-                <a16:creationId xmlns="" xmlns:a16="http://schemas.microsoft.com/office/drawing/2014/main" id="{5EF75859-F09F-414F-8571-4D3854CD3C44}"/>
+                <a16:creationId xmlns:a16="http://schemas.microsoft.com/office/drawing/2014/main" id="{5EF75859-F09F-414F-8571-4D3854CD3C44}"/>
               </a:ext>
             </a:extLst>
           </p:cNvPr>
@@ -3979,14 +3960,13 @@
           <a:p>
             <a:pPr algn="l"/>
             <a:r>
-              <a:rPr lang="en-US" dirty="0" smtClean="0"/>
+              <a:rPr lang="en-US" dirty="0"/>
               <a:t>Dirty tricks to sort faster than </a:t>
             </a:r>
             <a:r>
-              <a:rPr lang="en-US" i="1" dirty="0" smtClean="0"/>
+              <a:rPr lang="en-US" i="1" dirty="0"/>
               <a:t>O(n log n)</a:t>
             </a:r>
-            <a:endParaRPr lang="en-US" i="1" dirty="0"/>
           </a:p>
         </p:txBody>
       </p:sp>
@@ -3995,7 +3975,7 @@
           <p:cNvPr id="5" name="Rectangle 4">
             <a:extLst>
               <a:ext uri="{FF2B5EF4-FFF2-40B4-BE49-F238E27FC236}">
-                <a16:creationId xmlns="" xmlns:a16="http://schemas.microsoft.com/office/drawing/2014/main" id="{39D37F11-0EC0-C645-ADE9-CE8BFDF0B2D4}"/>
+                <a16:creationId xmlns:a16="http://schemas.microsoft.com/office/drawing/2014/main" id="{39D37F11-0EC0-C645-ADE9-CE8BFDF0B2D4}"/>
               </a:ext>
             </a:extLst>
           </p:cNvPr>
@@ -4084,10 +4064,264 @@
           <a:lstStyle/>
           <a:p>
             <a:r>
-              <a:rPr lang="en-US" dirty="0" smtClean="0"/>
+              <a:rPr lang="en-US" dirty="0"/>
+              <a:t> Bucket sort (also called bin sort)</a:t>
+            </a:r>
+          </a:p>
+        </p:txBody>
+      </p:sp>
+      <p:sp>
+        <p:nvSpPr>
+          <p:cNvPr id="3" name="Content Placeholder 2"/>
+          <p:cNvSpPr>
+            <a:spLocks noGrp="1"/>
+          </p:cNvSpPr>
+          <p:nvPr>
+            <p:ph idx="1"/>
+          </p:nvPr>
+        </p:nvSpPr>
+        <p:spPr/>
+        <p:txBody>
+          <a:bodyPr>
+            <a:normAutofit fontScale="92500" lnSpcReduction="10000"/>
+          </a:bodyPr>
+          <a:lstStyle/>
+          <a:p>
+            <a:r>
+              <a:rPr lang="en-US" dirty="0"/>
+              <a:t>Idea: distribute n elements across m ordered buckets, sort elements within each bucket, then concatenate elements from sorted buckets in order</a:t>
+            </a:r>
+          </a:p>
+          <a:p>
+            <a:endParaRPr lang="en-US" dirty="0"/>
+          </a:p>
+          <a:p>
+            <a:endParaRPr lang="en-US" dirty="0"/>
+          </a:p>
+          <a:p>
+            <a:endParaRPr lang="en-US" dirty="0"/>
+          </a:p>
+          <a:p>
+            <a:endParaRPr lang="en-US" dirty="0"/>
+          </a:p>
+          <a:p>
+            <a:r>
+              <a:rPr lang="en-US" dirty="0"/>
+              <a:t>Similar to pigeonhole sort but pigeonhole has 1 key per bucket</a:t>
+            </a:r>
+          </a:p>
+          <a:p>
+            <a:r>
+              <a:rPr lang="en-US" dirty="0"/>
+              <a:t>Best when even distribution of values like hash table</a:t>
+            </a:r>
+          </a:p>
+          <a:p>
+            <a:r>
+              <a:rPr lang="en-US" dirty="0"/>
+              <a:t>Works for floats not just </a:t>
+            </a:r>
+            <a:r>
+              <a:rPr lang="en-US" dirty="0" err="1"/>
+              <a:t>ints</a:t>
+            </a:r>
+            <a:r>
+              <a:rPr lang="en-US" dirty="0"/>
+              <a:t>; see notebook for implementation</a:t>
+            </a:r>
+          </a:p>
+        </p:txBody>
+      </p:sp>
+      <p:sp>
+        <p:nvSpPr>
+          <p:cNvPr id="4" name="Rectangle 3"/>
+          <p:cNvSpPr/>
+          <p:nvPr/>
+        </p:nvSpPr>
+        <p:spPr>
+          <a:xfrm>
+            <a:off x="738380" y="6311900"/>
+            <a:ext cx="4275529" cy="369332"/>
+          </a:xfrm>
+          <a:prstGeom prst="rect">
+            <a:avLst/>
+          </a:prstGeom>
+        </p:spPr>
+        <p:txBody>
+          <a:bodyPr wrap="none">
+            <a:spAutoFit/>
+          </a:bodyPr>
+          <a:lstStyle/>
+          <a:p>
+            <a:r>
+              <a:rPr lang="en-US"/>
+              <a:t>https://</a:t>
+            </a:r>
+            <a:r>
+              <a:rPr lang="en-US" dirty="0" err="1"/>
+              <a:t>en.wikipedia.org</a:t>
+            </a:r>
+            <a:r>
+              <a:rPr lang="en-US" dirty="0"/>
+              <a:t>/wiki/</a:t>
+            </a:r>
+            <a:r>
+              <a:rPr lang="en-US" dirty="0" err="1"/>
+              <a:t>Bucket_sort</a:t>
+            </a:r>
+            <a:endParaRPr lang="en-US" dirty="0"/>
+          </a:p>
+        </p:txBody>
+      </p:sp>
+      <p:sp>
+        <p:nvSpPr>
+          <p:cNvPr id="8" name="Right Arrow 7"/>
+          <p:cNvSpPr/>
+          <p:nvPr/>
+        </p:nvSpPr>
+        <p:spPr>
+          <a:xfrm>
+            <a:off x="5589134" y="3467769"/>
+            <a:ext cx="521785" cy="458017"/>
+          </a:xfrm>
+          <a:prstGeom prst="rightArrow">
+            <a:avLst/>
+          </a:prstGeom>
+        </p:spPr>
+        <p:style>
+          <a:lnRef idx="2">
+            <a:schemeClr val="accent1">
+              <a:shade val="50000"/>
+            </a:schemeClr>
+          </a:lnRef>
+          <a:fillRef idx="1">
+            <a:schemeClr val="accent1"/>
+          </a:fillRef>
+          <a:effectRef idx="0">
+            <a:schemeClr val="accent1"/>
+          </a:effectRef>
+          <a:fontRef idx="minor">
+            <a:schemeClr val="lt1"/>
+          </a:fontRef>
+        </p:style>
+        <p:txBody>
+          <a:bodyPr rtlCol="0" anchor="ctr"/>
+          <a:lstStyle/>
+          <a:p>
+            <a:pPr algn="ctr"/>
+            <a:endParaRPr lang="en-US"/>
+          </a:p>
+        </p:txBody>
+      </p:sp>
+      <p:pic>
+        <p:nvPicPr>
+          <p:cNvPr id="7" name="Picture 6">
+            <a:extLst>
+              <a:ext uri="{FF2B5EF4-FFF2-40B4-BE49-F238E27FC236}">
+                <a16:creationId xmlns:a16="http://schemas.microsoft.com/office/drawing/2014/main" id="{F049B3E3-9305-B642-9989-9A9C5E3F49C4}"/>
+              </a:ext>
+            </a:extLst>
+          </p:cNvPr>
+          <p:cNvPicPr>
+            <a:picLocks noChangeAspect="1"/>
+          </p:cNvPicPr>
+          <p:nvPr/>
+        </p:nvPicPr>
+        <p:blipFill>
+          <a:blip r:embed="rId2"/>
+          <a:stretch>
+            <a:fillRect/>
+          </a:stretch>
+        </p:blipFill>
+        <p:spPr>
+          <a:xfrm>
+            <a:off x="1454555" y="2795077"/>
+            <a:ext cx="3835400" cy="1803400"/>
+          </a:xfrm>
+          <a:prstGeom prst="rect">
+            <a:avLst/>
+          </a:prstGeom>
+        </p:spPr>
+      </p:pic>
+      <p:pic>
+        <p:nvPicPr>
+          <p:cNvPr id="10" name="Picture 9">
+            <a:extLst>
+              <a:ext uri="{FF2B5EF4-FFF2-40B4-BE49-F238E27FC236}">
+                <a16:creationId xmlns:a16="http://schemas.microsoft.com/office/drawing/2014/main" id="{940BF739-7BE5-F24D-B4F8-A2DBEEEB66C3}"/>
+              </a:ext>
+            </a:extLst>
+          </p:cNvPr>
+          <p:cNvPicPr>
+            <a:picLocks noChangeAspect="1"/>
+          </p:cNvPicPr>
+          <p:nvPr/>
+        </p:nvPicPr>
+        <p:blipFill>
+          <a:blip r:embed="rId3"/>
+          <a:stretch>
+            <a:fillRect/>
+          </a:stretch>
+        </p:blipFill>
+        <p:spPr>
+          <a:xfrm>
+            <a:off x="6295957" y="3297136"/>
+            <a:ext cx="3860800" cy="1257300"/>
+          </a:xfrm>
+          <a:prstGeom prst="rect">
+            <a:avLst/>
+          </a:prstGeom>
+        </p:spPr>
+      </p:pic>
+    </p:spTree>
+    <p:extLst>
+      <p:ext uri="{BB962C8B-B14F-4D97-AF65-F5344CB8AC3E}">
+        <p14:creationId xmlns:p14="http://schemas.microsoft.com/office/powerpoint/2010/main" val="134092240"/>
+      </p:ext>
+    </p:extLst>
+  </p:cSld>
+  <p:clrMapOvr>
+    <a:masterClrMapping/>
+  </p:clrMapOvr>
+</p:sld>
+</file>
+
+<file path=ppt/slides/slide11.xml><?xml version="1.0" encoding="utf-8"?>
+<p:sld xmlns:a="http://schemas.openxmlformats.org/drawingml/2006/main" xmlns:r="http://schemas.openxmlformats.org/officeDocument/2006/relationships" xmlns:p="http://schemas.openxmlformats.org/presentationml/2006/main">
+  <p:cSld>
+    <p:spTree>
+      <p:nvGrpSpPr>
+        <p:cNvPr id="1" name=""/>
+        <p:cNvGrpSpPr/>
+        <p:nvPr/>
+      </p:nvGrpSpPr>
+      <p:grpSpPr>
+        <a:xfrm>
+          <a:off x="0" y="0"/>
+          <a:ext cx="0" cy="0"/>
+          <a:chOff x="0" y="0"/>
+          <a:chExt cx="0" cy="0"/>
+        </a:xfrm>
+      </p:grpSpPr>
+      <p:sp>
+        <p:nvSpPr>
+          <p:cNvPr id="2" name="Title 1"/>
+          <p:cNvSpPr>
+            <a:spLocks noGrp="1"/>
+          </p:cNvSpPr>
+          <p:nvPr>
+            <p:ph type="title"/>
+          </p:nvPr>
+        </p:nvSpPr>
+        <p:spPr/>
+        <p:txBody>
+          <a:bodyPr/>
+          <a:lstStyle/>
+          <a:p>
+            <a:r>
+              <a:rPr lang="en-US" dirty="0"/>
               <a:t>Bucket sort worst-case analysis</a:t>
             </a:r>
-            <a:endParaRPr lang="en-US" dirty="0"/>
           </a:p>
         </p:txBody>
       </p:sp>
@@ -4115,52 +4349,51 @@
               <a:t>n,m</a:t>
             </a:r>
             <a:r>
-              <a:rPr lang="en-US" dirty="0" smtClean="0"/>
+              <a:rPr lang="en-US" dirty="0"/>
               <a:t>) worst-case?</a:t>
             </a:r>
           </a:p>
           <a:p>
             <a:r>
-              <a:rPr lang="en-US" dirty="0" smtClean="0"/>
+              <a:rPr lang="en-US" dirty="0"/>
               <a:t>Assume all values are the same, putting everything into one bucket</a:t>
             </a:r>
           </a:p>
           <a:p>
             <a:r>
-              <a:rPr lang="en-US" dirty="0" smtClean="0"/>
+              <a:rPr lang="en-US" dirty="0"/>
               <a:t>Sorting one bucket at best costs us n log n</a:t>
             </a:r>
           </a:p>
           <a:p>
             <a:r>
-              <a:rPr lang="en-US" dirty="0" smtClean="0"/>
+              <a:rPr lang="en-US" dirty="0"/>
               <a:t>There are m buckets we must walk</a:t>
             </a:r>
           </a:p>
           <a:p>
             <a:r>
-              <a:rPr lang="en-US" dirty="0" smtClean="0"/>
+              <a:rPr lang="en-US" dirty="0"/>
               <a:t>T(</a:t>
             </a:r>
             <a:r>
-              <a:rPr lang="en-US" dirty="0" err="1" smtClean="0"/>
+              <a:rPr lang="en-US" dirty="0" err="1"/>
               <a:t>n,m</a:t>
             </a:r>
             <a:r>
-              <a:rPr lang="en-US" dirty="0" smtClean="0"/>
+              <a:rPr lang="en-US" dirty="0"/>
               <a:t>) = n log n + m, yielding O(n log n)</a:t>
             </a:r>
           </a:p>
           <a:p>
             <a:r>
-              <a:rPr lang="en-US" dirty="0" err="1" smtClean="0"/>
+              <a:rPr lang="en-US" dirty="0" err="1"/>
               <a:t>Bubblesort</a:t>
             </a:r>
             <a:r>
-              <a:rPr lang="en-US" dirty="0" smtClean="0"/>
-              <a:t> might be faster for small buckets of size k=n/m so that’s O(n^2) worst-case</a:t>
-            </a:r>
-            <a:endParaRPr lang="en-US" dirty="0"/>
+              <a:rPr lang="en-US" dirty="0"/>
+              <a:t> might be faster for small buckets of size k=n/m but that’s O(n^2) worst-case in theory</a:t>
+            </a:r>
           </a:p>
         </p:txBody>
       </p:sp>
@@ -4437,7 +4670,7 @@
 </p:sld>
 </file>
 
-<file path=ppt/slides/slide11.xml><?xml version="1.0" encoding="utf-8"?>
+<file path=ppt/slides/slide12.xml><?xml version="1.0" encoding="utf-8"?>
 <p:sld xmlns:a="http://schemas.openxmlformats.org/drawingml/2006/main" xmlns:r="http://schemas.openxmlformats.org/officeDocument/2006/relationships" xmlns:p="http://schemas.openxmlformats.org/presentationml/2006/main">
   <p:cSld>
     <p:spTree>
@@ -4471,13 +4704,8 @@
           <a:p>
             <a:r>
               <a:rPr lang="en-US" dirty="0"/>
-              <a:t>Bucket </a:t>
-            </a:r>
-            <a:r>
-              <a:rPr lang="en-US" dirty="0" smtClean="0"/>
-              <a:t>sort best-case analysis</a:t>
-            </a:r>
-            <a:endParaRPr lang="en-US" dirty="0"/>
+              <a:t>Bucket sort best-case analysis</a:t>
+            </a:r>
           </a:p>
         </p:txBody>
       </p:sp>
@@ -4497,70 +4725,69 @@
           <a:lstStyle/>
           <a:p>
             <a:r>
-              <a:rPr lang="en-US" dirty="0" smtClean="0"/>
+              <a:rPr lang="en-US" dirty="0"/>
               <a:t>What’s the best case or average case look like?</a:t>
             </a:r>
           </a:p>
           <a:p>
             <a:r>
-              <a:rPr lang="en-US" dirty="0" smtClean="0"/>
+              <a:rPr lang="en-US" dirty="0"/>
               <a:t>Assume even distribution of elements across m buckets</a:t>
             </a:r>
           </a:p>
           <a:p>
             <a:r>
-              <a:rPr lang="en-US" dirty="0" smtClean="0"/>
+              <a:rPr lang="en-US" dirty="0"/>
               <a:t>Choose m always so n/m is some small fixed constant size k</a:t>
             </a:r>
           </a:p>
           <a:p>
             <a:r>
-              <a:rPr lang="en-US" dirty="0" smtClean="0"/>
+              <a:rPr lang="en-US" dirty="0"/>
               <a:t>Sort k elements m times (</a:t>
             </a:r>
             <a:r>
-              <a:rPr lang="en-US" dirty="0" err="1" smtClean="0"/>
+              <a:rPr lang="en-US" dirty="0" err="1"/>
               <a:t>bubblesort</a:t>
             </a:r>
             <a:r>
-              <a:rPr lang="en-US" dirty="0" smtClean="0"/>
+              <a:rPr lang="en-US" dirty="0"/>
               <a:t>), merge m sorted lists</a:t>
             </a:r>
           </a:p>
           <a:p>
             <a:r>
-              <a:rPr lang="en-US" dirty="0" smtClean="0"/>
+              <a:rPr lang="en-US" dirty="0"/>
               <a:t>T(</a:t>
             </a:r>
             <a:r>
-              <a:rPr lang="en-US" dirty="0" err="1" smtClean="0"/>
+              <a:rPr lang="en-US" dirty="0" err="1"/>
               <a:t>n,m,k</a:t>
             </a:r>
             <a:r>
-              <a:rPr lang="en-US" dirty="0" smtClean="0"/>
+              <a:rPr lang="en-US" dirty="0"/>
               <a:t>) = m * k^2 + n</a:t>
             </a:r>
           </a:p>
           <a:p>
             <a:r>
-              <a:rPr lang="en-US" dirty="0" smtClean="0"/>
+              <a:rPr lang="en-US" dirty="0"/>
               <a:t>T(</a:t>
             </a:r>
             <a:r>
-              <a:rPr lang="en-US" dirty="0" err="1" smtClean="0"/>
+              <a:rPr lang="en-US" dirty="0" err="1"/>
               <a:t>n,k</a:t>
             </a:r>
             <a:r>
-              <a:rPr lang="en-US" dirty="0" smtClean="0"/>
+              <a:rPr lang="en-US" dirty="0"/>
               <a:t>) = n/k * k^2 + n = n/k + n   (choose k close to n)</a:t>
             </a:r>
           </a:p>
           <a:p>
             <a:r>
-              <a:rPr lang="en-US" dirty="0" smtClean="0"/>
+              <a:rPr lang="en-US" dirty="0"/>
               <a:t>That gives us O(n)</a:t>
             </a:r>
-            <a:endParaRPr lang="en-US" dirty="0"/>
           </a:p>
         </p:txBody>
       </p:sp>
@@ -4868,7 +5095,7 @@
 </p:sld>
 </file>
 
-<file path=ppt/slides/slide12.xml><?xml version="1.0" encoding="utf-8"?>
+<file path=ppt/slides/slide13.xml><?xml version="1.0" encoding="utf-8"?>
 <p:sld xmlns:a="http://schemas.openxmlformats.org/drawingml/2006/main" xmlns:r="http://schemas.openxmlformats.org/officeDocument/2006/relationships" xmlns:p="http://schemas.openxmlformats.org/presentationml/2006/main">
   <p:cSld>
     <p:spTree>
@@ -4901,10 +5128,9 @@
           <a:lstStyle/>
           <a:p>
             <a:r>
-              <a:rPr lang="en-US" dirty="0" smtClean="0"/>
-              <a:t>Pigeonhole sort on strings</a:t>
-            </a:r>
-            <a:endParaRPr lang="en-US" dirty="0"/>
+              <a:rPr lang="en-US" dirty="0"/>
+              <a:t>Bucket sort on strings</a:t>
+            </a:r>
           </a:p>
         </p:txBody>
       </p:sp>
@@ -4924,62 +5150,79 @@
           <a:lstStyle/>
           <a:p>
             <a:r>
-              <a:rPr lang="en-US" dirty="0" smtClean="0"/>
+              <a:rPr lang="en-US" dirty="0"/>
               <a:t>Use first letter as bucket key</a:t>
             </a:r>
           </a:p>
           <a:p>
             <a:r>
-              <a:rPr lang="en-US" dirty="0" smtClean="0"/>
+              <a:rPr lang="en-US" dirty="0"/>
               <a:t>Add strings to buckets</a:t>
             </a:r>
           </a:p>
           <a:p>
             <a:r>
-              <a:rPr lang="en-US" dirty="0" smtClean="0"/>
+              <a:rPr lang="en-US" dirty="0"/>
               <a:t>Sort within bucket</a:t>
             </a:r>
           </a:p>
           <a:p>
             <a:r>
-              <a:rPr lang="en-US" dirty="0" smtClean="0"/>
+              <a:rPr lang="en-US" dirty="0"/>
               <a:t>Walk </a:t>
             </a:r>
             <a:r>
-              <a:rPr lang="en-US" dirty="0" err="1" smtClean="0"/>
+              <a:rPr lang="en-US" dirty="0" err="1"/>
               <a:t>a..z</a:t>
             </a:r>
             <a:r>
-              <a:rPr lang="en-US" dirty="0" smtClean="0"/>
-              <a:t> buckets, merging those</a:t>
+              <a:rPr lang="en-US" dirty="0"/>
+              <a:t> buckets, concatenating</a:t>
             </a:r>
             <a:br>
-              <a:rPr lang="en-US" dirty="0" smtClean="0"/>
+              <a:rPr lang="en-US" dirty="0"/>
             </a:br>
             <a:r>
-              <a:rPr lang="en-US" dirty="0" smtClean="0"/>
-              <a:t>sorted lists into single list</a:t>
-            </a:r>
-          </a:p>
-          <a:p>
-            <a:r>
-              <a:rPr lang="en-US" smtClean="0"/>
+              <a:rPr lang="en-US" dirty="0"/>
+              <a:t>those sorted lists into single list</a:t>
+            </a:r>
+          </a:p>
+          <a:p>
+            <a:r>
+              <a:rPr lang="en-US" dirty="0"/>
               <a:t>Could also do bucket sort here</a:t>
             </a:r>
             <a:br>
-              <a:rPr lang="en-US" smtClean="0"/>
+              <a:rPr lang="en-US" dirty="0"/>
             </a:br>
             <a:r>
-              <a:rPr lang="en-US" smtClean="0"/>
+              <a:rPr lang="en-US" dirty="0"/>
               <a:t>How would that work?</a:t>
             </a:r>
-            <a:endParaRPr lang="en-US" dirty="0"/>
+          </a:p>
+          <a:p>
+            <a:r>
+              <a:rPr lang="en-US" dirty="0"/>
+              <a:t>See sorting notebook for implementation</a:t>
+            </a:r>
+          </a:p>
+          <a:p>
+            <a:r>
+              <a:rPr lang="en-US" dirty="0"/>
+              <a:t>What if all words start with same letter?</a:t>
+            </a:r>
           </a:p>
         </p:txBody>
       </p:sp>
       <p:pic>
         <p:nvPicPr>
-          <p:cNvPr id="4" name="Picture 3"/>
+          <p:cNvPr id="5" name="Picture 4">
+            <a:extLst>
+              <a:ext uri="{FF2B5EF4-FFF2-40B4-BE49-F238E27FC236}">
+                <a16:creationId xmlns:a16="http://schemas.microsoft.com/office/drawing/2014/main" id="{D763CE5F-8BAE-5542-ACDC-BE45814D4972}"/>
+              </a:ext>
+            </a:extLst>
+          </p:cNvPr>
           <p:cNvPicPr>
             <a:picLocks noChangeAspect="1"/>
           </p:cNvPicPr>
@@ -4993,8 +5236,8 @@
         </p:blipFill>
         <p:spPr>
           <a:xfrm>
-            <a:off x="5854741" y="1170877"/>
-            <a:ext cx="6254089" cy="3902928"/>
+            <a:off x="5981670" y="1264190"/>
+            <a:ext cx="6111026" cy="3813648"/>
           </a:xfrm>
           <a:prstGeom prst="rect">
             <a:avLst/>
@@ -5011,13 +5254,182 @@
   <p:clrMapOvr>
     <a:masterClrMapping/>
   </p:clrMapOvr>
-  <p:timing>
-    <p:tnLst>
-      <p:par>
-        <p:cTn id="1" dur="indefinite" restart="never" nodeType="tmRoot"/>
-      </p:par>
-    </p:tnLst>
-  </p:timing>
+</p:sld>
+</file>
+
+<file path=ppt/slides/slide14.xml><?xml version="1.0" encoding="utf-8"?>
+<p:sld xmlns:a="http://schemas.openxmlformats.org/drawingml/2006/main" xmlns:r="http://schemas.openxmlformats.org/officeDocument/2006/relationships" xmlns:p="http://schemas.openxmlformats.org/presentationml/2006/main">
+  <p:cSld>
+    <p:spTree>
+      <p:nvGrpSpPr>
+        <p:cNvPr id="1" name=""/>
+        <p:cNvGrpSpPr/>
+        <p:nvPr/>
+      </p:nvGrpSpPr>
+      <p:grpSpPr>
+        <a:xfrm>
+          <a:off x="0" y="0"/>
+          <a:ext cx="0" cy="0"/>
+          <a:chOff x="0" y="0"/>
+          <a:chExt cx="0" cy="0"/>
+        </a:xfrm>
+      </p:grpSpPr>
+      <p:sp>
+        <p:nvSpPr>
+          <p:cNvPr id="2" name="Title 1">
+            <a:extLst>
+              <a:ext uri="{FF2B5EF4-FFF2-40B4-BE49-F238E27FC236}">
+                <a16:creationId xmlns:a16="http://schemas.microsoft.com/office/drawing/2014/main" id="{EDD7B449-10BC-684B-ADCB-D32CD7FAD8CA}"/>
+              </a:ext>
+            </a:extLst>
+          </p:cNvPr>
+          <p:cNvSpPr>
+            <a:spLocks noGrp="1"/>
+          </p:cNvSpPr>
+          <p:nvPr>
+            <p:ph type="title"/>
+          </p:nvPr>
+        </p:nvSpPr>
+        <p:spPr>
+          <a:xfrm>
+            <a:off x="838200" y="365125"/>
+            <a:ext cx="10708532" cy="1325563"/>
+          </a:xfrm>
+        </p:spPr>
+        <p:txBody>
+          <a:bodyPr/>
+          <a:lstStyle/>
+          <a:p>
+            <a:r>
+              <a:rPr lang="en-US" dirty="0"/>
+              <a:t>Nested or recursive string bucket sort</a:t>
+            </a:r>
+          </a:p>
+        </p:txBody>
+      </p:sp>
+      <p:sp>
+        <p:nvSpPr>
+          <p:cNvPr id="3" name="Content Placeholder 2">
+            <a:extLst>
+              <a:ext uri="{FF2B5EF4-FFF2-40B4-BE49-F238E27FC236}">
+                <a16:creationId xmlns:a16="http://schemas.microsoft.com/office/drawing/2014/main" id="{F0B3DDEA-903D-C342-B00C-0D8860C26AC0}"/>
+              </a:ext>
+            </a:extLst>
+          </p:cNvPr>
+          <p:cNvSpPr>
+            <a:spLocks noGrp="1"/>
+          </p:cNvSpPr>
+          <p:nvPr>
+            <p:ph idx="1"/>
+          </p:nvPr>
+        </p:nvSpPr>
+        <p:spPr/>
+        <p:txBody>
+          <a:bodyPr/>
+          <a:lstStyle/>
+          <a:p>
+            <a:r>
+              <a:rPr lang="en-US" dirty="0"/>
+              <a:t>Nested indexes based upon s[</a:t>
+            </a:r>
+            <a:r>
+              <a:rPr lang="en-US" dirty="0" err="1"/>
+              <a:t>i</a:t>
+            </a:r>
+            <a:r>
+              <a:rPr lang="en-US" dirty="0"/>
+              <a:t>]</a:t>
+            </a:r>
+          </a:p>
+          <a:p>
+            <a:r>
+              <a:rPr lang="en-US" dirty="0"/>
+              <a:t>With nesting k deep, words are</a:t>
+            </a:r>
+            <a:br>
+              <a:rPr lang="en-US" dirty="0"/>
+            </a:br>
+            <a:r>
+              <a:rPr lang="en-US" dirty="0"/>
+              <a:t>sorted uniquely to first k letters,</a:t>
+            </a:r>
+            <a:br>
+              <a:rPr lang="en-US" dirty="0"/>
+            </a:br>
+            <a:r>
+              <a:rPr lang="en-US" dirty="0"/>
+              <a:t>giving nested bucket sort</a:t>
+            </a:r>
+          </a:p>
+          <a:p>
+            <a:r>
+              <a:rPr lang="en-US" dirty="0"/>
+              <a:t>Nested dynamically to full </a:t>
+            </a:r>
+            <a:r>
+              <a:rPr lang="en-US" dirty="0" err="1"/>
+              <a:t>len</a:t>
+            </a:r>
+            <a:br>
+              <a:rPr lang="en-US" dirty="0"/>
+            </a:br>
+            <a:r>
+              <a:rPr lang="en-US" dirty="0"/>
+              <a:t>of string gives nested pigeonhole</a:t>
+            </a:r>
+            <a:br>
+              <a:rPr lang="en-US" dirty="0"/>
+            </a:br>
+            <a:r>
+              <a:rPr lang="en-US" dirty="0"/>
+              <a:t>sort</a:t>
+            </a:r>
+          </a:p>
+          <a:p>
+            <a:endParaRPr lang="en-US" dirty="0"/>
+          </a:p>
+        </p:txBody>
+      </p:sp>
+      <p:pic>
+        <p:nvPicPr>
+          <p:cNvPr id="4" name="Picture 3">
+            <a:extLst>
+              <a:ext uri="{FF2B5EF4-FFF2-40B4-BE49-F238E27FC236}">
+                <a16:creationId xmlns:a16="http://schemas.microsoft.com/office/drawing/2014/main" id="{0C41CE41-DC8A-3D4C-9B23-CB9A1512D635}"/>
+              </a:ext>
+            </a:extLst>
+          </p:cNvPr>
+          <p:cNvPicPr>
+            <a:picLocks noChangeAspect="1"/>
+          </p:cNvPicPr>
+          <p:nvPr/>
+        </p:nvPicPr>
+        <p:blipFill>
+          <a:blip r:embed="rId2"/>
+          <a:stretch>
+            <a:fillRect/>
+          </a:stretch>
+        </p:blipFill>
+        <p:spPr>
+          <a:xfrm>
+            <a:off x="6309288" y="1690688"/>
+            <a:ext cx="5719640" cy="3935379"/>
+          </a:xfrm>
+          <a:prstGeom prst="rect">
+            <a:avLst/>
+          </a:prstGeom>
+        </p:spPr>
+      </p:pic>
+    </p:spTree>
+    <p:extLst>
+      <p:ext uri="{BB962C8B-B14F-4D97-AF65-F5344CB8AC3E}">
+        <p14:creationId xmlns:p14="http://schemas.microsoft.com/office/powerpoint/2010/main" val="3599859593"/>
+      </p:ext>
+    </p:extLst>
+  </p:cSld>
+  <p:clrMapOvr>
+    <a:masterClrMapping/>
+  </p:clrMapOvr>
 </p:sld>
 </file>
 
@@ -5043,7 +5455,7 @@
           <p:cNvPr id="2" name="Title 1">
             <a:extLst>
               <a:ext uri="{FF2B5EF4-FFF2-40B4-BE49-F238E27FC236}">
-                <a16:creationId xmlns="" xmlns:a16="http://schemas.microsoft.com/office/drawing/2014/main" id="{28E269BC-FCD0-3641-BD6D-5B96C2417018}"/>
+                <a16:creationId xmlns:a16="http://schemas.microsoft.com/office/drawing/2014/main" id="{28E269BC-FCD0-3641-BD6D-5B96C2417018}"/>
               </a:ext>
             </a:extLst>
           </p:cNvPr>
@@ -5060,10 +5472,9 @@
           <a:lstStyle/>
           <a:p>
             <a:r>
-              <a:rPr lang="en-US" dirty="0" smtClean="0"/>
+              <a:rPr lang="en-US" dirty="0"/>
               <a:t>Sorting</a:t>
             </a:r>
-            <a:endParaRPr lang="en-US" dirty="0"/>
           </a:p>
         </p:txBody>
       </p:sp>
@@ -5072,7 +5483,7 @@
           <p:cNvPr id="3" name="Content Placeholder 2">
             <a:extLst>
               <a:ext uri="{FF2B5EF4-FFF2-40B4-BE49-F238E27FC236}">
-                <a16:creationId xmlns="" xmlns:a16="http://schemas.microsoft.com/office/drawing/2014/main" id="{011453FF-9B1C-204B-BAC3-7506D02A781A}"/>
+                <a16:creationId xmlns:a16="http://schemas.microsoft.com/office/drawing/2014/main" id="{011453FF-9B1C-204B-BAC3-7506D02A781A}"/>
               </a:ext>
             </a:extLst>
           </p:cNvPr>
@@ -5094,43 +5505,33 @@
           <a:lstStyle/>
           <a:p>
             <a:r>
-              <a:rPr lang="en-US" dirty="0" smtClean="0"/>
+              <a:rPr lang="en-US" dirty="0"/>
               <a:t>We can sort any kind of element for which we have a similarity or distance measure between any two elements (subject to triangle inequality property*)</a:t>
             </a:r>
           </a:p>
           <a:p>
             <a:r>
-              <a:rPr lang="en-US" dirty="0" smtClean="0"/>
+              <a:rPr lang="en-US" dirty="0"/>
               <a:t>Traditional sorting algorithms: bubble sort, merge sort, quicksort</a:t>
             </a:r>
           </a:p>
           <a:p>
             <a:r>
-              <a:rPr lang="en-US" dirty="0" smtClean="0"/>
+              <a:rPr lang="en-US" dirty="0"/>
               <a:t>Dirty tricks: pigeonhole sort, bucket sort can often sort in O(n)</a:t>
             </a:r>
           </a:p>
           <a:p>
             <a:r>
-              <a:rPr lang="en-US" dirty="0" smtClean="0"/>
-              <a:t>Really dirty trick: nested </a:t>
-            </a:r>
-            <a:r>
-              <a:rPr lang="en-US" dirty="0"/>
-              <a:t>pigeonhole </a:t>
-            </a:r>
-            <a:r>
-              <a:rPr lang="en-US" dirty="0" smtClean="0"/>
-              <a:t>sort</a:t>
-            </a:r>
-            <a:endParaRPr lang="en-US" dirty="0" smtClean="0"/>
-          </a:p>
-          <a:p>
-            <a:r>
-              <a:rPr lang="en-US" dirty="0" smtClean="0"/>
+              <a:rPr lang="en-US" dirty="0"/>
+              <a:t>Really dirty trick: nested bucket sort</a:t>
+            </a:r>
+          </a:p>
+          <a:p>
+            <a:r>
+              <a:rPr lang="en-US" dirty="0"/>
               <a:t>What’s the fastest we could ever sort n numbers?</a:t>
             </a:r>
-            <a:endParaRPr lang="en-US" dirty="0"/>
           </a:p>
         </p:txBody>
       </p:sp>
@@ -5156,12 +5557,8 @@
           <a:lstStyle/>
           <a:p>
             <a:r>
-              <a:rPr lang="en-US" dirty="0" smtClean="0"/>
-              <a:t>*https</a:t>
-            </a:r>
-            <a:r>
-              <a:rPr lang="en-US" dirty="0"/>
-              <a:t>://</a:t>
+              <a:rPr lang="en-US" dirty="0"/>
+              <a:t>*https://</a:t>
             </a:r>
             <a:r>
               <a:rPr lang="en-US" dirty="0" err="1"/>
@@ -5189,13 +5586,6 @@
   <p:clrMapOvr>
     <a:masterClrMapping/>
   </p:clrMapOvr>
-  <p:timing>
-    <p:tnLst>
-      <p:par>
-        <p:cTn id="1" dur="indefinite" restart="never" nodeType="tmRoot"/>
-      </p:par>
-    </p:tnLst>
-  </p:timing>
 </p:sld>
 </file>
 
@@ -5254,58 +5644,57 @@
           <a:lstStyle/>
           <a:p>
             <a:r>
-              <a:rPr lang="en-US" dirty="0" smtClean="0"/>
+              <a:rPr lang="en-US" dirty="0"/>
               <a:t>O(n^2)</a:t>
             </a:r>
           </a:p>
           <a:p>
             <a:r>
-              <a:rPr lang="en-US" i="1" dirty="0" smtClean="0"/>
+              <a:rPr lang="en-US" i="1" dirty="0"/>
               <a:t>Stable</a:t>
             </a:r>
             <a:r>
-              <a:rPr lang="en-US" dirty="0" smtClean="0"/>
+              <a:rPr lang="en-US" dirty="0"/>
               <a:t>: order of</a:t>
             </a:r>
             <a:br>
-              <a:rPr lang="en-US" dirty="0" smtClean="0"/>
+              <a:rPr lang="en-US" dirty="0"/>
             </a:br>
             <a:r>
-              <a:rPr lang="en-US" dirty="0" smtClean="0"/>
+              <a:rPr lang="en-US" dirty="0"/>
               <a:t>equal elements</a:t>
             </a:r>
             <a:br>
-              <a:rPr lang="en-US" dirty="0" smtClean="0"/>
+              <a:rPr lang="en-US" dirty="0"/>
             </a:br>
             <a:r>
-              <a:rPr lang="en-US" dirty="0" smtClean="0"/>
+              <a:rPr lang="en-US" dirty="0"/>
               <a:t>doesn’t change</a:t>
             </a:r>
           </a:p>
           <a:p>
             <a:r>
-              <a:rPr lang="en-US" b="1" dirty="0" smtClean="0"/>
+              <a:rPr lang="en-US" b="1" dirty="0"/>
               <a:t>Idea</a:t>
             </a:r>
             <a:r>
-              <a:rPr lang="en-US" dirty="0" smtClean="0"/>
+              <a:rPr lang="en-US" dirty="0"/>
               <a:t>: keep</a:t>
             </a:r>
             <a:br>
-              <a:rPr lang="en-US" dirty="0" smtClean="0"/>
+              <a:rPr lang="en-US" dirty="0"/>
             </a:br>
             <a:r>
-              <a:rPr lang="en-US" dirty="0" smtClean="0"/>
+              <a:rPr lang="en-US" dirty="0"/>
               <a:t>swapping until</a:t>
             </a:r>
             <a:br>
-              <a:rPr lang="en-US" dirty="0" smtClean="0"/>
+              <a:rPr lang="en-US" dirty="0"/>
             </a:br>
             <a:r>
-              <a:rPr lang="en-US" dirty="0" smtClean="0"/>
+              <a:rPr lang="en-US" dirty="0"/>
               <a:t>nothing changes</a:t>
             </a:r>
-            <a:endParaRPr lang="en-US" dirty="0"/>
           </a:p>
         </p:txBody>
       </p:sp>
@@ -5421,10 +5810,9 @@
           <a:lstStyle/>
           <a:p>
             <a:r>
-              <a:rPr lang="en-US" dirty="0" smtClean="0"/>
+              <a:rPr lang="en-US" dirty="0"/>
               <a:t>Bubble sort in Python</a:t>
             </a:r>
-            <a:endParaRPr lang="en-US" dirty="0"/>
           </a:p>
         </p:txBody>
       </p:sp>
@@ -5433,7 +5821,7 @@
           <p:cNvPr id="7" name="TextBox 6">
             <a:extLst>
               <a:ext uri="{FF2B5EF4-FFF2-40B4-BE49-F238E27FC236}">
-                <a16:creationId xmlns="" xmlns:a16="http://schemas.microsoft.com/office/drawing/2014/main" id="{7EA51DEE-4B36-8844-9444-48364D4297AC}"/>
+                <a16:creationId xmlns:a16="http://schemas.microsoft.com/office/drawing/2014/main" id="{7EA51DEE-4B36-8844-9444-48364D4297AC}"/>
               </a:ext>
             </a:extLst>
           </p:cNvPr>
@@ -5462,10 +5850,9 @@
           <a:lstStyle/>
           <a:p>
             <a:r>
-              <a:rPr lang="en-US" sz="2400" dirty="0" smtClean="0"/>
+              <a:rPr lang="en-US" sz="2400" dirty="0"/>
               <a:t>changed=True</a:t>
             </a:r>
-            <a:endParaRPr lang="en-US" sz="2400" dirty="0"/>
           </a:p>
           <a:p>
             <a:r>
@@ -5487,157 +5874,143 @@
           </a:p>
           <a:p>
             <a:r>
-              <a:rPr lang="en-US" sz="2400" dirty="0" smtClean="0"/>
-              <a:t>while </a:t>
+              <a:rPr lang="en-US" sz="2400" dirty="0"/>
+              <a:t>while changed:</a:t>
+            </a:r>
+          </a:p>
+          <a:p>
+            <a:pPr lvl="1"/>
+            <a:r>
+              <a:rPr lang="en-US" sz="2400" dirty="0"/>
+              <a:t>changed=False</a:t>
+            </a:r>
+          </a:p>
+          <a:p>
+            <a:pPr lvl="1"/>
+            <a:r>
+              <a:rPr lang="en-US" sz="2400" dirty="0"/>
+              <a:t>for </a:t>
+            </a:r>
+            <a:r>
+              <a:rPr lang="en-US" sz="2400" dirty="0" err="1"/>
+              <a:t>i</a:t>
+            </a:r>
+            <a:r>
+              <a:rPr lang="en-US" sz="2400" dirty="0"/>
+              <a:t> in range(second_to_last_idx+1):</a:t>
+            </a:r>
+          </a:p>
+          <a:p>
+            <a:pPr lvl="1"/>
+            <a:r>
+              <a:rPr lang="mr-IN" sz="2400" dirty="0"/>
+              <a:t>    </a:t>
+            </a:r>
+            <a:r>
+              <a:rPr lang="mr-IN" sz="2400" dirty="0" err="1"/>
+              <a:t>if</a:t>
+            </a:r>
+            <a:r>
+              <a:rPr lang="mr-IN" sz="2400" dirty="0"/>
+              <a:t> </a:t>
+            </a:r>
+            <a:r>
+              <a:rPr lang="mr-IN" sz="2400" dirty="0" err="1"/>
+              <a:t>A</a:t>
+            </a:r>
+            <a:r>
+              <a:rPr lang="mr-IN" sz="2400" dirty="0"/>
+              <a:t>[</a:t>
+            </a:r>
+            <a:r>
+              <a:rPr lang="mr-IN" sz="2400" dirty="0" err="1"/>
+              <a:t>i</a:t>
+            </a:r>
+            <a:r>
+              <a:rPr lang="mr-IN" sz="2400" dirty="0"/>
+              <a:t>] &gt; </a:t>
+            </a:r>
+            <a:r>
+              <a:rPr lang="mr-IN" sz="2400" dirty="0" err="1"/>
+              <a:t>A</a:t>
+            </a:r>
+            <a:r>
+              <a:rPr lang="mr-IN" sz="2400" dirty="0"/>
+              <a:t>[i+1]: </a:t>
+            </a:r>
+          </a:p>
+          <a:p>
+            <a:pPr lvl="1"/>
+            <a:r>
+              <a:rPr lang="mr-IN" sz="2400" dirty="0"/>
+              <a:t>        </a:t>
+            </a:r>
+            <a:r>
+              <a:rPr lang="mr-IN" sz="2400" dirty="0" err="1"/>
+              <a:t>A</a:t>
+            </a:r>
+            <a:r>
+              <a:rPr lang="mr-IN" sz="2400" dirty="0"/>
+              <a:t>[</a:t>
+            </a:r>
+            <a:r>
+              <a:rPr lang="mr-IN" sz="2400" dirty="0" err="1"/>
+              <a:t>i</a:t>
+            </a:r>
+            <a:r>
+              <a:rPr lang="mr-IN" sz="2400" dirty="0"/>
+              <a:t>], </a:t>
+            </a:r>
+            <a:r>
+              <a:rPr lang="mr-IN" sz="2400" dirty="0" err="1"/>
+              <a:t>A</a:t>
+            </a:r>
+            <a:r>
+              <a:rPr lang="mr-IN" sz="2400" dirty="0"/>
+              <a:t>[i+1] = </a:t>
+            </a:r>
+            <a:r>
+              <a:rPr lang="mr-IN" sz="2400" dirty="0" err="1"/>
+              <a:t>A</a:t>
+            </a:r>
+            <a:r>
+              <a:rPr lang="mr-IN" sz="2400" dirty="0"/>
+              <a:t>[i+1], </a:t>
+            </a:r>
+            <a:r>
+              <a:rPr lang="mr-IN" sz="2400" dirty="0" err="1"/>
+              <a:t>A</a:t>
+            </a:r>
+            <a:r>
+              <a:rPr lang="mr-IN" sz="2400" dirty="0"/>
+              <a:t>[</a:t>
+            </a:r>
+            <a:r>
+              <a:rPr lang="mr-IN" sz="2400" dirty="0" err="1"/>
+              <a:t>i</a:t>
+            </a:r>
+            <a:r>
+              <a:rPr lang="mr-IN" sz="2400" dirty="0"/>
+              <a:t>]</a:t>
+            </a:r>
+            <a:endParaRPr lang="en-US" sz="2400" dirty="0"/>
+          </a:p>
+          <a:p>
+            <a:pPr lvl="1"/>
+            <a:r>
+              <a:rPr lang="mr-IN" sz="2400" dirty="0"/>
+              <a:t>        </a:t>
             </a:r>
             <a:r>
               <a:rPr lang="en-US" sz="2400" dirty="0"/>
               <a:t>changed</a:t>
             </a:r>
             <a:r>
-              <a:rPr lang="en-US" sz="2400" dirty="0" smtClean="0"/>
-              <a:t>:</a:t>
-            </a:r>
-            <a:endParaRPr lang="en-US" sz="2400" dirty="0"/>
-          </a:p>
-          <a:p>
-            <a:pPr lvl="1"/>
-            <a:r>
-              <a:rPr lang="en-US" sz="2400" dirty="0"/>
-              <a:t>changed</a:t>
-            </a:r>
-            <a:r>
-              <a:rPr lang="en-US" sz="2400" dirty="0" smtClean="0"/>
-              <a:t>=False</a:t>
-            </a:r>
-            <a:endParaRPr lang="en-US" sz="2400" dirty="0"/>
-          </a:p>
-          <a:p>
-            <a:pPr lvl="1"/>
-            <a:r>
-              <a:rPr lang="en-US" sz="2400" dirty="0" smtClean="0"/>
-              <a:t>for </a:t>
-            </a:r>
-            <a:r>
-              <a:rPr lang="en-US" sz="2400" dirty="0" err="1"/>
-              <a:t>i</a:t>
-            </a:r>
-            <a:r>
-              <a:rPr lang="en-US" sz="2400" dirty="0"/>
-              <a:t> in range(second_to_last_idx+1):</a:t>
-            </a:r>
-          </a:p>
-          <a:p>
-            <a:pPr lvl="1"/>
-            <a:r>
               <a:rPr lang="mr-IN" sz="2400" dirty="0"/>
-              <a:t>    </a:t>
+              <a:t>=</a:t>
             </a:r>
             <a:r>
               <a:rPr lang="mr-IN" sz="2400" dirty="0" err="1"/>
-              <a:t>if</a:t>
-            </a:r>
-            <a:r>
-              <a:rPr lang="mr-IN" sz="2400" dirty="0"/>
-              <a:t> </a:t>
-            </a:r>
-            <a:r>
-              <a:rPr lang="mr-IN" sz="2400" dirty="0" err="1"/>
-              <a:t>A</a:t>
-            </a:r>
-            <a:r>
-              <a:rPr lang="mr-IN" sz="2400" dirty="0"/>
-              <a:t>[</a:t>
-            </a:r>
-            <a:r>
-              <a:rPr lang="mr-IN" sz="2400" dirty="0" err="1"/>
-              <a:t>i</a:t>
-            </a:r>
-            <a:r>
-              <a:rPr lang="mr-IN" sz="2400" dirty="0"/>
-              <a:t>] &gt; </a:t>
-            </a:r>
-            <a:r>
-              <a:rPr lang="mr-IN" sz="2400" dirty="0" err="1"/>
-              <a:t>A</a:t>
-            </a:r>
-            <a:r>
-              <a:rPr lang="mr-IN" sz="2400" dirty="0"/>
-              <a:t>[i+1]: </a:t>
-            </a:r>
-          </a:p>
-          <a:p>
-            <a:pPr lvl="1"/>
-            <a:r>
-              <a:rPr lang="mr-IN" sz="2400" dirty="0"/>
-              <a:t>        </a:t>
-            </a:r>
-            <a:r>
-              <a:rPr lang="mr-IN" sz="2400" dirty="0" err="1"/>
-              <a:t>A</a:t>
-            </a:r>
-            <a:r>
-              <a:rPr lang="mr-IN" sz="2400" dirty="0"/>
-              <a:t>[</a:t>
-            </a:r>
-            <a:r>
-              <a:rPr lang="mr-IN" sz="2400" dirty="0" err="1"/>
-              <a:t>i</a:t>
-            </a:r>
-            <a:r>
-              <a:rPr lang="mr-IN" sz="2400" dirty="0"/>
-              <a:t>], </a:t>
-            </a:r>
-            <a:r>
-              <a:rPr lang="mr-IN" sz="2400" dirty="0" err="1"/>
-              <a:t>A</a:t>
-            </a:r>
-            <a:r>
-              <a:rPr lang="mr-IN" sz="2400" dirty="0"/>
-              <a:t>[i+1] = </a:t>
-            </a:r>
-            <a:r>
-              <a:rPr lang="mr-IN" sz="2400" dirty="0" err="1"/>
-              <a:t>A</a:t>
-            </a:r>
-            <a:r>
-              <a:rPr lang="mr-IN" sz="2400" dirty="0"/>
-              <a:t>[i+1], </a:t>
-            </a:r>
-            <a:r>
-              <a:rPr lang="mr-IN" sz="2400" dirty="0" err="1"/>
-              <a:t>A</a:t>
-            </a:r>
-            <a:r>
-              <a:rPr lang="mr-IN" sz="2400" dirty="0"/>
-              <a:t>[</a:t>
-            </a:r>
-            <a:r>
-              <a:rPr lang="mr-IN" sz="2400" dirty="0" err="1"/>
-              <a:t>i</a:t>
-            </a:r>
-            <a:r>
-              <a:rPr lang="mr-IN" sz="2400" dirty="0" smtClean="0"/>
-              <a:t>]</a:t>
-            </a:r>
-            <a:endParaRPr lang="en-US" sz="2400" dirty="0" smtClean="0"/>
-          </a:p>
-          <a:p>
-            <a:pPr lvl="1"/>
-            <a:r>
-              <a:rPr lang="mr-IN" sz="2400" dirty="0" smtClean="0"/>
-              <a:t>        </a:t>
-            </a:r>
-            <a:r>
-              <a:rPr lang="en-US" sz="2400" dirty="0"/>
-              <a:t>changed</a:t>
-            </a:r>
-            <a:r>
-              <a:rPr lang="mr-IN" sz="2400" dirty="0" smtClean="0"/>
-              <a:t>=</a:t>
-            </a:r>
-            <a:r>
-              <a:rPr lang="mr-IN" sz="2400" dirty="0" err="1" smtClean="0"/>
               <a:t>True</a:t>
             </a:r>
             <a:endParaRPr lang="mr-IN" sz="2400" dirty="0"/>
@@ -5690,10 +6063,9 @@
           <a:lstStyle/>
           <a:p>
             <a:r>
-              <a:rPr lang="en-US" sz="2400" dirty="0" smtClean="0"/>
+              <a:rPr lang="en-US" sz="2400" dirty="0"/>
               <a:t>Why is this O(n^2)?</a:t>
             </a:r>
-            <a:endParaRPr lang="en-US" sz="2400" dirty="0"/>
           </a:p>
         </p:txBody>
       </p:sp>
@@ -5744,13 +6116,8 @@
           <a:p>
             <a:r>
               <a:rPr lang="en-US" dirty="0"/>
-              <a:t>Merge </a:t>
-            </a:r>
-            <a:r>
-              <a:rPr lang="en-US" dirty="0" smtClean="0"/>
-              <a:t>sort (review)</a:t>
-            </a:r>
-            <a:endParaRPr lang="en-US" dirty="0"/>
+              <a:t>Merge sort (review)</a:t>
+            </a:r>
           </a:p>
         </p:txBody>
       </p:sp>
@@ -5772,33 +6139,25 @@
           <a:lstStyle/>
           <a:p>
             <a:r>
-              <a:rPr lang="en-US" dirty="0" smtClean="0"/>
+              <a:rPr lang="en-US" dirty="0"/>
               <a:t>Faster than </a:t>
             </a:r>
             <a:r>
-              <a:rPr lang="en-US" dirty="0" err="1" smtClean="0"/>
+              <a:rPr lang="en-US" dirty="0" err="1"/>
               <a:t>bubblesort</a:t>
             </a:r>
             <a:r>
-              <a:rPr lang="en-US" dirty="0" smtClean="0"/>
+              <a:rPr lang="en-US" dirty="0"/>
               <a:t>: </a:t>
             </a:r>
             <a:r>
-              <a:rPr lang="en-US" i="1" dirty="0" smtClean="0"/>
-              <a:t>O(n </a:t>
-            </a:r>
-            <a:r>
               <a:rPr lang="en-US" i="1" dirty="0"/>
-              <a:t>log n</a:t>
-            </a:r>
-            <a:r>
-              <a:rPr lang="en-US" i="1" dirty="0" smtClean="0"/>
-              <a:t>)</a:t>
-            </a:r>
-          </a:p>
-          <a:p>
-            <a:r>
-              <a:rPr lang="en-US" dirty="0" smtClean="0"/>
+              <a:t>O(n log n)</a:t>
+            </a:r>
+          </a:p>
+          <a:p>
+            <a:r>
+              <a:rPr lang="en-US" dirty="0"/>
               <a:t>Simpler too, if you are comfortable with recursion</a:t>
             </a:r>
           </a:p>
@@ -5811,41 +6170,17 @@
           <a:p>
             <a:r>
               <a:rPr lang="en-US" dirty="0"/>
-              <a:t>Not in-place, uses lots of extra </a:t>
-            </a:r>
-            <a:r>
-              <a:rPr lang="en-US" dirty="0" smtClean="0"/>
-              <a:t>storage</a:t>
-            </a:r>
-          </a:p>
-          <a:p>
-            <a:r>
-              <a:rPr lang="en-US" b="1" dirty="0" smtClean="0"/>
+              <a:t>Not in-place, uses lots of extra storage</a:t>
+            </a:r>
+          </a:p>
+          <a:p>
+            <a:r>
+              <a:rPr lang="en-US" b="1" dirty="0"/>
               <a:t>Idea</a:t>
             </a:r>
             <a:r>
-              <a:rPr lang="en-US" dirty="0" smtClean="0"/>
-              <a:t>: split currently </a:t>
-            </a:r>
-            <a:r>
-              <a:rPr lang="en-US" dirty="0"/>
-              <a:t>active region </a:t>
-            </a:r>
-            <a:r>
-              <a:rPr lang="en-US" dirty="0" smtClean="0"/>
-              <a:t>in half</a:t>
-            </a:r>
-            <a:r>
-              <a:rPr lang="en-US" dirty="0"/>
-              <a:t>, </a:t>
-            </a:r>
-            <a:r>
-              <a:rPr lang="en-US" dirty="0" smtClean="0"/>
-              <a:t>sorting </a:t>
-            </a:r>
-            <a:r>
-              <a:rPr lang="en-US" dirty="0"/>
-              <a:t>both the left</a:t>
+              <a:rPr lang="en-US" dirty="0"/>
+              <a:t>: split currently active region in half, sorting both the left</a:t>
             </a:r>
             <a:br>
               <a:rPr lang="en-US" dirty="0"/>
@@ -5853,37 +6188,25 @@
             <a:r>
               <a:rPr lang="en-US" dirty="0"/>
               <a:t>and right </a:t>
-            </a:r>
-            <a:r>
-              <a:rPr lang="en-US" dirty="0" err="1" smtClean="0"/>
-              <a:t>subregions</a:t>
-            </a:r>
-            <a:r>
-              <a:rPr lang="en-US" dirty="0" smtClean="0"/>
-              <a:t>, then </a:t>
-            </a:r>
-            <a:r>
-              <a:rPr lang="en-US" dirty="0"/>
-              <a:t>merge two sorted </a:t>
             </a:r>
             <a:r>
               <a:rPr lang="en-US" dirty="0" err="1"/>
               <a:t>subregions</a:t>
             </a:r>
+            <a:r>
+              <a:rPr lang="en-US" dirty="0"/>
+              <a:t>, then merge two sorted </a:t>
+            </a:r>
+            <a:r>
+              <a:rPr lang="en-US" dirty="0" err="1"/>
+              <a:t>subregions</a:t>
+            </a:r>
             <a:endParaRPr lang="en-US" dirty="0"/>
           </a:p>
           <a:p>
             <a:r>
               <a:rPr lang="en-US" dirty="0"/>
-              <a:t>Eventually, the regions are so small we can sort in </a:t>
-            </a:r>
-            <a:r>
-              <a:rPr lang="en-US" dirty="0" smtClean="0"/>
-              <a:t>constant time</a:t>
-            </a:r>
-            <a:r>
-              <a:rPr lang="en-US" dirty="0"/>
-              <a:t>; i.e., sorting 2 </a:t>
+              <a:t>Eventually, the regions are so small we can sort in constant time; i.e., sorting 2 </a:t>
             </a:r>
             <a:r>
               <a:rPr lang="en-US" dirty="0" err="1"/>
@@ -5897,13 +6220,8 @@
           <a:p>
             <a:r>
               <a:rPr lang="en-US" dirty="0"/>
-              <a:t>Merging two sorted lists can be done in linear </a:t>
-            </a:r>
-            <a:r>
-              <a:rPr lang="en-US" dirty="0" smtClean="0"/>
-              <a:t>time</a:t>
-            </a:r>
-            <a:endParaRPr lang="en-US" dirty="0"/>
+              <a:t>Merging two sorted lists can be done in linear time</a:t>
+            </a:r>
           </a:p>
         </p:txBody>
       </p:sp>
@@ -5958,10 +6276,9 @@
           <a:lstStyle/>
           <a:p>
             <a:r>
-              <a:rPr lang="en-US" dirty="0" smtClean="0"/>
+              <a:rPr lang="en-US" dirty="0"/>
               <a:t>Quicksort, another divide and conquer sort</a:t>
             </a:r>
-            <a:endParaRPr lang="en-US" dirty="0"/>
           </a:p>
         </p:txBody>
       </p:sp>
@@ -5983,57 +6300,56 @@
           <a:lstStyle/>
           <a:p>
             <a:r>
-              <a:rPr lang="en-US" dirty="0" smtClean="0"/>
+              <a:rPr lang="en-US" dirty="0"/>
               <a:t>O(n^2) worst-case behavior but O(n log n) average behavior</a:t>
             </a:r>
           </a:p>
           <a:p>
             <a:r>
-              <a:rPr lang="en-US" dirty="0" smtClean="0"/>
+              <a:rPr lang="en-US" dirty="0"/>
               <a:t>Pick a pivot element, rather than just split in half like </a:t>
             </a:r>
             <a:r>
-              <a:rPr lang="en-US" dirty="0" err="1" smtClean="0"/>
+              <a:rPr lang="en-US" dirty="0" err="1"/>
               <a:t>mergesort</a:t>
             </a:r>
-            <a:endParaRPr lang="en-US" dirty="0" smtClean="0"/>
-          </a:p>
-          <a:p>
-            <a:r>
-              <a:rPr lang="en-US" b="1" dirty="0" smtClean="0"/>
+            <a:endParaRPr lang="en-US" dirty="0"/>
+          </a:p>
+          <a:p>
+            <a:r>
+              <a:rPr lang="en-US" b="1" dirty="0"/>
               <a:t>Idea</a:t>
             </a:r>
             <a:r>
-              <a:rPr lang="en-US" dirty="0" smtClean="0"/>
+              <a:rPr lang="en-US" dirty="0"/>
               <a:t>: pick pivot, partition so elements left of pivot are less than pivot and elements right are greater (not sorting here); recursively partition the left and right until small enough to sort trivially</a:t>
             </a:r>
           </a:p>
           <a:p>
             <a:r>
-              <a:rPr lang="en-US" dirty="0" smtClean="0"/>
+              <a:rPr lang="en-US" dirty="0"/>
               <a:t>Faster than bubble because it moves elements more than just one spot in the array</a:t>
             </a:r>
           </a:p>
           <a:p>
             <a:r>
-              <a:rPr lang="en-US" dirty="0" smtClean="0"/>
+              <a:rPr lang="en-US" dirty="0"/>
               <a:t>Quicksort is in-place whereas merge sort makes lots of temporary arrays, which can get expensive</a:t>
             </a:r>
           </a:p>
           <a:p>
             <a:r>
-              <a:rPr lang="en-US" dirty="0" smtClean="0"/>
+              <a:rPr lang="en-US" dirty="0"/>
               <a:t>Quicksort is mostly faster due to the constant in front of the complexity (memory allocation, hardware efficiencies, </a:t>
             </a:r>
             <a:r>
-              <a:rPr lang="mr-IN" dirty="0" smtClean="0"/>
+              <a:rPr lang="mr-IN" dirty="0"/>
               <a:t>…</a:t>
             </a:r>
             <a:r>
-              <a:rPr lang="en-US" dirty="0" smtClean="0"/>
+              <a:rPr lang="en-US" dirty="0"/>
               <a:t>)</a:t>
             </a:r>
-            <a:endParaRPr lang="en-US" dirty="0"/>
           </a:p>
         </p:txBody>
       </p:sp>
@@ -6083,10 +6399,9 @@
           <a:lstStyle/>
           <a:p>
             <a:r>
-              <a:rPr lang="en-US" dirty="0" smtClean="0"/>
+              <a:rPr lang="en-US" dirty="0"/>
               <a:t>Quicksort algorithm</a:t>
             </a:r>
-            <a:endParaRPr lang="en-US" dirty="0"/>
           </a:p>
         </p:txBody>
       </p:sp>
@@ -6095,7 +6410,7 @@
           <p:cNvPr id="3" name="TextBox 2">
             <a:extLst>
               <a:ext uri="{FF2B5EF4-FFF2-40B4-BE49-F238E27FC236}">
-                <a16:creationId xmlns="" xmlns:a16="http://schemas.microsoft.com/office/drawing/2014/main" id="{7EA51DEE-4B36-8844-9444-48364D4297AC}"/>
+                <a16:creationId xmlns:a16="http://schemas.microsoft.com/office/drawing/2014/main" id="{7EA51DEE-4B36-8844-9444-48364D4297AC}"/>
               </a:ext>
             </a:extLst>
           </p:cNvPr>
@@ -6124,100 +6439,76 @@
           <a:lstStyle/>
           <a:p>
             <a:r>
-              <a:rPr lang="en-US" sz="2400" dirty="0" err="1" smtClean="0"/>
+              <a:rPr lang="en-US" sz="2400" dirty="0" err="1"/>
               <a:t>def</a:t>
             </a:r>
-            <a:r>
-              <a:rPr lang="en-US" sz="2400" dirty="0" smtClean="0"/>
-              <a:t> </a:t>
-            </a:r>
-            <a:r>
-              <a:rPr lang="en-US" sz="2400" dirty="0" err="1" smtClean="0"/>
-              <a:t>qsort</a:t>
-            </a:r>
-            <a:r>
-              <a:rPr lang="en-US" sz="2400" dirty="0" smtClean="0"/>
-              <a:t>(A, lo, hi):</a:t>
-            </a:r>
-          </a:p>
-          <a:p>
             <a:r>
               <a:rPr lang="en-US" sz="2400" dirty="0"/>
               <a:t> </a:t>
             </a:r>
             <a:r>
-              <a:rPr lang="en-US" sz="2400" dirty="0" smtClean="0"/>
-              <a:t>   if lo &gt;= hi: return</a:t>
-            </a:r>
-          </a:p>
-          <a:p>
+              <a:rPr lang="en-US" sz="2400" dirty="0" err="1"/>
+              <a:t>qsort</a:t>
+            </a:r>
             <a:r>
               <a:rPr lang="en-US" sz="2400" dirty="0"/>
-              <a:t> </a:t>
-            </a:r>
-            <a:r>
-              <a:rPr lang="en-US" sz="2400" dirty="0" smtClean="0"/>
-              <a:t>   </a:t>
-            </a:r>
-            <a:r>
-              <a:rPr lang="en-US" sz="2400" dirty="0" err="1" smtClean="0"/>
+              <a:t>(A, lo, hi):</a:t>
+            </a:r>
+          </a:p>
+          <a:p>
+            <a:r>
+              <a:rPr lang="en-US" sz="2400" dirty="0"/>
+              <a:t>    if lo &gt;= hi: return</a:t>
+            </a:r>
+          </a:p>
+          <a:p>
+            <a:r>
+              <a:rPr lang="en-US" sz="2400" dirty="0"/>
+              <a:t>    </a:t>
+            </a:r>
+            <a:r>
+              <a:rPr lang="en-US" sz="2400" dirty="0" err="1"/>
               <a:t>pivot_idx</a:t>
             </a:r>
             <a:r>
-              <a:rPr lang="en-US" sz="2400" dirty="0" smtClean="0"/>
+              <a:rPr lang="en-US" sz="2400" dirty="0"/>
               <a:t> = partition(</a:t>
             </a:r>
             <a:r>
-              <a:rPr lang="en-US" sz="2400" dirty="0" err="1" smtClean="0"/>
+              <a:rPr lang="en-US" sz="2400" dirty="0" err="1"/>
               <a:t>A,lo,hi</a:t>
             </a:r>
             <a:r>
-              <a:rPr lang="en-US" sz="2400" dirty="0" smtClean="0"/>
+              <a:rPr lang="en-US" sz="2400" dirty="0"/>
               <a:t>)</a:t>
             </a:r>
           </a:p>
           <a:p>
             <a:r>
               <a:rPr lang="en-US" sz="2400" dirty="0"/>
-              <a:t> </a:t>
-            </a:r>
-            <a:r>
-              <a:rPr lang="en-US" sz="2400" dirty="0" smtClean="0"/>
-              <a:t>   </a:t>
-            </a:r>
-            <a:r>
-              <a:rPr lang="en-US" sz="2400" dirty="0" err="1" smtClean="0"/>
+              <a:t>    </a:t>
+            </a:r>
+            <a:r>
+              <a:rPr lang="en-US" sz="2400" dirty="0" err="1"/>
               <a:t>qsort</a:t>
             </a:r>
             <a:r>
-              <a:rPr lang="en-US" sz="2400" dirty="0" smtClean="0"/>
+              <a:rPr lang="en-US" sz="2400" dirty="0"/>
               <a:t>(A, lo, pivot_idx-1)</a:t>
             </a:r>
           </a:p>
           <a:p>
             <a:r>
               <a:rPr lang="en-US" sz="2400" dirty="0"/>
-              <a:t> </a:t>
-            </a:r>
-            <a:r>
-              <a:rPr lang="en-US" sz="2400" dirty="0" smtClean="0"/>
-              <a:t>   </a:t>
-            </a:r>
-            <a:r>
-              <a:rPr lang="en-US" sz="2400" dirty="0" err="1" smtClean="0"/>
+              <a:t>    </a:t>
+            </a:r>
+            <a:r>
+              <a:rPr lang="en-US" sz="2400" dirty="0" err="1"/>
               <a:t>qsort</a:t>
             </a:r>
             <a:r>
-              <a:rPr lang="en-US" sz="2400" dirty="0" smtClean="0"/>
-              <a:t>(A</a:t>
-            </a:r>
-            <a:r>
               <a:rPr lang="en-US" sz="2400" dirty="0"/>
-              <a:t>, </a:t>
-            </a:r>
-            <a:r>
-              <a:rPr lang="en-US" sz="2400" dirty="0" smtClean="0"/>
-              <a:t>pivot_idx+1, hi)</a:t>
+              <a:t>(A, pivot_idx+1, hi)</a:t>
             </a:r>
             <a:endParaRPr lang="mr-IN" sz="2400" dirty="0"/>
           </a:p>
@@ -6228,7 +6519,7 @@
           <p:cNvPr id="4" name="TextBox 3">
             <a:extLst>
               <a:ext uri="{FF2B5EF4-FFF2-40B4-BE49-F238E27FC236}">
-                <a16:creationId xmlns="" xmlns:a16="http://schemas.microsoft.com/office/drawing/2014/main" id="{7EA51DEE-4B36-8844-9444-48364D4297AC}"/>
+                <a16:creationId xmlns:a16="http://schemas.microsoft.com/office/drawing/2014/main" id="{7EA51DEE-4B36-8844-9444-48364D4297AC}"/>
               </a:ext>
             </a:extLst>
           </p:cNvPr>
@@ -6257,22 +6548,18 @@
           <a:lstStyle/>
           <a:p>
             <a:r>
-              <a:rPr lang="en-US" sz="2400" dirty="0" smtClean="0"/>
+              <a:rPr lang="en-US" sz="2400" dirty="0"/>
               <a:t># many ways to do this; here’s one</a:t>
             </a:r>
           </a:p>
           <a:p>
             <a:r>
-              <a:rPr lang="en-US" sz="2400" dirty="0" err="1" smtClean="0"/>
+              <a:rPr lang="en-US" sz="2400" dirty="0" err="1"/>
               <a:t>def</a:t>
             </a:r>
             <a:r>
-              <a:rPr lang="en-US" sz="2400" dirty="0" smtClean="0"/>
-              <a:t> </a:t>
-            </a:r>
-            <a:r>
               <a:rPr lang="en-US" sz="2400" dirty="0"/>
-              <a:t>partition(</a:t>
+              <a:t> partition(</a:t>
             </a:r>
             <a:r>
               <a:rPr lang="en-US" sz="2400" dirty="0" err="1"/>
@@ -6286,26 +6573,18 @@
           <a:p>
             <a:r>
               <a:rPr lang="en-US" sz="2400" dirty="0"/>
-              <a:t> </a:t>
-            </a:r>
-            <a:r>
-              <a:rPr lang="en-US" sz="2400" dirty="0" smtClean="0"/>
-              <a:t>   </a:t>
-            </a:r>
-            <a:r>
-              <a:rPr lang="mr-IN" sz="2400" dirty="0" err="1" smtClean="0"/>
+              <a:t>    </a:t>
+            </a:r>
+            <a:r>
+              <a:rPr lang="mr-IN" sz="2400" dirty="0" err="1"/>
               <a:t>i</a:t>
             </a:r>
             <a:r>
-              <a:rPr lang="mr-IN" sz="2400" dirty="0" smtClean="0"/>
-              <a:t> </a:t>
-            </a:r>
-            <a:r>
               <a:rPr lang="mr-IN" sz="2400" dirty="0"/>
-              <a:t>= </a:t>
-            </a:r>
-            <a:r>
-              <a:rPr lang="mr-IN" sz="2400" dirty="0" err="1" smtClean="0"/>
+              <a:t> = </a:t>
+            </a:r>
+            <a:r>
+              <a:rPr lang="mr-IN" sz="2400" dirty="0" err="1"/>
               <a:t>lo</a:t>
             </a:r>
             <a:endParaRPr lang="en-US" sz="2400" dirty="0"/>
@@ -6313,21 +6592,8 @@
           <a:p>
             <a:r>
               <a:rPr lang="en-US" sz="2400" dirty="0"/>
-              <a:t> </a:t>
-            </a:r>
-            <a:r>
-              <a:rPr lang="en-US" sz="2400" dirty="0" smtClean="0"/>
-              <a:t>   pivot </a:t>
-            </a:r>
-            <a:r>
-              <a:rPr lang="en-US" sz="2400" dirty="0"/>
-              <a:t>= </a:t>
-            </a:r>
-            <a:r>
-              <a:rPr lang="en-US" sz="2400" dirty="0" smtClean="0"/>
-              <a:t>A[hi]</a:t>
-            </a:r>
-            <a:endParaRPr lang="en-US" sz="2400" dirty="0"/>
+              <a:t>    pivot = A[hi]</a:t>
+            </a:r>
           </a:p>
           <a:p>
             <a:r>
@@ -6562,19 +6828,15 @@
           <a:lstStyle/>
           <a:p>
             <a:r>
-              <a:rPr lang="en-US" dirty="0" smtClean="0"/>
+              <a:rPr lang="en-US" dirty="0"/>
               <a:t>Video on partitioning:</a:t>
             </a:r>
             <a:br>
-              <a:rPr lang="en-US" dirty="0" smtClean="0"/>
+              <a:rPr lang="en-US" dirty="0"/>
             </a:br>
             <a:r>
-              <a:rPr lang="en-US" dirty="0" smtClean="0"/>
-              <a:t>https</a:t>
-            </a:r>
-            <a:r>
-              <a:rPr lang="en-US" dirty="0"/>
-              <a:t>://</a:t>
+              <a:rPr lang="en-US" dirty="0"/>
+              <a:t>https://</a:t>
             </a:r>
             <a:r>
               <a:rPr lang="en-US" dirty="0" err="1"/>
@@ -6641,10 +6903,9 @@
           <a:lstStyle/>
           <a:p>
             <a:r>
-              <a:rPr lang="en-US" dirty="0" smtClean="0"/>
+              <a:rPr lang="en-US" dirty="0"/>
               <a:t>Pigeonhole sort</a:t>
             </a:r>
-            <a:endParaRPr lang="en-US" dirty="0"/>
           </a:p>
         </p:txBody>
       </p:sp>
@@ -6664,69 +6925,68 @@
           <a:lstStyle/>
           <a:p>
             <a:r>
-              <a:rPr lang="en-US" b="1" dirty="0" smtClean="0"/>
+              <a:rPr lang="en-US" b="1" dirty="0"/>
               <a:t>Idea</a:t>
             </a:r>
             <a:r>
-              <a:rPr lang="en-US" dirty="0" smtClean="0"/>
+              <a:rPr lang="en-US" dirty="0"/>
               <a:t>: Map each key to unique pigeonhole in ordered</a:t>
             </a:r>
             <a:br>
-              <a:rPr lang="en-US" dirty="0" smtClean="0"/>
+              <a:rPr lang="en-US" dirty="0"/>
             </a:br>
             <a:r>
-              <a:rPr lang="en-US" dirty="0" smtClean="0"/>
+              <a:rPr lang="en-US" dirty="0"/>
               <a:t>range of holes; then just walk pigeonholes in order to</a:t>
             </a:r>
             <a:br>
-              <a:rPr lang="en-US" dirty="0" smtClean="0"/>
+              <a:rPr lang="en-US" dirty="0"/>
             </a:br>
             <a:r>
-              <a:rPr lang="en-US" dirty="0" smtClean="0"/>
+              <a:rPr lang="en-US" dirty="0"/>
               <a:t>get sorted elements</a:t>
             </a:r>
           </a:p>
           <a:p>
             <a:r>
-              <a:rPr lang="en-US" dirty="0" smtClean="0"/>
+              <a:rPr lang="en-US" dirty="0"/>
               <a:t>Works best when the range of keys, m, is similar to the</a:t>
             </a:r>
             <a:br>
-              <a:rPr lang="en-US" dirty="0" smtClean="0"/>
+              <a:rPr lang="en-US" dirty="0"/>
             </a:br>
             <a:r>
-              <a:rPr lang="en-US" dirty="0" smtClean="0"/>
+              <a:rPr lang="en-US" dirty="0"/>
               <a:t>number of elements, n; why is that?</a:t>
             </a:r>
           </a:p>
           <a:p>
             <a:r>
-              <a:rPr lang="en-US" dirty="0" smtClean="0"/>
+              <a:rPr lang="en-US" dirty="0"/>
               <a:t>T(</a:t>
             </a:r>
             <a:r>
-              <a:rPr lang="en-US" dirty="0" err="1" smtClean="0"/>
+              <a:rPr lang="en-US" dirty="0" err="1"/>
               <a:t>n,m</a:t>
             </a:r>
             <a:r>
-              <a:rPr lang="en-US" dirty="0" smtClean="0"/>
+              <a:rPr lang="en-US" dirty="0"/>
               <a:t>) = n + m</a:t>
             </a:r>
           </a:p>
           <a:p>
             <a:r>
-              <a:rPr lang="en-US" dirty="0" smtClean="0"/>
+              <a:rPr lang="en-US" dirty="0"/>
               <a:t>What do we do when m &gt;&gt; n? E.g., sort 2 numbers, 5 and 5 million. Takes T(</a:t>
             </a:r>
             <a:r>
-              <a:rPr lang="en-US" dirty="0" err="1" smtClean="0"/>
+              <a:rPr lang="en-US" dirty="0" err="1"/>
               <a:t>n,m</a:t>
             </a:r>
             <a:r>
-              <a:rPr lang="en-US" dirty="0" smtClean="0"/>
+              <a:rPr lang="en-US" dirty="0"/>
               <a:t>) = 5 + 5,000,000</a:t>
             </a:r>
-            <a:endParaRPr lang="en-US" dirty="0"/>
           </a:p>
         </p:txBody>
       </p:sp>
@@ -6773,7 +7033,13 @@
       </p:sp>
       <p:pic>
         <p:nvPicPr>
-          <p:cNvPr id="6" name="Picture 5"/>
+          <p:cNvPr id="5" name="Picture 4">
+            <a:extLst>
+              <a:ext uri="{FF2B5EF4-FFF2-40B4-BE49-F238E27FC236}">
+                <a16:creationId xmlns:a16="http://schemas.microsoft.com/office/drawing/2014/main" id="{4B841605-E4BF-3B45-9C0D-03FB08745711}"/>
+              </a:ext>
+            </a:extLst>
+          </p:cNvPr>
           <p:cNvPicPr>
             <a:picLocks noChangeAspect="1"/>
           </p:cNvPicPr>
@@ -6787,8 +7053,8 @@
         </p:blipFill>
         <p:spPr>
           <a:xfrm>
-            <a:off x="8745166" y="-3176"/>
-            <a:ext cx="3446834" cy="4085137"/>
+            <a:off x="8725711" y="0"/>
+            <a:ext cx="3466289" cy="4108194"/>
           </a:xfrm>
           <a:prstGeom prst="rect">
             <a:avLst/>
@@ -6827,7 +7093,13 @@
       </p:grpSpPr>
       <p:sp>
         <p:nvSpPr>
-          <p:cNvPr id="2" name="Title 1"/>
+          <p:cNvPr id="2" name="Title 1">
+            <a:extLst>
+              <a:ext uri="{FF2B5EF4-FFF2-40B4-BE49-F238E27FC236}">
+                <a16:creationId xmlns:a16="http://schemas.microsoft.com/office/drawing/2014/main" id="{D2DEAED7-C5E5-7C4F-94CE-590C661CF198}"/>
+              </a:ext>
+            </a:extLst>
+          </p:cNvPr>
           <p:cNvSpPr>
             <a:spLocks noGrp="1"/>
           </p:cNvSpPr>
@@ -6841,113 +7113,151 @@
           <a:lstStyle/>
           <a:p>
             <a:r>
-              <a:rPr lang="en-US" dirty="0" smtClean="0"/>
-              <a:t> Bucket sort (also called bin sort)</a:t>
-            </a:r>
-            <a:endParaRPr lang="en-US" dirty="0"/>
-          </a:p>
-        </p:txBody>
-      </p:sp>
-      <p:sp>
-        <p:nvSpPr>
-          <p:cNvPr id="3" name="Content Placeholder 2"/>
-          <p:cNvSpPr>
-            <a:spLocks noGrp="1"/>
-          </p:cNvSpPr>
-          <p:nvPr>
-            <p:ph idx="1"/>
-          </p:nvPr>
-        </p:nvSpPr>
-        <p:spPr/>
-        <p:txBody>
-          <a:bodyPr>
-            <a:normAutofit/>
-          </a:bodyPr>
-          <a:lstStyle/>
-          <a:p>
-            <a:r>
-              <a:rPr lang="en-US" dirty="0" smtClean="0"/>
-              <a:t>Idea: distribute n elements across m ordered buckets, sort elements within each bucket, then concatenate elements from sorted buckets in order</a:t>
-            </a:r>
-          </a:p>
-          <a:p>
-            <a:endParaRPr lang="en-US" dirty="0" smtClean="0"/>
-          </a:p>
-          <a:p>
-            <a:endParaRPr lang="en-US" dirty="0"/>
-          </a:p>
-          <a:p>
-            <a:endParaRPr lang="en-US" dirty="0" smtClean="0"/>
-          </a:p>
-          <a:p>
-            <a:endParaRPr lang="en-US" dirty="0" smtClean="0"/>
-          </a:p>
-          <a:p>
-            <a:r>
-              <a:rPr lang="en-US" dirty="0" smtClean="0"/>
-              <a:t>Similar to pigeonhole sort but </a:t>
-            </a:r>
-            <a:r>
-              <a:rPr lang="en-US" dirty="0"/>
-              <a:t>pigeonhole </a:t>
-            </a:r>
-            <a:r>
-              <a:rPr lang="en-US" dirty="0" smtClean="0"/>
-              <a:t>has 1 key per bucket</a:t>
-            </a:r>
-          </a:p>
-          <a:p>
-            <a:r>
-              <a:rPr lang="en-US" dirty="0" smtClean="0"/>
-              <a:t>Best when even distribution of values like hash table</a:t>
-            </a:r>
-          </a:p>
-        </p:txBody>
-      </p:sp>
-      <p:sp>
-        <p:nvSpPr>
-          <p:cNvPr id="4" name="Rectangle 3"/>
-          <p:cNvSpPr/>
+              <a:rPr lang="en-US" dirty="0"/>
+              <a:t>Pigeonhole sort algorithm</a:t>
+            </a:r>
+          </a:p>
+        </p:txBody>
+      </p:sp>
+      <p:sp>
+        <p:nvSpPr>
+          <p:cNvPr id="3" name="TextBox 2">
+            <a:extLst>
+              <a:ext uri="{FF2B5EF4-FFF2-40B4-BE49-F238E27FC236}">
+                <a16:creationId xmlns:a16="http://schemas.microsoft.com/office/drawing/2014/main" id="{AC575E2B-EB04-8347-A545-EEFCE0E7ACE8}"/>
+              </a:ext>
+            </a:extLst>
+          </p:cNvPr>
+          <p:cNvSpPr txBox="1"/>
           <p:nvPr/>
         </p:nvSpPr>
         <p:spPr>
           <a:xfrm>
-            <a:off x="738380" y="6311900"/>
-            <a:ext cx="4275529" cy="369332"/>
+            <a:off x="1275944" y="1534972"/>
+            <a:ext cx="3558703" cy="4154984"/>
           </a:xfrm>
           <a:prstGeom prst="rect">
             <a:avLst/>
           </a:prstGeom>
+          <a:noFill/>
+          <a:ln>
+            <a:solidFill>
+              <a:schemeClr val="accent1"/>
+            </a:solidFill>
+          </a:ln>
         </p:spPr>
         <p:txBody>
-          <a:bodyPr wrap="none">
+          <a:bodyPr wrap="square" rtlCol="0">
             <a:spAutoFit/>
           </a:bodyPr>
           <a:lstStyle/>
           <a:p>
             <a:r>
-              <a:rPr lang="en-US"/>
-              <a:t>https://</a:t>
-            </a:r>
-            <a:r>
-              <a:rPr lang="en-US" dirty="0" err="1"/>
-              <a:t>en.wikipedia.org</a:t>
-            </a:r>
-            <a:r>
-              <a:rPr lang="en-US" dirty="0"/>
-              <a:t>/wiki/</a:t>
-            </a:r>
-            <a:r>
-              <a:rPr lang="en-US" dirty="0" err="1"/>
-              <a:t>Bucket_sort</a:t>
-            </a:r>
-            <a:endParaRPr lang="en-US" dirty="0"/>
+              <a:rPr lang="en-US" sz="2400" dirty="0"/>
+              <a:t># fill holes</a:t>
+            </a:r>
+          </a:p>
+          <a:p>
+            <a:r>
+              <a:rPr lang="en-US" sz="2400" dirty="0"/>
+              <a:t>size = max(A) + 1</a:t>
+            </a:r>
+          </a:p>
+          <a:p>
+            <a:r>
+              <a:rPr lang="en-US" sz="2400" dirty="0"/>
+              <a:t>holes = [0] * size</a:t>
+            </a:r>
+          </a:p>
+          <a:p>
+            <a:r>
+              <a:rPr lang="en-US" sz="2400" dirty="0"/>
+              <a:t>for a in A:</a:t>
+            </a:r>
+          </a:p>
+          <a:p>
+            <a:r>
+              <a:rPr lang="en-US" sz="2400" dirty="0"/>
+              <a:t>    holes[a] += 1</a:t>
+            </a:r>
+          </a:p>
+          <a:p>
+            <a:endParaRPr lang="en-US" sz="2400" dirty="0"/>
+          </a:p>
+          <a:p>
+            <a:r>
+              <a:rPr lang="en-US" sz="2400" dirty="0"/>
+              <a:t># pull out in order</a:t>
+            </a:r>
+          </a:p>
+          <a:p>
+            <a:r>
+              <a:rPr lang="en-US" sz="2400" dirty="0"/>
+              <a:t>A_ = []</a:t>
+            </a:r>
+          </a:p>
+          <a:p>
+            <a:r>
+              <a:rPr lang="en-US" sz="2400" dirty="0"/>
+              <a:t>for </a:t>
+            </a:r>
+            <a:r>
+              <a:rPr lang="en-US" sz="2400" dirty="0" err="1"/>
+              <a:t>i</a:t>
+            </a:r>
+            <a:r>
+              <a:rPr lang="en-US" sz="2400" dirty="0"/>
+              <a:t> in range(0,size):</a:t>
+            </a:r>
+          </a:p>
+          <a:p>
+            <a:r>
+              <a:rPr lang="en-US" sz="2400" dirty="0"/>
+              <a:t>    for j in range(holes[</a:t>
+            </a:r>
+            <a:r>
+              <a:rPr lang="en-US" sz="2400" dirty="0" err="1"/>
+              <a:t>i</a:t>
+            </a:r>
+            <a:r>
+              <a:rPr lang="en-US" sz="2400" dirty="0"/>
+              <a:t>]):</a:t>
+            </a:r>
+          </a:p>
+          <a:p>
+            <a:r>
+              <a:rPr lang="en-US" sz="2400" dirty="0"/>
+              <a:t>         </a:t>
+            </a:r>
+            <a:r>
+              <a:rPr lang="en-US" sz="2400" dirty="0" err="1"/>
+              <a:t>A_.append</a:t>
+            </a:r>
+            <a:r>
+              <a:rPr lang="en-US" sz="2400" dirty="0"/>
+              <a:t>(</a:t>
+            </a:r>
+            <a:r>
+              <a:rPr lang="en-US" sz="2400" dirty="0" err="1"/>
+              <a:t>i</a:t>
+            </a:r>
+            <a:r>
+              <a:rPr lang="en-US" sz="2400" dirty="0"/>
+              <a:t>)</a:t>
+            </a:r>
+            <a:endParaRPr lang="mr-IN" sz="2400" dirty="0"/>
           </a:p>
         </p:txBody>
       </p:sp>
       <p:pic>
         <p:nvPicPr>
-          <p:cNvPr id="6" name="Picture 5"/>
+          <p:cNvPr id="4" name="Picture 3">
+            <a:extLst>
+              <a:ext uri="{FF2B5EF4-FFF2-40B4-BE49-F238E27FC236}">
+                <a16:creationId xmlns:a16="http://schemas.microsoft.com/office/drawing/2014/main" id="{B1B1240B-5276-7B46-ABCC-ED70DC5C70FE}"/>
+              </a:ext>
+            </a:extLst>
+          </p:cNvPr>
           <p:cNvPicPr>
             <a:picLocks noChangeAspect="1"/>
           </p:cNvPicPr>
@@ -6961,72 +7271,8 @@
         </p:blipFill>
         <p:spPr>
           <a:xfrm>
-            <a:off x="1217419" y="2991543"/>
-            <a:ext cx="4199674" cy="1974681"/>
-          </a:xfrm>
-          <a:prstGeom prst="rect">
-            <a:avLst/>
-          </a:prstGeom>
-        </p:spPr>
-      </p:pic>
-      <p:sp>
-        <p:nvSpPr>
-          <p:cNvPr id="8" name="Right Arrow 7"/>
-          <p:cNvSpPr/>
-          <p:nvPr/>
-        </p:nvSpPr>
-        <p:spPr>
-          <a:xfrm>
-            <a:off x="5589134" y="3749874"/>
-            <a:ext cx="521785" cy="458017"/>
-          </a:xfrm>
-          <a:prstGeom prst="rightArrow">
-            <a:avLst/>
-          </a:prstGeom>
-        </p:spPr>
-        <p:style>
-          <a:lnRef idx="2">
-            <a:schemeClr val="accent1">
-              <a:shade val="50000"/>
-            </a:schemeClr>
-          </a:lnRef>
-          <a:fillRef idx="1">
-            <a:schemeClr val="accent1"/>
-          </a:fillRef>
-          <a:effectRef idx="0">
-            <a:schemeClr val="accent1"/>
-          </a:effectRef>
-          <a:fontRef idx="minor">
-            <a:schemeClr val="lt1"/>
-          </a:fontRef>
-        </p:style>
-        <p:txBody>
-          <a:bodyPr rtlCol="0" anchor="ctr"/>
-          <a:lstStyle/>
-          <a:p>
-            <a:pPr algn="ctr"/>
-            <a:endParaRPr lang="en-US"/>
-          </a:p>
-        </p:txBody>
-      </p:sp>
-      <p:pic>
-        <p:nvPicPr>
-          <p:cNvPr id="9" name="Picture 8"/>
-          <p:cNvPicPr>
-            <a:picLocks noChangeAspect="1"/>
-          </p:cNvPicPr>
-          <p:nvPr/>
-        </p:nvPicPr>
-        <p:blipFill>
-          <a:blip r:embed="rId3"/>
-          <a:stretch>
-            <a:fillRect/>
-          </a:stretch>
-        </p:blipFill>
-        <p:spPr>
-          <a:xfrm>
-            <a:off x="6260447" y="3570052"/>
-            <a:ext cx="4227485" cy="1376714"/>
+            <a:off x="6361079" y="1534972"/>
+            <a:ext cx="3466289" cy="4108194"/>
           </a:xfrm>
           <a:prstGeom prst="rect">
             <a:avLst/>
@@ -7036,20 +7282,13 @@
     </p:spTree>
     <p:extLst>
       <p:ext uri="{BB962C8B-B14F-4D97-AF65-F5344CB8AC3E}">
-        <p14:creationId xmlns:p14="http://schemas.microsoft.com/office/powerpoint/2010/main" val="134092240"/>
+        <p14:creationId xmlns:p14="http://schemas.microsoft.com/office/powerpoint/2010/main" val="610019602"/>
       </p:ext>
     </p:extLst>
   </p:cSld>
   <p:clrMapOvr>
     <a:masterClrMapping/>
   </p:clrMapOvr>
-  <p:timing>
-    <p:tnLst>
-      <p:par>
-        <p:cTn id="1" dur="indefinite" restart="never" nodeType="tmRoot"/>
-      </p:par>
-    </p:tnLst>
-  </p:timing>
 </p:sld>
 </file>
 

--- a/notes/sorting.pptx
+++ b/notes/sorting.pptx
@@ -5,10 +5,10 @@
     <p:sldMasterId id="2147483672" r:id="rId1"/>
   </p:sldMasterIdLst>
   <p:notesMasterIdLst>
-    <p:notesMasterId r:id="rId16"/>
+    <p:notesMasterId r:id="rId18"/>
   </p:notesMasterIdLst>
   <p:handoutMasterIdLst>
-    <p:handoutMasterId r:id="rId17"/>
+    <p:handoutMasterId r:id="rId19"/>
   </p:handoutMasterIdLst>
   <p:sldIdLst>
     <p:sldId id="256" r:id="rId2"/>
@@ -18,13 +18,15 @@
     <p:sldId id="291" r:id="rId6"/>
     <p:sldId id="292" r:id="rId7"/>
     <p:sldId id="293" r:id="rId8"/>
-    <p:sldId id="294" r:id="rId9"/>
-    <p:sldId id="300" r:id="rId10"/>
-    <p:sldId id="295" r:id="rId11"/>
-    <p:sldId id="296" r:id="rId12"/>
-    <p:sldId id="297" r:id="rId13"/>
-    <p:sldId id="298" r:id="rId14"/>
-    <p:sldId id="299" r:id="rId15"/>
+    <p:sldId id="301" r:id="rId9"/>
+    <p:sldId id="294" r:id="rId10"/>
+    <p:sldId id="300" r:id="rId11"/>
+    <p:sldId id="302" r:id="rId12"/>
+    <p:sldId id="295" r:id="rId13"/>
+    <p:sldId id="296" r:id="rId14"/>
+    <p:sldId id="297" r:id="rId15"/>
+    <p:sldId id="298" r:id="rId16"/>
+    <p:sldId id="299" r:id="rId17"/>
   </p:sldIdLst>
   <p:sldSz cx="12192000" cy="6858000"/>
   <p:notesSz cx="9144000" cy="6858000"/>
@@ -219,7 +221,7 @@
           <a:p>
             <a:fld id="{8A1B613A-EFF1-404F-BEE8-EFAE84A4E5E2}" type="datetimeFigureOut">
               <a:rPr lang="en-US" smtClean="0"/>
-              <a:t>2/19/19</a:t>
+              <a:t>2/20/19</a:t>
             </a:fld>
             <a:endParaRPr lang="en-US"/>
           </a:p>
@@ -384,7 +386,7 @@
           <a:p>
             <a:fld id="{690847EA-AC25-3D4E-89E1-FD3F6A9702B6}" type="datetimeFigureOut">
               <a:rPr lang="en-US" smtClean="0"/>
-              <a:t>2/19/19</a:t>
+              <a:t>2/20/19</a:t>
             </a:fld>
             <a:endParaRPr lang="en-US"/>
           </a:p>
@@ -798,7 +800,7 @@
           <a:p>
             <a:fld id="{BE5295ED-3BAF-1140-8495-3D368771D6B1}" type="datetimeFigureOut">
               <a:rPr lang="en-US" smtClean="0"/>
-              <a:t>2/19/19</a:t>
+              <a:t>2/20/19</a:t>
             </a:fld>
             <a:endParaRPr lang="en-US"/>
           </a:p>
@@ -996,7 +998,7 @@
           <a:p>
             <a:fld id="{BE5295ED-3BAF-1140-8495-3D368771D6B1}" type="datetimeFigureOut">
               <a:rPr lang="en-US" smtClean="0"/>
-              <a:t>2/19/19</a:t>
+              <a:t>2/20/19</a:t>
             </a:fld>
             <a:endParaRPr lang="en-US"/>
           </a:p>
@@ -1204,7 +1206,7 @@
           <a:p>
             <a:fld id="{BE5295ED-3BAF-1140-8495-3D368771D6B1}" type="datetimeFigureOut">
               <a:rPr lang="en-US" smtClean="0"/>
-              <a:t>2/19/19</a:t>
+              <a:t>2/20/19</a:t>
             </a:fld>
             <a:endParaRPr lang="en-US"/>
           </a:p>
@@ -1402,7 +1404,7 @@
           <a:p>
             <a:fld id="{BE5295ED-3BAF-1140-8495-3D368771D6B1}" type="datetimeFigureOut">
               <a:rPr lang="en-US" smtClean="0"/>
-              <a:t>2/19/19</a:t>
+              <a:t>2/20/19</a:t>
             </a:fld>
             <a:endParaRPr lang="en-US"/>
           </a:p>
@@ -1677,7 +1679,7 @@
           <a:p>
             <a:fld id="{BE5295ED-3BAF-1140-8495-3D368771D6B1}" type="datetimeFigureOut">
               <a:rPr lang="en-US" smtClean="0"/>
-              <a:t>2/19/19</a:t>
+              <a:t>2/20/19</a:t>
             </a:fld>
             <a:endParaRPr lang="en-US"/>
           </a:p>
@@ -1942,7 +1944,7 @@
           <a:p>
             <a:fld id="{BE5295ED-3BAF-1140-8495-3D368771D6B1}" type="datetimeFigureOut">
               <a:rPr lang="en-US" smtClean="0"/>
-              <a:t>2/19/19</a:t>
+              <a:t>2/20/19</a:t>
             </a:fld>
             <a:endParaRPr lang="en-US"/>
           </a:p>
@@ -2354,7 +2356,7 @@
           <a:p>
             <a:fld id="{BE5295ED-3BAF-1140-8495-3D368771D6B1}" type="datetimeFigureOut">
               <a:rPr lang="en-US" smtClean="0"/>
-              <a:t>2/19/19</a:t>
+              <a:t>2/20/19</a:t>
             </a:fld>
             <a:endParaRPr lang="en-US"/>
           </a:p>
@@ -2495,7 +2497,7 @@
           <a:p>
             <a:fld id="{BE5295ED-3BAF-1140-8495-3D368771D6B1}" type="datetimeFigureOut">
               <a:rPr lang="en-US" smtClean="0"/>
-              <a:t>2/19/19</a:t>
+              <a:t>2/20/19</a:t>
             </a:fld>
             <a:endParaRPr lang="en-US"/>
           </a:p>
@@ -2608,7 +2610,7 @@
           <a:p>
             <a:fld id="{BE5295ED-3BAF-1140-8495-3D368771D6B1}" type="datetimeFigureOut">
               <a:rPr lang="en-US" smtClean="0"/>
-              <a:t>2/19/19</a:t>
+              <a:t>2/20/19</a:t>
             </a:fld>
             <a:endParaRPr lang="en-US"/>
           </a:p>
@@ -2919,7 +2921,7 @@
           <a:p>
             <a:fld id="{BE5295ED-3BAF-1140-8495-3D368771D6B1}" type="datetimeFigureOut">
               <a:rPr lang="en-US" smtClean="0"/>
-              <a:t>2/19/19</a:t>
+              <a:t>2/20/19</a:t>
             </a:fld>
             <a:endParaRPr lang="en-US"/>
           </a:p>
@@ -3210,7 +3212,7 @@
           <a:p>
             <a:fld id="{BE5295ED-3BAF-1140-8495-3D368771D6B1}" type="datetimeFigureOut">
               <a:rPr lang="en-US" smtClean="0"/>
-              <a:t>2/19/19</a:t>
+              <a:t>2/20/19</a:t>
             </a:fld>
             <a:endParaRPr lang="en-US"/>
           </a:p>
@@ -3451,7 +3453,7 @@
           <a:p>
             <a:fld id="{BE5295ED-3BAF-1140-8495-3D368771D6B1}" type="datetimeFigureOut">
               <a:rPr lang="en-US" smtClean="0"/>
-              <a:t>2/19/19</a:t>
+              <a:t>2/20/19</a:t>
             </a:fld>
             <a:endParaRPr lang="en-US"/>
           </a:p>
@@ -4050,6 +4052,455 @@
       </p:grpSpPr>
       <p:sp>
         <p:nvSpPr>
+          <p:cNvPr id="2" name="Title 1">
+            <a:extLst>
+              <a:ext uri="{FF2B5EF4-FFF2-40B4-BE49-F238E27FC236}">
+                <a16:creationId xmlns:a16="http://schemas.microsoft.com/office/drawing/2014/main" id="{D2DEAED7-C5E5-7C4F-94CE-590C661CF198}"/>
+              </a:ext>
+            </a:extLst>
+          </p:cNvPr>
+          <p:cNvSpPr>
+            <a:spLocks noGrp="1"/>
+          </p:cNvSpPr>
+          <p:nvPr>
+            <p:ph type="title"/>
+          </p:nvPr>
+        </p:nvSpPr>
+        <p:spPr/>
+        <p:txBody>
+          <a:bodyPr/>
+          <a:lstStyle/>
+          <a:p>
+            <a:r>
+              <a:rPr lang="en-US" dirty="0"/>
+              <a:t>Pigeonhole sort algorithm</a:t>
+            </a:r>
+          </a:p>
+        </p:txBody>
+      </p:sp>
+      <p:sp>
+        <p:nvSpPr>
+          <p:cNvPr id="3" name="TextBox 2">
+            <a:extLst>
+              <a:ext uri="{FF2B5EF4-FFF2-40B4-BE49-F238E27FC236}">
+                <a16:creationId xmlns:a16="http://schemas.microsoft.com/office/drawing/2014/main" id="{AC575E2B-EB04-8347-A545-EEFCE0E7ACE8}"/>
+              </a:ext>
+            </a:extLst>
+          </p:cNvPr>
+          <p:cNvSpPr txBox="1"/>
+          <p:nvPr/>
+        </p:nvSpPr>
+        <p:spPr>
+          <a:xfrm>
+            <a:off x="1275944" y="1534972"/>
+            <a:ext cx="3558703" cy="4154984"/>
+          </a:xfrm>
+          <a:prstGeom prst="rect">
+            <a:avLst/>
+          </a:prstGeom>
+          <a:noFill/>
+          <a:ln>
+            <a:solidFill>
+              <a:schemeClr val="accent1"/>
+            </a:solidFill>
+          </a:ln>
+        </p:spPr>
+        <p:txBody>
+          <a:bodyPr wrap="square" rtlCol="0">
+            <a:spAutoFit/>
+          </a:bodyPr>
+          <a:lstStyle/>
+          <a:p>
+            <a:r>
+              <a:rPr lang="en-US" sz="2400" dirty="0"/>
+              <a:t># fill holes</a:t>
+            </a:r>
+          </a:p>
+          <a:p>
+            <a:r>
+              <a:rPr lang="en-US" sz="2400" dirty="0"/>
+              <a:t>size = max(A) + 1</a:t>
+            </a:r>
+          </a:p>
+          <a:p>
+            <a:r>
+              <a:rPr lang="en-US" sz="2400" dirty="0"/>
+              <a:t>holes = [0] * size</a:t>
+            </a:r>
+          </a:p>
+          <a:p>
+            <a:r>
+              <a:rPr lang="en-US" sz="2400" dirty="0"/>
+              <a:t>for a in A:</a:t>
+            </a:r>
+          </a:p>
+          <a:p>
+            <a:r>
+              <a:rPr lang="en-US" sz="2400" dirty="0"/>
+              <a:t>    holes[a] += 1</a:t>
+            </a:r>
+          </a:p>
+          <a:p>
+            <a:endParaRPr lang="en-US" sz="2400" dirty="0"/>
+          </a:p>
+          <a:p>
+            <a:r>
+              <a:rPr lang="en-US" sz="2400" dirty="0"/>
+              <a:t># pull out in order</a:t>
+            </a:r>
+          </a:p>
+          <a:p>
+            <a:r>
+              <a:rPr lang="en-US" sz="2400" dirty="0"/>
+              <a:t>A_ = []</a:t>
+            </a:r>
+          </a:p>
+          <a:p>
+            <a:r>
+              <a:rPr lang="en-US" sz="2400" dirty="0"/>
+              <a:t>for </a:t>
+            </a:r>
+            <a:r>
+              <a:rPr lang="en-US" sz="2400" dirty="0" err="1"/>
+              <a:t>i</a:t>
+            </a:r>
+            <a:r>
+              <a:rPr lang="en-US" sz="2400" dirty="0"/>
+              <a:t> in range(0,size):</a:t>
+            </a:r>
+          </a:p>
+          <a:p>
+            <a:r>
+              <a:rPr lang="en-US" sz="2400" dirty="0"/>
+              <a:t>    for j in range(holes[</a:t>
+            </a:r>
+            <a:r>
+              <a:rPr lang="en-US" sz="2400" dirty="0" err="1"/>
+              <a:t>i</a:t>
+            </a:r>
+            <a:r>
+              <a:rPr lang="en-US" sz="2400" dirty="0"/>
+              <a:t>]):</a:t>
+            </a:r>
+          </a:p>
+          <a:p>
+            <a:r>
+              <a:rPr lang="en-US" sz="2400" dirty="0"/>
+              <a:t>         </a:t>
+            </a:r>
+            <a:r>
+              <a:rPr lang="en-US" sz="2400" dirty="0" err="1"/>
+              <a:t>A_.append</a:t>
+            </a:r>
+            <a:r>
+              <a:rPr lang="en-US" sz="2400" dirty="0"/>
+              <a:t>(</a:t>
+            </a:r>
+            <a:r>
+              <a:rPr lang="en-US" sz="2400" dirty="0" err="1"/>
+              <a:t>i</a:t>
+            </a:r>
+            <a:r>
+              <a:rPr lang="en-US" sz="2400" dirty="0"/>
+              <a:t>)</a:t>
+            </a:r>
+            <a:endParaRPr lang="mr-IN" sz="2400" dirty="0"/>
+          </a:p>
+        </p:txBody>
+      </p:sp>
+      <p:pic>
+        <p:nvPicPr>
+          <p:cNvPr id="4" name="Picture 3">
+            <a:extLst>
+              <a:ext uri="{FF2B5EF4-FFF2-40B4-BE49-F238E27FC236}">
+                <a16:creationId xmlns:a16="http://schemas.microsoft.com/office/drawing/2014/main" id="{B1B1240B-5276-7B46-ABCC-ED70DC5C70FE}"/>
+              </a:ext>
+            </a:extLst>
+          </p:cNvPr>
+          <p:cNvPicPr>
+            <a:picLocks noChangeAspect="1"/>
+          </p:cNvPicPr>
+          <p:nvPr/>
+        </p:nvPicPr>
+        <p:blipFill>
+          <a:blip r:embed="rId2"/>
+          <a:stretch>
+            <a:fillRect/>
+          </a:stretch>
+        </p:blipFill>
+        <p:spPr>
+          <a:xfrm>
+            <a:off x="6361079" y="1534972"/>
+            <a:ext cx="3466289" cy="4108194"/>
+          </a:xfrm>
+          <a:prstGeom prst="rect">
+            <a:avLst/>
+          </a:prstGeom>
+        </p:spPr>
+      </p:pic>
+    </p:spTree>
+    <p:extLst>
+      <p:ext uri="{BB962C8B-B14F-4D97-AF65-F5344CB8AC3E}">
+        <p14:creationId xmlns:p14="http://schemas.microsoft.com/office/powerpoint/2010/main" val="610019602"/>
+      </p:ext>
+    </p:extLst>
+  </p:cSld>
+  <p:clrMapOvr>
+    <a:masterClrMapping/>
+  </p:clrMapOvr>
+</p:sld>
+</file>
+
+<file path=ppt/slides/slide11.xml><?xml version="1.0" encoding="utf-8"?>
+<p:sld xmlns:a="http://schemas.openxmlformats.org/drawingml/2006/main" xmlns:r="http://schemas.openxmlformats.org/officeDocument/2006/relationships" xmlns:p="http://schemas.openxmlformats.org/presentationml/2006/main">
+  <p:cSld>
+    <p:spTree>
+      <p:nvGrpSpPr>
+        <p:cNvPr id="1" name=""/>
+        <p:cNvGrpSpPr/>
+        <p:nvPr/>
+      </p:nvGrpSpPr>
+      <p:grpSpPr>
+        <a:xfrm>
+          <a:off x="0" y="0"/>
+          <a:ext cx="0" cy="0"/>
+          <a:chOff x="0" y="0"/>
+          <a:chExt cx="0" cy="0"/>
+        </a:xfrm>
+      </p:grpSpPr>
+      <p:sp>
+        <p:nvSpPr>
+          <p:cNvPr id="2" name="Title 1">
+            <a:extLst>
+              <a:ext uri="{FF2B5EF4-FFF2-40B4-BE49-F238E27FC236}">
+                <a16:creationId xmlns:a16="http://schemas.microsoft.com/office/drawing/2014/main" id="{C4EA7EB5-F7AA-8942-B34C-69BC67FE25C8}"/>
+              </a:ext>
+            </a:extLst>
+          </p:cNvPr>
+          <p:cNvSpPr>
+            <a:spLocks noGrp="1"/>
+          </p:cNvSpPr>
+          <p:nvPr>
+            <p:ph type="title"/>
+          </p:nvPr>
+        </p:nvSpPr>
+        <p:spPr/>
+        <p:txBody>
+          <a:bodyPr/>
+          <a:lstStyle/>
+          <a:p>
+            <a:r>
+              <a:rPr lang="en-US" dirty="0"/>
+              <a:t>Issue with pigeonhole sort</a:t>
+            </a:r>
+          </a:p>
+        </p:txBody>
+      </p:sp>
+      <p:sp>
+        <p:nvSpPr>
+          <p:cNvPr id="3" name="Content Placeholder 2">
+            <a:extLst>
+              <a:ext uri="{FF2B5EF4-FFF2-40B4-BE49-F238E27FC236}">
+                <a16:creationId xmlns:a16="http://schemas.microsoft.com/office/drawing/2014/main" id="{ACDE7998-5783-D04D-8A6C-3CE185AA1DFD}"/>
+              </a:ext>
+            </a:extLst>
+          </p:cNvPr>
+          <p:cNvSpPr>
+            <a:spLocks noGrp="1"/>
+          </p:cNvSpPr>
+          <p:nvPr>
+            <p:ph idx="1"/>
+          </p:nvPr>
+        </p:nvSpPr>
+        <p:spPr/>
+        <p:txBody>
+          <a:bodyPr/>
+          <a:lstStyle/>
+          <a:p>
+            <a:r>
+              <a:rPr lang="en-US" dirty="0"/>
+              <a:t>Super fast and simple but…</a:t>
+            </a:r>
+          </a:p>
+          <a:p>
+            <a:r>
+              <a:rPr lang="en-US" dirty="0"/>
+              <a:t>What do we do when m &gt;&gt; n? E.g., sort 2 numbers, 5 and 5 million. Takes T(</a:t>
+            </a:r>
+            <a:r>
+              <a:rPr lang="en-US" dirty="0" err="1"/>
+              <a:t>n,m</a:t>
+            </a:r>
+            <a:r>
+              <a:rPr lang="en-US" dirty="0"/>
+              <a:t>) = n + m = 5 + 5,000,000</a:t>
+            </a:r>
+          </a:p>
+          <a:p>
+            <a:r>
+              <a:rPr lang="en-US" dirty="0"/>
+              <a:t>How can we handle this case and generalize it to work for floats even?</a:t>
+            </a:r>
+          </a:p>
+          <a:p>
+            <a:r>
+              <a:rPr lang="en-US" dirty="0"/>
+              <a:t>Hint: compress m, number of buckets, to some fixed number instead of range of numbers</a:t>
+            </a:r>
+          </a:p>
+          <a:p>
+            <a:r>
+              <a:rPr lang="en-US" dirty="0"/>
+              <a:t>Now we have hash table but with special hash function</a:t>
+            </a:r>
+          </a:p>
+          <a:p>
+            <a:endParaRPr lang="en-US" dirty="0"/>
+          </a:p>
+        </p:txBody>
+      </p:sp>
+    </p:spTree>
+    <p:extLst>
+      <p:ext uri="{BB962C8B-B14F-4D97-AF65-F5344CB8AC3E}">
+        <p14:creationId xmlns:p14="http://schemas.microsoft.com/office/powerpoint/2010/main" val="3436185344"/>
+      </p:ext>
+    </p:extLst>
+  </p:cSld>
+  <p:clrMapOvr>
+    <a:masterClrMapping/>
+  </p:clrMapOvr>
+  <p:timing>
+    <p:tnLst>
+      <p:par>
+        <p:cTn id="1" dur="indefinite" restart="never" nodeType="tmRoot">
+          <p:childTnLst>
+            <p:seq concurrent="1" nextAc="seek">
+              <p:cTn id="2" dur="indefinite" nodeType="mainSeq">
+                <p:childTnLst>
+                  <p:par>
+                    <p:cTn id="3" fill="hold">
+                      <p:stCondLst>
+                        <p:cond delay="indefinite"/>
+                      </p:stCondLst>
+                      <p:childTnLst>
+                        <p:par>
+                          <p:cTn id="4" fill="hold">
+                            <p:stCondLst>
+                              <p:cond delay="0"/>
+                            </p:stCondLst>
+                            <p:childTnLst>
+                              <p:par>
+                                <p:cTn id="5" presetID="1" presetClass="entr" presetSubtype="0" fill="hold" nodeType="clickEffect">
+                                  <p:stCondLst>
+                                    <p:cond delay="0"/>
+                                  </p:stCondLst>
+                                  <p:childTnLst>
+                                    <p:set>
+                                      <p:cBhvr>
+                                        <p:cTn id="6" dur="1" fill="hold">
+                                          <p:stCondLst>
+                                            <p:cond delay="0"/>
+                                          </p:stCondLst>
+                                        </p:cTn>
+                                        <p:tgtEl>
+                                          <p:spTgt spid="3">
+                                            <p:txEl>
+                                              <p:pRg st="3" end="3"/>
+                                            </p:txEl>
+                                          </p:spTgt>
+                                        </p:tgtEl>
+                                        <p:attrNameLst>
+                                          <p:attrName>style.visibility</p:attrName>
+                                        </p:attrNameLst>
+                                      </p:cBhvr>
+                                      <p:to>
+                                        <p:strVal val="visible"/>
+                                      </p:to>
+                                    </p:set>
+                                  </p:childTnLst>
+                                </p:cTn>
+                              </p:par>
+                              <p:par>
+                                <p:cTn id="7" presetID="1" presetClass="entr" presetSubtype="0" fill="hold" nodeType="withEffect">
+                                  <p:stCondLst>
+                                    <p:cond delay="0"/>
+                                  </p:stCondLst>
+                                  <p:childTnLst>
+                                    <p:set>
+                                      <p:cBhvr>
+                                        <p:cTn id="8" dur="1" fill="hold">
+                                          <p:stCondLst>
+                                            <p:cond delay="0"/>
+                                          </p:stCondLst>
+                                        </p:cTn>
+                                        <p:tgtEl>
+                                          <p:spTgt spid="3">
+                                            <p:txEl>
+                                              <p:pRg st="4" end="4"/>
+                                            </p:txEl>
+                                          </p:spTgt>
+                                        </p:tgtEl>
+                                        <p:attrNameLst>
+                                          <p:attrName>style.visibility</p:attrName>
+                                        </p:attrNameLst>
+                                      </p:cBhvr>
+                                      <p:to>
+                                        <p:strVal val="visible"/>
+                                      </p:to>
+                                    </p:set>
+                                  </p:childTnLst>
+                                </p:cTn>
+                              </p:par>
+                            </p:childTnLst>
+                          </p:cTn>
+                        </p:par>
+                      </p:childTnLst>
+                    </p:cTn>
+                  </p:par>
+                </p:childTnLst>
+              </p:cTn>
+              <p:prevCondLst>
+                <p:cond evt="onPrev" delay="0">
+                  <p:tgtEl>
+                    <p:sldTgt/>
+                  </p:tgtEl>
+                </p:cond>
+              </p:prevCondLst>
+              <p:nextCondLst>
+                <p:cond evt="onNext" delay="0">
+                  <p:tgtEl>
+                    <p:sldTgt/>
+                  </p:tgtEl>
+                </p:cond>
+              </p:nextCondLst>
+            </p:seq>
+          </p:childTnLst>
+        </p:cTn>
+      </p:par>
+    </p:tnLst>
+  </p:timing>
+</p:sld>
+</file>
+
+<file path=ppt/slides/slide12.xml><?xml version="1.0" encoding="utf-8"?>
+<p:sld xmlns:a="http://schemas.openxmlformats.org/drawingml/2006/main" xmlns:r="http://schemas.openxmlformats.org/officeDocument/2006/relationships" xmlns:p="http://schemas.openxmlformats.org/presentationml/2006/main">
+  <p:cSld>
+    <p:spTree>
+      <p:nvGrpSpPr>
+        <p:cNvPr id="1" name=""/>
+        <p:cNvGrpSpPr/>
+        <p:nvPr/>
+      </p:nvGrpSpPr>
+      <p:grpSpPr>
+        <a:xfrm>
+          <a:off x="0" y="0"/>
+          <a:ext cx="0" cy="0"/>
+          <a:chOff x="0" y="0"/>
+          <a:chExt cx="0" cy="0"/>
+        </a:xfrm>
+      </p:grpSpPr>
+      <p:sp>
+        <p:nvSpPr>
           <p:cNvPr id="2" name="Title 1"/>
           <p:cNvSpPr>
             <a:spLocks noGrp="1"/>
@@ -4286,7 +4737,7 @@
 </p:sld>
 </file>
 
-<file path=ppt/slides/slide11.xml><?xml version="1.0" encoding="utf-8"?>
+<file path=ppt/slides/slide13.xml><?xml version="1.0" encoding="utf-8"?>
 <p:sld xmlns:a="http://schemas.openxmlformats.org/drawingml/2006/main" xmlns:r="http://schemas.openxmlformats.org/officeDocument/2006/relationships" xmlns:p="http://schemas.openxmlformats.org/presentationml/2006/main">
   <p:cSld>
     <p:spTree>
@@ -4670,7 +5121,7 @@
 </p:sld>
 </file>
 
-<file path=ppt/slides/slide12.xml><?xml version="1.0" encoding="utf-8"?>
+<file path=ppt/slides/slide14.xml><?xml version="1.0" encoding="utf-8"?>
 <p:sld xmlns:a="http://schemas.openxmlformats.org/drawingml/2006/main" xmlns:r="http://schemas.openxmlformats.org/officeDocument/2006/relationships" xmlns:p="http://schemas.openxmlformats.org/presentationml/2006/main">
   <p:cSld>
     <p:spTree>
@@ -5095,7 +5546,7 @@
 </p:sld>
 </file>
 
-<file path=ppt/slides/slide13.xml><?xml version="1.0" encoding="utf-8"?>
+<file path=ppt/slides/slide15.xml><?xml version="1.0" encoding="utf-8"?>
 <p:sld xmlns:a="http://schemas.openxmlformats.org/drawingml/2006/main" xmlns:r="http://schemas.openxmlformats.org/officeDocument/2006/relationships" xmlns:p="http://schemas.openxmlformats.org/presentationml/2006/main">
   <p:cSld>
     <p:spTree>
@@ -5257,7 +5708,7 @@
 </p:sld>
 </file>
 
-<file path=ppt/slides/slide14.xml><?xml version="1.0" encoding="utf-8"?>
+<file path=ppt/slides/slide16.xml><?xml version="1.0" encoding="utf-8"?>
 <p:sld xmlns:a="http://schemas.openxmlformats.org/drawingml/2006/main" xmlns:r="http://schemas.openxmlformats.org/officeDocument/2006/relationships" xmlns:p="http://schemas.openxmlformats.org/presentationml/2006/main">
   <p:cSld>
     <p:spTree>
@@ -6419,7 +6870,7 @@
         </p:nvSpPr>
         <p:spPr>
           <a:xfrm>
-            <a:off x="993843" y="1951412"/>
+            <a:off x="565821" y="1951412"/>
             <a:ext cx="4210455" cy="1938992"/>
           </a:xfrm>
           <a:prstGeom prst="rect">
@@ -6528,8 +6979,8 @@
         </p:nvSpPr>
         <p:spPr>
           <a:xfrm>
-            <a:off x="6282447" y="1951412"/>
-            <a:ext cx="4875179" cy="3785652"/>
+            <a:off x="5194567" y="1951412"/>
+            <a:ext cx="6643286" cy="3046988"/>
           </a:xfrm>
           <a:prstGeom prst="rect">
             <a:avLst/>
@@ -6549,17 +7000,24 @@
           <a:p>
             <a:r>
               <a:rPr lang="en-US" sz="2400" dirty="0"/>
-              <a:t># many ways to do this; here’s one</a:t>
-            </a:r>
-          </a:p>
-          <a:p>
+              <a:t># many ways to do this; here’s a slow O(n) one</a:t>
+            </a:r>
+          </a:p>
+          <a:p>
+            <a:r>
+              <a:rPr lang="en-US" sz="2400" dirty="0"/>
+              <a:t># breaks idea of in-place only sort for </a:t>
+            </a:r>
             <a:r>
               <a:rPr lang="en-US" sz="2400" dirty="0" err="1"/>
-              <a:t>def</a:t>
-            </a:r>
+              <a:t>qsort</a:t>
+            </a:r>
+            <a:endParaRPr lang="en-US" sz="2400" dirty="0"/>
+          </a:p>
+          <a:p>
             <a:r>
               <a:rPr lang="en-US" sz="2400" dirty="0"/>
-              <a:t> partition(</a:t>
+              <a:t>def partition(</a:t>
             </a:r>
             <a:r>
               <a:rPr lang="en-US" sz="2400" dirty="0" err="1"/>
@@ -6573,224 +7031,25 @@
           <a:p>
             <a:r>
               <a:rPr lang="en-US" sz="2400" dirty="0"/>
-              <a:t>    </a:t>
-            </a:r>
-            <a:r>
-              <a:rPr lang="mr-IN" sz="2400" dirty="0" err="1"/>
-              <a:t>i</a:t>
-            </a:r>
-            <a:r>
-              <a:rPr lang="mr-IN" sz="2400" dirty="0"/>
-              <a:t> = </a:t>
-            </a:r>
-            <a:r>
-              <a:rPr lang="mr-IN" sz="2400" dirty="0" err="1"/>
-              <a:t>lo</a:t>
-            </a:r>
-            <a:endParaRPr lang="en-US" sz="2400" dirty="0"/>
+              <a:t>    pivot = A[hi]    # pick last element as pivot  </a:t>
+            </a:r>
           </a:p>
           <a:p>
             <a:r>
               <a:rPr lang="en-US" sz="2400" dirty="0"/>
-              <a:t>    pivot = A[hi]</a:t>
+              <a:t>    left = [a for a in A if a&lt;pivot]</a:t>
             </a:r>
           </a:p>
           <a:p>
             <a:r>
               <a:rPr lang="en-US" sz="2400" dirty="0"/>
-              <a:t>    for j in range(lo, hi):</a:t>
-            </a:r>
-          </a:p>
-          <a:p>
-            <a:r>
-              <a:rPr lang="mr-IN" sz="2400" dirty="0"/>
-              <a:t>        </a:t>
-            </a:r>
-            <a:r>
-              <a:rPr lang="mr-IN" sz="2400" dirty="0" err="1"/>
-              <a:t>if</a:t>
-            </a:r>
-            <a:r>
-              <a:rPr lang="mr-IN" sz="2400" dirty="0"/>
-              <a:t> </a:t>
-            </a:r>
-            <a:r>
-              <a:rPr lang="mr-IN" sz="2400" dirty="0" err="1"/>
-              <a:t>A</a:t>
-            </a:r>
-            <a:r>
-              <a:rPr lang="mr-IN" sz="2400" dirty="0"/>
-              <a:t>[</a:t>
-            </a:r>
-            <a:r>
-              <a:rPr lang="mr-IN" sz="2400" dirty="0" err="1"/>
-              <a:t>j</a:t>
-            </a:r>
-            <a:r>
-              <a:rPr lang="mr-IN" sz="2400" dirty="0"/>
-              <a:t>] &lt; </a:t>
-            </a:r>
-            <a:r>
-              <a:rPr lang="mr-IN" sz="2400" dirty="0" err="1"/>
-              <a:t>pivot</a:t>
-            </a:r>
-            <a:r>
-              <a:rPr lang="mr-IN" sz="2400" dirty="0"/>
-              <a:t>: </a:t>
-            </a:r>
-          </a:p>
-          <a:p>
-            <a:r>
-              <a:rPr lang="mr-IN" sz="2400" dirty="0"/>
-              <a:t>            </a:t>
-            </a:r>
-            <a:r>
-              <a:rPr lang="mr-IN" sz="2400" dirty="0" err="1"/>
-              <a:t>A</a:t>
-            </a:r>
-            <a:r>
-              <a:rPr lang="mr-IN" sz="2400" dirty="0"/>
-              <a:t>[</a:t>
-            </a:r>
-            <a:r>
-              <a:rPr lang="mr-IN" sz="2400" dirty="0" err="1"/>
-              <a:t>i</a:t>
-            </a:r>
-            <a:r>
-              <a:rPr lang="mr-IN" sz="2400" dirty="0"/>
-              <a:t>], </a:t>
-            </a:r>
-            <a:r>
-              <a:rPr lang="mr-IN" sz="2400" dirty="0" err="1"/>
-              <a:t>A</a:t>
-            </a:r>
-            <a:r>
-              <a:rPr lang="mr-IN" sz="2400" dirty="0"/>
-              <a:t>[</a:t>
-            </a:r>
-            <a:r>
-              <a:rPr lang="mr-IN" sz="2400" dirty="0" err="1"/>
-              <a:t>j</a:t>
-            </a:r>
-            <a:r>
-              <a:rPr lang="mr-IN" sz="2400" dirty="0"/>
-              <a:t>] = </a:t>
-            </a:r>
-            <a:r>
-              <a:rPr lang="mr-IN" sz="2400" dirty="0" err="1"/>
-              <a:t>A</a:t>
-            </a:r>
-            <a:r>
-              <a:rPr lang="mr-IN" sz="2400" dirty="0"/>
-              <a:t>[</a:t>
-            </a:r>
-            <a:r>
-              <a:rPr lang="mr-IN" sz="2400" dirty="0" err="1"/>
-              <a:t>j</a:t>
-            </a:r>
-            <a:r>
-              <a:rPr lang="mr-IN" sz="2400" dirty="0"/>
-              <a:t>], </a:t>
-            </a:r>
-            <a:r>
-              <a:rPr lang="mr-IN" sz="2400" dirty="0" err="1"/>
-              <a:t>A</a:t>
-            </a:r>
-            <a:r>
-              <a:rPr lang="mr-IN" sz="2400" dirty="0"/>
-              <a:t>[</a:t>
-            </a:r>
-            <a:r>
-              <a:rPr lang="mr-IN" sz="2400" dirty="0" err="1"/>
-              <a:t>i</a:t>
-            </a:r>
-            <a:r>
-              <a:rPr lang="mr-IN" sz="2400" dirty="0"/>
-              <a:t>]</a:t>
-            </a:r>
-          </a:p>
-          <a:p>
-            <a:r>
-              <a:rPr lang="mr-IN" sz="2400" dirty="0"/>
-              <a:t>            </a:t>
-            </a:r>
-            <a:r>
-              <a:rPr lang="mr-IN" sz="2400" dirty="0" err="1"/>
-              <a:t>i</a:t>
-            </a:r>
-            <a:r>
-              <a:rPr lang="mr-IN" sz="2400" dirty="0"/>
-              <a:t> += 1</a:t>
-            </a:r>
-          </a:p>
-          <a:p>
-            <a:r>
-              <a:rPr lang="mr-IN" sz="2400" dirty="0"/>
-              <a:t>    </a:t>
-            </a:r>
-            <a:r>
-              <a:rPr lang="mr-IN" sz="2400" dirty="0" err="1"/>
-              <a:t>A</a:t>
-            </a:r>
-            <a:r>
-              <a:rPr lang="mr-IN" sz="2400" dirty="0"/>
-              <a:t>[</a:t>
-            </a:r>
-            <a:r>
-              <a:rPr lang="mr-IN" sz="2400" dirty="0" err="1"/>
-              <a:t>i</a:t>
-            </a:r>
-            <a:r>
-              <a:rPr lang="mr-IN" sz="2400" dirty="0"/>
-              <a:t>], </a:t>
-            </a:r>
-            <a:r>
-              <a:rPr lang="mr-IN" sz="2400" dirty="0" err="1"/>
-              <a:t>A</a:t>
-            </a:r>
-            <a:r>
-              <a:rPr lang="mr-IN" sz="2400" dirty="0"/>
-              <a:t>[</a:t>
-            </a:r>
-            <a:r>
-              <a:rPr lang="mr-IN" sz="2400" dirty="0" err="1"/>
-              <a:t>hi</a:t>
-            </a:r>
-            <a:r>
-              <a:rPr lang="mr-IN" sz="2400" dirty="0"/>
-              <a:t>] = </a:t>
-            </a:r>
-            <a:r>
-              <a:rPr lang="mr-IN" sz="2400" dirty="0" err="1"/>
-              <a:t>A</a:t>
-            </a:r>
-            <a:r>
-              <a:rPr lang="mr-IN" sz="2400" dirty="0"/>
-              <a:t>[</a:t>
-            </a:r>
-            <a:r>
-              <a:rPr lang="mr-IN" sz="2400" dirty="0" err="1"/>
-              <a:t>hi</a:t>
-            </a:r>
-            <a:r>
-              <a:rPr lang="mr-IN" sz="2400" dirty="0"/>
-              <a:t>], </a:t>
-            </a:r>
-            <a:r>
-              <a:rPr lang="mr-IN" sz="2400" dirty="0" err="1"/>
-              <a:t>A</a:t>
-            </a:r>
-            <a:r>
-              <a:rPr lang="mr-IN" sz="2400" dirty="0"/>
-              <a:t>[</a:t>
-            </a:r>
-            <a:r>
-              <a:rPr lang="mr-IN" sz="2400" dirty="0" err="1"/>
-              <a:t>i</a:t>
-            </a:r>
-            <a:r>
-              <a:rPr lang="mr-IN" sz="2400" dirty="0"/>
-              <a:t>]</a:t>
+              <a:t>    right = [a for a in A if a&gt;pivot]</a:t>
+            </a:r>
+          </a:p>
+          <a:p>
+            <a:r>
+              <a:rPr lang="en-US" sz="2400" dirty="0"/>
+              <a:t>    A[:] = left+[pivot]+right # copy back to A</a:t>
             </a:r>
           </a:p>
           <a:p>
@@ -6800,9 +7059,12 @@
             </a:r>
             <a:r>
               <a:rPr lang="en-US" sz="2400" dirty="0" err="1"/>
-              <a:t>i</a:t>
-            </a:r>
-            <a:endParaRPr lang="en-US" sz="2400" dirty="0"/>
+              <a:t>len</a:t>
+            </a:r>
+            <a:r>
+              <a:rPr lang="en-US" sz="2400" dirty="0"/>
+              <a:t>(left) # return index of pivot</a:t>
+            </a:r>
           </a:p>
         </p:txBody>
       </p:sp>
@@ -6853,6 +7115,41 @@
             <a:r>
               <a:rPr lang="en-US" dirty="0"/>
               <a:t>=MZaf_9IZCrc</a:t>
+            </a:r>
+          </a:p>
+        </p:txBody>
+      </p:sp>
+      <p:sp>
+        <p:nvSpPr>
+          <p:cNvPr id="6" name="TextBox 5">
+            <a:extLst>
+              <a:ext uri="{FF2B5EF4-FFF2-40B4-BE49-F238E27FC236}">
+                <a16:creationId xmlns:a16="http://schemas.microsoft.com/office/drawing/2014/main" id="{29CB3794-A5D6-0546-885D-6E6A1C96DAFF}"/>
+              </a:ext>
+            </a:extLst>
+          </p:cNvPr>
+          <p:cNvSpPr txBox="1"/>
+          <p:nvPr/>
+        </p:nvSpPr>
+        <p:spPr>
+          <a:xfrm>
+            <a:off x="5090493" y="5081535"/>
+            <a:ext cx="6747360" cy="430887"/>
+          </a:xfrm>
+          <a:prstGeom prst="rect">
+            <a:avLst/>
+          </a:prstGeom>
+          <a:noFill/>
+        </p:spPr>
+        <p:txBody>
+          <a:bodyPr wrap="none" rtlCol="0">
+            <a:spAutoFit/>
+          </a:bodyPr>
+          <a:lstStyle/>
+          <a:p>
+            <a:r>
+              <a:rPr lang="en-US" sz="2200" dirty="0"/>
+              <a:t>Partitioning important for decision and isolation trees</a:t>
             </a:r>
           </a:p>
         </p:txBody>
@@ -6889,7 +7186,13 @@
       </p:grpSpPr>
       <p:sp>
         <p:nvSpPr>
-          <p:cNvPr id="2" name="Title 1"/>
+          <p:cNvPr id="2" name="Title 1">
+            <a:extLst>
+              <a:ext uri="{FF2B5EF4-FFF2-40B4-BE49-F238E27FC236}">
+                <a16:creationId xmlns:a16="http://schemas.microsoft.com/office/drawing/2014/main" id="{89D33BA6-0A82-5A4F-935E-68B7DAC63EB9}"/>
+              </a:ext>
+            </a:extLst>
+          </p:cNvPr>
           <p:cNvSpPr>
             <a:spLocks noGrp="1"/>
           </p:cNvSpPr>
@@ -6904,14 +7207,20 @@
           <a:p>
             <a:r>
               <a:rPr lang="en-US" dirty="0"/>
-              <a:t>Pigeonhole sort</a:t>
-            </a:r>
-          </a:p>
-        </p:txBody>
-      </p:sp>
-      <p:sp>
-        <p:nvSpPr>
-          <p:cNvPr id="3" name="Content Placeholder 2"/>
+              <a:t>So much for traditional sorts</a:t>
+            </a:r>
+          </a:p>
+        </p:txBody>
+      </p:sp>
+      <p:sp>
+        <p:nvSpPr>
+          <p:cNvPr id="3" name="Content Placeholder 2">
+            <a:extLst>
+              <a:ext uri="{FF2B5EF4-FFF2-40B4-BE49-F238E27FC236}">
+                <a16:creationId xmlns:a16="http://schemas.microsoft.com/office/drawing/2014/main" id="{A947031A-7E62-9E4A-B8EA-3FC46F492F8F}"/>
+              </a:ext>
+            </a:extLst>
+          </p:cNvPr>
           <p:cNvSpPr>
             <a:spLocks noGrp="1"/>
           </p:cNvSpPr>
@@ -6925,146 +7234,62 @@
           <a:lstStyle/>
           <a:p>
             <a:r>
-              <a:rPr lang="en-US" b="1" dirty="0"/>
-              <a:t>Idea</a:t>
-            </a:r>
-            <a:r>
-              <a:rPr lang="en-US" dirty="0"/>
-              <a:t>: Map each key to unique pigeonhole in ordered</a:t>
-            </a:r>
-            <a:br>
-              <a:rPr lang="en-US" dirty="0"/>
-            </a:br>
-            <a:r>
-              <a:rPr lang="en-US" dirty="0"/>
-              <a:t>range of holes; then just walk pigeonholes in order to</a:t>
-            </a:r>
-            <a:br>
-              <a:rPr lang="en-US" dirty="0"/>
-            </a:br>
-            <a:r>
-              <a:rPr lang="en-US" dirty="0"/>
-              <a:t>get sorted elements</a:t>
-            </a:r>
-          </a:p>
-          <a:p>
-            <a:r>
-              <a:rPr lang="en-US" dirty="0"/>
-              <a:t>Works best when the range of keys, m, is similar to the</a:t>
-            </a:r>
-            <a:br>
-              <a:rPr lang="en-US" dirty="0"/>
-            </a:br>
-            <a:r>
-              <a:rPr lang="en-US" dirty="0"/>
-              <a:t>number of elements, n; why is that?</a:t>
-            </a:r>
-          </a:p>
-          <a:p>
-            <a:r>
-              <a:rPr lang="en-US" dirty="0"/>
-              <a:t>T(</a:t>
+              <a:rPr lang="en-US" dirty="0"/>
+              <a:t>Theory says we can’t beat O(n log n)…</a:t>
+            </a:r>
+          </a:p>
+          <a:p>
+            <a:r>
+              <a:rPr lang="en-US" dirty="0"/>
+              <a:t>…for generic elements</a:t>
+            </a:r>
+          </a:p>
+          <a:p>
+            <a:r>
+              <a:rPr lang="en-US" dirty="0"/>
+              <a:t>But, what if we know the elements are </a:t>
             </a:r>
             <a:r>
               <a:rPr lang="en-US" dirty="0" err="1"/>
-              <a:t>n,m</a:t>
-            </a:r>
-            <a:r>
-              <a:rPr lang="en-US" dirty="0"/>
-              <a:t>) = n + m</a:t>
-            </a:r>
-          </a:p>
-          <a:p>
-            <a:r>
-              <a:rPr lang="en-US" dirty="0"/>
-              <a:t>What do we do when m &gt;&gt; n? E.g., sort 2 numbers, 5 and 5 million. Takes T(</a:t>
+              <a:t>ints</a:t>
+            </a:r>
+            <a:r>
+              <a:rPr lang="en-US" dirty="0"/>
+              <a:t> or strings or floats?</a:t>
+            </a:r>
+          </a:p>
+          <a:p>
+            <a:r>
+              <a:rPr lang="en-US" dirty="0"/>
+              <a:t>What if we know something about the values?</a:t>
+            </a:r>
+          </a:p>
+          <a:p>
+            <a:r>
+              <a:rPr lang="en-US" dirty="0"/>
+              <a:t>E.g., what if we know the elements are </a:t>
             </a:r>
             <a:r>
               <a:rPr lang="en-US" dirty="0" err="1"/>
-              <a:t>n,m</a:t>
-            </a:r>
-            <a:r>
-              <a:rPr lang="en-US" dirty="0"/>
-              <a:t>) = 5 + 5,000,000</a:t>
-            </a:r>
-          </a:p>
-        </p:txBody>
-      </p:sp>
-      <p:sp>
-        <p:nvSpPr>
-          <p:cNvPr id="4" name="Rectangle 3"/>
-          <p:cNvSpPr/>
-          <p:nvPr/>
-        </p:nvSpPr>
-        <p:spPr>
-          <a:xfrm>
-            <a:off x="838200" y="6386368"/>
-            <a:ext cx="4724370" cy="369332"/>
-          </a:xfrm>
-          <a:prstGeom prst="rect">
-            <a:avLst/>
-          </a:prstGeom>
-        </p:spPr>
-        <p:txBody>
-          <a:bodyPr wrap="none">
-            <a:spAutoFit/>
-          </a:bodyPr>
-          <a:lstStyle/>
-          <a:p>
-            <a:r>
-              <a:rPr lang="en-US" dirty="0"/>
-              <a:t>https://</a:t>
-            </a:r>
-            <a:r>
-              <a:rPr lang="en-US" dirty="0" err="1"/>
-              <a:t>en.wikipedia.org</a:t>
-            </a:r>
-            <a:r>
-              <a:rPr lang="en-US" dirty="0"/>
-              <a:t>/wiki/</a:t>
-            </a:r>
-            <a:r>
-              <a:rPr lang="en-US" dirty="0" err="1"/>
-              <a:t>Pigeonhole_sort</a:t>
-            </a:r>
-            <a:endParaRPr lang="en-US" dirty="0"/>
-          </a:p>
-        </p:txBody>
-      </p:sp>
-      <p:pic>
-        <p:nvPicPr>
-          <p:cNvPr id="5" name="Picture 4">
-            <a:extLst>
-              <a:ext uri="{FF2B5EF4-FFF2-40B4-BE49-F238E27FC236}">
-                <a16:creationId xmlns:a16="http://schemas.microsoft.com/office/drawing/2014/main" id="{4B841605-E4BF-3B45-9C0D-03FB08745711}"/>
-              </a:ext>
-            </a:extLst>
-          </p:cNvPr>
-          <p:cNvPicPr>
-            <a:picLocks noChangeAspect="1"/>
-          </p:cNvPicPr>
-          <p:nvPr/>
-        </p:nvPicPr>
-        <p:blipFill>
-          <a:blip r:embed="rId2"/>
-          <a:stretch>
-            <a:fillRect/>
-          </a:stretch>
-        </p:blipFill>
-        <p:spPr>
-          <a:xfrm>
-            <a:off x="8725711" y="0"/>
-            <a:ext cx="3466289" cy="4108194"/>
-          </a:xfrm>
-          <a:prstGeom prst="rect">
-            <a:avLst/>
-          </a:prstGeom>
-        </p:spPr>
-      </p:pic>
+              <a:t>ints</a:t>
+            </a:r>
+            <a:r>
+              <a:rPr lang="en-US" dirty="0"/>
+              <a:t> in range 0..99?</a:t>
+            </a:r>
+          </a:p>
+          <a:p>
+            <a:r>
+              <a:rPr lang="en-US" dirty="0"/>
+              <a:t>How can we sort those numbers in less than O(n log n)?</a:t>
+            </a:r>
+          </a:p>
+        </p:txBody>
+      </p:sp>
     </p:spTree>
     <p:extLst>
       <p:ext uri="{BB962C8B-B14F-4D97-AF65-F5344CB8AC3E}">
-        <p14:creationId xmlns:p14="http://schemas.microsoft.com/office/powerpoint/2010/main" val="1443524529"/>
+        <p14:creationId xmlns:p14="http://schemas.microsoft.com/office/powerpoint/2010/main" val="3575754600"/>
       </p:ext>
     </p:extLst>
   </p:cSld>
@@ -7093,13 +7318,7 @@
       </p:grpSpPr>
       <p:sp>
         <p:nvSpPr>
-          <p:cNvPr id="2" name="Title 1">
-            <a:extLst>
-              <a:ext uri="{FF2B5EF4-FFF2-40B4-BE49-F238E27FC236}">
-                <a16:creationId xmlns:a16="http://schemas.microsoft.com/office/drawing/2014/main" id="{D2DEAED7-C5E5-7C4F-94CE-590C661CF198}"/>
-              </a:ext>
-            </a:extLst>
-          </p:cNvPr>
+          <p:cNvPr id="2" name="Title 1"/>
           <p:cNvSpPr>
             <a:spLocks noGrp="1"/>
           </p:cNvSpPr>
@@ -7114,147 +7333,131 @@
           <a:p>
             <a:r>
               <a:rPr lang="en-US" dirty="0"/>
-              <a:t>Pigeonhole sort algorithm</a:t>
-            </a:r>
-          </a:p>
-        </p:txBody>
-      </p:sp>
-      <p:sp>
-        <p:nvSpPr>
-          <p:cNvPr id="3" name="TextBox 2">
-            <a:extLst>
-              <a:ext uri="{FF2B5EF4-FFF2-40B4-BE49-F238E27FC236}">
-                <a16:creationId xmlns:a16="http://schemas.microsoft.com/office/drawing/2014/main" id="{AC575E2B-EB04-8347-A545-EEFCE0E7ACE8}"/>
-              </a:ext>
-            </a:extLst>
-          </p:cNvPr>
-          <p:cNvSpPr txBox="1"/>
+              <a:t>Pigeonhole sort</a:t>
+            </a:r>
+          </a:p>
+        </p:txBody>
+      </p:sp>
+      <p:sp>
+        <p:nvSpPr>
+          <p:cNvPr id="3" name="Content Placeholder 2"/>
+          <p:cNvSpPr>
+            <a:spLocks noGrp="1"/>
+          </p:cNvSpPr>
+          <p:nvPr>
+            <p:ph idx="1"/>
+          </p:nvPr>
+        </p:nvSpPr>
+        <p:spPr/>
+        <p:txBody>
+          <a:bodyPr/>
+          <a:lstStyle/>
+          <a:p>
+            <a:r>
+              <a:rPr lang="en-US" b="1" dirty="0"/>
+              <a:t>Idea</a:t>
+            </a:r>
+            <a:r>
+              <a:rPr lang="en-US" dirty="0"/>
+              <a:t>: Map each key to unique pigeonhole in ordered</a:t>
+            </a:r>
+            <a:br>
+              <a:rPr lang="en-US" dirty="0"/>
+            </a:br>
+            <a:r>
+              <a:rPr lang="en-US" dirty="0"/>
+              <a:t>range of holes; then just walk pigeonholes in order to</a:t>
+            </a:r>
+            <a:br>
+              <a:rPr lang="en-US" dirty="0"/>
+            </a:br>
+            <a:r>
+              <a:rPr lang="en-US" dirty="0"/>
+              <a:t>get sorted elements</a:t>
+            </a:r>
+          </a:p>
+          <a:p>
+            <a:r>
+              <a:rPr lang="en-US" dirty="0"/>
+              <a:t>Works best when the range of keys, m, is similar to the</a:t>
+            </a:r>
+            <a:br>
+              <a:rPr lang="en-US" dirty="0"/>
+            </a:br>
+            <a:r>
+              <a:rPr lang="en-US" dirty="0"/>
+              <a:t>number of elements, n; why is that?</a:t>
+            </a:r>
+          </a:p>
+          <a:p>
+            <a:r>
+              <a:rPr lang="en-US" dirty="0"/>
+              <a:t>T(</a:t>
+            </a:r>
+            <a:r>
+              <a:rPr lang="en-US" dirty="0" err="1"/>
+              <a:t>n,m</a:t>
+            </a:r>
+            <a:r>
+              <a:rPr lang="en-US" dirty="0"/>
+              <a:t>) = n + m</a:t>
+            </a:r>
+          </a:p>
+          <a:p>
+            <a:r>
+              <a:rPr lang="en-US" dirty="0"/>
+              <a:t>This should smack of perfect hashing to you!</a:t>
+            </a:r>
+          </a:p>
+        </p:txBody>
+      </p:sp>
+      <p:sp>
+        <p:nvSpPr>
+          <p:cNvPr id="4" name="Rectangle 3"/>
+          <p:cNvSpPr/>
           <p:nvPr/>
         </p:nvSpPr>
         <p:spPr>
           <a:xfrm>
-            <a:off x="1275944" y="1534972"/>
-            <a:ext cx="3558703" cy="4154984"/>
+            <a:off x="838200" y="6386368"/>
+            <a:ext cx="4724370" cy="369332"/>
           </a:xfrm>
           <a:prstGeom prst="rect">
             <a:avLst/>
           </a:prstGeom>
-          <a:noFill/>
-          <a:ln>
-            <a:solidFill>
-              <a:schemeClr val="accent1"/>
-            </a:solidFill>
-          </a:ln>
         </p:spPr>
         <p:txBody>
-          <a:bodyPr wrap="square" rtlCol="0">
+          <a:bodyPr wrap="none">
             <a:spAutoFit/>
           </a:bodyPr>
           <a:lstStyle/>
           <a:p>
             <a:r>
-              <a:rPr lang="en-US" sz="2400" dirty="0"/>
-              <a:t># fill holes</a:t>
-            </a:r>
-          </a:p>
-          <a:p>
-            <a:r>
-              <a:rPr lang="en-US" sz="2400" dirty="0"/>
-              <a:t>size = max(A) + 1</a:t>
-            </a:r>
-          </a:p>
-          <a:p>
-            <a:r>
-              <a:rPr lang="en-US" sz="2400" dirty="0"/>
-              <a:t>holes = [0] * size</a:t>
-            </a:r>
-          </a:p>
-          <a:p>
-            <a:r>
-              <a:rPr lang="en-US" sz="2400" dirty="0"/>
-              <a:t>for a in A:</a:t>
-            </a:r>
-          </a:p>
-          <a:p>
-            <a:r>
-              <a:rPr lang="en-US" sz="2400" dirty="0"/>
-              <a:t>    holes[a] += 1</a:t>
-            </a:r>
-          </a:p>
-          <a:p>
-            <a:endParaRPr lang="en-US" sz="2400" dirty="0"/>
-          </a:p>
-          <a:p>
-            <a:r>
-              <a:rPr lang="en-US" sz="2400" dirty="0"/>
-              <a:t># pull out in order</a:t>
-            </a:r>
-          </a:p>
-          <a:p>
-            <a:r>
-              <a:rPr lang="en-US" sz="2400" dirty="0"/>
-              <a:t>A_ = []</a:t>
-            </a:r>
-          </a:p>
-          <a:p>
-            <a:r>
-              <a:rPr lang="en-US" sz="2400" dirty="0"/>
-              <a:t>for </a:t>
-            </a:r>
-            <a:r>
-              <a:rPr lang="en-US" sz="2400" dirty="0" err="1"/>
-              <a:t>i</a:t>
-            </a:r>
-            <a:r>
-              <a:rPr lang="en-US" sz="2400" dirty="0"/>
-              <a:t> in range(0,size):</a:t>
-            </a:r>
-          </a:p>
-          <a:p>
-            <a:r>
-              <a:rPr lang="en-US" sz="2400" dirty="0"/>
-              <a:t>    for j in range(holes[</a:t>
-            </a:r>
-            <a:r>
-              <a:rPr lang="en-US" sz="2400" dirty="0" err="1"/>
-              <a:t>i</a:t>
-            </a:r>
-            <a:r>
-              <a:rPr lang="en-US" sz="2400" dirty="0"/>
-              <a:t>]):</a:t>
-            </a:r>
-          </a:p>
-          <a:p>
-            <a:r>
-              <a:rPr lang="en-US" sz="2400" dirty="0"/>
-              <a:t>         </a:t>
-            </a:r>
-            <a:r>
-              <a:rPr lang="en-US" sz="2400" dirty="0" err="1"/>
-              <a:t>A_.append</a:t>
-            </a:r>
-            <a:r>
-              <a:rPr lang="en-US" sz="2400" dirty="0"/>
-              <a:t>(</a:t>
-            </a:r>
-            <a:r>
-              <a:rPr lang="en-US" sz="2400" dirty="0" err="1"/>
-              <a:t>i</a:t>
-            </a:r>
-            <a:r>
-              <a:rPr lang="en-US" sz="2400" dirty="0"/>
-              <a:t>)</a:t>
-            </a:r>
-            <a:endParaRPr lang="mr-IN" sz="2400" dirty="0"/>
+              <a:rPr lang="en-US" dirty="0"/>
+              <a:t>https://</a:t>
+            </a:r>
+            <a:r>
+              <a:rPr lang="en-US" dirty="0" err="1"/>
+              <a:t>en.wikipedia.org</a:t>
+            </a:r>
+            <a:r>
+              <a:rPr lang="en-US" dirty="0"/>
+              <a:t>/wiki/</a:t>
+            </a:r>
+            <a:r>
+              <a:rPr lang="en-US" dirty="0" err="1"/>
+              <a:t>Pigeonhole_sort</a:t>
+            </a:r>
+            <a:endParaRPr lang="en-US" dirty="0"/>
           </a:p>
         </p:txBody>
       </p:sp>
       <p:pic>
         <p:nvPicPr>
-          <p:cNvPr id="4" name="Picture 3">
-            <a:extLst>
-              <a:ext uri="{FF2B5EF4-FFF2-40B4-BE49-F238E27FC236}">
-                <a16:creationId xmlns:a16="http://schemas.microsoft.com/office/drawing/2014/main" id="{B1B1240B-5276-7B46-ABCC-ED70DC5C70FE}"/>
+          <p:cNvPr id="5" name="Picture 4">
+            <a:extLst>
+              <a:ext uri="{FF2B5EF4-FFF2-40B4-BE49-F238E27FC236}">
+                <a16:creationId xmlns:a16="http://schemas.microsoft.com/office/drawing/2014/main" id="{4B841605-E4BF-3B45-9C0D-03FB08745711}"/>
               </a:ext>
             </a:extLst>
           </p:cNvPr>
@@ -7271,7 +7474,7 @@
         </p:blipFill>
         <p:spPr>
           <a:xfrm>
-            <a:off x="6361079" y="1534972"/>
+            <a:off x="8725711" y="0"/>
             <a:ext cx="3466289" cy="4108194"/>
           </a:xfrm>
           <a:prstGeom prst="rect">
@@ -7282,7 +7485,7 @@
     </p:spTree>
     <p:extLst>
       <p:ext uri="{BB962C8B-B14F-4D97-AF65-F5344CB8AC3E}">
-        <p14:creationId xmlns:p14="http://schemas.microsoft.com/office/powerpoint/2010/main" val="610019602"/>
+        <p14:creationId xmlns:p14="http://schemas.microsoft.com/office/powerpoint/2010/main" val="1443524529"/>
       </p:ext>
     </p:extLst>
   </p:cSld>

--- a/notes/sorting.pptx
+++ b/notes/sorting.pptx
@@ -675,7 +675,7 @@
           <p:cNvPr id="2" name="Title 1">
             <a:extLst>
               <a:ext uri="{FF2B5EF4-FFF2-40B4-BE49-F238E27FC236}">
-                <a16:creationId xmlns:a16="http://schemas.microsoft.com/office/drawing/2014/main" id="{FCECE00E-B2E2-4D43-8A21-E17BBDC017E1}"/>
+                <a16:creationId xmlns:a16="http://schemas.microsoft.com/office/drawing/2014/main" xmlns="" id="{FCECE00E-B2E2-4D43-8A21-E17BBDC017E1}"/>
               </a:ext>
             </a:extLst>
           </p:cNvPr>
@@ -712,7 +712,7 @@
           <p:cNvPr id="3" name="Subtitle 2">
             <a:extLst>
               <a:ext uri="{FF2B5EF4-FFF2-40B4-BE49-F238E27FC236}">
-                <a16:creationId xmlns:a16="http://schemas.microsoft.com/office/drawing/2014/main" id="{0C4C7E7C-3478-264C-BF00-D75996D63509}"/>
+                <a16:creationId xmlns:a16="http://schemas.microsoft.com/office/drawing/2014/main" xmlns="" id="{0C4C7E7C-3478-264C-BF00-D75996D63509}"/>
               </a:ext>
             </a:extLst>
           </p:cNvPr>
@@ -782,7 +782,7 @@
           <p:cNvPr id="4" name="Date Placeholder 3">
             <a:extLst>
               <a:ext uri="{FF2B5EF4-FFF2-40B4-BE49-F238E27FC236}">
-                <a16:creationId xmlns:a16="http://schemas.microsoft.com/office/drawing/2014/main" id="{64E1EB94-602A-4843-8753-4DB51430704B}"/>
+                <a16:creationId xmlns:a16="http://schemas.microsoft.com/office/drawing/2014/main" xmlns="" id="{64E1EB94-602A-4843-8753-4DB51430704B}"/>
               </a:ext>
             </a:extLst>
           </p:cNvPr>
@@ -811,7 +811,7 @@
           <p:cNvPr id="5" name="Footer Placeholder 4">
             <a:extLst>
               <a:ext uri="{FF2B5EF4-FFF2-40B4-BE49-F238E27FC236}">
-                <a16:creationId xmlns:a16="http://schemas.microsoft.com/office/drawing/2014/main" id="{FF136E26-0E46-B848-BBFC-A0D2BFA17F33}"/>
+                <a16:creationId xmlns:a16="http://schemas.microsoft.com/office/drawing/2014/main" xmlns="" id="{FF136E26-0E46-B848-BBFC-A0D2BFA17F33}"/>
               </a:ext>
             </a:extLst>
           </p:cNvPr>
@@ -836,7 +836,7 @@
           <p:cNvPr id="6" name="Slide Number Placeholder 5">
             <a:extLst>
               <a:ext uri="{FF2B5EF4-FFF2-40B4-BE49-F238E27FC236}">
-                <a16:creationId xmlns:a16="http://schemas.microsoft.com/office/drawing/2014/main" id="{CEAD4217-442E-6C4A-8D0F-CADFE9EACB6D}"/>
+                <a16:creationId xmlns:a16="http://schemas.microsoft.com/office/drawing/2014/main" xmlns="" id="{CEAD4217-442E-6C4A-8D0F-CADFE9EACB6D}"/>
               </a:ext>
             </a:extLst>
           </p:cNvPr>
@@ -895,7 +895,7 @@
           <p:cNvPr id="2" name="Title 1">
             <a:extLst>
               <a:ext uri="{FF2B5EF4-FFF2-40B4-BE49-F238E27FC236}">
-                <a16:creationId xmlns:a16="http://schemas.microsoft.com/office/drawing/2014/main" id="{F416C72F-B1B5-6442-B3EF-170DEDF83067}"/>
+                <a16:creationId xmlns:a16="http://schemas.microsoft.com/office/drawing/2014/main" xmlns="" id="{F416C72F-B1B5-6442-B3EF-170DEDF83067}"/>
               </a:ext>
             </a:extLst>
           </p:cNvPr>
@@ -923,7 +923,7 @@
           <p:cNvPr id="3" name="Vertical Text Placeholder 2">
             <a:extLst>
               <a:ext uri="{FF2B5EF4-FFF2-40B4-BE49-F238E27FC236}">
-                <a16:creationId xmlns:a16="http://schemas.microsoft.com/office/drawing/2014/main" id="{19182C6A-7EA1-C840-86BB-65DF578F4F4B}"/>
+                <a16:creationId xmlns:a16="http://schemas.microsoft.com/office/drawing/2014/main" xmlns="" id="{19182C6A-7EA1-C840-86BB-65DF578F4F4B}"/>
               </a:ext>
             </a:extLst>
           </p:cNvPr>
@@ -980,7 +980,7 @@
           <p:cNvPr id="4" name="Date Placeholder 3">
             <a:extLst>
               <a:ext uri="{FF2B5EF4-FFF2-40B4-BE49-F238E27FC236}">
-                <a16:creationId xmlns:a16="http://schemas.microsoft.com/office/drawing/2014/main" id="{DBCD3C4B-E6D4-B140-8126-90FD013DE38A}"/>
+                <a16:creationId xmlns:a16="http://schemas.microsoft.com/office/drawing/2014/main" xmlns="" id="{DBCD3C4B-E6D4-B140-8126-90FD013DE38A}"/>
               </a:ext>
             </a:extLst>
           </p:cNvPr>
@@ -1009,7 +1009,7 @@
           <p:cNvPr id="5" name="Footer Placeholder 4">
             <a:extLst>
               <a:ext uri="{FF2B5EF4-FFF2-40B4-BE49-F238E27FC236}">
-                <a16:creationId xmlns:a16="http://schemas.microsoft.com/office/drawing/2014/main" id="{E26FD8A5-25AB-2742-9333-F1864AA98C6D}"/>
+                <a16:creationId xmlns:a16="http://schemas.microsoft.com/office/drawing/2014/main" xmlns="" id="{E26FD8A5-25AB-2742-9333-F1864AA98C6D}"/>
               </a:ext>
             </a:extLst>
           </p:cNvPr>
@@ -1034,7 +1034,7 @@
           <p:cNvPr id="6" name="Slide Number Placeholder 5">
             <a:extLst>
               <a:ext uri="{FF2B5EF4-FFF2-40B4-BE49-F238E27FC236}">
-                <a16:creationId xmlns:a16="http://schemas.microsoft.com/office/drawing/2014/main" id="{B4FFBFCA-F2F7-544E-BB46-A887273990B8}"/>
+                <a16:creationId xmlns:a16="http://schemas.microsoft.com/office/drawing/2014/main" xmlns="" id="{B4FFBFCA-F2F7-544E-BB46-A887273990B8}"/>
               </a:ext>
             </a:extLst>
           </p:cNvPr>
@@ -1093,7 +1093,7 @@
           <p:cNvPr id="2" name="Vertical Title 1">
             <a:extLst>
               <a:ext uri="{FF2B5EF4-FFF2-40B4-BE49-F238E27FC236}">
-                <a16:creationId xmlns:a16="http://schemas.microsoft.com/office/drawing/2014/main" id="{A54E5286-71CD-184D-922F-2C587370C871}"/>
+                <a16:creationId xmlns:a16="http://schemas.microsoft.com/office/drawing/2014/main" xmlns="" id="{A54E5286-71CD-184D-922F-2C587370C871}"/>
               </a:ext>
             </a:extLst>
           </p:cNvPr>
@@ -1126,7 +1126,7 @@
           <p:cNvPr id="3" name="Vertical Text Placeholder 2">
             <a:extLst>
               <a:ext uri="{FF2B5EF4-FFF2-40B4-BE49-F238E27FC236}">
-                <a16:creationId xmlns:a16="http://schemas.microsoft.com/office/drawing/2014/main" id="{8E6C93D7-83D1-8740-A256-2B405524A089}"/>
+                <a16:creationId xmlns:a16="http://schemas.microsoft.com/office/drawing/2014/main" xmlns="" id="{8E6C93D7-83D1-8740-A256-2B405524A089}"/>
               </a:ext>
             </a:extLst>
           </p:cNvPr>
@@ -1188,7 +1188,7 @@
           <p:cNvPr id="4" name="Date Placeholder 3">
             <a:extLst>
               <a:ext uri="{FF2B5EF4-FFF2-40B4-BE49-F238E27FC236}">
-                <a16:creationId xmlns:a16="http://schemas.microsoft.com/office/drawing/2014/main" id="{C7CCB8DC-90E9-1D49-B70B-5103FBBD3972}"/>
+                <a16:creationId xmlns:a16="http://schemas.microsoft.com/office/drawing/2014/main" xmlns="" id="{C7CCB8DC-90E9-1D49-B70B-5103FBBD3972}"/>
               </a:ext>
             </a:extLst>
           </p:cNvPr>
@@ -1217,7 +1217,7 @@
           <p:cNvPr id="5" name="Footer Placeholder 4">
             <a:extLst>
               <a:ext uri="{FF2B5EF4-FFF2-40B4-BE49-F238E27FC236}">
-                <a16:creationId xmlns:a16="http://schemas.microsoft.com/office/drawing/2014/main" id="{0997D847-8768-9843-9B66-E6B3989BA3D2}"/>
+                <a16:creationId xmlns:a16="http://schemas.microsoft.com/office/drawing/2014/main" xmlns="" id="{0997D847-8768-9843-9B66-E6B3989BA3D2}"/>
               </a:ext>
             </a:extLst>
           </p:cNvPr>
@@ -1242,7 +1242,7 @@
           <p:cNvPr id="6" name="Slide Number Placeholder 5">
             <a:extLst>
               <a:ext uri="{FF2B5EF4-FFF2-40B4-BE49-F238E27FC236}">
-                <a16:creationId xmlns:a16="http://schemas.microsoft.com/office/drawing/2014/main" id="{8E82CB94-E0A6-3E47-9F30-8DEB64C2027C}"/>
+                <a16:creationId xmlns:a16="http://schemas.microsoft.com/office/drawing/2014/main" xmlns="" id="{8E82CB94-E0A6-3E47-9F30-8DEB64C2027C}"/>
               </a:ext>
             </a:extLst>
           </p:cNvPr>
@@ -1301,7 +1301,7 @@
           <p:cNvPr id="2" name="Title 1">
             <a:extLst>
               <a:ext uri="{FF2B5EF4-FFF2-40B4-BE49-F238E27FC236}">
-                <a16:creationId xmlns:a16="http://schemas.microsoft.com/office/drawing/2014/main" id="{B8842375-E5EF-4D4E-AFD0-A94090E7DB29}"/>
+                <a16:creationId xmlns:a16="http://schemas.microsoft.com/office/drawing/2014/main" xmlns="" id="{B8842375-E5EF-4D4E-AFD0-A94090E7DB29}"/>
               </a:ext>
             </a:extLst>
           </p:cNvPr>
@@ -1329,7 +1329,7 @@
           <p:cNvPr id="3" name="Content Placeholder 2">
             <a:extLst>
               <a:ext uri="{FF2B5EF4-FFF2-40B4-BE49-F238E27FC236}">
-                <a16:creationId xmlns:a16="http://schemas.microsoft.com/office/drawing/2014/main" id="{F366F610-FF9B-2A4B-8E35-314B0D78D9D8}"/>
+                <a16:creationId xmlns:a16="http://schemas.microsoft.com/office/drawing/2014/main" xmlns="" id="{F366F610-FF9B-2A4B-8E35-314B0D78D9D8}"/>
               </a:ext>
             </a:extLst>
           </p:cNvPr>
@@ -1386,7 +1386,7 @@
           <p:cNvPr id="4" name="Date Placeholder 3">
             <a:extLst>
               <a:ext uri="{FF2B5EF4-FFF2-40B4-BE49-F238E27FC236}">
-                <a16:creationId xmlns:a16="http://schemas.microsoft.com/office/drawing/2014/main" id="{1561E808-F7D2-E84B-8CD4-83F18272EA72}"/>
+                <a16:creationId xmlns:a16="http://schemas.microsoft.com/office/drawing/2014/main" xmlns="" id="{1561E808-F7D2-E84B-8CD4-83F18272EA72}"/>
               </a:ext>
             </a:extLst>
           </p:cNvPr>
@@ -1415,7 +1415,7 @@
           <p:cNvPr id="5" name="Footer Placeholder 4">
             <a:extLst>
               <a:ext uri="{FF2B5EF4-FFF2-40B4-BE49-F238E27FC236}">
-                <a16:creationId xmlns:a16="http://schemas.microsoft.com/office/drawing/2014/main" id="{7B3AD9A1-B1EC-984E-A23E-0ECF6F652482}"/>
+                <a16:creationId xmlns:a16="http://schemas.microsoft.com/office/drawing/2014/main" xmlns="" id="{7B3AD9A1-B1EC-984E-A23E-0ECF6F652482}"/>
               </a:ext>
             </a:extLst>
           </p:cNvPr>
@@ -1440,7 +1440,7 @@
           <p:cNvPr id="6" name="Slide Number Placeholder 5">
             <a:extLst>
               <a:ext uri="{FF2B5EF4-FFF2-40B4-BE49-F238E27FC236}">
-                <a16:creationId xmlns:a16="http://schemas.microsoft.com/office/drawing/2014/main" id="{01BFD94D-9604-2A43-AADF-14B0876B6EBB}"/>
+                <a16:creationId xmlns:a16="http://schemas.microsoft.com/office/drawing/2014/main" xmlns="" id="{01BFD94D-9604-2A43-AADF-14B0876B6EBB}"/>
               </a:ext>
             </a:extLst>
           </p:cNvPr>
@@ -1499,7 +1499,7 @@
           <p:cNvPr id="2" name="Title 1">
             <a:extLst>
               <a:ext uri="{FF2B5EF4-FFF2-40B4-BE49-F238E27FC236}">
-                <a16:creationId xmlns:a16="http://schemas.microsoft.com/office/drawing/2014/main" id="{771589AC-2242-B445-BBEA-95D500596EE6}"/>
+                <a16:creationId xmlns:a16="http://schemas.microsoft.com/office/drawing/2014/main" xmlns="" id="{771589AC-2242-B445-BBEA-95D500596EE6}"/>
               </a:ext>
             </a:extLst>
           </p:cNvPr>
@@ -1536,7 +1536,7 @@
           <p:cNvPr id="3" name="Text Placeholder 2">
             <a:extLst>
               <a:ext uri="{FF2B5EF4-FFF2-40B4-BE49-F238E27FC236}">
-                <a16:creationId xmlns:a16="http://schemas.microsoft.com/office/drawing/2014/main" id="{255D194C-D171-4B45-BA38-8D16CD1C3449}"/>
+                <a16:creationId xmlns:a16="http://schemas.microsoft.com/office/drawing/2014/main" xmlns="" id="{255D194C-D171-4B45-BA38-8D16CD1C3449}"/>
               </a:ext>
             </a:extLst>
           </p:cNvPr>
@@ -1661,7 +1661,7 @@
           <p:cNvPr id="4" name="Date Placeholder 3">
             <a:extLst>
               <a:ext uri="{FF2B5EF4-FFF2-40B4-BE49-F238E27FC236}">
-                <a16:creationId xmlns:a16="http://schemas.microsoft.com/office/drawing/2014/main" id="{68A38244-2F9E-AB4A-B300-488462389FF9}"/>
+                <a16:creationId xmlns:a16="http://schemas.microsoft.com/office/drawing/2014/main" xmlns="" id="{68A38244-2F9E-AB4A-B300-488462389FF9}"/>
               </a:ext>
             </a:extLst>
           </p:cNvPr>
@@ -1690,7 +1690,7 @@
           <p:cNvPr id="5" name="Footer Placeholder 4">
             <a:extLst>
               <a:ext uri="{FF2B5EF4-FFF2-40B4-BE49-F238E27FC236}">
-                <a16:creationId xmlns:a16="http://schemas.microsoft.com/office/drawing/2014/main" id="{B33A7B5A-1475-C94F-AD18-1726D2BA89C2}"/>
+                <a16:creationId xmlns:a16="http://schemas.microsoft.com/office/drawing/2014/main" xmlns="" id="{B33A7B5A-1475-C94F-AD18-1726D2BA89C2}"/>
               </a:ext>
             </a:extLst>
           </p:cNvPr>
@@ -1715,7 +1715,7 @@
           <p:cNvPr id="6" name="Slide Number Placeholder 5">
             <a:extLst>
               <a:ext uri="{FF2B5EF4-FFF2-40B4-BE49-F238E27FC236}">
-                <a16:creationId xmlns:a16="http://schemas.microsoft.com/office/drawing/2014/main" id="{8069DDF6-CCE5-3946-8A72-14D318AB4D22}"/>
+                <a16:creationId xmlns:a16="http://schemas.microsoft.com/office/drawing/2014/main" xmlns="" id="{8069DDF6-CCE5-3946-8A72-14D318AB4D22}"/>
               </a:ext>
             </a:extLst>
           </p:cNvPr>
@@ -1774,7 +1774,7 @@
           <p:cNvPr id="2" name="Title 1">
             <a:extLst>
               <a:ext uri="{FF2B5EF4-FFF2-40B4-BE49-F238E27FC236}">
-                <a16:creationId xmlns:a16="http://schemas.microsoft.com/office/drawing/2014/main" id="{AC1D2791-2196-8F4F-AD62-59B19A8810A3}"/>
+                <a16:creationId xmlns:a16="http://schemas.microsoft.com/office/drawing/2014/main" xmlns="" id="{AC1D2791-2196-8F4F-AD62-59B19A8810A3}"/>
               </a:ext>
             </a:extLst>
           </p:cNvPr>
@@ -1802,7 +1802,7 @@
           <p:cNvPr id="3" name="Content Placeholder 2">
             <a:extLst>
               <a:ext uri="{FF2B5EF4-FFF2-40B4-BE49-F238E27FC236}">
-                <a16:creationId xmlns:a16="http://schemas.microsoft.com/office/drawing/2014/main" id="{3962F23A-0A28-6141-B0BF-D7B92C213877}"/>
+                <a16:creationId xmlns:a16="http://schemas.microsoft.com/office/drawing/2014/main" xmlns="" id="{3962F23A-0A28-6141-B0BF-D7B92C213877}"/>
               </a:ext>
             </a:extLst>
           </p:cNvPr>
@@ -1864,7 +1864,7 @@
           <p:cNvPr id="4" name="Content Placeholder 3">
             <a:extLst>
               <a:ext uri="{FF2B5EF4-FFF2-40B4-BE49-F238E27FC236}">
-                <a16:creationId xmlns:a16="http://schemas.microsoft.com/office/drawing/2014/main" id="{C36DF3E7-529D-1C40-B815-3C505F4D107E}"/>
+                <a16:creationId xmlns:a16="http://schemas.microsoft.com/office/drawing/2014/main" xmlns="" id="{C36DF3E7-529D-1C40-B815-3C505F4D107E}"/>
               </a:ext>
             </a:extLst>
           </p:cNvPr>
@@ -1926,7 +1926,7 @@
           <p:cNvPr id="5" name="Date Placeholder 4">
             <a:extLst>
               <a:ext uri="{FF2B5EF4-FFF2-40B4-BE49-F238E27FC236}">
-                <a16:creationId xmlns:a16="http://schemas.microsoft.com/office/drawing/2014/main" id="{ECFEE966-F172-8C42-A9F6-013C2A368C90}"/>
+                <a16:creationId xmlns:a16="http://schemas.microsoft.com/office/drawing/2014/main" xmlns="" id="{ECFEE966-F172-8C42-A9F6-013C2A368C90}"/>
               </a:ext>
             </a:extLst>
           </p:cNvPr>
@@ -1955,7 +1955,7 @@
           <p:cNvPr id="6" name="Footer Placeholder 5">
             <a:extLst>
               <a:ext uri="{FF2B5EF4-FFF2-40B4-BE49-F238E27FC236}">
-                <a16:creationId xmlns:a16="http://schemas.microsoft.com/office/drawing/2014/main" id="{54FDED73-DCFA-6648-B65F-CBEDB1D3556B}"/>
+                <a16:creationId xmlns:a16="http://schemas.microsoft.com/office/drawing/2014/main" xmlns="" id="{54FDED73-DCFA-6648-B65F-CBEDB1D3556B}"/>
               </a:ext>
             </a:extLst>
           </p:cNvPr>
@@ -1980,7 +1980,7 @@
           <p:cNvPr id="7" name="Slide Number Placeholder 6">
             <a:extLst>
               <a:ext uri="{FF2B5EF4-FFF2-40B4-BE49-F238E27FC236}">
-                <a16:creationId xmlns:a16="http://schemas.microsoft.com/office/drawing/2014/main" id="{F3D072AD-ADC5-2943-B36C-F14AE6555C55}"/>
+                <a16:creationId xmlns:a16="http://schemas.microsoft.com/office/drawing/2014/main" xmlns="" id="{F3D072AD-ADC5-2943-B36C-F14AE6555C55}"/>
               </a:ext>
             </a:extLst>
           </p:cNvPr>
@@ -2039,7 +2039,7 @@
           <p:cNvPr id="2" name="Title 1">
             <a:extLst>
               <a:ext uri="{FF2B5EF4-FFF2-40B4-BE49-F238E27FC236}">
-                <a16:creationId xmlns:a16="http://schemas.microsoft.com/office/drawing/2014/main" id="{478E3FB4-66D6-9040-98CF-3DE68ABAAB18}"/>
+                <a16:creationId xmlns:a16="http://schemas.microsoft.com/office/drawing/2014/main" xmlns="" id="{478E3FB4-66D6-9040-98CF-3DE68ABAAB18}"/>
               </a:ext>
             </a:extLst>
           </p:cNvPr>
@@ -2072,7 +2072,7 @@
           <p:cNvPr id="3" name="Text Placeholder 2">
             <a:extLst>
               <a:ext uri="{FF2B5EF4-FFF2-40B4-BE49-F238E27FC236}">
-                <a16:creationId xmlns:a16="http://schemas.microsoft.com/office/drawing/2014/main" id="{C3B9CBA2-D589-E342-B02C-AFD0528E353B}"/>
+                <a16:creationId xmlns:a16="http://schemas.microsoft.com/office/drawing/2014/main" xmlns="" id="{C3B9CBA2-D589-E342-B02C-AFD0528E353B}"/>
               </a:ext>
             </a:extLst>
           </p:cNvPr>
@@ -2143,7 +2143,7 @@
           <p:cNvPr id="4" name="Content Placeholder 3">
             <a:extLst>
               <a:ext uri="{FF2B5EF4-FFF2-40B4-BE49-F238E27FC236}">
-                <a16:creationId xmlns:a16="http://schemas.microsoft.com/office/drawing/2014/main" id="{F570E95A-9A57-7F42-A0D4-A9C36B16D13C}"/>
+                <a16:creationId xmlns:a16="http://schemas.microsoft.com/office/drawing/2014/main" xmlns="" id="{F570E95A-9A57-7F42-A0D4-A9C36B16D13C}"/>
               </a:ext>
             </a:extLst>
           </p:cNvPr>
@@ -2205,7 +2205,7 @@
           <p:cNvPr id="5" name="Text Placeholder 4">
             <a:extLst>
               <a:ext uri="{FF2B5EF4-FFF2-40B4-BE49-F238E27FC236}">
-                <a16:creationId xmlns:a16="http://schemas.microsoft.com/office/drawing/2014/main" id="{B6A72F40-C7A9-CC45-82FB-CCCE1FE08B0B}"/>
+                <a16:creationId xmlns:a16="http://schemas.microsoft.com/office/drawing/2014/main" xmlns="" id="{B6A72F40-C7A9-CC45-82FB-CCCE1FE08B0B}"/>
               </a:ext>
             </a:extLst>
           </p:cNvPr>
@@ -2276,7 +2276,7 @@
           <p:cNvPr id="6" name="Content Placeholder 5">
             <a:extLst>
               <a:ext uri="{FF2B5EF4-FFF2-40B4-BE49-F238E27FC236}">
-                <a16:creationId xmlns:a16="http://schemas.microsoft.com/office/drawing/2014/main" id="{9FDA6D2A-2E9D-714C-B9CB-D0F9D788FCD3}"/>
+                <a16:creationId xmlns:a16="http://schemas.microsoft.com/office/drawing/2014/main" xmlns="" id="{9FDA6D2A-2E9D-714C-B9CB-D0F9D788FCD3}"/>
               </a:ext>
             </a:extLst>
           </p:cNvPr>
@@ -2338,7 +2338,7 @@
           <p:cNvPr id="7" name="Date Placeholder 6">
             <a:extLst>
               <a:ext uri="{FF2B5EF4-FFF2-40B4-BE49-F238E27FC236}">
-                <a16:creationId xmlns:a16="http://schemas.microsoft.com/office/drawing/2014/main" id="{1B7F3C0C-4D75-9C49-9075-FA8B3D33CF9B}"/>
+                <a16:creationId xmlns:a16="http://schemas.microsoft.com/office/drawing/2014/main" xmlns="" id="{1B7F3C0C-4D75-9C49-9075-FA8B3D33CF9B}"/>
               </a:ext>
             </a:extLst>
           </p:cNvPr>
@@ -2367,7 +2367,7 @@
           <p:cNvPr id="8" name="Footer Placeholder 7">
             <a:extLst>
               <a:ext uri="{FF2B5EF4-FFF2-40B4-BE49-F238E27FC236}">
-                <a16:creationId xmlns:a16="http://schemas.microsoft.com/office/drawing/2014/main" id="{9788C8FA-359A-5447-AA0E-98D16ECCC92D}"/>
+                <a16:creationId xmlns:a16="http://schemas.microsoft.com/office/drawing/2014/main" xmlns="" id="{9788C8FA-359A-5447-AA0E-98D16ECCC92D}"/>
               </a:ext>
             </a:extLst>
           </p:cNvPr>
@@ -2392,7 +2392,7 @@
           <p:cNvPr id="9" name="Slide Number Placeholder 8">
             <a:extLst>
               <a:ext uri="{FF2B5EF4-FFF2-40B4-BE49-F238E27FC236}">
-                <a16:creationId xmlns:a16="http://schemas.microsoft.com/office/drawing/2014/main" id="{3D69C8CD-0DF6-4E4C-A412-31B03845FA24}"/>
+                <a16:creationId xmlns:a16="http://schemas.microsoft.com/office/drawing/2014/main" xmlns="" id="{3D69C8CD-0DF6-4E4C-A412-31B03845FA24}"/>
               </a:ext>
             </a:extLst>
           </p:cNvPr>
@@ -2451,7 +2451,7 @@
           <p:cNvPr id="2" name="Title 1">
             <a:extLst>
               <a:ext uri="{FF2B5EF4-FFF2-40B4-BE49-F238E27FC236}">
-                <a16:creationId xmlns:a16="http://schemas.microsoft.com/office/drawing/2014/main" id="{13C48C8E-A743-0B4F-AB6E-AB828F1218C8}"/>
+                <a16:creationId xmlns:a16="http://schemas.microsoft.com/office/drawing/2014/main" xmlns="" id="{13C48C8E-A743-0B4F-AB6E-AB828F1218C8}"/>
               </a:ext>
             </a:extLst>
           </p:cNvPr>
@@ -2479,7 +2479,7 @@
           <p:cNvPr id="3" name="Date Placeholder 2">
             <a:extLst>
               <a:ext uri="{FF2B5EF4-FFF2-40B4-BE49-F238E27FC236}">
-                <a16:creationId xmlns:a16="http://schemas.microsoft.com/office/drawing/2014/main" id="{70FAB17F-6D86-B147-9346-A9B5242FC803}"/>
+                <a16:creationId xmlns:a16="http://schemas.microsoft.com/office/drawing/2014/main" xmlns="" id="{70FAB17F-6D86-B147-9346-A9B5242FC803}"/>
               </a:ext>
             </a:extLst>
           </p:cNvPr>
@@ -2508,7 +2508,7 @@
           <p:cNvPr id="4" name="Footer Placeholder 3">
             <a:extLst>
               <a:ext uri="{FF2B5EF4-FFF2-40B4-BE49-F238E27FC236}">
-                <a16:creationId xmlns:a16="http://schemas.microsoft.com/office/drawing/2014/main" id="{4B8A6F49-DCD7-7B4B-8496-2547B2A81C83}"/>
+                <a16:creationId xmlns:a16="http://schemas.microsoft.com/office/drawing/2014/main" xmlns="" id="{4B8A6F49-DCD7-7B4B-8496-2547B2A81C83}"/>
               </a:ext>
             </a:extLst>
           </p:cNvPr>
@@ -2533,7 +2533,7 @@
           <p:cNvPr id="5" name="Slide Number Placeholder 4">
             <a:extLst>
               <a:ext uri="{FF2B5EF4-FFF2-40B4-BE49-F238E27FC236}">
-                <a16:creationId xmlns:a16="http://schemas.microsoft.com/office/drawing/2014/main" id="{D4D1F89D-8541-BB4B-A145-D0DC66605C91}"/>
+                <a16:creationId xmlns:a16="http://schemas.microsoft.com/office/drawing/2014/main" xmlns="" id="{D4D1F89D-8541-BB4B-A145-D0DC66605C91}"/>
               </a:ext>
             </a:extLst>
           </p:cNvPr>
@@ -2592,7 +2592,7 @@
           <p:cNvPr id="2" name="Date Placeholder 1">
             <a:extLst>
               <a:ext uri="{FF2B5EF4-FFF2-40B4-BE49-F238E27FC236}">
-                <a16:creationId xmlns:a16="http://schemas.microsoft.com/office/drawing/2014/main" id="{AD68AA44-A589-744E-AB85-5B6ED8E7D8C0}"/>
+                <a16:creationId xmlns:a16="http://schemas.microsoft.com/office/drawing/2014/main" xmlns="" id="{AD68AA44-A589-744E-AB85-5B6ED8E7D8C0}"/>
               </a:ext>
             </a:extLst>
           </p:cNvPr>
@@ -2621,7 +2621,7 @@
           <p:cNvPr id="3" name="Footer Placeholder 2">
             <a:extLst>
               <a:ext uri="{FF2B5EF4-FFF2-40B4-BE49-F238E27FC236}">
-                <a16:creationId xmlns:a16="http://schemas.microsoft.com/office/drawing/2014/main" id="{1CA0E6D3-947A-FA4D-8626-2883D14EFE8D}"/>
+                <a16:creationId xmlns:a16="http://schemas.microsoft.com/office/drawing/2014/main" xmlns="" id="{1CA0E6D3-947A-FA4D-8626-2883D14EFE8D}"/>
               </a:ext>
             </a:extLst>
           </p:cNvPr>
@@ -2646,7 +2646,7 @@
           <p:cNvPr id="4" name="Slide Number Placeholder 3">
             <a:extLst>
               <a:ext uri="{FF2B5EF4-FFF2-40B4-BE49-F238E27FC236}">
-                <a16:creationId xmlns:a16="http://schemas.microsoft.com/office/drawing/2014/main" id="{5BF0953F-E6D0-2240-B174-03015D0856A8}"/>
+                <a16:creationId xmlns:a16="http://schemas.microsoft.com/office/drawing/2014/main" xmlns="" id="{5BF0953F-E6D0-2240-B174-03015D0856A8}"/>
               </a:ext>
             </a:extLst>
           </p:cNvPr>
@@ -2705,7 +2705,7 @@
           <p:cNvPr id="2" name="Title 1">
             <a:extLst>
               <a:ext uri="{FF2B5EF4-FFF2-40B4-BE49-F238E27FC236}">
-                <a16:creationId xmlns:a16="http://schemas.microsoft.com/office/drawing/2014/main" id="{26FFD677-FF02-3E4E-8E32-44D146E24D90}"/>
+                <a16:creationId xmlns:a16="http://schemas.microsoft.com/office/drawing/2014/main" xmlns="" id="{26FFD677-FF02-3E4E-8E32-44D146E24D90}"/>
               </a:ext>
             </a:extLst>
           </p:cNvPr>
@@ -2742,7 +2742,7 @@
           <p:cNvPr id="3" name="Content Placeholder 2">
             <a:extLst>
               <a:ext uri="{FF2B5EF4-FFF2-40B4-BE49-F238E27FC236}">
-                <a16:creationId xmlns:a16="http://schemas.microsoft.com/office/drawing/2014/main" id="{9942170F-E10D-1348-86CE-8E869B806F9B}"/>
+                <a16:creationId xmlns:a16="http://schemas.microsoft.com/office/drawing/2014/main" xmlns="" id="{9942170F-E10D-1348-86CE-8E869B806F9B}"/>
               </a:ext>
             </a:extLst>
           </p:cNvPr>
@@ -2832,7 +2832,7 @@
           <p:cNvPr id="4" name="Text Placeholder 3">
             <a:extLst>
               <a:ext uri="{FF2B5EF4-FFF2-40B4-BE49-F238E27FC236}">
-                <a16:creationId xmlns:a16="http://schemas.microsoft.com/office/drawing/2014/main" id="{80772D86-2794-394C-A208-2D3E234A3A20}"/>
+                <a16:creationId xmlns:a16="http://schemas.microsoft.com/office/drawing/2014/main" xmlns="" id="{80772D86-2794-394C-A208-2D3E234A3A20}"/>
               </a:ext>
             </a:extLst>
           </p:cNvPr>
@@ -2903,7 +2903,7 @@
           <p:cNvPr id="5" name="Date Placeholder 4">
             <a:extLst>
               <a:ext uri="{FF2B5EF4-FFF2-40B4-BE49-F238E27FC236}">
-                <a16:creationId xmlns:a16="http://schemas.microsoft.com/office/drawing/2014/main" id="{B5314D31-901A-D944-B06D-3D8106F2A2BC}"/>
+                <a16:creationId xmlns:a16="http://schemas.microsoft.com/office/drawing/2014/main" xmlns="" id="{B5314D31-901A-D944-B06D-3D8106F2A2BC}"/>
               </a:ext>
             </a:extLst>
           </p:cNvPr>
@@ -2932,7 +2932,7 @@
           <p:cNvPr id="6" name="Footer Placeholder 5">
             <a:extLst>
               <a:ext uri="{FF2B5EF4-FFF2-40B4-BE49-F238E27FC236}">
-                <a16:creationId xmlns:a16="http://schemas.microsoft.com/office/drawing/2014/main" id="{BFFC6519-9D04-AC45-BB37-9DD413CC741D}"/>
+                <a16:creationId xmlns:a16="http://schemas.microsoft.com/office/drawing/2014/main" xmlns="" id="{BFFC6519-9D04-AC45-BB37-9DD413CC741D}"/>
               </a:ext>
             </a:extLst>
           </p:cNvPr>
@@ -2957,7 +2957,7 @@
           <p:cNvPr id="7" name="Slide Number Placeholder 6">
             <a:extLst>
               <a:ext uri="{FF2B5EF4-FFF2-40B4-BE49-F238E27FC236}">
-                <a16:creationId xmlns:a16="http://schemas.microsoft.com/office/drawing/2014/main" id="{856ACFF3-3C93-FA41-80F3-4708944F9A8C}"/>
+                <a16:creationId xmlns:a16="http://schemas.microsoft.com/office/drawing/2014/main" xmlns="" id="{856ACFF3-3C93-FA41-80F3-4708944F9A8C}"/>
               </a:ext>
             </a:extLst>
           </p:cNvPr>
@@ -3016,7 +3016,7 @@
           <p:cNvPr id="2" name="Title 1">
             <a:extLst>
               <a:ext uri="{FF2B5EF4-FFF2-40B4-BE49-F238E27FC236}">
-                <a16:creationId xmlns:a16="http://schemas.microsoft.com/office/drawing/2014/main" id="{52F7D6A8-4C7A-ED44-A821-97E76FB58748}"/>
+                <a16:creationId xmlns:a16="http://schemas.microsoft.com/office/drawing/2014/main" xmlns="" id="{52F7D6A8-4C7A-ED44-A821-97E76FB58748}"/>
               </a:ext>
             </a:extLst>
           </p:cNvPr>
@@ -3053,7 +3053,7 @@
           <p:cNvPr id="3" name="Picture Placeholder 2">
             <a:extLst>
               <a:ext uri="{FF2B5EF4-FFF2-40B4-BE49-F238E27FC236}">
-                <a16:creationId xmlns:a16="http://schemas.microsoft.com/office/drawing/2014/main" id="{FFA0AABB-AB65-FB40-8DCA-227F017E16C5}"/>
+                <a16:creationId xmlns:a16="http://schemas.microsoft.com/office/drawing/2014/main" xmlns="" id="{FFA0AABB-AB65-FB40-8DCA-227F017E16C5}"/>
               </a:ext>
             </a:extLst>
           </p:cNvPr>
@@ -3123,7 +3123,7 @@
           <p:cNvPr id="4" name="Text Placeholder 3">
             <a:extLst>
               <a:ext uri="{FF2B5EF4-FFF2-40B4-BE49-F238E27FC236}">
-                <a16:creationId xmlns:a16="http://schemas.microsoft.com/office/drawing/2014/main" id="{67AC3EE9-FB8F-F642-BB10-A468CFF85E6A}"/>
+                <a16:creationId xmlns:a16="http://schemas.microsoft.com/office/drawing/2014/main" xmlns="" id="{67AC3EE9-FB8F-F642-BB10-A468CFF85E6A}"/>
               </a:ext>
             </a:extLst>
           </p:cNvPr>
@@ -3194,7 +3194,7 @@
           <p:cNvPr id="5" name="Date Placeholder 4">
             <a:extLst>
               <a:ext uri="{FF2B5EF4-FFF2-40B4-BE49-F238E27FC236}">
-                <a16:creationId xmlns:a16="http://schemas.microsoft.com/office/drawing/2014/main" id="{0A0EC8A2-C616-8B40-8C9C-A15442358393}"/>
+                <a16:creationId xmlns:a16="http://schemas.microsoft.com/office/drawing/2014/main" xmlns="" id="{0A0EC8A2-C616-8B40-8C9C-A15442358393}"/>
               </a:ext>
             </a:extLst>
           </p:cNvPr>
@@ -3223,7 +3223,7 @@
           <p:cNvPr id="6" name="Footer Placeholder 5">
             <a:extLst>
               <a:ext uri="{FF2B5EF4-FFF2-40B4-BE49-F238E27FC236}">
-                <a16:creationId xmlns:a16="http://schemas.microsoft.com/office/drawing/2014/main" id="{AA229EC7-73FC-4D43-8916-C76404AC37DC}"/>
+                <a16:creationId xmlns:a16="http://schemas.microsoft.com/office/drawing/2014/main" xmlns="" id="{AA229EC7-73FC-4D43-8916-C76404AC37DC}"/>
               </a:ext>
             </a:extLst>
           </p:cNvPr>
@@ -3248,7 +3248,7 @@
           <p:cNvPr id="7" name="Slide Number Placeholder 6">
             <a:extLst>
               <a:ext uri="{FF2B5EF4-FFF2-40B4-BE49-F238E27FC236}">
-                <a16:creationId xmlns:a16="http://schemas.microsoft.com/office/drawing/2014/main" id="{D84430E4-67BB-3342-B2B8-DFBE758CFA59}"/>
+                <a16:creationId xmlns:a16="http://schemas.microsoft.com/office/drawing/2014/main" xmlns="" id="{D84430E4-67BB-3342-B2B8-DFBE758CFA59}"/>
               </a:ext>
             </a:extLst>
           </p:cNvPr>
@@ -3312,7 +3312,7 @@
           <p:cNvPr id="2" name="Title Placeholder 1">
             <a:extLst>
               <a:ext uri="{FF2B5EF4-FFF2-40B4-BE49-F238E27FC236}">
-                <a16:creationId xmlns:a16="http://schemas.microsoft.com/office/drawing/2014/main" id="{ED530927-E202-4648-95ED-A701F648A289}"/>
+                <a16:creationId xmlns:a16="http://schemas.microsoft.com/office/drawing/2014/main" xmlns="" id="{ED530927-E202-4648-95ED-A701F648A289}"/>
               </a:ext>
             </a:extLst>
           </p:cNvPr>
@@ -3350,7 +3350,7 @@
           <p:cNvPr id="3" name="Text Placeholder 2">
             <a:extLst>
               <a:ext uri="{FF2B5EF4-FFF2-40B4-BE49-F238E27FC236}">
-                <a16:creationId xmlns:a16="http://schemas.microsoft.com/office/drawing/2014/main" id="{F00E1E3E-B2FE-5A47-8C43-849DE842741B}"/>
+                <a16:creationId xmlns:a16="http://schemas.microsoft.com/office/drawing/2014/main" xmlns="" id="{F00E1E3E-B2FE-5A47-8C43-849DE842741B}"/>
               </a:ext>
             </a:extLst>
           </p:cNvPr>
@@ -3417,7 +3417,7 @@
           <p:cNvPr id="4" name="Date Placeholder 3">
             <a:extLst>
               <a:ext uri="{FF2B5EF4-FFF2-40B4-BE49-F238E27FC236}">
-                <a16:creationId xmlns:a16="http://schemas.microsoft.com/office/drawing/2014/main" id="{A51822C1-C9FC-554F-B744-0FF8DD0A61C0}"/>
+                <a16:creationId xmlns:a16="http://schemas.microsoft.com/office/drawing/2014/main" xmlns="" id="{A51822C1-C9FC-554F-B744-0FF8DD0A61C0}"/>
               </a:ext>
             </a:extLst>
           </p:cNvPr>
@@ -3464,7 +3464,7 @@
           <p:cNvPr id="5" name="Footer Placeholder 4">
             <a:extLst>
               <a:ext uri="{FF2B5EF4-FFF2-40B4-BE49-F238E27FC236}">
-                <a16:creationId xmlns:a16="http://schemas.microsoft.com/office/drawing/2014/main" id="{AA4916E3-9D5B-B647-A5DA-A5B78525EFFB}"/>
+                <a16:creationId xmlns:a16="http://schemas.microsoft.com/office/drawing/2014/main" xmlns="" id="{AA4916E3-9D5B-B647-A5DA-A5B78525EFFB}"/>
               </a:ext>
             </a:extLst>
           </p:cNvPr>
@@ -3507,7 +3507,7 @@
           <p:cNvPr id="6" name="Slide Number Placeholder 5">
             <a:extLst>
               <a:ext uri="{FF2B5EF4-FFF2-40B4-BE49-F238E27FC236}">
-                <a16:creationId xmlns:a16="http://schemas.microsoft.com/office/drawing/2014/main" id="{11872E83-B77B-9647-AE80-95985B60F4F0}"/>
+                <a16:creationId xmlns:a16="http://schemas.microsoft.com/office/drawing/2014/main" xmlns="" id="{11872E83-B77B-9647-AE80-95985B60F4F0}"/>
               </a:ext>
             </a:extLst>
           </p:cNvPr>
@@ -3554,7 +3554,7 @@
           <p:cNvPr id="7" name="Picture 6">
             <a:extLst>
               <a:ext uri="{FF2B5EF4-FFF2-40B4-BE49-F238E27FC236}">
-                <a16:creationId xmlns:a16="http://schemas.microsoft.com/office/drawing/2014/main" id="{F0F46825-E66D-B247-B71A-C48424207597}"/>
+                <a16:creationId xmlns:a16="http://schemas.microsoft.com/office/drawing/2014/main" xmlns="" id="{F0F46825-E66D-B247-B71A-C48424207597}"/>
               </a:ext>
             </a:extLst>
           </p:cNvPr>
@@ -3905,7 +3905,7 @@
           <p:cNvPr id="2" name="Title 1">
             <a:extLst>
               <a:ext uri="{FF2B5EF4-FFF2-40B4-BE49-F238E27FC236}">
-                <a16:creationId xmlns:a16="http://schemas.microsoft.com/office/drawing/2014/main" id="{DDB4A5C5-CE37-5241-A9FF-85F98EF1E91E}"/>
+                <a16:creationId xmlns:a16="http://schemas.microsoft.com/office/drawing/2014/main" xmlns="" id="{DDB4A5C5-CE37-5241-A9FF-85F98EF1E91E}"/>
               </a:ext>
             </a:extLst>
           </p:cNvPr>
@@ -3937,7 +3937,7 @@
           <p:cNvPr id="3" name="Subtitle 2">
             <a:extLst>
               <a:ext uri="{FF2B5EF4-FFF2-40B4-BE49-F238E27FC236}">
-                <a16:creationId xmlns:a16="http://schemas.microsoft.com/office/drawing/2014/main" id="{5EF75859-F09F-414F-8571-4D3854CD3C44}"/>
+                <a16:creationId xmlns:a16="http://schemas.microsoft.com/office/drawing/2014/main" xmlns="" id="{5EF75859-F09F-414F-8571-4D3854CD3C44}"/>
               </a:ext>
             </a:extLst>
           </p:cNvPr>
@@ -3977,7 +3977,7 @@
           <p:cNvPr id="5" name="Rectangle 4">
             <a:extLst>
               <a:ext uri="{FF2B5EF4-FFF2-40B4-BE49-F238E27FC236}">
-                <a16:creationId xmlns:a16="http://schemas.microsoft.com/office/drawing/2014/main" id="{39D37F11-0EC0-C645-ADE9-CE8BFDF0B2D4}"/>
+                <a16:creationId xmlns:a16="http://schemas.microsoft.com/office/drawing/2014/main" xmlns="" id="{39D37F11-0EC0-C645-ADE9-CE8BFDF0B2D4}"/>
               </a:ext>
             </a:extLst>
           </p:cNvPr>
@@ -4055,7 +4055,7 @@
           <p:cNvPr id="2" name="Title 1">
             <a:extLst>
               <a:ext uri="{FF2B5EF4-FFF2-40B4-BE49-F238E27FC236}">
-                <a16:creationId xmlns:a16="http://schemas.microsoft.com/office/drawing/2014/main" id="{D2DEAED7-C5E5-7C4F-94CE-590C661CF198}"/>
+                <a16:creationId xmlns:a16="http://schemas.microsoft.com/office/drawing/2014/main" xmlns="" id="{D2DEAED7-C5E5-7C4F-94CE-590C661CF198}"/>
               </a:ext>
             </a:extLst>
           </p:cNvPr>
@@ -4083,7 +4083,7 @@
           <p:cNvPr id="3" name="TextBox 2">
             <a:extLst>
               <a:ext uri="{FF2B5EF4-FFF2-40B4-BE49-F238E27FC236}">
-                <a16:creationId xmlns:a16="http://schemas.microsoft.com/office/drawing/2014/main" id="{AC575E2B-EB04-8347-A545-EEFCE0E7ACE8}"/>
+                <a16:creationId xmlns:a16="http://schemas.microsoft.com/office/drawing/2014/main" xmlns="" id="{AC575E2B-EB04-8347-A545-EEFCE0E7ACE8}"/>
               </a:ext>
             </a:extLst>
           </p:cNvPr>
@@ -4112,7 +4112,7 @@
           <a:lstStyle/>
           <a:p>
             <a:r>
-              <a:rPr lang="en-US" sz="2400" dirty="0"/>
+              <a:rPr lang="en-US" sz="2400" i="1" dirty="0"/>
               <a:t># fill holes</a:t>
             </a:r>
           </a:p>
@@ -4145,7 +4145,7 @@
           </a:p>
           <a:p>
             <a:r>
-              <a:rPr lang="en-US" sz="2400" dirty="0"/>
+              <a:rPr lang="en-US" sz="2400" i="1" dirty="0"/>
               <a:t># pull out in order</a:t>
             </a:r>
           </a:p>
@@ -4213,7 +4213,7 @@
           <p:cNvPr id="4" name="Picture 3">
             <a:extLst>
               <a:ext uri="{FF2B5EF4-FFF2-40B4-BE49-F238E27FC236}">
-                <a16:creationId xmlns:a16="http://schemas.microsoft.com/office/drawing/2014/main" id="{B1B1240B-5276-7B46-ABCC-ED70DC5C70FE}"/>
+                <a16:creationId xmlns:a16="http://schemas.microsoft.com/office/drawing/2014/main" xmlns="" id="{B1B1240B-5276-7B46-ABCC-ED70DC5C70FE}"/>
               </a:ext>
             </a:extLst>
           </p:cNvPr>
@@ -4238,6 +4238,40 @@
           </a:prstGeom>
         </p:spPr>
       </p:pic>
+      <p:sp>
+        <p:nvSpPr>
+          <p:cNvPr id="5" name="TextBox 4"/>
+          <p:cNvSpPr txBox="1"/>
+          <p:nvPr/>
+        </p:nvSpPr>
+        <p:spPr>
+          <a:xfrm>
+            <a:off x="838200" y="6225703"/>
+            <a:ext cx="2364750" cy="369332"/>
+          </a:xfrm>
+          <a:prstGeom prst="rect">
+            <a:avLst/>
+          </a:prstGeom>
+          <a:noFill/>
+        </p:spPr>
+        <p:txBody>
+          <a:bodyPr wrap="none" rtlCol="0">
+            <a:spAutoFit/>
+          </a:bodyPr>
+          <a:lstStyle/>
+          <a:p>
+            <a:r>
+              <a:rPr lang="en-US" dirty="0" smtClean="0"/>
+              <a:t>See </a:t>
+            </a:r>
+            <a:r>
+              <a:rPr lang="en-US" smtClean="0"/>
+              <a:t>sorting notebook</a:t>
+            </a:r>
+            <a:endParaRPr lang="en-US"/>
+          </a:p>
+        </p:txBody>
+      </p:sp>
     </p:spTree>
     <p:extLst>
       <p:ext uri="{BB962C8B-B14F-4D97-AF65-F5344CB8AC3E}">
@@ -4273,7 +4307,7 @@
           <p:cNvPr id="2" name="Title 1">
             <a:extLst>
               <a:ext uri="{FF2B5EF4-FFF2-40B4-BE49-F238E27FC236}">
-                <a16:creationId xmlns:a16="http://schemas.microsoft.com/office/drawing/2014/main" id="{C4EA7EB5-F7AA-8942-B34C-69BC67FE25C8}"/>
+                <a16:creationId xmlns:a16="http://schemas.microsoft.com/office/drawing/2014/main" xmlns="" id="{C4EA7EB5-F7AA-8942-B34C-69BC67FE25C8}"/>
               </a:ext>
             </a:extLst>
           </p:cNvPr>
@@ -4301,7 +4335,7 @@
           <p:cNvPr id="3" name="Content Placeholder 2">
             <a:extLst>
               <a:ext uri="{FF2B5EF4-FFF2-40B4-BE49-F238E27FC236}">
-                <a16:creationId xmlns:a16="http://schemas.microsoft.com/office/drawing/2014/main" id="{ACDE7998-5783-D04D-8A6C-3CE185AA1DFD}"/>
+                <a16:creationId xmlns:a16="http://schemas.microsoft.com/office/drawing/2014/main" xmlns="" id="{ACDE7998-5783-D04D-8A6C-3CE185AA1DFD}"/>
               </a:ext>
             </a:extLst>
           </p:cNvPr>
@@ -4312,7 +4346,12 @@
             <p:ph idx="1"/>
           </p:nvPr>
         </p:nvSpPr>
-        <p:spPr/>
+        <p:spPr>
+          <a:xfrm>
+            <a:off x="838200" y="1825625"/>
+            <a:ext cx="10708532" cy="4351338"/>
+          </a:xfrm>
+        </p:spPr>
         <p:txBody>
           <a:bodyPr/>
           <a:lstStyle/>
@@ -4339,8 +4378,21 @@
           <a:p>
             <a:r>
               <a:rPr lang="en-US" dirty="0"/>
-              <a:t>How can we handle this case and generalize it to work for floats even?</a:t>
-            </a:r>
+              <a:t>How can we handle this case </a:t>
+            </a:r>
+            <a:r>
+              <a:rPr lang="en-US" dirty="0" smtClean="0"/>
+              <a:t>&amp; generalize to </a:t>
+            </a:r>
+            <a:r>
+              <a:rPr lang="en-US" dirty="0"/>
+              <a:t>work for floats </a:t>
+            </a:r>
+            <a:r>
+              <a:rPr lang="en-US" dirty="0" smtClean="0"/>
+              <a:t>too?</a:t>
+            </a:r>
+            <a:endParaRPr lang="en-US" dirty="0"/>
           </a:p>
           <a:p>
             <a:r>
@@ -4669,7 +4721,7 @@
           <p:cNvPr id="7" name="Picture 6">
             <a:extLst>
               <a:ext uri="{FF2B5EF4-FFF2-40B4-BE49-F238E27FC236}">
-                <a16:creationId xmlns:a16="http://schemas.microsoft.com/office/drawing/2014/main" id="{F049B3E3-9305-B642-9989-9A9C5E3F49C4}"/>
+                <a16:creationId xmlns:a16="http://schemas.microsoft.com/office/drawing/2014/main" xmlns="" id="{F049B3E3-9305-B642-9989-9A9C5E3F49C4}"/>
               </a:ext>
             </a:extLst>
           </p:cNvPr>
@@ -4699,7 +4751,7 @@
           <p:cNvPr id="10" name="Picture 9">
             <a:extLst>
               <a:ext uri="{FF2B5EF4-FFF2-40B4-BE49-F238E27FC236}">
-                <a16:creationId xmlns:a16="http://schemas.microsoft.com/office/drawing/2014/main" id="{940BF739-7BE5-F24D-B4F8-A2DBEEEB66C3}"/>
+                <a16:creationId xmlns:a16="http://schemas.microsoft.com/office/drawing/2014/main" xmlns="" id="{940BF739-7BE5-F24D-B4F8-A2DBEEEB66C3}"/>
               </a:ext>
             </a:extLst>
           </p:cNvPr>
@@ -4724,6 +4776,40 @@
           </a:prstGeom>
         </p:spPr>
       </p:pic>
+      <p:sp>
+        <p:nvSpPr>
+          <p:cNvPr id="9" name="TextBox 8"/>
+          <p:cNvSpPr txBox="1"/>
+          <p:nvPr/>
+        </p:nvSpPr>
+        <p:spPr>
+          <a:xfrm>
+            <a:off x="5429655" y="6311900"/>
+            <a:ext cx="2364750" cy="369332"/>
+          </a:xfrm>
+          <a:prstGeom prst="rect">
+            <a:avLst/>
+          </a:prstGeom>
+          <a:noFill/>
+        </p:spPr>
+        <p:txBody>
+          <a:bodyPr wrap="none" rtlCol="0">
+            <a:spAutoFit/>
+          </a:bodyPr>
+          <a:lstStyle/>
+          <a:p>
+            <a:r>
+              <a:rPr lang="en-US" dirty="0" smtClean="0"/>
+              <a:t>See </a:t>
+            </a:r>
+            <a:r>
+              <a:rPr lang="en-US" smtClean="0"/>
+              <a:t>sorting notebook</a:t>
+            </a:r>
+            <a:endParaRPr lang="en-US"/>
+          </a:p>
+        </p:txBody>
+      </p:sp>
     </p:spTree>
     <p:extLst>
       <p:ext uri="{BB962C8B-B14F-4D97-AF65-F5344CB8AC3E}">
@@ -5640,27 +5726,38 @@
           </a:p>
           <a:p>
             <a:r>
-              <a:rPr lang="en-US" dirty="0"/>
-              <a:t>Could also do bucket sort here</a:t>
+              <a:rPr lang="en-US" dirty="0" smtClean="0"/>
+              <a:t>See </a:t>
+            </a:r>
+            <a:r>
+              <a:rPr lang="en-US" dirty="0"/>
+              <a:t>sorting notebook </a:t>
+            </a:r>
+            <a:r>
+              <a:rPr lang="en-US" dirty="0" smtClean="0"/>
+              <a:t>for</a:t>
             </a:r>
             <a:br>
-              <a:rPr lang="en-US" dirty="0"/>
+              <a:rPr lang="en-US" dirty="0" smtClean="0"/>
             </a:br>
             <a:r>
-              <a:rPr lang="en-US" dirty="0"/>
-              <a:t>How would that work?</a:t>
-            </a:r>
-          </a:p>
-          <a:p>
-            <a:r>
-              <a:rPr lang="en-US" dirty="0"/>
-              <a:t>See sorting notebook for implementation</a:t>
-            </a:r>
-          </a:p>
-          <a:p>
-            <a:r>
-              <a:rPr lang="en-US" dirty="0"/>
-              <a:t>What if all words start with same letter?</a:t>
+              <a:rPr lang="en-US" dirty="0" smtClean="0"/>
+              <a:t>implementation</a:t>
+            </a:r>
+            <a:endParaRPr lang="en-US" dirty="0"/>
+          </a:p>
+          <a:p>
+            <a:r>
+              <a:rPr lang="en-US" b="1" dirty="0" smtClean="0"/>
+              <a:t>Exercise</a:t>
+            </a:r>
+            <a:r>
+              <a:rPr lang="en-US" dirty="0" smtClean="0"/>
+              <a:t>: What </a:t>
+            </a:r>
+            <a:r>
+              <a:rPr lang="en-US" dirty="0"/>
+              <a:t>if all words start with same letter?</a:t>
             </a:r>
           </a:p>
         </p:txBody>
@@ -5670,7 +5767,7 @@
           <p:cNvPr id="5" name="Picture 4">
             <a:extLst>
               <a:ext uri="{FF2B5EF4-FFF2-40B4-BE49-F238E27FC236}">
-                <a16:creationId xmlns:a16="http://schemas.microsoft.com/office/drawing/2014/main" id="{D763CE5F-8BAE-5542-ACDC-BE45814D4972}"/>
+                <a16:creationId xmlns:a16="http://schemas.microsoft.com/office/drawing/2014/main" xmlns="" id="{D763CE5F-8BAE-5542-ACDC-BE45814D4972}"/>
               </a:ext>
             </a:extLst>
           </p:cNvPr>
@@ -5730,7 +5827,7 @@
           <p:cNvPr id="2" name="Title 1">
             <a:extLst>
               <a:ext uri="{FF2B5EF4-FFF2-40B4-BE49-F238E27FC236}">
-                <a16:creationId xmlns:a16="http://schemas.microsoft.com/office/drawing/2014/main" id="{EDD7B449-10BC-684B-ADCB-D32CD7FAD8CA}"/>
+                <a16:creationId xmlns:a16="http://schemas.microsoft.com/office/drawing/2014/main" xmlns="" id="{EDD7B449-10BC-684B-ADCB-D32CD7FAD8CA}"/>
               </a:ext>
             </a:extLst>
           </p:cNvPr>
@@ -5763,7 +5860,7 @@
           <p:cNvPr id="3" name="Content Placeholder 2">
             <a:extLst>
               <a:ext uri="{FF2B5EF4-FFF2-40B4-BE49-F238E27FC236}">
-                <a16:creationId xmlns:a16="http://schemas.microsoft.com/office/drawing/2014/main" id="{F0B3DDEA-903D-C342-B00C-0D8860C26AC0}"/>
+                <a16:creationId xmlns:a16="http://schemas.microsoft.com/office/drawing/2014/main" xmlns="" id="{F0B3DDEA-903D-C342-B00C-0D8860C26AC0}"/>
               </a:ext>
             </a:extLst>
           </p:cNvPr>
@@ -5821,6 +5918,10 @@
               <a:rPr lang="en-US" dirty="0" err="1"/>
               <a:t>len</a:t>
             </a:r>
+            <a:r>
+              <a:rPr lang="en-US" dirty="0"/>
+              <a:t/>
+            </a:r>
             <a:br>
               <a:rPr lang="en-US" dirty="0"/>
             </a:br>
@@ -5832,9 +5933,23 @@
               <a:rPr lang="en-US" dirty="0"/>
             </a:br>
             <a:r>
-              <a:rPr lang="en-US" dirty="0"/>
+              <a:rPr lang="en-US" dirty="0" smtClean="0"/>
               <a:t>sort</a:t>
             </a:r>
+          </a:p>
+          <a:p>
+            <a:r>
+              <a:rPr lang="en-US" smtClean="0"/>
+              <a:t>Walk all edges in alpha order</a:t>
+            </a:r>
+            <a:br>
+              <a:rPr lang="en-US" smtClean="0"/>
+            </a:br>
+            <a:r>
+              <a:rPr lang="en-US" smtClean="0"/>
+              <a:t>to collect words in leaves</a:t>
+            </a:r>
+            <a:endParaRPr lang="en-US" dirty="0"/>
           </a:p>
           <a:p>
             <a:endParaRPr lang="en-US" dirty="0"/>
@@ -5846,7 +5961,7 @@
           <p:cNvPr id="4" name="Picture 3">
             <a:extLst>
               <a:ext uri="{FF2B5EF4-FFF2-40B4-BE49-F238E27FC236}">
-                <a16:creationId xmlns:a16="http://schemas.microsoft.com/office/drawing/2014/main" id="{0C41CE41-DC8A-3D4C-9B23-CB9A1512D635}"/>
+                <a16:creationId xmlns:a16="http://schemas.microsoft.com/office/drawing/2014/main" xmlns="" id="{0C41CE41-DC8A-3D4C-9B23-CB9A1512D635}"/>
               </a:ext>
             </a:extLst>
           </p:cNvPr>
@@ -5906,7 +6021,7 @@
           <p:cNvPr id="2" name="Title 1">
             <a:extLst>
               <a:ext uri="{FF2B5EF4-FFF2-40B4-BE49-F238E27FC236}">
-                <a16:creationId xmlns:a16="http://schemas.microsoft.com/office/drawing/2014/main" id="{28E269BC-FCD0-3641-BD6D-5B96C2417018}"/>
+                <a16:creationId xmlns:a16="http://schemas.microsoft.com/office/drawing/2014/main" xmlns="" id="{28E269BC-FCD0-3641-BD6D-5B96C2417018}"/>
               </a:ext>
             </a:extLst>
           </p:cNvPr>
@@ -5934,7 +6049,7 @@
           <p:cNvPr id="3" name="Content Placeholder 2">
             <a:extLst>
               <a:ext uri="{FF2B5EF4-FFF2-40B4-BE49-F238E27FC236}">
-                <a16:creationId xmlns:a16="http://schemas.microsoft.com/office/drawing/2014/main" id="{011453FF-9B1C-204B-BAC3-7506D02A781A}"/>
+                <a16:creationId xmlns:a16="http://schemas.microsoft.com/office/drawing/2014/main" xmlns="" id="{011453FF-9B1C-204B-BAC3-7506D02A781A}"/>
               </a:ext>
             </a:extLst>
           </p:cNvPr>
@@ -6272,7 +6387,7 @@
           <p:cNvPr id="7" name="TextBox 6">
             <a:extLst>
               <a:ext uri="{FF2B5EF4-FFF2-40B4-BE49-F238E27FC236}">
-                <a16:creationId xmlns:a16="http://schemas.microsoft.com/office/drawing/2014/main" id="{7EA51DEE-4B36-8844-9444-48364D4297AC}"/>
+                <a16:creationId xmlns:a16="http://schemas.microsoft.com/office/drawing/2014/main" xmlns="" id="{7EA51DEE-4B36-8844-9444-48364D4297AC}"/>
               </a:ext>
             </a:extLst>
           </p:cNvPr>
@@ -6752,29 +6867,38 @@
           <a:p>
             <a:r>
               <a:rPr lang="en-US" dirty="0"/>
-              <a:t>O(n^2) worst-case behavior but O(n log n) average behavior</a:t>
-            </a:r>
-          </a:p>
-          <a:p>
-            <a:r>
-              <a:rPr lang="en-US" dirty="0"/>
-              <a:t>Pick a pivot element, rather than just split in half like </a:t>
-            </a:r>
-            <a:r>
-              <a:rPr lang="en-US" dirty="0" err="1"/>
+              <a:t>O(n^2) worst-case behavior but O(n log </a:t>
+            </a:r>
+            <a:r>
+              <a:rPr lang="en-US" dirty="0" smtClean="0"/>
+              <a:t>n) typical behavior</a:t>
+            </a:r>
+            <a:endParaRPr lang="en-US" dirty="0"/>
+          </a:p>
+          <a:p>
+            <a:r>
+              <a:rPr lang="en-US" b="1" dirty="0" smtClean="0"/>
+              <a:t>Idea</a:t>
+            </a:r>
+            <a:r>
+              <a:rPr lang="en-US" dirty="0"/>
+              <a:t>: pick pivot, partition so elements left of pivot are less than pivot and elements right are greater (not sorting here); recursively partition the left and right until small enough to sort </a:t>
+            </a:r>
+            <a:r>
+              <a:rPr lang="en-US" dirty="0" smtClean="0"/>
+              <a:t>trivially</a:t>
+            </a:r>
+          </a:p>
+          <a:p>
+            <a:r>
+              <a:rPr lang="en-US" dirty="0"/>
+              <a:t>Picks a pivot element, rather than just split in half like </a:t>
+            </a:r>
+            <a:r>
+              <a:rPr lang="en-US" dirty="0" err="1" smtClean="0"/>
               <a:t>mergesort</a:t>
             </a:r>
             <a:endParaRPr lang="en-US" dirty="0"/>
-          </a:p>
-          <a:p>
-            <a:r>
-              <a:rPr lang="en-US" b="1" dirty="0"/>
-              <a:t>Idea</a:t>
-            </a:r>
-            <a:r>
-              <a:rPr lang="en-US" dirty="0"/>
-              <a:t>: pick pivot, partition so elements left of pivot are less than pivot and elements right are greater (not sorting here); recursively partition the left and right until small enough to sort trivially</a:t>
-            </a:r>
           </a:p>
           <a:p>
             <a:r>
@@ -6861,7 +6985,7 @@
           <p:cNvPr id="3" name="TextBox 2">
             <a:extLst>
               <a:ext uri="{FF2B5EF4-FFF2-40B4-BE49-F238E27FC236}">
-                <a16:creationId xmlns:a16="http://schemas.microsoft.com/office/drawing/2014/main" id="{7EA51DEE-4B36-8844-9444-48364D4297AC}"/>
+                <a16:creationId xmlns:a16="http://schemas.microsoft.com/office/drawing/2014/main" xmlns="" id="{7EA51DEE-4B36-8844-9444-48364D4297AC}"/>
               </a:ext>
             </a:extLst>
           </p:cNvPr>
@@ -6970,7 +7094,7 @@
           <p:cNvPr id="4" name="TextBox 3">
             <a:extLst>
               <a:ext uri="{FF2B5EF4-FFF2-40B4-BE49-F238E27FC236}">
-                <a16:creationId xmlns:a16="http://schemas.microsoft.com/office/drawing/2014/main" id="{7EA51DEE-4B36-8844-9444-48364D4297AC}"/>
+                <a16:creationId xmlns:a16="http://schemas.microsoft.com/office/drawing/2014/main" xmlns="" id="{7EA51DEE-4B36-8844-9444-48364D4297AC}"/>
               </a:ext>
             </a:extLst>
           </p:cNvPr>
@@ -7006,7 +7130,11 @@
           <a:p>
             <a:r>
               <a:rPr lang="en-US" sz="2400" dirty="0"/>
-              <a:t># breaks idea of in-place only sort for </a:t>
+              <a:t># breaks idea of in-place </a:t>
+            </a:r>
+            <a:r>
+              <a:rPr lang="en-US" sz="2400" dirty="0" smtClean="0"/>
+              <a:t>for </a:t>
             </a:r>
             <a:r>
               <a:rPr lang="en-US" sz="2400" dirty="0" err="1"/>
@@ -7124,7 +7252,7 @@
           <p:cNvPr id="6" name="TextBox 5">
             <a:extLst>
               <a:ext uri="{FF2B5EF4-FFF2-40B4-BE49-F238E27FC236}">
-                <a16:creationId xmlns:a16="http://schemas.microsoft.com/office/drawing/2014/main" id="{29CB3794-A5D6-0546-885D-6E6A1C96DAFF}"/>
+                <a16:creationId xmlns:a16="http://schemas.microsoft.com/office/drawing/2014/main" xmlns="" id="{29CB3794-A5D6-0546-885D-6E6A1C96DAFF}"/>
               </a:ext>
             </a:extLst>
           </p:cNvPr>
@@ -7189,7 +7317,7 @@
           <p:cNvPr id="2" name="Title 1">
             <a:extLst>
               <a:ext uri="{FF2B5EF4-FFF2-40B4-BE49-F238E27FC236}">
-                <a16:creationId xmlns:a16="http://schemas.microsoft.com/office/drawing/2014/main" id="{89D33BA6-0A82-5A4F-935E-68B7DAC63EB9}"/>
+                <a16:creationId xmlns:a16="http://schemas.microsoft.com/office/drawing/2014/main" xmlns="" id="{89D33BA6-0A82-5A4F-935E-68B7DAC63EB9}"/>
               </a:ext>
             </a:extLst>
           </p:cNvPr>
@@ -7217,7 +7345,7 @@
           <p:cNvPr id="3" name="Content Placeholder 2">
             <a:extLst>
               <a:ext uri="{FF2B5EF4-FFF2-40B4-BE49-F238E27FC236}">
-                <a16:creationId xmlns:a16="http://schemas.microsoft.com/office/drawing/2014/main" id="{A947031A-7E62-9E4A-B8EA-3FC46F492F8F}"/>
+                <a16:creationId xmlns:a16="http://schemas.microsoft.com/office/drawing/2014/main" xmlns="" id="{A947031A-7E62-9E4A-B8EA-3FC46F492F8F}"/>
               </a:ext>
             </a:extLst>
           </p:cNvPr>
@@ -7241,8 +7369,13 @@
           <a:p>
             <a:r>
               <a:rPr lang="en-US" dirty="0"/>
-              <a:t>…for generic elements</a:t>
-            </a:r>
+              <a:t>…for generic </a:t>
+            </a:r>
+            <a:r>
+              <a:rPr lang="en-US" dirty="0" smtClean="0"/>
+              <a:t>elements and doing comparisons</a:t>
+            </a:r>
+            <a:endParaRPr lang="en-US" dirty="0"/>
           </a:p>
           <a:p>
             <a:r>
@@ -7457,7 +7590,7 @@
           <p:cNvPr id="5" name="Picture 4">
             <a:extLst>
               <a:ext uri="{FF2B5EF4-FFF2-40B4-BE49-F238E27FC236}">
-                <a16:creationId xmlns:a16="http://schemas.microsoft.com/office/drawing/2014/main" id="{4B841605-E4BF-3B45-9C0D-03FB08745711}"/>
+                <a16:creationId xmlns:a16="http://schemas.microsoft.com/office/drawing/2014/main" xmlns="" id="{4B841605-E4BF-3B45-9C0D-03FB08745711}"/>
               </a:ext>
             </a:extLst>
           </p:cNvPr>

--- a/notes/sorting.pptx
+++ b/notes/sorting.pptx
@@ -221,7 +221,7 @@
           <a:p>
             <a:fld id="{8A1B613A-EFF1-404F-BEE8-EFAE84A4E5E2}" type="datetimeFigureOut">
               <a:rPr lang="en-US" smtClean="0"/>
-              <a:t>2/20/19</a:t>
+              <a:t>2/22/19</a:t>
             </a:fld>
             <a:endParaRPr lang="en-US"/>
           </a:p>
@@ -386,7 +386,7 @@
           <a:p>
             <a:fld id="{690847EA-AC25-3D4E-89E1-FD3F6A9702B6}" type="datetimeFigureOut">
               <a:rPr lang="en-US" smtClean="0"/>
-              <a:t>2/20/19</a:t>
+              <a:t>2/22/19</a:t>
             </a:fld>
             <a:endParaRPr lang="en-US"/>
           </a:p>
@@ -675,7 +675,7 @@
           <p:cNvPr id="2" name="Title 1">
             <a:extLst>
               <a:ext uri="{FF2B5EF4-FFF2-40B4-BE49-F238E27FC236}">
-                <a16:creationId xmlns:a16="http://schemas.microsoft.com/office/drawing/2014/main" xmlns="" id="{FCECE00E-B2E2-4D43-8A21-E17BBDC017E1}"/>
+                <a16:creationId xmlns:a16="http://schemas.microsoft.com/office/drawing/2014/main" id="{FCECE00E-B2E2-4D43-8A21-E17BBDC017E1}"/>
               </a:ext>
             </a:extLst>
           </p:cNvPr>
@@ -712,7 +712,7 @@
           <p:cNvPr id="3" name="Subtitle 2">
             <a:extLst>
               <a:ext uri="{FF2B5EF4-FFF2-40B4-BE49-F238E27FC236}">
-                <a16:creationId xmlns:a16="http://schemas.microsoft.com/office/drawing/2014/main" xmlns="" id="{0C4C7E7C-3478-264C-BF00-D75996D63509}"/>
+                <a16:creationId xmlns:a16="http://schemas.microsoft.com/office/drawing/2014/main" id="{0C4C7E7C-3478-264C-BF00-D75996D63509}"/>
               </a:ext>
             </a:extLst>
           </p:cNvPr>
@@ -782,7 +782,7 @@
           <p:cNvPr id="4" name="Date Placeholder 3">
             <a:extLst>
               <a:ext uri="{FF2B5EF4-FFF2-40B4-BE49-F238E27FC236}">
-                <a16:creationId xmlns:a16="http://schemas.microsoft.com/office/drawing/2014/main" xmlns="" id="{64E1EB94-602A-4843-8753-4DB51430704B}"/>
+                <a16:creationId xmlns:a16="http://schemas.microsoft.com/office/drawing/2014/main" id="{64E1EB94-602A-4843-8753-4DB51430704B}"/>
               </a:ext>
             </a:extLst>
           </p:cNvPr>
@@ -800,7 +800,7 @@
           <a:p>
             <a:fld id="{BE5295ED-3BAF-1140-8495-3D368771D6B1}" type="datetimeFigureOut">
               <a:rPr lang="en-US" smtClean="0"/>
-              <a:t>2/20/19</a:t>
+              <a:t>2/22/19</a:t>
             </a:fld>
             <a:endParaRPr lang="en-US"/>
           </a:p>
@@ -811,7 +811,7 @@
           <p:cNvPr id="5" name="Footer Placeholder 4">
             <a:extLst>
               <a:ext uri="{FF2B5EF4-FFF2-40B4-BE49-F238E27FC236}">
-                <a16:creationId xmlns:a16="http://schemas.microsoft.com/office/drawing/2014/main" xmlns="" id="{FF136E26-0E46-B848-BBFC-A0D2BFA17F33}"/>
+                <a16:creationId xmlns:a16="http://schemas.microsoft.com/office/drawing/2014/main" id="{FF136E26-0E46-B848-BBFC-A0D2BFA17F33}"/>
               </a:ext>
             </a:extLst>
           </p:cNvPr>
@@ -836,7 +836,7 @@
           <p:cNvPr id="6" name="Slide Number Placeholder 5">
             <a:extLst>
               <a:ext uri="{FF2B5EF4-FFF2-40B4-BE49-F238E27FC236}">
-                <a16:creationId xmlns:a16="http://schemas.microsoft.com/office/drawing/2014/main" xmlns="" id="{CEAD4217-442E-6C4A-8D0F-CADFE9EACB6D}"/>
+                <a16:creationId xmlns:a16="http://schemas.microsoft.com/office/drawing/2014/main" id="{CEAD4217-442E-6C4A-8D0F-CADFE9EACB6D}"/>
               </a:ext>
             </a:extLst>
           </p:cNvPr>
@@ -895,7 +895,7 @@
           <p:cNvPr id="2" name="Title 1">
             <a:extLst>
               <a:ext uri="{FF2B5EF4-FFF2-40B4-BE49-F238E27FC236}">
-                <a16:creationId xmlns:a16="http://schemas.microsoft.com/office/drawing/2014/main" xmlns="" id="{F416C72F-B1B5-6442-B3EF-170DEDF83067}"/>
+                <a16:creationId xmlns:a16="http://schemas.microsoft.com/office/drawing/2014/main" id="{F416C72F-B1B5-6442-B3EF-170DEDF83067}"/>
               </a:ext>
             </a:extLst>
           </p:cNvPr>
@@ -923,7 +923,7 @@
           <p:cNvPr id="3" name="Vertical Text Placeholder 2">
             <a:extLst>
               <a:ext uri="{FF2B5EF4-FFF2-40B4-BE49-F238E27FC236}">
-                <a16:creationId xmlns:a16="http://schemas.microsoft.com/office/drawing/2014/main" xmlns="" id="{19182C6A-7EA1-C840-86BB-65DF578F4F4B}"/>
+                <a16:creationId xmlns:a16="http://schemas.microsoft.com/office/drawing/2014/main" id="{19182C6A-7EA1-C840-86BB-65DF578F4F4B}"/>
               </a:ext>
             </a:extLst>
           </p:cNvPr>
@@ -980,7 +980,7 @@
           <p:cNvPr id="4" name="Date Placeholder 3">
             <a:extLst>
               <a:ext uri="{FF2B5EF4-FFF2-40B4-BE49-F238E27FC236}">
-                <a16:creationId xmlns:a16="http://schemas.microsoft.com/office/drawing/2014/main" xmlns="" id="{DBCD3C4B-E6D4-B140-8126-90FD013DE38A}"/>
+                <a16:creationId xmlns:a16="http://schemas.microsoft.com/office/drawing/2014/main" id="{DBCD3C4B-E6D4-B140-8126-90FD013DE38A}"/>
               </a:ext>
             </a:extLst>
           </p:cNvPr>
@@ -998,7 +998,7 @@
           <a:p>
             <a:fld id="{BE5295ED-3BAF-1140-8495-3D368771D6B1}" type="datetimeFigureOut">
               <a:rPr lang="en-US" smtClean="0"/>
-              <a:t>2/20/19</a:t>
+              <a:t>2/22/19</a:t>
             </a:fld>
             <a:endParaRPr lang="en-US"/>
           </a:p>
@@ -1009,7 +1009,7 @@
           <p:cNvPr id="5" name="Footer Placeholder 4">
             <a:extLst>
               <a:ext uri="{FF2B5EF4-FFF2-40B4-BE49-F238E27FC236}">
-                <a16:creationId xmlns:a16="http://schemas.microsoft.com/office/drawing/2014/main" xmlns="" id="{E26FD8A5-25AB-2742-9333-F1864AA98C6D}"/>
+                <a16:creationId xmlns:a16="http://schemas.microsoft.com/office/drawing/2014/main" id="{E26FD8A5-25AB-2742-9333-F1864AA98C6D}"/>
               </a:ext>
             </a:extLst>
           </p:cNvPr>
@@ -1034,7 +1034,7 @@
           <p:cNvPr id="6" name="Slide Number Placeholder 5">
             <a:extLst>
               <a:ext uri="{FF2B5EF4-FFF2-40B4-BE49-F238E27FC236}">
-                <a16:creationId xmlns:a16="http://schemas.microsoft.com/office/drawing/2014/main" xmlns="" id="{B4FFBFCA-F2F7-544E-BB46-A887273990B8}"/>
+                <a16:creationId xmlns:a16="http://schemas.microsoft.com/office/drawing/2014/main" id="{B4FFBFCA-F2F7-544E-BB46-A887273990B8}"/>
               </a:ext>
             </a:extLst>
           </p:cNvPr>
@@ -1093,7 +1093,7 @@
           <p:cNvPr id="2" name="Vertical Title 1">
             <a:extLst>
               <a:ext uri="{FF2B5EF4-FFF2-40B4-BE49-F238E27FC236}">
-                <a16:creationId xmlns:a16="http://schemas.microsoft.com/office/drawing/2014/main" xmlns="" id="{A54E5286-71CD-184D-922F-2C587370C871}"/>
+                <a16:creationId xmlns:a16="http://schemas.microsoft.com/office/drawing/2014/main" id="{A54E5286-71CD-184D-922F-2C587370C871}"/>
               </a:ext>
             </a:extLst>
           </p:cNvPr>
@@ -1126,7 +1126,7 @@
           <p:cNvPr id="3" name="Vertical Text Placeholder 2">
             <a:extLst>
               <a:ext uri="{FF2B5EF4-FFF2-40B4-BE49-F238E27FC236}">
-                <a16:creationId xmlns:a16="http://schemas.microsoft.com/office/drawing/2014/main" xmlns="" id="{8E6C93D7-83D1-8740-A256-2B405524A089}"/>
+                <a16:creationId xmlns:a16="http://schemas.microsoft.com/office/drawing/2014/main" id="{8E6C93D7-83D1-8740-A256-2B405524A089}"/>
               </a:ext>
             </a:extLst>
           </p:cNvPr>
@@ -1188,7 +1188,7 @@
           <p:cNvPr id="4" name="Date Placeholder 3">
             <a:extLst>
               <a:ext uri="{FF2B5EF4-FFF2-40B4-BE49-F238E27FC236}">
-                <a16:creationId xmlns:a16="http://schemas.microsoft.com/office/drawing/2014/main" xmlns="" id="{C7CCB8DC-90E9-1D49-B70B-5103FBBD3972}"/>
+                <a16:creationId xmlns:a16="http://schemas.microsoft.com/office/drawing/2014/main" id="{C7CCB8DC-90E9-1D49-B70B-5103FBBD3972}"/>
               </a:ext>
             </a:extLst>
           </p:cNvPr>
@@ -1206,7 +1206,7 @@
           <a:p>
             <a:fld id="{BE5295ED-3BAF-1140-8495-3D368771D6B1}" type="datetimeFigureOut">
               <a:rPr lang="en-US" smtClean="0"/>
-              <a:t>2/20/19</a:t>
+              <a:t>2/22/19</a:t>
             </a:fld>
             <a:endParaRPr lang="en-US"/>
           </a:p>
@@ -1217,7 +1217,7 @@
           <p:cNvPr id="5" name="Footer Placeholder 4">
             <a:extLst>
               <a:ext uri="{FF2B5EF4-FFF2-40B4-BE49-F238E27FC236}">
-                <a16:creationId xmlns:a16="http://schemas.microsoft.com/office/drawing/2014/main" xmlns="" id="{0997D847-8768-9843-9B66-E6B3989BA3D2}"/>
+                <a16:creationId xmlns:a16="http://schemas.microsoft.com/office/drawing/2014/main" id="{0997D847-8768-9843-9B66-E6B3989BA3D2}"/>
               </a:ext>
             </a:extLst>
           </p:cNvPr>
@@ -1242,7 +1242,7 @@
           <p:cNvPr id="6" name="Slide Number Placeholder 5">
             <a:extLst>
               <a:ext uri="{FF2B5EF4-FFF2-40B4-BE49-F238E27FC236}">
-                <a16:creationId xmlns:a16="http://schemas.microsoft.com/office/drawing/2014/main" xmlns="" id="{8E82CB94-E0A6-3E47-9F30-8DEB64C2027C}"/>
+                <a16:creationId xmlns:a16="http://schemas.microsoft.com/office/drawing/2014/main" id="{8E82CB94-E0A6-3E47-9F30-8DEB64C2027C}"/>
               </a:ext>
             </a:extLst>
           </p:cNvPr>
@@ -1301,7 +1301,7 @@
           <p:cNvPr id="2" name="Title 1">
             <a:extLst>
               <a:ext uri="{FF2B5EF4-FFF2-40B4-BE49-F238E27FC236}">
-                <a16:creationId xmlns:a16="http://schemas.microsoft.com/office/drawing/2014/main" xmlns="" id="{B8842375-E5EF-4D4E-AFD0-A94090E7DB29}"/>
+                <a16:creationId xmlns:a16="http://schemas.microsoft.com/office/drawing/2014/main" id="{B8842375-E5EF-4D4E-AFD0-A94090E7DB29}"/>
               </a:ext>
             </a:extLst>
           </p:cNvPr>
@@ -1329,7 +1329,7 @@
           <p:cNvPr id="3" name="Content Placeholder 2">
             <a:extLst>
               <a:ext uri="{FF2B5EF4-FFF2-40B4-BE49-F238E27FC236}">
-                <a16:creationId xmlns:a16="http://schemas.microsoft.com/office/drawing/2014/main" xmlns="" id="{F366F610-FF9B-2A4B-8E35-314B0D78D9D8}"/>
+                <a16:creationId xmlns:a16="http://schemas.microsoft.com/office/drawing/2014/main" id="{F366F610-FF9B-2A4B-8E35-314B0D78D9D8}"/>
               </a:ext>
             </a:extLst>
           </p:cNvPr>
@@ -1386,7 +1386,7 @@
           <p:cNvPr id="4" name="Date Placeholder 3">
             <a:extLst>
               <a:ext uri="{FF2B5EF4-FFF2-40B4-BE49-F238E27FC236}">
-                <a16:creationId xmlns:a16="http://schemas.microsoft.com/office/drawing/2014/main" xmlns="" id="{1561E808-F7D2-E84B-8CD4-83F18272EA72}"/>
+                <a16:creationId xmlns:a16="http://schemas.microsoft.com/office/drawing/2014/main" id="{1561E808-F7D2-E84B-8CD4-83F18272EA72}"/>
               </a:ext>
             </a:extLst>
           </p:cNvPr>
@@ -1404,7 +1404,7 @@
           <a:p>
             <a:fld id="{BE5295ED-3BAF-1140-8495-3D368771D6B1}" type="datetimeFigureOut">
               <a:rPr lang="en-US" smtClean="0"/>
-              <a:t>2/20/19</a:t>
+              <a:t>2/22/19</a:t>
             </a:fld>
             <a:endParaRPr lang="en-US"/>
           </a:p>
@@ -1415,7 +1415,7 @@
           <p:cNvPr id="5" name="Footer Placeholder 4">
             <a:extLst>
               <a:ext uri="{FF2B5EF4-FFF2-40B4-BE49-F238E27FC236}">
-                <a16:creationId xmlns:a16="http://schemas.microsoft.com/office/drawing/2014/main" xmlns="" id="{7B3AD9A1-B1EC-984E-A23E-0ECF6F652482}"/>
+                <a16:creationId xmlns:a16="http://schemas.microsoft.com/office/drawing/2014/main" id="{7B3AD9A1-B1EC-984E-A23E-0ECF6F652482}"/>
               </a:ext>
             </a:extLst>
           </p:cNvPr>
@@ -1440,7 +1440,7 @@
           <p:cNvPr id="6" name="Slide Number Placeholder 5">
             <a:extLst>
               <a:ext uri="{FF2B5EF4-FFF2-40B4-BE49-F238E27FC236}">
-                <a16:creationId xmlns:a16="http://schemas.microsoft.com/office/drawing/2014/main" xmlns="" id="{01BFD94D-9604-2A43-AADF-14B0876B6EBB}"/>
+                <a16:creationId xmlns:a16="http://schemas.microsoft.com/office/drawing/2014/main" id="{01BFD94D-9604-2A43-AADF-14B0876B6EBB}"/>
               </a:ext>
             </a:extLst>
           </p:cNvPr>
@@ -1499,7 +1499,7 @@
           <p:cNvPr id="2" name="Title 1">
             <a:extLst>
               <a:ext uri="{FF2B5EF4-FFF2-40B4-BE49-F238E27FC236}">
-                <a16:creationId xmlns:a16="http://schemas.microsoft.com/office/drawing/2014/main" xmlns="" id="{771589AC-2242-B445-BBEA-95D500596EE6}"/>
+                <a16:creationId xmlns:a16="http://schemas.microsoft.com/office/drawing/2014/main" id="{771589AC-2242-B445-BBEA-95D500596EE6}"/>
               </a:ext>
             </a:extLst>
           </p:cNvPr>
@@ -1536,7 +1536,7 @@
           <p:cNvPr id="3" name="Text Placeholder 2">
             <a:extLst>
               <a:ext uri="{FF2B5EF4-FFF2-40B4-BE49-F238E27FC236}">
-                <a16:creationId xmlns:a16="http://schemas.microsoft.com/office/drawing/2014/main" xmlns="" id="{255D194C-D171-4B45-BA38-8D16CD1C3449}"/>
+                <a16:creationId xmlns:a16="http://schemas.microsoft.com/office/drawing/2014/main" id="{255D194C-D171-4B45-BA38-8D16CD1C3449}"/>
               </a:ext>
             </a:extLst>
           </p:cNvPr>
@@ -1661,7 +1661,7 @@
           <p:cNvPr id="4" name="Date Placeholder 3">
             <a:extLst>
               <a:ext uri="{FF2B5EF4-FFF2-40B4-BE49-F238E27FC236}">
-                <a16:creationId xmlns:a16="http://schemas.microsoft.com/office/drawing/2014/main" xmlns="" id="{68A38244-2F9E-AB4A-B300-488462389FF9}"/>
+                <a16:creationId xmlns:a16="http://schemas.microsoft.com/office/drawing/2014/main" id="{68A38244-2F9E-AB4A-B300-488462389FF9}"/>
               </a:ext>
             </a:extLst>
           </p:cNvPr>
@@ -1679,7 +1679,7 @@
           <a:p>
             <a:fld id="{BE5295ED-3BAF-1140-8495-3D368771D6B1}" type="datetimeFigureOut">
               <a:rPr lang="en-US" smtClean="0"/>
-              <a:t>2/20/19</a:t>
+              <a:t>2/22/19</a:t>
             </a:fld>
             <a:endParaRPr lang="en-US"/>
           </a:p>
@@ -1690,7 +1690,7 @@
           <p:cNvPr id="5" name="Footer Placeholder 4">
             <a:extLst>
               <a:ext uri="{FF2B5EF4-FFF2-40B4-BE49-F238E27FC236}">
-                <a16:creationId xmlns:a16="http://schemas.microsoft.com/office/drawing/2014/main" xmlns="" id="{B33A7B5A-1475-C94F-AD18-1726D2BA89C2}"/>
+                <a16:creationId xmlns:a16="http://schemas.microsoft.com/office/drawing/2014/main" id="{B33A7B5A-1475-C94F-AD18-1726D2BA89C2}"/>
               </a:ext>
             </a:extLst>
           </p:cNvPr>
@@ -1715,7 +1715,7 @@
           <p:cNvPr id="6" name="Slide Number Placeholder 5">
             <a:extLst>
               <a:ext uri="{FF2B5EF4-FFF2-40B4-BE49-F238E27FC236}">
-                <a16:creationId xmlns:a16="http://schemas.microsoft.com/office/drawing/2014/main" xmlns="" id="{8069DDF6-CCE5-3946-8A72-14D318AB4D22}"/>
+                <a16:creationId xmlns:a16="http://schemas.microsoft.com/office/drawing/2014/main" id="{8069DDF6-CCE5-3946-8A72-14D318AB4D22}"/>
               </a:ext>
             </a:extLst>
           </p:cNvPr>
@@ -1774,7 +1774,7 @@
           <p:cNvPr id="2" name="Title 1">
             <a:extLst>
               <a:ext uri="{FF2B5EF4-FFF2-40B4-BE49-F238E27FC236}">
-                <a16:creationId xmlns:a16="http://schemas.microsoft.com/office/drawing/2014/main" xmlns="" id="{AC1D2791-2196-8F4F-AD62-59B19A8810A3}"/>
+                <a16:creationId xmlns:a16="http://schemas.microsoft.com/office/drawing/2014/main" id="{AC1D2791-2196-8F4F-AD62-59B19A8810A3}"/>
               </a:ext>
             </a:extLst>
           </p:cNvPr>
@@ -1802,7 +1802,7 @@
           <p:cNvPr id="3" name="Content Placeholder 2">
             <a:extLst>
               <a:ext uri="{FF2B5EF4-FFF2-40B4-BE49-F238E27FC236}">
-                <a16:creationId xmlns:a16="http://schemas.microsoft.com/office/drawing/2014/main" xmlns="" id="{3962F23A-0A28-6141-B0BF-D7B92C213877}"/>
+                <a16:creationId xmlns:a16="http://schemas.microsoft.com/office/drawing/2014/main" id="{3962F23A-0A28-6141-B0BF-D7B92C213877}"/>
               </a:ext>
             </a:extLst>
           </p:cNvPr>
@@ -1864,7 +1864,7 @@
           <p:cNvPr id="4" name="Content Placeholder 3">
             <a:extLst>
               <a:ext uri="{FF2B5EF4-FFF2-40B4-BE49-F238E27FC236}">
-                <a16:creationId xmlns:a16="http://schemas.microsoft.com/office/drawing/2014/main" xmlns="" id="{C36DF3E7-529D-1C40-B815-3C505F4D107E}"/>
+                <a16:creationId xmlns:a16="http://schemas.microsoft.com/office/drawing/2014/main" id="{C36DF3E7-529D-1C40-B815-3C505F4D107E}"/>
               </a:ext>
             </a:extLst>
           </p:cNvPr>
@@ -1926,7 +1926,7 @@
           <p:cNvPr id="5" name="Date Placeholder 4">
             <a:extLst>
               <a:ext uri="{FF2B5EF4-FFF2-40B4-BE49-F238E27FC236}">
-                <a16:creationId xmlns:a16="http://schemas.microsoft.com/office/drawing/2014/main" xmlns="" id="{ECFEE966-F172-8C42-A9F6-013C2A368C90}"/>
+                <a16:creationId xmlns:a16="http://schemas.microsoft.com/office/drawing/2014/main" id="{ECFEE966-F172-8C42-A9F6-013C2A368C90}"/>
               </a:ext>
             </a:extLst>
           </p:cNvPr>
@@ -1944,7 +1944,7 @@
           <a:p>
             <a:fld id="{BE5295ED-3BAF-1140-8495-3D368771D6B1}" type="datetimeFigureOut">
               <a:rPr lang="en-US" smtClean="0"/>
-              <a:t>2/20/19</a:t>
+              <a:t>2/22/19</a:t>
             </a:fld>
             <a:endParaRPr lang="en-US"/>
           </a:p>
@@ -1955,7 +1955,7 @@
           <p:cNvPr id="6" name="Footer Placeholder 5">
             <a:extLst>
               <a:ext uri="{FF2B5EF4-FFF2-40B4-BE49-F238E27FC236}">
-                <a16:creationId xmlns:a16="http://schemas.microsoft.com/office/drawing/2014/main" xmlns="" id="{54FDED73-DCFA-6648-B65F-CBEDB1D3556B}"/>
+                <a16:creationId xmlns:a16="http://schemas.microsoft.com/office/drawing/2014/main" id="{54FDED73-DCFA-6648-B65F-CBEDB1D3556B}"/>
               </a:ext>
             </a:extLst>
           </p:cNvPr>
@@ -1980,7 +1980,7 @@
           <p:cNvPr id="7" name="Slide Number Placeholder 6">
             <a:extLst>
               <a:ext uri="{FF2B5EF4-FFF2-40B4-BE49-F238E27FC236}">
-                <a16:creationId xmlns:a16="http://schemas.microsoft.com/office/drawing/2014/main" xmlns="" id="{F3D072AD-ADC5-2943-B36C-F14AE6555C55}"/>
+                <a16:creationId xmlns:a16="http://schemas.microsoft.com/office/drawing/2014/main" id="{F3D072AD-ADC5-2943-B36C-F14AE6555C55}"/>
               </a:ext>
             </a:extLst>
           </p:cNvPr>
@@ -2039,7 +2039,7 @@
           <p:cNvPr id="2" name="Title 1">
             <a:extLst>
               <a:ext uri="{FF2B5EF4-FFF2-40B4-BE49-F238E27FC236}">
-                <a16:creationId xmlns:a16="http://schemas.microsoft.com/office/drawing/2014/main" xmlns="" id="{478E3FB4-66D6-9040-98CF-3DE68ABAAB18}"/>
+                <a16:creationId xmlns:a16="http://schemas.microsoft.com/office/drawing/2014/main" id="{478E3FB4-66D6-9040-98CF-3DE68ABAAB18}"/>
               </a:ext>
             </a:extLst>
           </p:cNvPr>
@@ -2072,7 +2072,7 @@
           <p:cNvPr id="3" name="Text Placeholder 2">
             <a:extLst>
               <a:ext uri="{FF2B5EF4-FFF2-40B4-BE49-F238E27FC236}">
-                <a16:creationId xmlns:a16="http://schemas.microsoft.com/office/drawing/2014/main" xmlns="" id="{C3B9CBA2-D589-E342-B02C-AFD0528E353B}"/>
+                <a16:creationId xmlns:a16="http://schemas.microsoft.com/office/drawing/2014/main" id="{C3B9CBA2-D589-E342-B02C-AFD0528E353B}"/>
               </a:ext>
             </a:extLst>
           </p:cNvPr>
@@ -2143,7 +2143,7 @@
           <p:cNvPr id="4" name="Content Placeholder 3">
             <a:extLst>
               <a:ext uri="{FF2B5EF4-FFF2-40B4-BE49-F238E27FC236}">
-                <a16:creationId xmlns:a16="http://schemas.microsoft.com/office/drawing/2014/main" xmlns="" id="{F570E95A-9A57-7F42-A0D4-A9C36B16D13C}"/>
+                <a16:creationId xmlns:a16="http://schemas.microsoft.com/office/drawing/2014/main" id="{F570E95A-9A57-7F42-A0D4-A9C36B16D13C}"/>
               </a:ext>
             </a:extLst>
           </p:cNvPr>
@@ -2205,7 +2205,7 @@
           <p:cNvPr id="5" name="Text Placeholder 4">
             <a:extLst>
               <a:ext uri="{FF2B5EF4-FFF2-40B4-BE49-F238E27FC236}">
-                <a16:creationId xmlns:a16="http://schemas.microsoft.com/office/drawing/2014/main" xmlns="" id="{B6A72F40-C7A9-CC45-82FB-CCCE1FE08B0B}"/>
+                <a16:creationId xmlns:a16="http://schemas.microsoft.com/office/drawing/2014/main" id="{B6A72F40-C7A9-CC45-82FB-CCCE1FE08B0B}"/>
               </a:ext>
             </a:extLst>
           </p:cNvPr>
@@ -2276,7 +2276,7 @@
           <p:cNvPr id="6" name="Content Placeholder 5">
             <a:extLst>
               <a:ext uri="{FF2B5EF4-FFF2-40B4-BE49-F238E27FC236}">
-                <a16:creationId xmlns:a16="http://schemas.microsoft.com/office/drawing/2014/main" xmlns="" id="{9FDA6D2A-2E9D-714C-B9CB-D0F9D788FCD3}"/>
+                <a16:creationId xmlns:a16="http://schemas.microsoft.com/office/drawing/2014/main" id="{9FDA6D2A-2E9D-714C-B9CB-D0F9D788FCD3}"/>
               </a:ext>
             </a:extLst>
           </p:cNvPr>
@@ -2338,7 +2338,7 @@
           <p:cNvPr id="7" name="Date Placeholder 6">
             <a:extLst>
               <a:ext uri="{FF2B5EF4-FFF2-40B4-BE49-F238E27FC236}">
-                <a16:creationId xmlns:a16="http://schemas.microsoft.com/office/drawing/2014/main" xmlns="" id="{1B7F3C0C-4D75-9C49-9075-FA8B3D33CF9B}"/>
+                <a16:creationId xmlns:a16="http://schemas.microsoft.com/office/drawing/2014/main" id="{1B7F3C0C-4D75-9C49-9075-FA8B3D33CF9B}"/>
               </a:ext>
             </a:extLst>
           </p:cNvPr>
@@ -2356,7 +2356,7 @@
           <a:p>
             <a:fld id="{BE5295ED-3BAF-1140-8495-3D368771D6B1}" type="datetimeFigureOut">
               <a:rPr lang="en-US" smtClean="0"/>
-              <a:t>2/20/19</a:t>
+              <a:t>2/22/19</a:t>
             </a:fld>
             <a:endParaRPr lang="en-US"/>
           </a:p>
@@ -2367,7 +2367,7 @@
           <p:cNvPr id="8" name="Footer Placeholder 7">
             <a:extLst>
               <a:ext uri="{FF2B5EF4-FFF2-40B4-BE49-F238E27FC236}">
-                <a16:creationId xmlns:a16="http://schemas.microsoft.com/office/drawing/2014/main" xmlns="" id="{9788C8FA-359A-5447-AA0E-98D16ECCC92D}"/>
+                <a16:creationId xmlns:a16="http://schemas.microsoft.com/office/drawing/2014/main" id="{9788C8FA-359A-5447-AA0E-98D16ECCC92D}"/>
               </a:ext>
             </a:extLst>
           </p:cNvPr>
@@ -2392,7 +2392,7 @@
           <p:cNvPr id="9" name="Slide Number Placeholder 8">
             <a:extLst>
               <a:ext uri="{FF2B5EF4-FFF2-40B4-BE49-F238E27FC236}">
-                <a16:creationId xmlns:a16="http://schemas.microsoft.com/office/drawing/2014/main" xmlns="" id="{3D69C8CD-0DF6-4E4C-A412-31B03845FA24}"/>
+                <a16:creationId xmlns:a16="http://schemas.microsoft.com/office/drawing/2014/main" id="{3D69C8CD-0DF6-4E4C-A412-31B03845FA24}"/>
               </a:ext>
             </a:extLst>
           </p:cNvPr>
@@ -2451,7 +2451,7 @@
           <p:cNvPr id="2" name="Title 1">
             <a:extLst>
               <a:ext uri="{FF2B5EF4-FFF2-40B4-BE49-F238E27FC236}">
-                <a16:creationId xmlns:a16="http://schemas.microsoft.com/office/drawing/2014/main" xmlns="" id="{13C48C8E-A743-0B4F-AB6E-AB828F1218C8}"/>
+                <a16:creationId xmlns:a16="http://schemas.microsoft.com/office/drawing/2014/main" id="{13C48C8E-A743-0B4F-AB6E-AB828F1218C8}"/>
               </a:ext>
             </a:extLst>
           </p:cNvPr>
@@ -2479,7 +2479,7 @@
           <p:cNvPr id="3" name="Date Placeholder 2">
             <a:extLst>
               <a:ext uri="{FF2B5EF4-FFF2-40B4-BE49-F238E27FC236}">
-                <a16:creationId xmlns:a16="http://schemas.microsoft.com/office/drawing/2014/main" xmlns="" id="{70FAB17F-6D86-B147-9346-A9B5242FC803}"/>
+                <a16:creationId xmlns:a16="http://schemas.microsoft.com/office/drawing/2014/main" id="{70FAB17F-6D86-B147-9346-A9B5242FC803}"/>
               </a:ext>
             </a:extLst>
           </p:cNvPr>
@@ -2497,7 +2497,7 @@
           <a:p>
             <a:fld id="{BE5295ED-3BAF-1140-8495-3D368771D6B1}" type="datetimeFigureOut">
               <a:rPr lang="en-US" smtClean="0"/>
-              <a:t>2/20/19</a:t>
+              <a:t>2/22/19</a:t>
             </a:fld>
             <a:endParaRPr lang="en-US"/>
           </a:p>
@@ -2508,7 +2508,7 @@
           <p:cNvPr id="4" name="Footer Placeholder 3">
             <a:extLst>
               <a:ext uri="{FF2B5EF4-FFF2-40B4-BE49-F238E27FC236}">
-                <a16:creationId xmlns:a16="http://schemas.microsoft.com/office/drawing/2014/main" xmlns="" id="{4B8A6F49-DCD7-7B4B-8496-2547B2A81C83}"/>
+                <a16:creationId xmlns:a16="http://schemas.microsoft.com/office/drawing/2014/main" id="{4B8A6F49-DCD7-7B4B-8496-2547B2A81C83}"/>
               </a:ext>
             </a:extLst>
           </p:cNvPr>
@@ -2533,7 +2533,7 @@
           <p:cNvPr id="5" name="Slide Number Placeholder 4">
             <a:extLst>
               <a:ext uri="{FF2B5EF4-FFF2-40B4-BE49-F238E27FC236}">
-                <a16:creationId xmlns:a16="http://schemas.microsoft.com/office/drawing/2014/main" xmlns="" id="{D4D1F89D-8541-BB4B-A145-D0DC66605C91}"/>
+                <a16:creationId xmlns:a16="http://schemas.microsoft.com/office/drawing/2014/main" id="{D4D1F89D-8541-BB4B-A145-D0DC66605C91}"/>
               </a:ext>
             </a:extLst>
           </p:cNvPr>
@@ -2592,7 +2592,7 @@
           <p:cNvPr id="2" name="Date Placeholder 1">
             <a:extLst>
               <a:ext uri="{FF2B5EF4-FFF2-40B4-BE49-F238E27FC236}">
-                <a16:creationId xmlns:a16="http://schemas.microsoft.com/office/drawing/2014/main" xmlns="" id="{AD68AA44-A589-744E-AB85-5B6ED8E7D8C0}"/>
+                <a16:creationId xmlns:a16="http://schemas.microsoft.com/office/drawing/2014/main" id="{AD68AA44-A589-744E-AB85-5B6ED8E7D8C0}"/>
               </a:ext>
             </a:extLst>
           </p:cNvPr>
@@ -2610,7 +2610,7 @@
           <a:p>
             <a:fld id="{BE5295ED-3BAF-1140-8495-3D368771D6B1}" type="datetimeFigureOut">
               <a:rPr lang="en-US" smtClean="0"/>
-              <a:t>2/20/19</a:t>
+              <a:t>2/22/19</a:t>
             </a:fld>
             <a:endParaRPr lang="en-US"/>
           </a:p>
@@ -2621,7 +2621,7 @@
           <p:cNvPr id="3" name="Footer Placeholder 2">
             <a:extLst>
               <a:ext uri="{FF2B5EF4-FFF2-40B4-BE49-F238E27FC236}">
-                <a16:creationId xmlns:a16="http://schemas.microsoft.com/office/drawing/2014/main" xmlns="" id="{1CA0E6D3-947A-FA4D-8626-2883D14EFE8D}"/>
+                <a16:creationId xmlns:a16="http://schemas.microsoft.com/office/drawing/2014/main" id="{1CA0E6D3-947A-FA4D-8626-2883D14EFE8D}"/>
               </a:ext>
             </a:extLst>
           </p:cNvPr>
@@ -2646,7 +2646,7 @@
           <p:cNvPr id="4" name="Slide Number Placeholder 3">
             <a:extLst>
               <a:ext uri="{FF2B5EF4-FFF2-40B4-BE49-F238E27FC236}">
-                <a16:creationId xmlns:a16="http://schemas.microsoft.com/office/drawing/2014/main" xmlns="" id="{5BF0953F-E6D0-2240-B174-03015D0856A8}"/>
+                <a16:creationId xmlns:a16="http://schemas.microsoft.com/office/drawing/2014/main" id="{5BF0953F-E6D0-2240-B174-03015D0856A8}"/>
               </a:ext>
             </a:extLst>
           </p:cNvPr>
@@ -2705,7 +2705,7 @@
           <p:cNvPr id="2" name="Title 1">
             <a:extLst>
               <a:ext uri="{FF2B5EF4-FFF2-40B4-BE49-F238E27FC236}">
-                <a16:creationId xmlns:a16="http://schemas.microsoft.com/office/drawing/2014/main" xmlns="" id="{26FFD677-FF02-3E4E-8E32-44D146E24D90}"/>
+                <a16:creationId xmlns:a16="http://schemas.microsoft.com/office/drawing/2014/main" id="{26FFD677-FF02-3E4E-8E32-44D146E24D90}"/>
               </a:ext>
             </a:extLst>
           </p:cNvPr>
@@ -2742,7 +2742,7 @@
           <p:cNvPr id="3" name="Content Placeholder 2">
             <a:extLst>
               <a:ext uri="{FF2B5EF4-FFF2-40B4-BE49-F238E27FC236}">
-                <a16:creationId xmlns:a16="http://schemas.microsoft.com/office/drawing/2014/main" xmlns="" id="{9942170F-E10D-1348-86CE-8E869B806F9B}"/>
+                <a16:creationId xmlns:a16="http://schemas.microsoft.com/office/drawing/2014/main" id="{9942170F-E10D-1348-86CE-8E869B806F9B}"/>
               </a:ext>
             </a:extLst>
           </p:cNvPr>
@@ -2832,7 +2832,7 @@
           <p:cNvPr id="4" name="Text Placeholder 3">
             <a:extLst>
               <a:ext uri="{FF2B5EF4-FFF2-40B4-BE49-F238E27FC236}">
-                <a16:creationId xmlns:a16="http://schemas.microsoft.com/office/drawing/2014/main" xmlns="" id="{80772D86-2794-394C-A208-2D3E234A3A20}"/>
+                <a16:creationId xmlns:a16="http://schemas.microsoft.com/office/drawing/2014/main" id="{80772D86-2794-394C-A208-2D3E234A3A20}"/>
               </a:ext>
             </a:extLst>
           </p:cNvPr>
@@ -2903,7 +2903,7 @@
           <p:cNvPr id="5" name="Date Placeholder 4">
             <a:extLst>
               <a:ext uri="{FF2B5EF4-FFF2-40B4-BE49-F238E27FC236}">
-                <a16:creationId xmlns:a16="http://schemas.microsoft.com/office/drawing/2014/main" xmlns="" id="{B5314D31-901A-D944-B06D-3D8106F2A2BC}"/>
+                <a16:creationId xmlns:a16="http://schemas.microsoft.com/office/drawing/2014/main" id="{B5314D31-901A-D944-B06D-3D8106F2A2BC}"/>
               </a:ext>
             </a:extLst>
           </p:cNvPr>
@@ -2921,7 +2921,7 @@
           <a:p>
             <a:fld id="{BE5295ED-3BAF-1140-8495-3D368771D6B1}" type="datetimeFigureOut">
               <a:rPr lang="en-US" smtClean="0"/>
-              <a:t>2/20/19</a:t>
+              <a:t>2/22/19</a:t>
             </a:fld>
             <a:endParaRPr lang="en-US"/>
           </a:p>
@@ -2932,7 +2932,7 @@
           <p:cNvPr id="6" name="Footer Placeholder 5">
             <a:extLst>
               <a:ext uri="{FF2B5EF4-FFF2-40B4-BE49-F238E27FC236}">
-                <a16:creationId xmlns:a16="http://schemas.microsoft.com/office/drawing/2014/main" xmlns="" id="{BFFC6519-9D04-AC45-BB37-9DD413CC741D}"/>
+                <a16:creationId xmlns:a16="http://schemas.microsoft.com/office/drawing/2014/main" id="{BFFC6519-9D04-AC45-BB37-9DD413CC741D}"/>
               </a:ext>
             </a:extLst>
           </p:cNvPr>
@@ -2957,7 +2957,7 @@
           <p:cNvPr id="7" name="Slide Number Placeholder 6">
             <a:extLst>
               <a:ext uri="{FF2B5EF4-FFF2-40B4-BE49-F238E27FC236}">
-                <a16:creationId xmlns:a16="http://schemas.microsoft.com/office/drawing/2014/main" xmlns="" id="{856ACFF3-3C93-FA41-80F3-4708944F9A8C}"/>
+                <a16:creationId xmlns:a16="http://schemas.microsoft.com/office/drawing/2014/main" id="{856ACFF3-3C93-FA41-80F3-4708944F9A8C}"/>
               </a:ext>
             </a:extLst>
           </p:cNvPr>
@@ -3016,7 +3016,7 @@
           <p:cNvPr id="2" name="Title 1">
             <a:extLst>
               <a:ext uri="{FF2B5EF4-FFF2-40B4-BE49-F238E27FC236}">
-                <a16:creationId xmlns:a16="http://schemas.microsoft.com/office/drawing/2014/main" xmlns="" id="{52F7D6A8-4C7A-ED44-A821-97E76FB58748}"/>
+                <a16:creationId xmlns:a16="http://schemas.microsoft.com/office/drawing/2014/main" id="{52F7D6A8-4C7A-ED44-A821-97E76FB58748}"/>
               </a:ext>
             </a:extLst>
           </p:cNvPr>
@@ -3053,7 +3053,7 @@
           <p:cNvPr id="3" name="Picture Placeholder 2">
             <a:extLst>
               <a:ext uri="{FF2B5EF4-FFF2-40B4-BE49-F238E27FC236}">
-                <a16:creationId xmlns:a16="http://schemas.microsoft.com/office/drawing/2014/main" xmlns="" id="{FFA0AABB-AB65-FB40-8DCA-227F017E16C5}"/>
+                <a16:creationId xmlns:a16="http://schemas.microsoft.com/office/drawing/2014/main" id="{FFA0AABB-AB65-FB40-8DCA-227F017E16C5}"/>
               </a:ext>
             </a:extLst>
           </p:cNvPr>
@@ -3123,7 +3123,7 @@
           <p:cNvPr id="4" name="Text Placeholder 3">
             <a:extLst>
               <a:ext uri="{FF2B5EF4-FFF2-40B4-BE49-F238E27FC236}">
-                <a16:creationId xmlns:a16="http://schemas.microsoft.com/office/drawing/2014/main" xmlns="" id="{67AC3EE9-FB8F-F642-BB10-A468CFF85E6A}"/>
+                <a16:creationId xmlns:a16="http://schemas.microsoft.com/office/drawing/2014/main" id="{67AC3EE9-FB8F-F642-BB10-A468CFF85E6A}"/>
               </a:ext>
             </a:extLst>
           </p:cNvPr>
@@ -3194,7 +3194,7 @@
           <p:cNvPr id="5" name="Date Placeholder 4">
             <a:extLst>
               <a:ext uri="{FF2B5EF4-FFF2-40B4-BE49-F238E27FC236}">
-                <a16:creationId xmlns:a16="http://schemas.microsoft.com/office/drawing/2014/main" xmlns="" id="{0A0EC8A2-C616-8B40-8C9C-A15442358393}"/>
+                <a16:creationId xmlns:a16="http://schemas.microsoft.com/office/drawing/2014/main" id="{0A0EC8A2-C616-8B40-8C9C-A15442358393}"/>
               </a:ext>
             </a:extLst>
           </p:cNvPr>
@@ -3212,7 +3212,7 @@
           <a:p>
             <a:fld id="{BE5295ED-3BAF-1140-8495-3D368771D6B1}" type="datetimeFigureOut">
               <a:rPr lang="en-US" smtClean="0"/>
-              <a:t>2/20/19</a:t>
+              <a:t>2/22/19</a:t>
             </a:fld>
             <a:endParaRPr lang="en-US"/>
           </a:p>
@@ -3223,7 +3223,7 @@
           <p:cNvPr id="6" name="Footer Placeholder 5">
             <a:extLst>
               <a:ext uri="{FF2B5EF4-FFF2-40B4-BE49-F238E27FC236}">
-                <a16:creationId xmlns:a16="http://schemas.microsoft.com/office/drawing/2014/main" xmlns="" id="{AA229EC7-73FC-4D43-8916-C76404AC37DC}"/>
+                <a16:creationId xmlns:a16="http://schemas.microsoft.com/office/drawing/2014/main" id="{AA229EC7-73FC-4D43-8916-C76404AC37DC}"/>
               </a:ext>
             </a:extLst>
           </p:cNvPr>
@@ -3248,7 +3248,7 @@
           <p:cNvPr id="7" name="Slide Number Placeholder 6">
             <a:extLst>
               <a:ext uri="{FF2B5EF4-FFF2-40B4-BE49-F238E27FC236}">
-                <a16:creationId xmlns:a16="http://schemas.microsoft.com/office/drawing/2014/main" xmlns="" id="{D84430E4-67BB-3342-B2B8-DFBE758CFA59}"/>
+                <a16:creationId xmlns:a16="http://schemas.microsoft.com/office/drawing/2014/main" id="{D84430E4-67BB-3342-B2B8-DFBE758CFA59}"/>
               </a:ext>
             </a:extLst>
           </p:cNvPr>
@@ -3312,7 +3312,7 @@
           <p:cNvPr id="2" name="Title Placeholder 1">
             <a:extLst>
               <a:ext uri="{FF2B5EF4-FFF2-40B4-BE49-F238E27FC236}">
-                <a16:creationId xmlns:a16="http://schemas.microsoft.com/office/drawing/2014/main" xmlns="" id="{ED530927-E202-4648-95ED-A701F648A289}"/>
+                <a16:creationId xmlns:a16="http://schemas.microsoft.com/office/drawing/2014/main" id="{ED530927-E202-4648-95ED-A701F648A289}"/>
               </a:ext>
             </a:extLst>
           </p:cNvPr>
@@ -3350,7 +3350,7 @@
           <p:cNvPr id="3" name="Text Placeholder 2">
             <a:extLst>
               <a:ext uri="{FF2B5EF4-FFF2-40B4-BE49-F238E27FC236}">
-                <a16:creationId xmlns:a16="http://schemas.microsoft.com/office/drawing/2014/main" xmlns="" id="{F00E1E3E-B2FE-5A47-8C43-849DE842741B}"/>
+                <a16:creationId xmlns:a16="http://schemas.microsoft.com/office/drawing/2014/main" id="{F00E1E3E-B2FE-5A47-8C43-849DE842741B}"/>
               </a:ext>
             </a:extLst>
           </p:cNvPr>
@@ -3417,7 +3417,7 @@
           <p:cNvPr id="4" name="Date Placeholder 3">
             <a:extLst>
               <a:ext uri="{FF2B5EF4-FFF2-40B4-BE49-F238E27FC236}">
-                <a16:creationId xmlns:a16="http://schemas.microsoft.com/office/drawing/2014/main" xmlns="" id="{A51822C1-C9FC-554F-B744-0FF8DD0A61C0}"/>
+                <a16:creationId xmlns:a16="http://schemas.microsoft.com/office/drawing/2014/main" id="{A51822C1-C9FC-554F-B744-0FF8DD0A61C0}"/>
               </a:ext>
             </a:extLst>
           </p:cNvPr>
@@ -3453,7 +3453,7 @@
           <a:p>
             <a:fld id="{BE5295ED-3BAF-1140-8495-3D368771D6B1}" type="datetimeFigureOut">
               <a:rPr lang="en-US" smtClean="0"/>
-              <a:t>2/20/19</a:t>
+              <a:t>2/22/19</a:t>
             </a:fld>
             <a:endParaRPr lang="en-US"/>
           </a:p>
@@ -3464,7 +3464,7 @@
           <p:cNvPr id="5" name="Footer Placeholder 4">
             <a:extLst>
               <a:ext uri="{FF2B5EF4-FFF2-40B4-BE49-F238E27FC236}">
-                <a16:creationId xmlns:a16="http://schemas.microsoft.com/office/drawing/2014/main" xmlns="" id="{AA4916E3-9D5B-B647-A5DA-A5B78525EFFB}"/>
+                <a16:creationId xmlns:a16="http://schemas.microsoft.com/office/drawing/2014/main" id="{AA4916E3-9D5B-B647-A5DA-A5B78525EFFB}"/>
               </a:ext>
             </a:extLst>
           </p:cNvPr>
@@ -3507,7 +3507,7 @@
           <p:cNvPr id="6" name="Slide Number Placeholder 5">
             <a:extLst>
               <a:ext uri="{FF2B5EF4-FFF2-40B4-BE49-F238E27FC236}">
-                <a16:creationId xmlns:a16="http://schemas.microsoft.com/office/drawing/2014/main" xmlns="" id="{11872E83-B77B-9647-AE80-95985B60F4F0}"/>
+                <a16:creationId xmlns:a16="http://schemas.microsoft.com/office/drawing/2014/main" id="{11872E83-B77B-9647-AE80-95985B60F4F0}"/>
               </a:ext>
             </a:extLst>
           </p:cNvPr>
@@ -3554,7 +3554,7 @@
           <p:cNvPr id="7" name="Picture 6">
             <a:extLst>
               <a:ext uri="{FF2B5EF4-FFF2-40B4-BE49-F238E27FC236}">
-                <a16:creationId xmlns:a16="http://schemas.microsoft.com/office/drawing/2014/main" xmlns="" id="{F0F46825-E66D-B247-B71A-C48424207597}"/>
+                <a16:creationId xmlns:a16="http://schemas.microsoft.com/office/drawing/2014/main" id="{F0F46825-E66D-B247-B71A-C48424207597}"/>
               </a:ext>
             </a:extLst>
           </p:cNvPr>
@@ -3905,7 +3905,7 @@
           <p:cNvPr id="2" name="Title 1">
             <a:extLst>
               <a:ext uri="{FF2B5EF4-FFF2-40B4-BE49-F238E27FC236}">
-                <a16:creationId xmlns:a16="http://schemas.microsoft.com/office/drawing/2014/main" xmlns="" id="{DDB4A5C5-CE37-5241-A9FF-85F98EF1E91E}"/>
+                <a16:creationId xmlns:a16="http://schemas.microsoft.com/office/drawing/2014/main" id="{DDB4A5C5-CE37-5241-A9FF-85F98EF1E91E}"/>
               </a:ext>
             </a:extLst>
           </p:cNvPr>
@@ -3937,7 +3937,7 @@
           <p:cNvPr id="3" name="Subtitle 2">
             <a:extLst>
               <a:ext uri="{FF2B5EF4-FFF2-40B4-BE49-F238E27FC236}">
-                <a16:creationId xmlns:a16="http://schemas.microsoft.com/office/drawing/2014/main" xmlns="" id="{5EF75859-F09F-414F-8571-4D3854CD3C44}"/>
+                <a16:creationId xmlns:a16="http://schemas.microsoft.com/office/drawing/2014/main" id="{5EF75859-F09F-414F-8571-4D3854CD3C44}"/>
               </a:ext>
             </a:extLst>
           </p:cNvPr>
@@ -3977,7 +3977,7 @@
           <p:cNvPr id="5" name="Rectangle 4">
             <a:extLst>
               <a:ext uri="{FF2B5EF4-FFF2-40B4-BE49-F238E27FC236}">
-                <a16:creationId xmlns:a16="http://schemas.microsoft.com/office/drawing/2014/main" xmlns="" id="{39D37F11-0EC0-C645-ADE9-CE8BFDF0B2D4}"/>
+                <a16:creationId xmlns:a16="http://schemas.microsoft.com/office/drawing/2014/main" id="{39D37F11-0EC0-C645-ADE9-CE8BFDF0B2D4}"/>
               </a:ext>
             </a:extLst>
           </p:cNvPr>
@@ -4055,7 +4055,7 @@
           <p:cNvPr id="2" name="Title 1">
             <a:extLst>
               <a:ext uri="{FF2B5EF4-FFF2-40B4-BE49-F238E27FC236}">
-                <a16:creationId xmlns:a16="http://schemas.microsoft.com/office/drawing/2014/main" xmlns="" id="{D2DEAED7-C5E5-7C4F-94CE-590C661CF198}"/>
+                <a16:creationId xmlns:a16="http://schemas.microsoft.com/office/drawing/2014/main" id="{D2DEAED7-C5E5-7C4F-94CE-590C661CF198}"/>
               </a:ext>
             </a:extLst>
           </p:cNvPr>
@@ -4083,7 +4083,7 @@
           <p:cNvPr id="3" name="TextBox 2">
             <a:extLst>
               <a:ext uri="{FF2B5EF4-FFF2-40B4-BE49-F238E27FC236}">
-                <a16:creationId xmlns:a16="http://schemas.microsoft.com/office/drawing/2014/main" xmlns="" id="{AC575E2B-EB04-8347-A545-EEFCE0E7ACE8}"/>
+                <a16:creationId xmlns:a16="http://schemas.microsoft.com/office/drawing/2014/main" id="{AC575E2B-EB04-8347-A545-EEFCE0E7ACE8}"/>
               </a:ext>
             </a:extLst>
           </p:cNvPr>
@@ -4213,7 +4213,7 @@
           <p:cNvPr id="4" name="Picture 3">
             <a:extLst>
               <a:ext uri="{FF2B5EF4-FFF2-40B4-BE49-F238E27FC236}">
-                <a16:creationId xmlns:a16="http://schemas.microsoft.com/office/drawing/2014/main" xmlns="" id="{B1B1240B-5276-7B46-ABCC-ED70DC5C70FE}"/>
+                <a16:creationId xmlns:a16="http://schemas.microsoft.com/office/drawing/2014/main" id="{B1B1240B-5276-7B46-ABCC-ED70DC5C70FE}"/>
               </a:ext>
             </a:extLst>
           </p:cNvPr>
@@ -4261,14 +4261,13 @@
           <a:lstStyle/>
           <a:p>
             <a:r>
-              <a:rPr lang="en-US" dirty="0" smtClean="0"/>
+              <a:rPr lang="en-US" dirty="0"/>
               <a:t>See </a:t>
             </a:r>
             <a:r>
-              <a:rPr lang="en-US" smtClean="0"/>
+              <a:rPr lang="en-US"/>
               <a:t>sorting notebook</a:t>
             </a:r>
-            <a:endParaRPr lang="en-US"/>
           </a:p>
         </p:txBody>
       </p:sp>
@@ -4307,7 +4306,7 @@
           <p:cNvPr id="2" name="Title 1">
             <a:extLst>
               <a:ext uri="{FF2B5EF4-FFF2-40B4-BE49-F238E27FC236}">
-                <a16:creationId xmlns:a16="http://schemas.microsoft.com/office/drawing/2014/main" xmlns="" id="{C4EA7EB5-F7AA-8942-B34C-69BC67FE25C8}"/>
+                <a16:creationId xmlns:a16="http://schemas.microsoft.com/office/drawing/2014/main" id="{C4EA7EB5-F7AA-8942-B34C-69BC67FE25C8}"/>
               </a:ext>
             </a:extLst>
           </p:cNvPr>
@@ -4335,7 +4334,7 @@
           <p:cNvPr id="3" name="Content Placeholder 2">
             <a:extLst>
               <a:ext uri="{FF2B5EF4-FFF2-40B4-BE49-F238E27FC236}">
-                <a16:creationId xmlns:a16="http://schemas.microsoft.com/office/drawing/2014/main" xmlns="" id="{ACDE7998-5783-D04D-8A6C-3CE185AA1DFD}"/>
+                <a16:creationId xmlns:a16="http://schemas.microsoft.com/office/drawing/2014/main" id="{ACDE7998-5783-D04D-8A6C-3CE185AA1DFD}"/>
               </a:ext>
             </a:extLst>
           </p:cNvPr>
@@ -4378,21 +4377,8 @@
           <a:p>
             <a:r>
               <a:rPr lang="en-US" dirty="0"/>
-              <a:t>How can we handle this case </a:t>
-            </a:r>
-            <a:r>
-              <a:rPr lang="en-US" dirty="0" smtClean="0"/>
-              <a:t>&amp; generalize to </a:t>
-            </a:r>
-            <a:r>
-              <a:rPr lang="en-US" dirty="0"/>
-              <a:t>work for floats </a:t>
-            </a:r>
-            <a:r>
-              <a:rPr lang="en-US" dirty="0" smtClean="0"/>
-              <a:t>too?</a:t>
-            </a:r>
-            <a:endParaRPr lang="en-US" dirty="0"/>
+              <a:t>How can we handle this case &amp; generalize to work for floats too?</a:t>
+            </a:r>
           </a:p>
           <a:p>
             <a:r>
@@ -4721,7 +4707,7 @@
           <p:cNvPr id="7" name="Picture 6">
             <a:extLst>
               <a:ext uri="{FF2B5EF4-FFF2-40B4-BE49-F238E27FC236}">
-                <a16:creationId xmlns:a16="http://schemas.microsoft.com/office/drawing/2014/main" xmlns="" id="{F049B3E3-9305-B642-9989-9A9C5E3F49C4}"/>
+                <a16:creationId xmlns:a16="http://schemas.microsoft.com/office/drawing/2014/main" id="{F049B3E3-9305-B642-9989-9A9C5E3F49C4}"/>
               </a:ext>
             </a:extLst>
           </p:cNvPr>
@@ -4751,7 +4737,7 @@
           <p:cNvPr id="10" name="Picture 9">
             <a:extLst>
               <a:ext uri="{FF2B5EF4-FFF2-40B4-BE49-F238E27FC236}">
-                <a16:creationId xmlns:a16="http://schemas.microsoft.com/office/drawing/2014/main" xmlns="" id="{940BF739-7BE5-F24D-B4F8-A2DBEEEB66C3}"/>
+                <a16:creationId xmlns:a16="http://schemas.microsoft.com/office/drawing/2014/main" id="{940BF739-7BE5-F24D-B4F8-A2DBEEEB66C3}"/>
               </a:ext>
             </a:extLst>
           </p:cNvPr>
@@ -4799,14 +4785,13 @@
           <a:lstStyle/>
           <a:p>
             <a:r>
-              <a:rPr lang="en-US" dirty="0" smtClean="0"/>
+              <a:rPr lang="en-US" dirty="0"/>
               <a:t>See </a:t>
             </a:r>
             <a:r>
-              <a:rPr lang="en-US" smtClean="0"/>
+              <a:rPr lang="en-US"/>
               <a:t>sorting notebook</a:t>
             </a:r>
-            <a:endParaRPr lang="en-US"/>
           </a:p>
         </p:txBody>
       </p:sp>
@@ -5317,7 +5302,15 @@
             </a:r>
             <a:r>
               <a:rPr lang="en-US" dirty="0"/>
-              <a:t>) = n/k * k^2 + n = n/k + n   (choose k close to n)</a:t>
+              <a:t>) = n/k * k^2 + n </a:t>
+            </a:r>
+            <a:r>
+              <a:rPr lang="en-US"/>
+              <a:t>= n*k + n = n(k+1)   </a:t>
+            </a:r>
+            <a:r>
+              <a:rPr lang="en-US" dirty="0"/>
+              <a:t>(choose k close to n)</a:t>
             </a:r>
           </a:p>
           <a:p>
@@ -5726,38 +5719,25 @@
           </a:p>
           <a:p>
             <a:r>
-              <a:rPr lang="en-US" dirty="0" smtClean="0"/>
-              <a:t>See </a:t>
-            </a:r>
-            <a:r>
-              <a:rPr lang="en-US" dirty="0"/>
-              <a:t>sorting notebook </a:t>
-            </a:r>
-            <a:r>
-              <a:rPr lang="en-US" dirty="0" smtClean="0"/>
-              <a:t>for</a:t>
+              <a:rPr lang="en-US" dirty="0"/>
+              <a:t>See sorting notebook for</a:t>
             </a:r>
             <a:br>
-              <a:rPr lang="en-US" dirty="0" smtClean="0"/>
+              <a:rPr lang="en-US" dirty="0"/>
             </a:br>
             <a:r>
-              <a:rPr lang="en-US" dirty="0" smtClean="0"/>
+              <a:rPr lang="en-US" dirty="0"/>
               <a:t>implementation</a:t>
             </a:r>
-            <a:endParaRPr lang="en-US" dirty="0"/>
-          </a:p>
-          <a:p>
-            <a:r>
-              <a:rPr lang="en-US" b="1" dirty="0" smtClean="0"/>
+          </a:p>
+          <a:p>
+            <a:r>
+              <a:rPr lang="en-US" b="1" dirty="0"/>
               <a:t>Exercise</a:t>
             </a:r>
             <a:r>
-              <a:rPr lang="en-US" dirty="0" smtClean="0"/>
-              <a:t>: What </a:t>
-            </a:r>
-            <a:r>
-              <a:rPr lang="en-US" dirty="0"/>
-              <a:t>if all words start with same letter?</a:t>
+              <a:rPr lang="en-US" dirty="0"/>
+              <a:t>: What if all words start with same letter?</a:t>
             </a:r>
           </a:p>
         </p:txBody>
@@ -5767,7 +5747,7 @@
           <p:cNvPr id="5" name="Picture 4">
             <a:extLst>
               <a:ext uri="{FF2B5EF4-FFF2-40B4-BE49-F238E27FC236}">
-                <a16:creationId xmlns:a16="http://schemas.microsoft.com/office/drawing/2014/main" xmlns="" id="{D763CE5F-8BAE-5542-ACDC-BE45814D4972}"/>
+                <a16:creationId xmlns:a16="http://schemas.microsoft.com/office/drawing/2014/main" id="{D763CE5F-8BAE-5542-ACDC-BE45814D4972}"/>
               </a:ext>
             </a:extLst>
           </p:cNvPr>
@@ -5827,7 +5807,7 @@
           <p:cNvPr id="2" name="Title 1">
             <a:extLst>
               <a:ext uri="{FF2B5EF4-FFF2-40B4-BE49-F238E27FC236}">
-                <a16:creationId xmlns:a16="http://schemas.microsoft.com/office/drawing/2014/main" xmlns="" id="{EDD7B449-10BC-684B-ADCB-D32CD7FAD8CA}"/>
+                <a16:creationId xmlns:a16="http://schemas.microsoft.com/office/drawing/2014/main" id="{EDD7B449-10BC-684B-ADCB-D32CD7FAD8CA}"/>
               </a:ext>
             </a:extLst>
           </p:cNvPr>
@@ -5860,7 +5840,7 @@
           <p:cNvPr id="3" name="Content Placeholder 2">
             <a:extLst>
               <a:ext uri="{FF2B5EF4-FFF2-40B4-BE49-F238E27FC236}">
-                <a16:creationId xmlns:a16="http://schemas.microsoft.com/office/drawing/2014/main" xmlns="" id="{F0B3DDEA-903D-C342-B00C-0D8860C26AC0}"/>
+                <a16:creationId xmlns:a16="http://schemas.microsoft.com/office/drawing/2014/main" id="{F0B3DDEA-903D-C342-B00C-0D8860C26AC0}"/>
               </a:ext>
             </a:extLst>
           </p:cNvPr>
@@ -5918,10 +5898,6 @@
               <a:rPr lang="en-US" dirty="0" err="1"/>
               <a:t>len</a:t>
             </a:r>
-            <a:r>
-              <a:rPr lang="en-US" dirty="0"/>
-              <a:t/>
-            </a:r>
             <a:br>
               <a:rPr lang="en-US" dirty="0"/>
             </a:br>
@@ -5933,20 +5909,20 @@
               <a:rPr lang="en-US" dirty="0"/>
             </a:br>
             <a:r>
-              <a:rPr lang="en-US" dirty="0" smtClean="0"/>
+              <a:rPr lang="en-US" dirty="0"/>
               <a:t>sort</a:t>
             </a:r>
           </a:p>
           <a:p>
             <a:r>
-              <a:rPr lang="en-US" smtClean="0"/>
+              <a:rPr lang="en-US"/>
               <a:t>Walk all edges in alpha order</a:t>
             </a:r>
             <a:br>
-              <a:rPr lang="en-US" smtClean="0"/>
+              <a:rPr lang="en-US"/>
             </a:br>
             <a:r>
-              <a:rPr lang="en-US" smtClean="0"/>
+              <a:rPr lang="en-US"/>
               <a:t>to collect words in leaves</a:t>
             </a:r>
             <a:endParaRPr lang="en-US" dirty="0"/>
@@ -5961,7 +5937,7 @@
           <p:cNvPr id="4" name="Picture 3">
             <a:extLst>
               <a:ext uri="{FF2B5EF4-FFF2-40B4-BE49-F238E27FC236}">
-                <a16:creationId xmlns:a16="http://schemas.microsoft.com/office/drawing/2014/main" xmlns="" id="{0C41CE41-DC8A-3D4C-9B23-CB9A1512D635}"/>
+                <a16:creationId xmlns:a16="http://schemas.microsoft.com/office/drawing/2014/main" id="{0C41CE41-DC8A-3D4C-9B23-CB9A1512D635}"/>
               </a:ext>
             </a:extLst>
           </p:cNvPr>
@@ -6021,7 +5997,7 @@
           <p:cNvPr id="2" name="Title 1">
             <a:extLst>
               <a:ext uri="{FF2B5EF4-FFF2-40B4-BE49-F238E27FC236}">
-                <a16:creationId xmlns:a16="http://schemas.microsoft.com/office/drawing/2014/main" xmlns="" id="{28E269BC-FCD0-3641-BD6D-5B96C2417018}"/>
+                <a16:creationId xmlns:a16="http://schemas.microsoft.com/office/drawing/2014/main" id="{28E269BC-FCD0-3641-BD6D-5B96C2417018}"/>
               </a:ext>
             </a:extLst>
           </p:cNvPr>
@@ -6049,7 +6025,7 @@
           <p:cNvPr id="3" name="Content Placeholder 2">
             <a:extLst>
               <a:ext uri="{FF2B5EF4-FFF2-40B4-BE49-F238E27FC236}">
-                <a16:creationId xmlns:a16="http://schemas.microsoft.com/office/drawing/2014/main" xmlns="" id="{011453FF-9B1C-204B-BAC3-7506D02A781A}"/>
+                <a16:creationId xmlns:a16="http://schemas.microsoft.com/office/drawing/2014/main" id="{011453FF-9B1C-204B-BAC3-7506D02A781A}"/>
               </a:ext>
             </a:extLst>
           </p:cNvPr>
@@ -6387,7 +6363,7 @@
           <p:cNvPr id="7" name="TextBox 6">
             <a:extLst>
               <a:ext uri="{FF2B5EF4-FFF2-40B4-BE49-F238E27FC236}">
-                <a16:creationId xmlns:a16="http://schemas.microsoft.com/office/drawing/2014/main" xmlns="" id="{7EA51DEE-4B36-8844-9444-48364D4297AC}"/>
+                <a16:creationId xmlns:a16="http://schemas.microsoft.com/office/drawing/2014/main" id="{7EA51DEE-4B36-8844-9444-48364D4297AC}"/>
               </a:ext>
             </a:extLst>
           </p:cNvPr>
@@ -6867,26 +6843,17 @@
           <a:p>
             <a:r>
               <a:rPr lang="en-US" dirty="0"/>
-              <a:t>O(n^2) worst-case behavior but O(n log </a:t>
-            </a:r>
-            <a:r>
-              <a:rPr lang="en-US" dirty="0" smtClean="0"/>
-              <a:t>n) typical behavior</a:t>
-            </a:r>
-            <a:endParaRPr lang="en-US" dirty="0"/>
-          </a:p>
-          <a:p>
-            <a:r>
-              <a:rPr lang="en-US" b="1" dirty="0" smtClean="0"/>
+              <a:t>O(n^2) worst-case behavior but O(n log n) typical behavior</a:t>
+            </a:r>
+          </a:p>
+          <a:p>
+            <a:r>
+              <a:rPr lang="en-US" b="1" dirty="0"/>
               <a:t>Idea</a:t>
             </a:r>
             <a:r>
               <a:rPr lang="en-US" dirty="0"/>
-              <a:t>: pick pivot, partition so elements left of pivot are less than pivot and elements right are greater (not sorting here); recursively partition the left and right until small enough to sort </a:t>
-            </a:r>
-            <a:r>
-              <a:rPr lang="en-US" dirty="0" smtClean="0"/>
-              <a:t>trivially</a:t>
+              <a:t>: pick pivot, partition so elements left of pivot are less than pivot and elements right are greater (not sorting here); recursively partition the left and right until small enough to sort trivially</a:t>
             </a:r>
           </a:p>
           <a:p>
@@ -6895,7 +6862,7 @@
               <a:t>Picks a pivot element, rather than just split in half like </a:t>
             </a:r>
             <a:r>
-              <a:rPr lang="en-US" dirty="0" err="1" smtClean="0"/>
+              <a:rPr lang="en-US" dirty="0" err="1"/>
               <a:t>mergesort</a:t>
             </a:r>
             <a:endParaRPr lang="en-US" dirty="0"/>
@@ -6985,7 +6952,7 @@
           <p:cNvPr id="3" name="TextBox 2">
             <a:extLst>
               <a:ext uri="{FF2B5EF4-FFF2-40B4-BE49-F238E27FC236}">
-                <a16:creationId xmlns:a16="http://schemas.microsoft.com/office/drawing/2014/main" xmlns="" id="{7EA51DEE-4B36-8844-9444-48364D4297AC}"/>
+                <a16:creationId xmlns:a16="http://schemas.microsoft.com/office/drawing/2014/main" id="{7EA51DEE-4B36-8844-9444-48364D4297AC}"/>
               </a:ext>
             </a:extLst>
           </p:cNvPr>
@@ -7094,7 +7061,7 @@
           <p:cNvPr id="4" name="TextBox 3">
             <a:extLst>
               <a:ext uri="{FF2B5EF4-FFF2-40B4-BE49-F238E27FC236}">
-                <a16:creationId xmlns:a16="http://schemas.microsoft.com/office/drawing/2014/main" xmlns="" id="{7EA51DEE-4B36-8844-9444-48364D4297AC}"/>
+                <a16:creationId xmlns:a16="http://schemas.microsoft.com/office/drawing/2014/main" id="{7EA51DEE-4B36-8844-9444-48364D4297AC}"/>
               </a:ext>
             </a:extLst>
           </p:cNvPr>
@@ -7130,11 +7097,7 @@
           <a:p>
             <a:r>
               <a:rPr lang="en-US" sz="2400" dirty="0"/>
-              <a:t># breaks idea of in-place </a:t>
-            </a:r>
-            <a:r>
-              <a:rPr lang="en-US" sz="2400" dirty="0" smtClean="0"/>
-              <a:t>for </a:t>
+              <a:t># breaks idea of in-place for </a:t>
             </a:r>
             <a:r>
               <a:rPr lang="en-US" sz="2400" dirty="0" err="1"/>
@@ -7252,7 +7215,7 @@
           <p:cNvPr id="6" name="TextBox 5">
             <a:extLst>
               <a:ext uri="{FF2B5EF4-FFF2-40B4-BE49-F238E27FC236}">
-                <a16:creationId xmlns:a16="http://schemas.microsoft.com/office/drawing/2014/main" xmlns="" id="{29CB3794-A5D6-0546-885D-6E6A1C96DAFF}"/>
+                <a16:creationId xmlns:a16="http://schemas.microsoft.com/office/drawing/2014/main" id="{29CB3794-A5D6-0546-885D-6E6A1C96DAFF}"/>
               </a:ext>
             </a:extLst>
           </p:cNvPr>
@@ -7317,7 +7280,7 @@
           <p:cNvPr id="2" name="Title 1">
             <a:extLst>
               <a:ext uri="{FF2B5EF4-FFF2-40B4-BE49-F238E27FC236}">
-                <a16:creationId xmlns:a16="http://schemas.microsoft.com/office/drawing/2014/main" xmlns="" id="{89D33BA6-0A82-5A4F-935E-68B7DAC63EB9}"/>
+                <a16:creationId xmlns:a16="http://schemas.microsoft.com/office/drawing/2014/main" id="{89D33BA6-0A82-5A4F-935E-68B7DAC63EB9}"/>
               </a:ext>
             </a:extLst>
           </p:cNvPr>
@@ -7345,7 +7308,7 @@
           <p:cNvPr id="3" name="Content Placeholder 2">
             <a:extLst>
               <a:ext uri="{FF2B5EF4-FFF2-40B4-BE49-F238E27FC236}">
-                <a16:creationId xmlns:a16="http://schemas.microsoft.com/office/drawing/2014/main" xmlns="" id="{A947031A-7E62-9E4A-B8EA-3FC46F492F8F}"/>
+                <a16:creationId xmlns:a16="http://schemas.microsoft.com/office/drawing/2014/main" id="{A947031A-7E62-9E4A-B8EA-3FC46F492F8F}"/>
               </a:ext>
             </a:extLst>
           </p:cNvPr>
@@ -7369,13 +7332,8 @@
           <a:p>
             <a:r>
               <a:rPr lang="en-US" dirty="0"/>
-              <a:t>…for generic </a:t>
-            </a:r>
-            <a:r>
-              <a:rPr lang="en-US" dirty="0" smtClean="0"/>
-              <a:t>elements and doing comparisons</a:t>
-            </a:r>
-            <a:endParaRPr lang="en-US" dirty="0"/>
+              <a:t>…for generic elements and doing comparisons</a:t>
+            </a:r>
           </a:p>
           <a:p>
             <a:r>
@@ -7590,7 +7548,7 @@
           <p:cNvPr id="5" name="Picture 4">
             <a:extLst>
               <a:ext uri="{FF2B5EF4-FFF2-40B4-BE49-F238E27FC236}">
-                <a16:creationId xmlns:a16="http://schemas.microsoft.com/office/drawing/2014/main" xmlns="" id="{4B841605-E4BF-3B45-9C0D-03FB08745711}"/>
+                <a16:creationId xmlns:a16="http://schemas.microsoft.com/office/drawing/2014/main" id="{4B841605-E4BF-3B45-9C0D-03FB08745711}"/>
               </a:ext>
             </a:extLst>
           </p:cNvPr>

--- a/notes/sorting.pptx
+++ b/notes/sorting.pptx
@@ -5302,16 +5302,13 @@
             </a:r>
             <a:r>
               <a:rPr lang="en-US" dirty="0"/>
-              <a:t>) = n/k * k^2 + n </a:t>
+              <a:t>) = n/k * k^2 + n = n*k + n = n(k+1)   (choose </a:t>
             </a:r>
             <a:r>
               <a:rPr lang="en-US"/>
-              <a:t>= n*k + n = n(k+1)   </a:t>
-            </a:r>
-            <a:r>
-              <a:rPr lang="en-US" dirty="0"/>
-              <a:t>(choose k close to n)</a:t>
-            </a:r>
+              <a:t>small k)</a:t>
+            </a:r>
+            <a:endParaRPr lang="en-US" dirty="0"/>
           </a:p>
           <a:p>
             <a:r>

--- a/notes/sorting.pptx
+++ b/notes/sorting.pptx
@@ -5,10 +5,10 @@
     <p:sldMasterId id="2147483672" r:id="rId1"/>
   </p:sldMasterIdLst>
   <p:notesMasterIdLst>
-    <p:notesMasterId r:id="rId18"/>
+    <p:notesMasterId r:id="rId21"/>
   </p:notesMasterIdLst>
   <p:handoutMasterIdLst>
-    <p:handoutMasterId r:id="rId19"/>
+    <p:handoutMasterId r:id="rId22"/>
   </p:handoutMasterIdLst>
   <p:sldIdLst>
     <p:sldId id="256" r:id="rId2"/>
@@ -23,10 +23,13 @@
     <p:sldId id="300" r:id="rId11"/>
     <p:sldId id="302" r:id="rId12"/>
     <p:sldId id="295" r:id="rId13"/>
-    <p:sldId id="296" r:id="rId14"/>
-    <p:sldId id="297" r:id="rId15"/>
-    <p:sldId id="298" r:id="rId16"/>
-    <p:sldId id="299" r:id="rId17"/>
+    <p:sldId id="303" r:id="rId14"/>
+    <p:sldId id="296" r:id="rId15"/>
+    <p:sldId id="297" r:id="rId16"/>
+    <p:sldId id="298" r:id="rId17"/>
+    <p:sldId id="304" r:id="rId18"/>
+    <p:sldId id="299" r:id="rId19"/>
+    <p:sldId id="305" r:id="rId20"/>
   </p:sldIdLst>
   <p:sldSz cx="12192000" cy="6858000"/>
   <p:notesSz cx="9144000" cy="6858000"/>
@@ -221,7 +224,7 @@
           <a:p>
             <a:fld id="{8A1B613A-EFF1-404F-BEE8-EFAE84A4E5E2}" type="datetimeFigureOut">
               <a:rPr lang="en-US" smtClean="0"/>
-              <a:t>2/22/19</a:t>
+              <a:t>2/13/20</a:t>
             </a:fld>
             <a:endParaRPr lang="en-US"/>
           </a:p>
@@ -386,7 +389,7 @@
           <a:p>
             <a:fld id="{690847EA-AC25-3D4E-89E1-FD3F6A9702B6}" type="datetimeFigureOut">
               <a:rPr lang="en-US" smtClean="0"/>
-              <a:t>2/22/19</a:t>
+              <a:t>2/13/20</a:t>
             </a:fld>
             <a:endParaRPr lang="en-US"/>
           </a:p>
@@ -800,7 +803,7 @@
           <a:p>
             <a:fld id="{BE5295ED-3BAF-1140-8495-3D368771D6B1}" type="datetimeFigureOut">
               <a:rPr lang="en-US" smtClean="0"/>
-              <a:t>2/22/19</a:t>
+              <a:t>2/13/20</a:t>
             </a:fld>
             <a:endParaRPr lang="en-US"/>
           </a:p>
@@ -998,7 +1001,7 @@
           <a:p>
             <a:fld id="{BE5295ED-3BAF-1140-8495-3D368771D6B1}" type="datetimeFigureOut">
               <a:rPr lang="en-US" smtClean="0"/>
-              <a:t>2/22/19</a:t>
+              <a:t>2/13/20</a:t>
             </a:fld>
             <a:endParaRPr lang="en-US"/>
           </a:p>
@@ -1206,7 +1209,7 @@
           <a:p>
             <a:fld id="{BE5295ED-3BAF-1140-8495-3D368771D6B1}" type="datetimeFigureOut">
               <a:rPr lang="en-US" smtClean="0"/>
-              <a:t>2/22/19</a:t>
+              <a:t>2/13/20</a:t>
             </a:fld>
             <a:endParaRPr lang="en-US"/>
           </a:p>
@@ -1404,7 +1407,7 @@
           <a:p>
             <a:fld id="{BE5295ED-3BAF-1140-8495-3D368771D6B1}" type="datetimeFigureOut">
               <a:rPr lang="en-US" smtClean="0"/>
-              <a:t>2/22/19</a:t>
+              <a:t>2/13/20</a:t>
             </a:fld>
             <a:endParaRPr lang="en-US"/>
           </a:p>
@@ -1679,7 +1682,7 @@
           <a:p>
             <a:fld id="{BE5295ED-3BAF-1140-8495-3D368771D6B1}" type="datetimeFigureOut">
               <a:rPr lang="en-US" smtClean="0"/>
-              <a:t>2/22/19</a:t>
+              <a:t>2/13/20</a:t>
             </a:fld>
             <a:endParaRPr lang="en-US"/>
           </a:p>
@@ -1944,7 +1947,7 @@
           <a:p>
             <a:fld id="{BE5295ED-3BAF-1140-8495-3D368771D6B1}" type="datetimeFigureOut">
               <a:rPr lang="en-US" smtClean="0"/>
-              <a:t>2/22/19</a:t>
+              <a:t>2/13/20</a:t>
             </a:fld>
             <a:endParaRPr lang="en-US"/>
           </a:p>
@@ -2356,7 +2359,7 @@
           <a:p>
             <a:fld id="{BE5295ED-3BAF-1140-8495-3D368771D6B1}" type="datetimeFigureOut">
               <a:rPr lang="en-US" smtClean="0"/>
-              <a:t>2/22/19</a:t>
+              <a:t>2/13/20</a:t>
             </a:fld>
             <a:endParaRPr lang="en-US"/>
           </a:p>
@@ -2497,7 +2500,7 @@
           <a:p>
             <a:fld id="{BE5295ED-3BAF-1140-8495-3D368771D6B1}" type="datetimeFigureOut">
               <a:rPr lang="en-US" smtClean="0"/>
-              <a:t>2/22/19</a:t>
+              <a:t>2/13/20</a:t>
             </a:fld>
             <a:endParaRPr lang="en-US"/>
           </a:p>
@@ -2610,7 +2613,7 @@
           <a:p>
             <a:fld id="{BE5295ED-3BAF-1140-8495-3D368771D6B1}" type="datetimeFigureOut">
               <a:rPr lang="en-US" smtClean="0"/>
-              <a:t>2/22/19</a:t>
+              <a:t>2/13/20</a:t>
             </a:fld>
             <a:endParaRPr lang="en-US"/>
           </a:p>
@@ -2921,7 +2924,7 @@
           <a:p>
             <a:fld id="{BE5295ED-3BAF-1140-8495-3D368771D6B1}" type="datetimeFigureOut">
               <a:rPr lang="en-US" smtClean="0"/>
-              <a:t>2/22/19</a:t>
+              <a:t>2/13/20</a:t>
             </a:fld>
             <a:endParaRPr lang="en-US"/>
           </a:p>
@@ -3212,7 +3215,7 @@
           <a:p>
             <a:fld id="{BE5295ED-3BAF-1140-8495-3D368771D6B1}" type="datetimeFigureOut">
               <a:rPr lang="en-US" smtClean="0"/>
-              <a:t>2/22/19</a:t>
+              <a:t>2/13/20</a:t>
             </a:fld>
             <a:endParaRPr lang="en-US"/>
           </a:p>
@@ -3453,7 +3456,7 @@
           <a:p>
             <a:fld id="{BE5295ED-3BAF-1140-8495-3D368771D6B1}" type="datetimeFigureOut">
               <a:rPr lang="en-US" smtClean="0"/>
-              <a:t>2/22/19</a:t>
+              <a:t>2/13/20</a:t>
             </a:fld>
             <a:endParaRPr lang="en-US"/>
           </a:p>
@@ -4602,7 +4605,7 @@
           <a:p>
             <a:r>
               <a:rPr lang="en-US" dirty="0"/>
-              <a:t>Best when even distribution of values like hash table</a:t>
+              <a:t>Best when there is even distribution of values like hash table</a:t>
             </a:r>
           </a:p>
           <a:p>
@@ -4827,6 +4830,278 @@
       </p:grpSpPr>
       <p:sp>
         <p:nvSpPr>
+          <p:cNvPr id="2" name="Title 1">
+            <a:extLst>
+              <a:ext uri="{FF2B5EF4-FFF2-40B4-BE49-F238E27FC236}">
+                <a16:creationId xmlns:a16="http://schemas.microsoft.com/office/drawing/2014/main" id="{CF1B376E-B2BB-3F46-8059-F190831F0552}"/>
+              </a:ext>
+            </a:extLst>
+          </p:cNvPr>
+          <p:cNvSpPr>
+            <a:spLocks noGrp="1"/>
+          </p:cNvSpPr>
+          <p:nvPr>
+            <p:ph type="title"/>
+          </p:nvPr>
+        </p:nvSpPr>
+        <p:spPr/>
+        <p:txBody>
+          <a:bodyPr/>
+          <a:lstStyle/>
+          <a:p>
+            <a:r>
+              <a:rPr lang="en-US" dirty="0"/>
+              <a:t>Key bits of bucket sort algorithm</a:t>
+            </a:r>
+          </a:p>
+        </p:txBody>
+      </p:sp>
+      <p:sp>
+        <p:nvSpPr>
+          <p:cNvPr id="5" name="TextBox 4">
+            <a:extLst>
+              <a:ext uri="{FF2B5EF4-FFF2-40B4-BE49-F238E27FC236}">
+                <a16:creationId xmlns:a16="http://schemas.microsoft.com/office/drawing/2014/main" id="{5E8E87CF-0C9C-5B47-AA6F-8CAC80FA24BB}"/>
+              </a:ext>
+            </a:extLst>
+          </p:cNvPr>
+          <p:cNvSpPr txBox="1"/>
+          <p:nvPr/>
+        </p:nvSpPr>
+        <p:spPr>
+          <a:xfrm>
+            <a:off x="731194" y="1690688"/>
+            <a:ext cx="10406975" cy="3139321"/>
+          </a:xfrm>
+          <a:prstGeom prst="rect">
+            <a:avLst/>
+          </a:prstGeom>
+          <a:noFill/>
+          <a:ln>
+            <a:solidFill>
+              <a:schemeClr val="accent1"/>
+            </a:solidFill>
+          </a:ln>
+        </p:spPr>
+        <p:txBody>
+          <a:bodyPr wrap="square" rtlCol="0">
+            <a:spAutoFit/>
+          </a:bodyPr>
+          <a:lstStyle/>
+          <a:p>
+            <a:r>
+              <a:rPr lang="en-US" sz="2200" dirty="0">
+                <a:latin typeface="Monaco" pitchFamily="2" charset="77"/>
+              </a:rPr>
+              <a:t>mx = max(A)</a:t>
+            </a:r>
+          </a:p>
+          <a:p>
+            <a:r>
+              <a:rPr lang="en-US" sz="2200" dirty="0">
+                <a:latin typeface="Monaco" pitchFamily="2" charset="77"/>
+              </a:rPr>
+              <a:t>…</a:t>
+            </a:r>
+          </a:p>
+          <a:p>
+            <a:r>
+              <a:rPr lang="en-US" sz="2200" dirty="0">
+                <a:latin typeface="Monaco" pitchFamily="2" charset="77"/>
+              </a:rPr>
+              <a:t>for a in A:</a:t>
+            </a:r>
+          </a:p>
+          <a:p>
+            <a:r>
+              <a:rPr lang="en-US" sz="2200" dirty="0">
+                <a:latin typeface="Monaco" pitchFamily="2" charset="77"/>
+              </a:rPr>
+              <a:t>    </a:t>
+            </a:r>
+            <a:r>
+              <a:rPr lang="en-US" sz="2200" dirty="0" err="1">
+                <a:latin typeface="Monaco" pitchFamily="2" charset="77"/>
+              </a:rPr>
+              <a:t>a_normalized</a:t>
+            </a:r>
+            <a:r>
+              <a:rPr lang="en-US" sz="2200" dirty="0">
+                <a:latin typeface="Monaco" pitchFamily="2" charset="77"/>
+              </a:rPr>
+              <a:t> = a / mx # get in 0..1</a:t>
+            </a:r>
+          </a:p>
+          <a:p>
+            <a:r>
+              <a:rPr lang="en-US" sz="2200" dirty="0">
+                <a:latin typeface="Monaco" pitchFamily="2" charset="77"/>
+              </a:rPr>
+              <a:t>    </a:t>
+            </a:r>
+            <a:r>
+              <a:rPr lang="en-US" sz="2200" dirty="0" err="1">
+                <a:latin typeface="Monaco" pitchFamily="2" charset="77"/>
+              </a:rPr>
+              <a:t>i</a:t>
+            </a:r>
+            <a:r>
+              <a:rPr lang="en-US" sz="2200" dirty="0">
+                <a:latin typeface="Monaco" pitchFamily="2" charset="77"/>
+              </a:rPr>
+              <a:t> = </a:t>
+            </a:r>
+            <a:r>
+              <a:rPr lang="en-US" sz="2200" dirty="0" err="1">
+                <a:latin typeface="Monaco" pitchFamily="2" charset="77"/>
+              </a:rPr>
+              <a:t>int</a:t>
+            </a:r>
+            <a:r>
+              <a:rPr lang="en-US" sz="2200" dirty="0">
+                <a:latin typeface="Monaco" pitchFamily="2" charset="77"/>
+              </a:rPr>
+              <a:t>(</a:t>
+            </a:r>
+            <a:r>
+              <a:rPr lang="en-US" sz="2200" dirty="0" err="1">
+                <a:latin typeface="Monaco" pitchFamily="2" charset="77"/>
+              </a:rPr>
+              <a:t>a_normalized</a:t>
+            </a:r>
+            <a:r>
+              <a:rPr lang="en-US" sz="2200" dirty="0">
+                <a:latin typeface="Monaco" pitchFamily="2" charset="77"/>
+              </a:rPr>
+              <a:t> * </a:t>
+            </a:r>
+            <a:r>
+              <a:rPr lang="en-US" sz="2200" dirty="0" err="1">
+                <a:latin typeface="Monaco" pitchFamily="2" charset="77"/>
+              </a:rPr>
+              <a:t>nbuckets</a:t>
+            </a:r>
+            <a:r>
+              <a:rPr lang="en-US" sz="2200" dirty="0">
+                <a:latin typeface="Monaco" pitchFamily="2" charset="77"/>
+              </a:rPr>
+              <a:t>) # spread across buckets</a:t>
+            </a:r>
+          </a:p>
+          <a:p>
+            <a:r>
+              <a:rPr lang="en-US" sz="2200" dirty="0">
+                <a:latin typeface="Monaco" pitchFamily="2" charset="77"/>
+              </a:rPr>
+              <a:t>    buckets[</a:t>
+            </a:r>
+            <a:r>
+              <a:rPr lang="en-US" sz="2200" dirty="0" err="1">
+                <a:latin typeface="Monaco" pitchFamily="2" charset="77"/>
+              </a:rPr>
+              <a:t>i</a:t>
+            </a:r>
+            <a:r>
+              <a:rPr lang="en-US" sz="2200" dirty="0">
+                <a:latin typeface="Monaco" pitchFamily="2" charset="77"/>
+              </a:rPr>
+              <a:t>].append(a)</a:t>
+            </a:r>
+          </a:p>
+          <a:p>
+            <a:r>
+              <a:rPr lang="en-US" sz="2200" dirty="0">
+                <a:latin typeface="Monaco" pitchFamily="2" charset="77"/>
+              </a:rPr>
+              <a:t>…</a:t>
+            </a:r>
+          </a:p>
+          <a:p>
+            <a:r>
+              <a:rPr lang="en-US" sz="2200" dirty="0">
+                <a:latin typeface="Monaco" pitchFamily="2" charset="77"/>
+              </a:rPr>
+              <a:t>for </a:t>
+            </a:r>
+            <a:r>
+              <a:rPr lang="en-US" sz="2200" dirty="0" err="1">
+                <a:latin typeface="Monaco" pitchFamily="2" charset="77"/>
+              </a:rPr>
+              <a:t>i</a:t>
+            </a:r>
+            <a:r>
+              <a:rPr lang="en-US" sz="2200" dirty="0">
+                <a:latin typeface="Monaco" pitchFamily="2" charset="77"/>
+              </a:rPr>
+              <a:t> in range(max_bucket_idx+1):</a:t>
+            </a:r>
+          </a:p>
+          <a:p>
+            <a:r>
+              <a:rPr lang="en-US" sz="2200" dirty="0">
+                <a:latin typeface="Monaco" pitchFamily="2" charset="77"/>
+              </a:rPr>
+              <a:t>    </a:t>
+            </a:r>
+            <a:r>
+              <a:rPr lang="en-US" sz="2200" dirty="0" err="1">
+                <a:latin typeface="Monaco" pitchFamily="2" charset="77"/>
+              </a:rPr>
+              <a:t>A_.extend</a:t>
+            </a:r>
+            <a:r>
+              <a:rPr lang="en-US" sz="2200" dirty="0">
+                <a:latin typeface="Monaco" pitchFamily="2" charset="77"/>
+              </a:rPr>
+              <a:t>( sorted(buckets[</a:t>
+            </a:r>
+            <a:r>
+              <a:rPr lang="en-US" sz="2200" dirty="0" err="1">
+                <a:latin typeface="Monaco" pitchFamily="2" charset="77"/>
+              </a:rPr>
+              <a:t>i</a:t>
+            </a:r>
+            <a:r>
+              <a:rPr lang="en-US" sz="2200" dirty="0">
+                <a:latin typeface="Monaco" pitchFamily="2" charset="77"/>
+              </a:rPr>
+              <a:t>]) )</a:t>
+            </a:r>
+          </a:p>
+        </p:txBody>
+      </p:sp>
+    </p:spTree>
+    <p:extLst>
+      <p:ext uri="{BB962C8B-B14F-4D97-AF65-F5344CB8AC3E}">
+        <p14:creationId xmlns:p14="http://schemas.microsoft.com/office/powerpoint/2010/main" val="337696647"/>
+      </p:ext>
+    </p:extLst>
+  </p:cSld>
+  <p:clrMapOvr>
+    <a:masterClrMapping/>
+  </p:clrMapOvr>
+</p:sld>
+</file>
+
+<file path=ppt/slides/slide14.xml><?xml version="1.0" encoding="utf-8"?>
+<p:sld xmlns:a="http://schemas.openxmlformats.org/drawingml/2006/main" xmlns:r="http://schemas.openxmlformats.org/officeDocument/2006/relationships" xmlns:p="http://schemas.openxmlformats.org/presentationml/2006/main">
+  <p:cSld>
+    <p:spTree>
+      <p:nvGrpSpPr>
+        <p:cNvPr id="1" name=""/>
+        <p:cNvGrpSpPr/>
+        <p:nvPr/>
+      </p:nvGrpSpPr>
+      <p:grpSpPr>
+        <a:xfrm>
+          <a:off x="0" y="0"/>
+          <a:ext cx="0" cy="0"/>
+          <a:chOff x="0" y="0"/>
+          <a:chExt cx="0" cy="0"/>
+        </a:xfrm>
+      </p:grpSpPr>
+      <p:sp>
+        <p:nvSpPr>
           <p:cNvPr id="2" name="Title 1"/>
           <p:cNvSpPr>
             <a:spLocks noGrp="1"/>
@@ -4859,7 +5134,9 @@
         </p:nvSpPr>
         <p:spPr/>
         <p:txBody>
-          <a:bodyPr/>
+          <a:bodyPr>
+            <a:normAutofit/>
+          </a:bodyPr>
           <a:lstStyle/>
           <a:p>
             <a:r>
@@ -4878,33 +5155,13 @@
           <a:p>
             <a:r>
               <a:rPr lang="en-US" dirty="0"/>
-              <a:t>Assume all values are the same, putting everything into one bucket</a:t>
-            </a:r>
-          </a:p>
-          <a:p>
-            <a:r>
-              <a:rPr lang="en-US" dirty="0"/>
-              <a:t>Sorting one bucket at best costs us n log n</a:t>
-            </a:r>
-          </a:p>
-          <a:p>
-            <a:r>
-              <a:rPr lang="en-US" dirty="0"/>
-              <a:t>There are m buckets we must walk</a:t>
-            </a:r>
-          </a:p>
-          <a:p>
-            <a:r>
-              <a:rPr lang="en-US" dirty="0"/>
-              <a:t>T(</a:t>
-            </a:r>
-            <a:r>
-              <a:rPr lang="en-US" dirty="0" err="1"/>
-              <a:t>n,m</a:t>
-            </a:r>
-            <a:r>
-              <a:rPr lang="en-US" dirty="0"/>
-              <a:t>) = n log n + m, yielding O(n log n)</a:t>
+              <a:t>What if all values are the same? All go into 1 bucket!</a:t>
+            </a:r>
+          </a:p>
+          <a:p>
+            <a:r>
+              <a:rPr lang="en-US" dirty="0"/>
+              <a:t>Sorting one bucket at best costs us O(n log n)</a:t>
             </a:r>
           </a:p>
           <a:p>
@@ -4914,7 +5171,13 @@
             </a:r>
             <a:r>
               <a:rPr lang="en-US" dirty="0"/>
-              <a:t> might be faster for small buckets of size k=n/m but that’s O(n^2) worst-case in theory</a:t>
+              <a:t> might be faster for small buckets but that’s O(n^2) worst-case in theory</a:t>
+            </a:r>
+          </a:p>
+          <a:p>
+            <a:r>
+              <a:rPr lang="en-US" dirty="0"/>
+              <a:t>Can use insertion sort is O(k^2) for adding to bucket or leave unsorted and sort later</a:t>
             </a:r>
           </a:p>
         </p:txBody>
@@ -5029,33 +5292,15 @@
                                   </p:childTnLst>
                                 </p:cTn>
                               </p:par>
-                            </p:childTnLst>
-                          </p:cTn>
-                        </p:par>
-                      </p:childTnLst>
-                    </p:cTn>
-                  </p:par>
-                  <p:par>
-                    <p:cTn id="11" fill="hold">
-                      <p:stCondLst>
-                        <p:cond delay="indefinite"/>
-                      </p:stCondLst>
-                      <p:childTnLst>
-                        <p:par>
-                          <p:cTn id="12" fill="hold">
-                            <p:stCondLst>
-                              <p:cond delay="0"/>
-                            </p:stCondLst>
-                            <p:childTnLst>
                               <p:par>
-                                <p:cTn id="13" presetID="1" presetClass="entr" presetSubtype="0" fill="hold" grpId="0" nodeType="clickEffect">
+                                <p:cTn id="11" presetID="1" presetClass="entr" presetSubtype="0" fill="hold" nodeType="withEffect">
                                   <p:stCondLst>
                                     <p:cond delay="0"/>
                                   </p:stCondLst>
                                   <p:childTnLst>
                                     <p:set>
                                       <p:cBhvr>
-                                        <p:cTn id="14" dur="1" fill="hold">
+                                        <p:cTn id="12" dur="1" fill="hold">
                                           <p:stCondLst>
                                             <p:cond delay="0"/>
                                           </p:stCondLst>
@@ -5078,33 +5323,15 @@
                                   </p:childTnLst>
                                 </p:cTn>
                               </p:par>
-                            </p:childTnLst>
-                          </p:cTn>
-                        </p:par>
-                      </p:childTnLst>
-                    </p:cTn>
-                  </p:par>
-                  <p:par>
-                    <p:cTn id="15" fill="hold">
-                      <p:stCondLst>
-                        <p:cond delay="indefinite"/>
-                      </p:stCondLst>
-                      <p:childTnLst>
-                        <p:par>
-                          <p:cTn id="16" fill="hold">
-                            <p:stCondLst>
-                              <p:cond delay="0"/>
-                            </p:stCondLst>
-                            <p:childTnLst>
                               <p:par>
-                                <p:cTn id="17" presetID="1" presetClass="entr" presetSubtype="0" fill="hold" nodeType="clickEffect">
+                                <p:cTn id="13" presetID="1" presetClass="entr" presetSubtype="0" fill="hold" nodeType="withEffect">
                                   <p:stCondLst>
                                     <p:cond delay="0"/>
                                   </p:stCondLst>
                                   <p:childTnLst>
                                     <p:set>
                                       <p:cBhvr>
-                                        <p:cTn id="18" dur="1" fill="hold">
+                                        <p:cTn id="14" dur="1" fill="hold">
                                           <p:stCondLst>
                                             <p:cond delay="0"/>
                                           </p:stCondLst>
@@ -5113,37 +5340,6 @@
                                           <p:spTgt spid="3">
                                             <p:txEl>
                                               <p:pRg st="4" end="4"/>
-                                            </p:txEl>
-                                          </p:spTgt>
-                                        </p:tgtEl>
-                                        <p:attrNameLst>
-                                          <p:attrName>style.visibility</p:attrName>
-                                        </p:attrNameLst>
-                                      </p:cBhvr>
-                                      <p:to>
-                                        <p:strVal val="visible"/>
-                                      </p:to>
-                                    </p:set>
-                                  </p:childTnLst>
-                                </p:cTn>
-                              </p:par>
-                              <p:par>
-                                <p:cTn id="19" presetID="1" presetClass="entr" presetSubtype="0" fill="hold" nodeType="withEffect">
-                                  <p:stCondLst>
-                                    <p:cond delay="0"/>
-                                  </p:stCondLst>
-                                  <p:childTnLst>
-                                    <p:set>
-                                      <p:cBhvr>
-                                        <p:cTn id="20" dur="1" fill="hold">
-                                          <p:stCondLst>
-                                            <p:cond delay="0"/>
-                                          </p:stCondLst>
-                                        </p:cTn>
-                                        <p:tgtEl>
-                                          <p:spTgt spid="3">
-                                            <p:txEl>
-                                              <p:pRg st="5" end="5"/>
                                             </p:txEl>
                                           </p:spTgt>
                                         </p:tgtEl>
@@ -5192,7 +5388,7 @@
 </p:sld>
 </file>
 
-<file path=ppt/slides/slide14.xml><?xml version="1.0" encoding="utf-8"?>
+<file path=ppt/slides/slide15.xml><?xml version="1.0" encoding="utf-8"?>
 <p:sld xmlns:a="http://schemas.openxmlformats.org/drawingml/2006/main" xmlns:r="http://schemas.openxmlformats.org/officeDocument/2006/relationships" xmlns:p="http://schemas.openxmlformats.org/presentationml/2006/main">
   <p:cSld>
     <p:spTree>
@@ -5241,7 +5437,12 @@
             <p:ph idx="1"/>
           </p:nvPr>
         </p:nvSpPr>
-        <p:spPr/>
+        <p:spPr>
+          <a:xfrm>
+            <a:off x="838200" y="1825625"/>
+            <a:ext cx="10883630" cy="4351338"/>
+          </a:xfrm>
+        </p:spPr>
         <p:txBody>
           <a:bodyPr/>
           <a:lstStyle/>
@@ -5260,7 +5461,7 @@
           <a:p>
             <a:r>
               <a:rPr lang="en-US" dirty="0"/>
-              <a:t>Choose m always so n/m is some small fixed constant size k</a:t>
+              <a:t>Choose m always so k=n/m is some small fixed constant size k</a:t>
             </a:r>
           </a:p>
           <a:p>
@@ -5274,7 +5475,7 @@
             </a:r>
             <a:r>
               <a:rPr lang="en-US" dirty="0"/>
-              <a:t>), merge m sorted lists</a:t>
+              <a:t> O(k^2)), merge m sorted lists</a:t>
             </a:r>
           </a:p>
           <a:p>
@@ -5288,7 +5489,7 @@
             </a:r>
             <a:r>
               <a:rPr lang="en-US" dirty="0"/>
-              <a:t>) = m * k^2 + n</a:t>
+              <a:t>=n/m) = m * k^2 + n</a:t>
             </a:r>
           </a:p>
           <a:p>
@@ -5302,13 +5503,8 @@
             </a:r>
             <a:r>
               <a:rPr lang="en-US" dirty="0"/>
-              <a:t>) = n/k * k^2 + n = n*k + n = n(k+1)   (choose </a:t>
-            </a:r>
-            <a:r>
-              <a:rPr lang="en-US"/>
-              <a:t>small k)</a:t>
-            </a:r>
-            <a:endParaRPr lang="en-US" dirty="0"/>
+              <a:t>) = n/k * k^2 + n = n*k + n = n(k+1)   (choose small k)</a:t>
+            </a:r>
           </a:p>
           <a:p>
             <a:r>
@@ -5622,7 +5818,7 @@
 </p:sld>
 </file>
 
-<file path=ppt/slides/slide15.xml><?xml version="1.0" encoding="utf-8"?>
+<file path=ppt/slides/slide16.xml><?xml version="1.0" encoding="utf-8"?>
 <p:sld xmlns:a="http://schemas.openxmlformats.org/drawingml/2006/main" xmlns:r="http://schemas.openxmlformats.org/officeDocument/2006/relationships" xmlns:p="http://schemas.openxmlformats.org/presentationml/2006/main">
   <p:cSld>
     <p:spTree>
@@ -5725,16 +5921,6 @@
             <a:r>
               <a:rPr lang="en-US" dirty="0"/>
               <a:t>implementation</a:t>
-            </a:r>
-          </a:p>
-          <a:p>
-            <a:r>
-              <a:rPr lang="en-US" b="1" dirty="0"/>
-              <a:t>Exercise</a:t>
-            </a:r>
-            <a:r>
-              <a:rPr lang="en-US" dirty="0"/>
-              <a:t>: What if all words start with same letter?</a:t>
             </a:r>
           </a:p>
         </p:txBody>
@@ -5782,7 +5968,7 @@
 </p:sld>
 </file>
 
-<file path=ppt/slides/slide16.xml><?xml version="1.0" encoding="utf-8"?>
+<file path=ppt/slides/slide17.xml><?xml version="1.0" encoding="utf-8"?>
 <p:sld xmlns:a="http://schemas.openxmlformats.org/drawingml/2006/main" xmlns:r="http://schemas.openxmlformats.org/officeDocument/2006/relationships" xmlns:p="http://schemas.openxmlformats.org/presentationml/2006/main">
   <p:cSld>
     <p:spTree>
@@ -5804,6 +5990,322 @@
           <p:cNvPr id="2" name="Title 1">
             <a:extLst>
               <a:ext uri="{FF2B5EF4-FFF2-40B4-BE49-F238E27FC236}">
+                <a16:creationId xmlns:a16="http://schemas.microsoft.com/office/drawing/2014/main" id="{A11E878E-D1EC-F240-A84D-8161A2A45DB5}"/>
+              </a:ext>
+            </a:extLst>
+          </p:cNvPr>
+          <p:cNvSpPr>
+            <a:spLocks noGrp="1"/>
+          </p:cNvSpPr>
+          <p:nvPr>
+            <p:ph type="title"/>
+          </p:nvPr>
+        </p:nvSpPr>
+        <p:spPr/>
+        <p:txBody>
+          <a:bodyPr/>
+          <a:lstStyle/>
+          <a:p>
+            <a:r>
+              <a:rPr lang="en-US" dirty="0"/>
+              <a:t>Key bits of string bucket sort</a:t>
+            </a:r>
+          </a:p>
+        </p:txBody>
+      </p:sp>
+      <p:sp>
+        <p:nvSpPr>
+          <p:cNvPr id="4" name="TextBox 3">
+            <a:extLst>
+              <a:ext uri="{FF2B5EF4-FFF2-40B4-BE49-F238E27FC236}">
+                <a16:creationId xmlns:a16="http://schemas.microsoft.com/office/drawing/2014/main" id="{5009CE07-300F-B24B-9AEE-88C867AF75EC}"/>
+              </a:ext>
+            </a:extLst>
+          </p:cNvPr>
+          <p:cNvSpPr txBox="1"/>
+          <p:nvPr/>
+        </p:nvSpPr>
+        <p:spPr>
+          <a:xfrm>
+            <a:off x="478275" y="2055149"/>
+            <a:ext cx="6661827" cy="2123658"/>
+          </a:xfrm>
+          <a:prstGeom prst="rect">
+            <a:avLst/>
+          </a:prstGeom>
+          <a:noFill/>
+          <a:ln>
+            <a:solidFill>
+              <a:schemeClr val="accent1"/>
+            </a:solidFill>
+          </a:ln>
+        </p:spPr>
+        <p:txBody>
+          <a:bodyPr wrap="square" rtlCol="0">
+            <a:spAutoFit/>
+          </a:bodyPr>
+          <a:lstStyle/>
+          <a:p>
+            <a:r>
+              <a:rPr lang="en-US" sz="2200" dirty="0">
+                <a:latin typeface="Monaco" pitchFamily="2" charset="77"/>
+              </a:rPr>
+              <a:t>for s in A:</a:t>
+            </a:r>
+          </a:p>
+          <a:p>
+            <a:r>
+              <a:rPr lang="en-US" sz="2200" dirty="0">
+                <a:latin typeface="Monaco" pitchFamily="2" charset="77"/>
+              </a:rPr>
+              <a:t>    </a:t>
+            </a:r>
+            <a:r>
+              <a:rPr lang="en-US" sz="2200" dirty="0" err="1">
+                <a:latin typeface="Monaco" pitchFamily="2" charset="77"/>
+              </a:rPr>
+              <a:t>i</a:t>
+            </a:r>
+            <a:r>
+              <a:rPr lang="en-US" sz="2200" dirty="0">
+                <a:latin typeface="Monaco" pitchFamily="2" charset="77"/>
+              </a:rPr>
+              <a:t> = </a:t>
+            </a:r>
+            <a:r>
+              <a:rPr lang="en-US" sz="2200" dirty="0" err="1">
+                <a:latin typeface="Monaco" pitchFamily="2" charset="77"/>
+              </a:rPr>
+              <a:t>ord</a:t>
+            </a:r>
+            <a:r>
+              <a:rPr lang="en-US" sz="2200" dirty="0">
+                <a:latin typeface="Monaco" pitchFamily="2" charset="77"/>
+              </a:rPr>
+              <a:t>(s[0])-</a:t>
+            </a:r>
+            <a:r>
+              <a:rPr lang="en-US" sz="2200" dirty="0" err="1">
+                <a:latin typeface="Monaco" pitchFamily="2" charset="77"/>
+              </a:rPr>
+              <a:t>ord</a:t>
+            </a:r>
+            <a:r>
+              <a:rPr lang="en-US" sz="2200" dirty="0">
+                <a:latin typeface="Monaco" pitchFamily="2" charset="77"/>
+              </a:rPr>
+              <a:t>('a’)</a:t>
+            </a:r>
+          </a:p>
+          <a:p>
+            <a:r>
+              <a:rPr lang="en-US" sz="2200" dirty="0">
+                <a:latin typeface="Monaco" pitchFamily="2" charset="77"/>
+              </a:rPr>
+              <a:t>    holes[</a:t>
+            </a:r>
+            <a:r>
+              <a:rPr lang="en-US" sz="2200" dirty="0" err="1">
+                <a:latin typeface="Monaco" pitchFamily="2" charset="77"/>
+              </a:rPr>
+              <a:t>i</a:t>
+            </a:r>
+            <a:r>
+              <a:rPr lang="en-US" sz="2200" dirty="0">
+                <a:latin typeface="Monaco" pitchFamily="2" charset="77"/>
+              </a:rPr>
+              <a:t>].append(s)</a:t>
+            </a:r>
+          </a:p>
+          <a:p>
+            <a:r>
+              <a:rPr lang="en-US" sz="2200" dirty="0">
+                <a:latin typeface="Monaco" pitchFamily="2" charset="77"/>
+              </a:rPr>
+              <a:t>…</a:t>
+            </a:r>
+          </a:p>
+          <a:p>
+            <a:r>
+              <a:rPr lang="en-US" sz="2200" dirty="0">
+                <a:latin typeface="Monaco" pitchFamily="2" charset="77"/>
+              </a:rPr>
+              <a:t>for </a:t>
+            </a:r>
+            <a:r>
+              <a:rPr lang="en-US" sz="2200" dirty="0" err="1">
+                <a:latin typeface="Monaco" pitchFamily="2" charset="77"/>
+              </a:rPr>
+              <a:t>i</a:t>
+            </a:r>
+            <a:r>
+              <a:rPr lang="en-US" sz="2200" dirty="0">
+                <a:latin typeface="Monaco" pitchFamily="2" charset="77"/>
+              </a:rPr>
+              <a:t> in range(</a:t>
+            </a:r>
+            <a:r>
+              <a:rPr lang="en-US" sz="2200" dirty="0" err="1">
+                <a:latin typeface="Monaco" pitchFamily="2" charset="77"/>
+              </a:rPr>
+              <a:t>ord</a:t>
+            </a:r>
+            <a:r>
+              <a:rPr lang="en-US" sz="2200" dirty="0">
+                <a:latin typeface="Monaco" pitchFamily="2" charset="77"/>
+              </a:rPr>
+              <a:t>('z')-</a:t>
+            </a:r>
+            <a:r>
+              <a:rPr lang="en-US" sz="2200" dirty="0" err="1">
+                <a:latin typeface="Monaco" pitchFamily="2" charset="77"/>
+              </a:rPr>
+              <a:t>ord</a:t>
+            </a:r>
+            <a:r>
+              <a:rPr lang="en-US" sz="2200" dirty="0">
+                <a:latin typeface="Monaco" pitchFamily="2" charset="77"/>
+              </a:rPr>
+              <a:t>('a') + 1):</a:t>
+            </a:r>
+          </a:p>
+          <a:p>
+            <a:r>
+              <a:rPr lang="en-US" sz="2200" dirty="0">
+                <a:latin typeface="Monaco" pitchFamily="2" charset="77"/>
+              </a:rPr>
+              <a:t>    </a:t>
+            </a:r>
+            <a:r>
+              <a:rPr lang="en-US" sz="2200" dirty="0" err="1">
+                <a:latin typeface="Monaco" pitchFamily="2" charset="77"/>
+              </a:rPr>
+              <a:t>A_.extend</a:t>
+            </a:r>
+            <a:r>
+              <a:rPr lang="en-US" sz="2200" dirty="0">
+                <a:latin typeface="Monaco" pitchFamily="2" charset="77"/>
+              </a:rPr>
+              <a:t>( sorted(holes[</a:t>
+            </a:r>
+            <a:r>
+              <a:rPr lang="en-US" sz="2200" dirty="0" err="1">
+                <a:latin typeface="Monaco" pitchFamily="2" charset="77"/>
+              </a:rPr>
+              <a:t>i</a:t>
+            </a:r>
+            <a:r>
+              <a:rPr lang="en-US" sz="2200" dirty="0">
+                <a:latin typeface="Monaco" pitchFamily="2" charset="77"/>
+              </a:rPr>
+              <a:t>]) )</a:t>
+            </a:r>
+          </a:p>
+        </p:txBody>
+      </p:sp>
+      <p:pic>
+        <p:nvPicPr>
+          <p:cNvPr id="5" name="Picture 4">
+            <a:extLst>
+              <a:ext uri="{FF2B5EF4-FFF2-40B4-BE49-F238E27FC236}">
+                <a16:creationId xmlns:a16="http://schemas.microsoft.com/office/drawing/2014/main" id="{78C62904-A7EF-1043-B577-3830636E3304}"/>
+              </a:ext>
+            </a:extLst>
+          </p:cNvPr>
+          <p:cNvPicPr>
+            <a:picLocks noChangeAspect="1"/>
+          </p:cNvPicPr>
+          <p:nvPr/>
+        </p:nvPicPr>
+        <p:blipFill>
+          <a:blip r:embed="rId2"/>
+          <a:stretch>
+            <a:fillRect/>
+          </a:stretch>
+        </p:blipFill>
+        <p:spPr>
+          <a:xfrm>
+            <a:off x="7554202" y="1690687"/>
+            <a:ext cx="4160053" cy="3124503"/>
+          </a:xfrm>
+          <a:prstGeom prst="rect">
+            <a:avLst/>
+          </a:prstGeom>
+        </p:spPr>
+      </p:pic>
+      <p:sp>
+        <p:nvSpPr>
+          <p:cNvPr id="6" name="Rectangle 5">
+            <a:extLst>
+              <a:ext uri="{FF2B5EF4-FFF2-40B4-BE49-F238E27FC236}">
+                <a16:creationId xmlns:a16="http://schemas.microsoft.com/office/drawing/2014/main" id="{EFB6146F-832A-6549-8EC9-8F4580F9D08F}"/>
+              </a:ext>
+            </a:extLst>
+          </p:cNvPr>
+          <p:cNvSpPr/>
+          <p:nvPr/>
+        </p:nvSpPr>
+        <p:spPr>
+          <a:xfrm>
+            <a:off x="478275" y="5413602"/>
+            <a:ext cx="6976590" cy="461665"/>
+          </a:xfrm>
+          <a:prstGeom prst="rect">
+            <a:avLst/>
+          </a:prstGeom>
+        </p:spPr>
+        <p:txBody>
+          <a:bodyPr wrap="none">
+            <a:spAutoFit/>
+          </a:bodyPr>
+          <a:lstStyle/>
+          <a:p>
+            <a:r>
+              <a:rPr lang="en-US" sz="2400" b="1" dirty="0"/>
+              <a:t>Exercise</a:t>
+            </a:r>
+            <a:r>
+              <a:rPr lang="en-US" sz="2400" dirty="0"/>
+              <a:t>: What if all words start with same letter?</a:t>
+            </a:r>
+          </a:p>
+        </p:txBody>
+      </p:sp>
+    </p:spTree>
+    <p:extLst>
+      <p:ext uri="{BB962C8B-B14F-4D97-AF65-F5344CB8AC3E}">
+        <p14:creationId xmlns:p14="http://schemas.microsoft.com/office/powerpoint/2010/main" val="1534136581"/>
+      </p:ext>
+    </p:extLst>
+  </p:cSld>
+  <p:clrMapOvr>
+    <a:masterClrMapping/>
+  </p:clrMapOvr>
+</p:sld>
+</file>
+
+<file path=ppt/slides/slide18.xml><?xml version="1.0" encoding="utf-8"?>
+<p:sld xmlns:a="http://schemas.openxmlformats.org/drawingml/2006/main" xmlns:r="http://schemas.openxmlformats.org/officeDocument/2006/relationships" xmlns:p="http://schemas.openxmlformats.org/presentationml/2006/main">
+  <p:cSld>
+    <p:spTree>
+      <p:nvGrpSpPr>
+        <p:cNvPr id="1" name=""/>
+        <p:cNvGrpSpPr/>
+        <p:nvPr/>
+      </p:nvGrpSpPr>
+      <p:grpSpPr>
+        <a:xfrm>
+          <a:off x="0" y="0"/>
+          <a:ext cx="0" cy="0"/>
+          <a:chOff x="0" y="0"/>
+          <a:chExt cx="0" cy="0"/>
+        </a:xfrm>
+      </p:grpSpPr>
+      <p:sp>
+        <p:nvSpPr>
+          <p:cNvPr id="2" name="Title 1">
+            <a:extLst>
+              <a:ext uri="{FF2B5EF4-FFF2-40B4-BE49-F238E27FC236}">
                 <a16:creationId xmlns:a16="http://schemas.microsoft.com/office/drawing/2014/main" id="{EDD7B449-10BC-684B-ADCB-D32CD7FAD8CA}"/>
               </a:ext>
             </a:extLst>
@@ -5829,6 +6331,13 @@
               <a:rPr lang="en-US" dirty="0"/>
               <a:t>Nested or recursive string bucket sort</a:t>
             </a:r>
+            <a:br>
+              <a:rPr lang="en-US" dirty="0"/>
+            </a:br>
+            <a:r>
+              <a:rPr lang="en-US" sz="2200" i="1" dirty="0"/>
+              <a:t>(Called TRIEs and we’ll see again)</a:t>
+            </a:r>
           </a:p>
         </p:txBody>
       </p:sp>
@@ -5848,9 +6357,16 @@
             <p:ph idx="1"/>
           </p:nvPr>
         </p:nvSpPr>
-        <p:spPr/>
-        <p:txBody>
-          <a:bodyPr/>
+        <p:spPr>
+          <a:xfrm>
+            <a:off x="838200" y="1825625"/>
+            <a:ext cx="5913329" cy="4351338"/>
+          </a:xfrm>
+        </p:spPr>
+        <p:txBody>
+          <a:bodyPr>
+            <a:normAutofit lnSpcReduction="10000"/>
+          </a:bodyPr>
           <a:lstStyle/>
           <a:p>
             <a:r>
@@ -5912,17 +6428,22 @@
           </a:p>
           <a:p>
             <a:r>
-              <a:rPr lang="en-US"/>
+              <a:rPr lang="en-US" dirty="0"/>
               <a:t>Walk all edges in alpha order</a:t>
             </a:r>
             <a:br>
-              <a:rPr lang="en-US"/>
+              <a:rPr lang="en-US" dirty="0"/>
             </a:br>
             <a:r>
-              <a:rPr lang="en-US"/>
+              <a:rPr lang="en-US" dirty="0"/>
               <a:t>to collect words in leaves</a:t>
             </a:r>
-            <a:endParaRPr lang="en-US" dirty="0"/>
+          </a:p>
+          <a:p>
+            <a:r>
+              <a:rPr lang="en-US" dirty="0"/>
+              <a:t>What is rough complexity?</a:t>
+            </a:r>
           </a:p>
           <a:p>
             <a:endParaRPr lang="en-US" dirty="0"/>
@@ -5959,10 +6480,267 @@
           </a:prstGeom>
         </p:spPr>
       </p:pic>
+      <p:sp>
+        <p:nvSpPr>
+          <p:cNvPr id="5" name="TextBox 4">
+            <a:extLst>
+              <a:ext uri="{FF2B5EF4-FFF2-40B4-BE49-F238E27FC236}">
+                <a16:creationId xmlns:a16="http://schemas.microsoft.com/office/drawing/2014/main" id="{B64307D0-FC33-4044-B181-315ADF77133F}"/>
+              </a:ext>
+            </a:extLst>
+          </p:cNvPr>
+          <p:cNvSpPr txBox="1"/>
+          <p:nvPr/>
+        </p:nvSpPr>
+        <p:spPr>
+          <a:xfrm>
+            <a:off x="1040859" y="5807631"/>
+            <a:ext cx="4950394" cy="430887"/>
+          </a:xfrm>
+          <a:prstGeom prst="rect">
+            <a:avLst/>
+          </a:prstGeom>
+          <a:noFill/>
+        </p:spPr>
+        <p:txBody>
+          <a:bodyPr wrap="none" rtlCol="0">
+            <a:spAutoFit/>
+          </a:bodyPr>
+          <a:lstStyle/>
+          <a:p>
+            <a:r>
+              <a:rPr lang="en-US" sz="2200" dirty="0"/>
+              <a:t>O(n*k) for k = max length of any string</a:t>
+            </a:r>
+          </a:p>
+        </p:txBody>
+      </p:sp>
     </p:spTree>
     <p:extLst>
       <p:ext uri="{BB962C8B-B14F-4D97-AF65-F5344CB8AC3E}">
         <p14:creationId xmlns:p14="http://schemas.microsoft.com/office/powerpoint/2010/main" val="3599859593"/>
+      </p:ext>
+    </p:extLst>
+  </p:cSld>
+  <p:clrMapOvr>
+    <a:masterClrMapping/>
+  </p:clrMapOvr>
+  <p:timing>
+    <p:tnLst>
+      <p:par>
+        <p:cTn id="1" dur="indefinite" restart="never" nodeType="tmRoot">
+          <p:childTnLst>
+            <p:seq concurrent="1" nextAc="seek">
+              <p:cTn id="2" dur="indefinite" nodeType="mainSeq">
+                <p:childTnLst>
+                  <p:par>
+                    <p:cTn id="3" fill="hold">
+                      <p:stCondLst>
+                        <p:cond delay="indefinite"/>
+                      </p:stCondLst>
+                      <p:childTnLst>
+                        <p:par>
+                          <p:cTn id="4" fill="hold">
+                            <p:stCondLst>
+                              <p:cond delay="0"/>
+                            </p:stCondLst>
+                            <p:childTnLst>
+                              <p:par>
+                                <p:cTn id="5" presetID="1" presetClass="entr" presetSubtype="0" fill="hold" grpId="0" nodeType="clickEffect">
+                                  <p:stCondLst>
+                                    <p:cond delay="0"/>
+                                  </p:stCondLst>
+                                  <p:childTnLst>
+                                    <p:set>
+                                      <p:cBhvr>
+                                        <p:cTn id="6" dur="1" fill="hold">
+                                          <p:stCondLst>
+                                            <p:cond delay="0"/>
+                                          </p:stCondLst>
+                                        </p:cTn>
+                                        <p:tgtEl>
+                                          <p:spTgt spid="5"/>
+                                        </p:tgtEl>
+                                        <p:attrNameLst>
+                                          <p:attrName>style.visibility</p:attrName>
+                                        </p:attrNameLst>
+                                      </p:cBhvr>
+                                      <p:to>
+                                        <p:strVal val="visible"/>
+                                      </p:to>
+                                    </p:set>
+                                  </p:childTnLst>
+                                </p:cTn>
+                              </p:par>
+                            </p:childTnLst>
+                          </p:cTn>
+                        </p:par>
+                      </p:childTnLst>
+                    </p:cTn>
+                  </p:par>
+                </p:childTnLst>
+              </p:cTn>
+              <p:prevCondLst>
+                <p:cond evt="onPrev" delay="0">
+                  <p:tgtEl>
+                    <p:sldTgt/>
+                  </p:tgtEl>
+                </p:cond>
+              </p:prevCondLst>
+              <p:nextCondLst>
+                <p:cond evt="onNext" delay="0">
+                  <p:tgtEl>
+                    <p:sldTgt/>
+                  </p:tgtEl>
+                </p:cond>
+              </p:nextCondLst>
+            </p:seq>
+          </p:childTnLst>
+        </p:cTn>
+      </p:par>
+    </p:tnLst>
+    <p:bldLst>
+      <p:bldP spid="5" grpId="0"/>
+    </p:bldLst>
+  </p:timing>
+</p:sld>
+</file>
+
+<file path=ppt/slides/slide19.xml><?xml version="1.0" encoding="utf-8"?>
+<p:sld xmlns:a="http://schemas.openxmlformats.org/drawingml/2006/main" xmlns:r="http://schemas.openxmlformats.org/officeDocument/2006/relationships" xmlns:p="http://schemas.openxmlformats.org/presentationml/2006/main">
+  <p:cSld>
+    <p:spTree>
+      <p:nvGrpSpPr>
+        <p:cNvPr id="1" name=""/>
+        <p:cNvGrpSpPr/>
+        <p:nvPr/>
+      </p:nvGrpSpPr>
+      <p:grpSpPr>
+        <a:xfrm>
+          <a:off x="0" y="0"/>
+          <a:ext cx="0" cy="0"/>
+          <a:chOff x="0" y="0"/>
+          <a:chExt cx="0" cy="0"/>
+        </a:xfrm>
+      </p:grpSpPr>
+      <p:sp>
+        <p:nvSpPr>
+          <p:cNvPr id="2" name="Title 1">
+            <a:extLst>
+              <a:ext uri="{FF2B5EF4-FFF2-40B4-BE49-F238E27FC236}">
+                <a16:creationId xmlns:a16="http://schemas.microsoft.com/office/drawing/2014/main" id="{F0447EFA-2E53-D34A-BCEE-17B93844FBC5}"/>
+              </a:ext>
+            </a:extLst>
+          </p:cNvPr>
+          <p:cNvSpPr>
+            <a:spLocks noGrp="1"/>
+          </p:cNvSpPr>
+          <p:nvPr>
+            <p:ph type="title"/>
+          </p:nvPr>
+        </p:nvSpPr>
+        <p:spPr/>
+        <p:txBody>
+          <a:bodyPr/>
+          <a:lstStyle/>
+          <a:p>
+            <a:r>
+              <a:rPr lang="en-US" dirty="0"/>
+              <a:t>Summary</a:t>
+            </a:r>
+          </a:p>
+        </p:txBody>
+      </p:sp>
+      <p:sp>
+        <p:nvSpPr>
+          <p:cNvPr id="3" name="Content Placeholder 2">
+            <a:extLst>
+              <a:ext uri="{FF2B5EF4-FFF2-40B4-BE49-F238E27FC236}">
+                <a16:creationId xmlns:a16="http://schemas.microsoft.com/office/drawing/2014/main" id="{4FD4FB41-6B9C-9246-B33F-7B7BE6CD439A}"/>
+              </a:ext>
+            </a:extLst>
+          </p:cNvPr>
+          <p:cNvSpPr>
+            <a:spLocks noGrp="1"/>
+          </p:cNvSpPr>
+          <p:nvPr>
+            <p:ph idx="1"/>
+          </p:nvPr>
+        </p:nvSpPr>
+        <p:spPr/>
+        <p:txBody>
+          <a:bodyPr>
+            <a:normAutofit fontScale="92500" lnSpcReduction="10000"/>
+          </a:bodyPr>
+          <a:lstStyle/>
+          <a:p>
+            <a:r>
+              <a:rPr lang="en-US" dirty="0"/>
+              <a:t>If asked, sorting is O(n log n) (via comparisons)</a:t>
+            </a:r>
+          </a:p>
+          <a:p>
+            <a:r>
+              <a:rPr lang="en-US" dirty="0"/>
+              <a:t>Divide and conquer, merge and quicksort, are primary algorithms</a:t>
+            </a:r>
+          </a:p>
+          <a:p>
+            <a:pPr lvl="1"/>
+            <a:r>
+              <a:rPr lang="en-US" dirty="0" err="1"/>
+              <a:t>Mergesort</a:t>
+            </a:r>
+            <a:r>
+              <a:rPr lang="en-US" dirty="0"/>
+              <a:t> merges to sorted halves recursively; takes extra memory</a:t>
+            </a:r>
+          </a:p>
+          <a:p>
+            <a:pPr lvl="1"/>
+            <a:r>
+              <a:rPr lang="en-US" dirty="0"/>
+              <a:t>Quicksort partitions instead of sorting halves; works in-place (usually better)</a:t>
+            </a:r>
+          </a:p>
+          <a:p>
+            <a:r>
+              <a:rPr lang="en-US" dirty="0"/>
+              <a:t>But, we can do better with pigeonhole sort, mapping each element to unique bucket based on the key; O(n)</a:t>
+            </a:r>
+          </a:p>
+          <a:p>
+            <a:r>
+              <a:rPr lang="en-US" dirty="0"/>
+              <a:t>If mapping to unique bucket is hard, as with floating-point numbers, use bin/bucket sort like a hash table; O(n) if reasonably evenly distributed</a:t>
+            </a:r>
+          </a:p>
+          <a:p>
+            <a:r>
+              <a:rPr lang="en-US" dirty="0"/>
+              <a:t>Use </a:t>
+            </a:r>
+            <a:r>
+              <a:rPr lang="en-US" dirty="0" err="1"/>
+              <a:t>ord</a:t>
+            </a:r>
+            <a:r>
+              <a:rPr lang="en-US" dirty="0"/>
+              <a:t>(char) for strings to bucket sort</a:t>
+            </a:r>
+          </a:p>
+          <a:p>
+            <a:r>
+              <a:rPr lang="en-US" dirty="0"/>
+              <a:t>Use all letters in strings, get nested bucket sort (called a TRIE)</a:t>
+            </a:r>
+          </a:p>
+        </p:txBody>
+      </p:sp>
+    </p:spTree>
+    <p:extLst>
+      <p:ext uri="{BB962C8B-B14F-4D97-AF65-F5344CB8AC3E}">
+        <p14:creationId xmlns:p14="http://schemas.microsoft.com/office/powerpoint/2010/main" val="1637123344"/>
       </p:ext>
     </p:extLst>
   </p:cSld>
@@ -6035,12 +6813,14 @@
         </p:nvSpPr>
         <p:spPr>
           <a:xfrm>
-            <a:off x="838200" y="1832879"/>
-            <a:ext cx="10515600" cy="4351338"/>
+            <a:off x="838200" y="1527243"/>
+            <a:ext cx="10757170" cy="4656974"/>
           </a:xfrm>
         </p:spPr>
         <p:txBody>
-          <a:bodyPr/>
+          <a:bodyPr>
+            <a:normAutofit/>
+          </a:bodyPr>
           <a:lstStyle/>
           <a:p>
             <a:r>
@@ -6071,6 +6851,32 @@
               <a:rPr lang="en-US" dirty="0"/>
               <a:t>What’s the fastest we could ever sort n numbers?</a:t>
             </a:r>
+          </a:p>
+          <a:p>
+            <a:pPr lvl="1"/>
+            <a:r>
+              <a:rPr lang="en-US" dirty="0"/>
+              <a:t>It depends on whether we’re stuck using comparisons only</a:t>
+            </a:r>
+          </a:p>
+          <a:p>
+            <a:r>
+              <a:rPr lang="en-US" dirty="0"/>
+              <a:t>Sorting notebook </a:t>
+            </a:r>
+            <a:r>
+              <a:rPr lang="en-US" dirty="0">
+                <a:hlinkClick r:id="rId2"/>
+              </a:rPr>
+              <a:t>https://github.com/parrt/msds689/blob/master/notes/sorting.ipynb</a:t>
+            </a:r>
+            <a:r>
+              <a:rPr lang="en-US" dirty="0"/>
+              <a:t> </a:t>
+            </a:r>
+          </a:p>
+          <a:p>
+            <a:endParaRPr lang="en-US" dirty="0"/>
           </a:p>
         </p:txBody>
       </p:sp>
@@ -6177,7 +6983,12 @@
             <p:ph idx="1"/>
           </p:nvPr>
         </p:nvSpPr>
-        <p:spPr/>
+        <p:spPr>
+          <a:xfrm>
+            <a:off x="583660" y="1825625"/>
+            <a:ext cx="3482502" cy="4351338"/>
+          </a:xfrm>
+        </p:spPr>
         <p:txBody>
           <a:bodyPr/>
           <a:lstStyle/>
@@ -6218,7 +7029,7 @@
             </a:r>
             <a:r>
               <a:rPr lang="en-US" dirty="0"/>
-              <a:t>: keep</a:t>
+              <a:t>: look for out-of-order elements and then keep</a:t>
             </a:r>
             <a:br>
               <a:rPr lang="en-US" dirty="0"/>
@@ -6589,7 +7400,7 @@
         <p:spPr>
           <a:xfrm>
             <a:off x="838200" y="5184026"/>
-            <a:ext cx="2860078" cy="461665"/>
+            <a:ext cx="5727850" cy="830997"/>
           </a:xfrm>
           <a:prstGeom prst="rect">
             <a:avLst/>
@@ -6604,6 +7415,12 @@
             <a:r>
               <a:rPr lang="en-US" sz="2400" dirty="0"/>
               <a:t>Why is this O(n^2)?</a:t>
+            </a:r>
+          </a:p>
+          <a:p>
+            <a:r>
+              <a:rPr lang="en-US" sz="2400" dirty="0"/>
+              <a:t>(hint: What is worst case order in array?)</a:t>
             </a:r>
           </a:p>
         </p:txBody>
@@ -6709,7 +7526,7 @@
           <a:p>
             <a:r>
               <a:rPr lang="en-US" dirty="0"/>
-              <a:t>Not in-place, uses lots of extra storage</a:t>
+              <a:t>Not in-place, uses lots of extra storage (sort halves)</a:t>
             </a:r>
           </a:p>
           <a:p>
@@ -6888,6 +7705,51 @@
             <a:r>
               <a:rPr lang="en-US" dirty="0"/>
               <a:t>)</a:t>
+            </a:r>
+          </a:p>
+        </p:txBody>
+      </p:sp>
+      <p:sp>
+        <p:nvSpPr>
+          <p:cNvPr id="4" name="TextBox 3">
+            <a:extLst>
+              <a:ext uri="{FF2B5EF4-FFF2-40B4-BE49-F238E27FC236}">
+                <a16:creationId xmlns:a16="http://schemas.microsoft.com/office/drawing/2014/main" id="{D7393A41-BAED-EC46-A96B-DCF390412358}"/>
+              </a:ext>
+            </a:extLst>
+          </p:cNvPr>
+          <p:cNvSpPr txBox="1"/>
+          <p:nvPr/>
+        </p:nvSpPr>
+        <p:spPr>
+          <a:xfrm>
+            <a:off x="97277" y="6342435"/>
+            <a:ext cx="7752443" cy="338554"/>
+          </a:xfrm>
+          <a:prstGeom prst="rect">
+            <a:avLst/>
+          </a:prstGeom>
+          <a:noFill/>
+        </p:spPr>
+        <p:txBody>
+          <a:bodyPr wrap="none" rtlCol="0">
+            <a:spAutoFit/>
+          </a:bodyPr>
+          <a:lstStyle/>
+          <a:p>
+            <a:r>
+              <a:rPr lang="en-US" sz="1600" dirty="0"/>
+              <a:t>Sorting notebook </a:t>
+            </a:r>
+            <a:r>
+              <a:rPr lang="en-US" sz="1600" dirty="0">
+                <a:hlinkClick r:id="rId2"/>
+              </a:rPr>
+              <a:t>https://github.com/parrt/msds689/blob/master/notes/sorting.ipynb</a:t>
+            </a:r>
+            <a:r>
+              <a:rPr lang="en-US" sz="1600" dirty="0"/>
+              <a:t> </a:t>
             </a:r>
           </a:p>
         </p:txBody>

--- a/notes/sorting.pptx
+++ b/notes/sorting.pptx
@@ -224,7 +224,7 @@
           <a:p>
             <a:fld id="{8A1B613A-EFF1-404F-BEE8-EFAE84A4E5E2}" type="datetimeFigureOut">
               <a:rPr lang="en-US" smtClean="0"/>
-              <a:t>2/13/20</a:t>
+              <a:t>2/19/20</a:t>
             </a:fld>
             <a:endParaRPr lang="en-US"/>
           </a:p>
@@ -389,7 +389,7 @@
           <a:p>
             <a:fld id="{690847EA-AC25-3D4E-89E1-FD3F6A9702B6}" type="datetimeFigureOut">
               <a:rPr lang="en-US" smtClean="0"/>
-              <a:t>2/13/20</a:t>
+              <a:t>2/19/20</a:t>
             </a:fld>
             <a:endParaRPr lang="en-US"/>
           </a:p>
@@ -803,7 +803,7 @@
           <a:p>
             <a:fld id="{BE5295ED-3BAF-1140-8495-3D368771D6B1}" type="datetimeFigureOut">
               <a:rPr lang="en-US" smtClean="0"/>
-              <a:t>2/13/20</a:t>
+              <a:t>2/19/20</a:t>
             </a:fld>
             <a:endParaRPr lang="en-US"/>
           </a:p>
@@ -1001,7 +1001,7 @@
           <a:p>
             <a:fld id="{BE5295ED-3BAF-1140-8495-3D368771D6B1}" type="datetimeFigureOut">
               <a:rPr lang="en-US" smtClean="0"/>
-              <a:t>2/13/20</a:t>
+              <a:t>2/19/20</a:t>
             </a:fld>
             <a:endParaRPr lang="en-US"/>
           </a:p>
@@ -1209,7 +1209,7 @@
           <a:p>
             <a:fld id="{BE5295ED-3BAF-1140-8495-3D368771D6B1}" type="datetimeFigureOut">
               <a:rPr lang="en-US" smtClean="0"/>
-              <a:t>2/13/20</a:t>
+              <a:t>2/19/20</a:t>
             </a:fld>
             <a:endParaRPr lang="en-US"/>
           </a:p>
@@ -1407,7 +1407,7 @@
           <a:p>
             <a:fld id="{BE5295ED-3BAF-1140-8495-3D368771D6B1}" type="datetimeFigureOut">
               <a:rPr lang="en-US" smtClean="0"/>
-              <a:t>2/13/20</a:t>
+              <a:t>2/19/20</a:t>
             </a:fld>
             <a:endParaRPr lang="en-US"/>
           </a:p>
@@ -1682,7 +1682,7 @@
           <a:p>
             <a:fld id="{BE5295ED-3BAF-1140-8495-3D368771D6B1}" type="datetimeFigureOut">
               <a:rPr lang="en-US" smtClean="0"/>
-              <a:t>2/13/20</a:t>
+              <a:t>2/19/20</a:t>
             </a:fld>
             <a:endParaRPr lang="en-US"/>
           </a:p>
@@ -1947,7 +1947,7 @@
           <a:p>
             <a:fld id="{BE5295ED-3BAF-1140-8495-3D368771D6B1}" type="datetimeFigureOut">
               <a:rPr lang="en-US" smtClean="0"/>
-              <a:t>2/13/20</a:t>
+              <a:t>2/19/20</a:t>
             </a:fld>
             <a:endParaRPr lang="en-US"/>
           </a:p>
@@ -2359,7 +2359,7 @@
           <a:p>
             <a:fld id="{BE5295ED-3BAF-1140-8495-3D368771D6B1}" type="datetimeFigureOut">
               <a:rPr lang="en-US" smtClean="0"/>
-              <a:t>2/13/20</a:t>
+              <a:t>2/19/20</a:t>
             </a:fld>
             <a:endParaRPr lang="en-US"/>
           </a:p>
@@ -2500,7 +2500,7 @@
           <a:p>
             <a:fld id="{BE5295ED-3BAF-1140-8495-3D368771D6B1}" type="datetimeFigureOut">
               <a:rPr lang="en-US" smtClean="0"/>
-              <a:t>2/13/20</a:t>
+              <a:t>2/19/20</a:t>
             </a:fld>
             <a:endParaRPr lang="en-US"/>
           </a:p>
@@ -2613,7 +2613,7 @@
           <a:p>
             <a:fld id="{BE5295ED-3BAF-1140-8495-3D368771D6B1}" type="datetimeFigureOut">
               <a:rPr lang="en-US" smtClean="0"/>
-              <a:t>2/13/20</a:t>
+              <a:t>2/19/20</a:t>
             </a:fld>
             <a:endParaRPr lang="en-US"/>
           </a:p>
@@ -2924,7 +2924,7 @@
           <a:p>
             <a:fld id="{BE5295ED-3BAF-1140-8495-3D368771D6B1}" type="datetimeFigureOut">
               <a:rPr lang="en-US" smtClean="0"/>
-              <a:t>2/13/20</a:t>
+              <a:t>2/19/20</a:t>
             </a:fld>
             <a:endParaRPr lang="en-US"/>
           </a:p>
@@ -3215,7 +3215,7 @@
           <a:p>
             <a:fld id="{BE5295ED-3BAF-1140-8495-3D368771D6B1}" type="datetimeFigureOut">
               <a:rPr lang="en-US" smtClean="0"/>
-              <a:t>2/13/20</a:t>
+              <a:t>2/19/20</a:t>
             </a:fld>
             <a:endParaRPr lang="en-US"/>
           </a:p>
@@ -3456,7 +3456,7 @@
           <a:p>
             <a:fld id="{BE5295ED-3BAF-1140-8495-3D368771D6B1}" type="datetimeFigureOut">
               <a:rPr lang="en-US" smtClean="0"/>
-              <a:t>2/13/20</a:t>
+              <a:t>2/19/20</a:t>
             </a:fld>
             <a:endParaRPr lang="en-US"/>
           </a:p>
@@ -4572,19 +4572,25 @@
             <p:ph idx="1"/>
           </p:nvPr>
         </p:nvSpPr>
-        <p:spPr/>
+        <p:spPr>
+          <a:xfrm>
+            <a:off x="838200" y="1605064"/>
+            <a:ext cx="10515600" cy="4571899"/>
+          </a:xfrm>
+        </p:spPr>
         <p:txBody>
           <a:bodyPr>
-            <a:normAutofit fontScale="92500" lnSpcReduction="10000"/>
+            <a:normAutofit fontScale="92500"/>
           </a:bodyPr>
           <a:lstStyle/>
           <a:p>
             <a:r>
               <a:rPr lang="en-US" dirty="0"/>
-              <a:t>Idea: distribute n elements across m ordered buckets, sort elements within each bucket, then concatenate elements from sorted buckets in order</a:t>
-            </a:r>
-          </a:p>
-          <a:p>
+              <a:t>Idea: distribute n elements across m buckets, sort elements within buckets, then concatenate elements from buckets in order</a:t>
+            </a:r>
+            <a:br>
+              <a:rPr lang="en-US" dirty="0"/>
+            </a:br>
             <a:endParaRPr lang="en-US" dirty="0"/>
           </a:p>
           <a:p>
@@ -4595,6 +4601,12 @@
           </a:p>
           <a:p>
             <a:endParaRPr lang="en-US" dirty="0"/>
+          </a:p>
+          <a:p>
+            <a:r>
+              <a:rPr lang="en-US" dirty="0"/>
+              <a:t>Hash must preserve order of values!</a:t>
+            </a:r>
           </a:p>
           <a:p>
             <a:r>
@@ -4673,7 +4685,7 @@
         </p:nvSpPr>
         <p:spPr>
           <a:xfrm>
-            <a:off x="5589134" y="3467769"/>
+            <a:off x="5589134" y="3059203"/>
             <a:ext cx="521785" cy="458017"/>
           </a:xfrm>
           <a:prstGeom prst="rightArrow">
@@ -4727,7 +4739,7 @@
         </p:blipFill>
         <p:spPr>
           <a:xfrm>
-            <a:off x="1454555" y="2795077"/>
+            <a:off x="1454555" y="2386511"/>
             <a:ext cx="3835400" cy="1803400"/>
           </a:xfrm>
           <a:prstGeom prst="rect">
@@ -4757,7 +4769,7 @@
         </p:blipFill>
         <p:spPr>
           <a:xfrm>
-            <a:off x="6295957" y="3297136"/>
+            <a:off x="6295957" y="2888570"/>
             <a:ext cx="3860800" cy="1257300"/>
           </a:xfrm>
           <a:prstGeom prst="rect">
@@ -7821,7 +7833,7 @@
         <p:spPr>
           <a:xfrm>
             <a:off x="565821" y="1951412"/>
-            <a:ext cx="4210455" cy="1938992"/>
+            <a:ext cx="4356375" cy="1938992"/>
           </a:xfrm>
           <a:prstGeom prst="rect">
             <a:avLst/>
@@ -7840,12 +7852,8 @@
           <a:lstStyle/>
           <a:p>
             <a:r>
-              <a:rPr lang="en-US" sz="2400" dirty="0" err="1"/>
-              <a:t>def</a:t>
-            </a:r>
-            <a:r>
               <a:rPr lang="en-US" sz="2400" dirty="0"/>
-              <a:t> </a:t>
+              <a:t>def </a:t>
             </a:r>
             <a:r>
               <a:rPr lang="en-US" sz="2400" dirty="0" err="1"/>
@@ -7853,7 +7861,15 @@
             </a:r>
             <a:r>
               <a:rPr lang="en-US" sz="2400" dirty="0"/>
-              <a:t>(A, lo, hi):</a:t>
+              <a:t>(A, lo=0, hi=</a:t>
+            </a:r>
+            <a:r>
+              <a:rPr lang="en-US" sz="2400" dirty="0" err="1"/>
+              <a:t>len</a:t>
+            </a:r>
+            <a:r>
+              <a:rPr lang="en-US" sz="2400" dirty="0"/>
+              <a:t>(A)-1):</a:t>
             </a:r>
           </a:p>
           <a:p>
@@ -7999,7 +8015,7 @@
           <a:p>
             <a:r>
               <a:rPr lang="en-US" sz="2400" dirty="0"/>
-              <a:t>    A[:] = left+[pivot]+right # copy back to A</a:t>
+              <a:t>    A[lo:hi+1] = left+[pivot]+right # copy back to A</a:t>
             </a:r>
           </a:p>
           <a:p>

--- a/notes/sorting.pptx
+++ b/notes/sorting.pptx
@@ -5,10 +5,10 @@
     <p:sldMasterId id="2147483672" r:id="rId1"/>
   </p:sldMasterIdLst>
   <p:notesMasterIdLst>
-    <p:notesMasterId r:id="rId21"/>
+    <p:notesMasterId r:id="rId23"/>
   </p:notesMasterIdLst>
   <p:handoutMasterIdLst>
-    <p:handoutMasterId r:id="rId22"/>
+    <p:handoutMasterId r:id="rId24"/>
   </p:handoutMasterIdLst>
   <p:sldIdLst>
     <p:sldId id="256" r:id="rId2"/>
@@ -18,18 +18,20 @@
     <p:sldId id="291" r:id="rId6"/>
     <p:sldId id="292" r:id="rId7"/>
     <p:sldId id="293" r:id="rId8"/>
-    <p:sldId id="301" r:id="rId9"/>
-    <p:sldId id="294" r:id="rId10"/>
-    <p:sldId id="300" r:id="rId11"/>
-    <p:sldId id="302" r:id="rId12"/>
-    <p:sldId id="295" r:id="rId13"/>
-    <p:sldId id="303" r:id="rId14"/>
-    <p:sldId id="296" r:id="rId15"/>
-    <p:sldId id="297" r:id="rId16"/>
-    <p:sldId id="298" r:id="rId17"/>
-    <p:sldId id="304" r:id="rId18"/>
-    <p:sldId id="299" r:id="rId19"/>
-    <p:sldId id="305" r:id="rId20"/>
+    <p:sldId id="306" r:id="rId9"/>
+    <p:sldId id="301" r:id="rId10"/>
+    <p:sldId id="294" r:id="rId11"/>
+    <p:sldId id="300" r:id="rId12"/>
+    <p:sldId id="307" r:id="rId13"/>
+    <p:sldId id="302" r:id="rId14"/>
+    <p:sldId id="295" r:id="rId15"/>
+    <p:sldId id="303" r:id="rId16"/>
+    <p:sldId id="296" r:id="rId17"/>
+    <p:sldId id="297" r:id="rId18"/>
+    <p:sldId id="298" r:id="rId19"/>
+    <p:sldId id="304" r:id="rId20"/>
+    <p:sldId id="299" r:id="rId21"/>
+    <p:sldId id="305" r:id="rId22"/>
   </p:sldIdLst>
   <p:sldSz cx="12192000" cy="6858000"/>
   <p:notesSz cx="9144000" cy="6858000"/>
@@ -224,7 +226,7 @@
           <a:p>
             <a:fld id="{8A1B613A-EFF1-404F-BEE8-EFAE84A4E5E2}" type="datetimeFigureOut">
               <a:rPr lang="en-US" smtClean="0"/>
-              <a:t>2/19/20</a:t>
+              <a:t>4/13/21</a:t>
             </a:fld>
             <a:endParaRPr lang="en-US"/>
           </a:p>
@@ -389,7 +391,7 @@
           <a:p>
             <a:fld id="{690847EA-AC25-3D4E-89E1-FD3F6A9702B6}" type="datetimeFigureOut">
               <a:rPr lang="en-US" smtClean="0"/>
-              <a:t>2/19/20</a:t>
+              <a:t>4/13/21</a:t>
             </a:fld>
             <a:endParaRPr lang="en-US"/>
           </a:p>
@@ -803,7 +805,7 @@
           <a:p>
             <a:fld id="{BE5295ED-3BAF-1140-8495-3D368771D6B1}" type="datetimeFigureOut">
               <a:rPr lang="en-US" smtClean="0"/>
-              <a:t>2/19/20</a:t>
+              <a:t>4/13/21</a:t>
             </a:fld>
             <a:endParaRPr lang="en-US"/>
           </a:p>
@@ -1001,7 +1003,7 @@
           <a:p>
             <a:fld id="{BE5295ED-3BAF-1140-8495-3D368771D6B1}" type="datetimeFigureOut">
               <a:rPr lang="en-US" smtClean="0"/>
-              <a:t>2/19/20</a:t>
+              <a:t>4/13/21</a:t>
             </a:fld>
             <a:endParaRPr lang="en-US"/>
           </a:p>
@@ -1209,7 +1211,7 @@
           <a:p>
             <a:fld id="{BE5295ED-3BAF-1140-8495-3D368771D6B1}" type="datetimeFigureOut">
               <a:rPr lang="en-US" smtClean="0"/>
-              <a:t>2/19/20</a:t>
+              <a:t>4/13/21</a:t>
             </a:fld>
             <a:endParaRPr lang="en-US"/>
           </a:p>
@@ -1407,7 +1409,7 @@
           <a:p>
             <a:fld id="{BE5295ED-3BAF-1140-8495-3D368771D6B1}" type="datetimeFigureOut">
               <a:rPr lang="en-US" smtClean="0"/>
-              <a:t>2/19/20</a:t>
+              <a:t>4/13/21</a:t>
             </a:fld>
             <a:endParaRPr lang="en-US"/>
           </a:p>
@@ -1682,7 +1684,7 @@
           <a:p>
             <a:fld id="{BE5295ED-3BAF-1140-8495-3D368771D6B1}" type="datetimeFigureOut">
               <a:rPr lang="en-US" smtClean="0"/>
-              <a:t>2/19/20</a:t>
+              <a:t>4/13/21</a:t>
             </a:fld>
             <a:endParaRPr lang="en-US"/>
           </a:p>
@@ -1947,7 +1949,7 @@
           <a:p>
             <a:fld id="{BE5295ED-3BAF-1140-8495-3D368771D6B1}" type="datetimeFigureOut">
               <a:rPr lang="en-US" smtClean="0"/>
-              <a:t>2/19/20</a:t>
+              <a:t>4/13/21</a:t>
             </a:fld>
             <a:endParaRPr lang="en-US"/>
           </a:p>
@@ -2359,7 +2361,7 @@
           <a:p>
             <a:fld id="{BE5295ED-3BAF-1140-8495-3D368771D6B1}" type="datetimeFigureOut">
               <a:rPr lang="en-US" smtClean="0"/>
-              <a:t>2/19/20</a:t>
+              <a:t>4/13/21</a:t>
             </a:fld>
             <a:endParaRPr lang="en-US"/>
           </a:p>
@@ -2500,7 +2502,7 @@
           <a:p>
             <a:fld id="{BE5295ED-3BAF-1140-8495-3D368771D6B1}" type="datetimeFigureOut">
               <a:rPr lang="en-US" smtClean="0"/>
-              <a:t>2/19/20</a:t>
+              <a:t>4/13/21</a:t>
             </a:fld>
             <a:endParaRPr lang="en-US"/>
           </a:p>
@@ -2613,7 +2615,7 @@
           <a:p>
             <a:fld id="{BE5295ED-3BAF-1140-8495-3D368771D6B1}" type="datetimeFigureOut">
               <a:rPr lang="en-US" smtClean="0"/>
-              <a:t>2/19/20</a:t>
+              <a:t>4/13/21</a:t>
             </a:fld>
             <a:endParaRPr lang="en-US"/>
           </a:p>
@@ -2924,7 +2926,7 @@
           <a:p>
             <a:fld id="{BE5295ED-3BAF-1140-8495-3D368771D6B1}" type="datetimeFigureOut">
               <a:rPr lang="en-US" smtClean="0"/>
-              <a:t>2/19/20</a:t>
+              <a:t>4/13/21</a:t>
             </a:fld>
             <a:endParaRPr lang="en-US"/>
           </a:p>
@@ -3215,7 +3217,7 @@
           <a:p>
             <a:fld id="{BE5295ED-3BAF-1140-8495-3D368771D6B1}" type="datetimeFigureOut">
               <a:rPr lang="en-US" smtClean="0"/>
-              <a:t>2/19/20</a:t>
+              <a:t>4/13/21</a:t>
             </a:fld>
             <a:endParaRPr lang="en-US"/>
           </a:p>
@@ -3456,7 +3458,7 @@
           <a:p>
             <a:fld id="{BE5295ED-3BAF-1140-8495-3D368771D6B1}" type="datetimeFigureOut">
               <a:rPr lang="en-US" smtClean="0"/>
-              <a:t>2/19/20</a:t>
+              <a:t>4/13/21</a:t>
             </a:fld>
             <a:endParaRPr lang="en-US"/>
           </a:p>
@@ -4055,6 +4057,202 @@
       </p:grpSpPr>
       <p:sp>
         <p:nvSpPr>
+          <p:cNvPr id="2" name="Title 1"/>
+          <p:cNvSpPr>
+            <a:spLocks noGrp="1"/>
+          </p:cNvSpPr>
+          <p:nvPr>
+            <p:ph type="title"/>
+          </p:nvPr>
+        </p:nvSpPr>
+        <p:spPr/>
+        <p:txBody>
+          <a:bodyPr/>
+          <a:lstStyle/>
+          <a:p>
+            <a:r>
+              <a:rPr lang="en-US" dirty="0"/>
+              <a:t>Pigeonhole sort</a:t>
+            </a:r>
+          </a:p>
+        </p:txBody>
+      </p:sp>
+      <p:sp>
+        <p:nvSpPr>
+          <p:cNvPr id="3" name="Content Placeholder 2"/>
+          <p:cNvSpPr>
+            <a:spLocks noGrp="1"/>
+          </p:cNvSpPr>
+          <p:nvPr>
+            <p:ph idx="1"/>
+          </p:nvPr>
+        </p:nvSpPr>
+        <p:spPr/>
+        <p:txBody>
+          <a:bodyPr/>
+          <a:lstStyle/>
+          <a:p>
+            <a:r>
+              <a:rPr lang="en-US" b="1" dirty="0"/>
+              <a:t>Idea</a:t>
+            </a:r>
+            <a:r>
+              <a:rPr lang="en-US" dirty="0"/>
+              <a:t>: Map each key to unique pigeonhole in ordered</a:t>
+            </a:r>
+            <a:br>
+              <a:rPr lang="en-US" dirty="0"/>
+            </a:br>
+            <a:r>
+              <a:rPr lang="en-US" dirty="0"/>
+              <a:t>range of holes; then just walk pigeonholes in order to</a:t>
+            </a:r>
+            <a:br>
+              <a:rPr lang="en-US" dirty="0"/>
+            </a:br>
+            <a:r>
+              <a:rPr lang="en-US" dirty="0"/>
+              <a:t>get sorted elements</a:t>
+            </a:r>
+          </a:p>
+          <a:p>
+            <a:r>
+              <a:rPr lang="en-US" dirty="0"/>
+              <a:t>Works best when the range of keys, m, is similar to the</a:t>
+            </a:r>
+            <a:br>
+              <a:rPr lang="en-US" dirty="0"/>
+            </a:br>
+            <a:r>
+              <a:rPr lang="en-US" dirty="0"/>
+              <a:t>number of elements, n; why is that?</a:t>
+            </a:r>
+          </a:p>
+          <a:p>
+            <a:r>
+              <a:rPr lang="en-US" dirty="0"/>
+              <a:t>T(</a:t>
+            </a:r>
+            <a:r>
+              <a:rPr lang="en-US" dirty="0" err="1"/>
+              <a:t>n,m</a:t>
+            </a:r>
+            <a:r>
+              <a:rPr lang="en-US" dirty="0"/>
+              <a:t>) = n + m</a:t>
+            </a:r>
+          </a:p>
+          <a:p>
+            <a:r>
+              <a:rPr lang="en-US" dirty="0"/>
+              <a:t>This should smack of perfect hashing to you!</a:t>
+            </a:r>
+          </a:p>
+        </p:txBody>
+      </p:sp>
+      <p:sp>
+        <p:nvSpPr>
+          <p:cNvPr id="4" name="Rectangle 3"/>
+          <p:cNvSpPr/>
+          <p:nvPr/>
+        </p:nvSpPr>
+        <p:spPr>
+          <a:xfrm>
+            <a:off x="838200" y="6386368"/>
+            <a:ext cx="4724370" cy="369332"/>
+          </a:xfrm>
+          <a:prstGeom prst="rect">
+            <a:avLst/>
+          </a:prstGeom>
+        </p:spPr>
+        <p:txBody>
+          <a:bodyPr wrap="none">
+            <a:spAutoFit/>
+          </a:bodyPr>
+          <a:lstStyle/>
+          <a:p>
+            <a:r>
+              <a:rPr lang="en-US" dirty="0"/>
+              <a:t>https://</a:t>
+            </a:r>
+            <a:r>
+              <a:rPr lang="en-US" dirty="0" err="1"/>
+              <a:t>en.wikipedia.org</a:t>
+            </a:r>
+            <a:r>
+              <a:rPr lang="en-US" dirty="0"/>
+              <a:t>/wiki/</a:t>
+            </a:r>
+            <a:r>
+              <a:rPr lang="en-US" dirty="0" err="1"/>
+              <a:t>Pigeonhole_sort</a:t>
+            </a:r>
+            <a:endParaRPr lang="en-US" dirty="0"/>
+          </a:p>
+        </p:txBody>
+      </p:sp>
+      <p:pic>
+        <p:nvPicPr>
+          <p:cNvPr id="5" name="Picture 4">
+            <a:extLst>
+              <a:ext uri="{FF2B5EF4-FFF2-40B4-BE49-F238E27FC236}">
+                <a16:creationId xmlns:a16="http://schemas.microsoft.com/office/drawing/2014/main" id="{4B841605-E4BF-3B45-9C0D-03FB08745711}"/>
+              </a:ext>
+            </a:extLst>
+          </p:cNvPr>
+          <p:cNvPicPr>
+            <a:picLocks noChangeAspect="1"/>
+          </p:cNvPicPr>
+          <p:nvPr/>
+        </p:nvPicPr>
+        <p:blipFill>
+          <a:blip r:embed="rId2"/>
+          <a:stretch>
+            <a:fillRect/>
+          </a:stretch>
+        </p:blipFill>
+        <p:spPr>
+          <a:xfrm>
+            <a:off x="8725711" y="0"/>
+            <a:ext cx="3466289" cy="4108194"/>
+          </a:xfrm>
+          <a:prstGeom prst="rect">
+            <a:avLst/>
+          </a:prstGeom>
+        </p:spPr>
+      </p:pic>
+    </p:spTree>
+    <p:extLst>
+      <p:ext uri="{BB962C8B-B14F-4D97-AF65-F5344CB8AC3E}">
+        <p14:creationId xmlns:p14="http://schemas.microsoft.com/office/powerpoint/2010/main" val="1443524529"/>
+      </p:ext>
+    </p:extLst>
+  </p:cSld>
+  <p:clrMapOvr>
+    <a:masterClrMapping/>
+  </p:clrMapOvr>
+</p:sld>
+</file>
+
+<file path=ppt/slides/slide11.xml><?xml version="1.0" encoding="utf-8"?>
+<p:sld xmlns:a="http://schemas.openxmlformats.org/drawingml/2006/main" xmlns:r="http://schemas.openxmlformats.org/officeDocument/2006/relationships" xmlns:p="http://schemas.openxmlformats.org/presentationml/2006/main">
+  <p:cSld>
+    <p:spTree>
+      <p:nvGrpSpPr>
+        <p:cNvPr id="1" name=""/>
+        <p:cNvGrpSpPr/>
+        <p:nvPr/>
+      </p:nvGrpSpPr>
+      <p:grpSpPr>
+        <a:xfrm>
+          <a:off x="0" y="0"/>
+          <a:ext cx="0" cy="0"/>
+          <a:chOff x="0" y="0"/>
+          <a:chExt cx="0" cy="0"/>
+        </a:xfrm>
+      </p:grpSpPr>
+      <p:sp>
+        <p:nvSpPr>
           <p:cNvPr id="2" name="Title 1">
             <a:extLst>
               <a:ext uri="{FF2B5EF4-FFF2-40B4-BE49-F238E27FC236}">
@@ -4287,7 +4485,297 @@
 </p:sld>
 </file>
 
-<file path=ppt/slides/slide11.xml><?xml version="1.0" encoding="utf-8"?>
+<file path=ppt/slides/slide12.xml><?xml version="1.0" encoding="utf-8"?>
+<p:sld xmlns:a="http://schemas.openxmlformats.org/drawingml/2006/main" xmlns:r="http://schemas.openxmlformats.org/officeDocument/2006/relationships" xmlns:p="http://schemas.openxmlformats.org/presentationml/2006/main">
+  <p:cSld>
+    <p:spTree>
+      <p:nvGrpSpPr>
+        <p:cNvPr id="1" name=""/>
+        <p:cNvGrpSpPr/>
+        <p:nvPr/>
+      </p:nvGrpSpPr>
+      <p:grpSpPr>
+        <a:xfrm>
+          <a:off x="0" y="0"/>
+          <a:ext cx="0" cy="0"/>
+          <a:chOff x="0" y="0"/>
+          <a:chExt cx="0" cy="0"/>
+        </a:xfrm>
+      </p:grpSpPr>
+      <p:sp>
+        <p:nvSpPr>
+          <p:cNvPr id="2" name="Title 1">
+            <a:extLst>
+              <a:ext uri="{FF2B5EF4-FFF2-40B4-BE49-F238E27FC236}">
+                <a16:creationId xmlns:a16="http://schemas.microsoft.com/office/drawing/2014/main" id="{649C397C-F55B-BB41-BF0D-E69B05B5A22C}"/>
+              </a:ext>
+            </a:extLst>
+          </p:cNvPr>
+          <p:cNvSpPr>
+            <a:spLocks noGrp="1"/>
+          </p:cNvSpPr>
+          <p:nvPr>
+            <p:ph type="title"/>
+          </p:nvPr>
+        </p:nvSpPr>
+        <p:spPr/>
+        <p:txBody>
+          <a:bodyPr/>
+          <a:lstStyle/>
+          <a:p>
+            <a:r>
+              <a:rPr lang="en-US" dirty="0"/>
+              <a:t>Compare quicksort, pigeonhole</a:t>
+            </a:r>
+          </a:p>
+        </p:txBody>
+      </p:sp>
+      <p:pic>
+        <p:nvPicPr>
+          <p:cNvPr id="3" name="Picture 2">
+            <a:extLst>
+              <a:ext uri="{FF2B5EF4-FFF2-40B4-BE49-F238E27FC236}">
+                <a16:creationId xmlns:a16="http://schemas.microsoft.com/office/drawing/2014/main" id="{8C57AA52-8803-F04A-B37B-E0F9EE04466F}"/>
+              </a:ext>
+            </a:extLst>
+          </p:cNvPr>
+          <p:cNvPicPr>
+            <a:picLocks noChangeAspect="1"/>
+          </p:cNvPicPr>
+          <p:nvPr/>
+        </p:nvPicPr>
+        <p:blipFill>
+          <a:blip r:embed="rId2"/>
+          <a:stretch>
+            <a:fillRect/>
+          </a:stretch>
+        </p:blipFill>
+        <p:spPr>
+          <a:xfrm>
+            <a:off x="510209" y="2172231"/>
+            <a:ext cx="5060949" cy="3757581"/>
+          </a:xfrm>
+          <a:prstGeom prst="rect">
+            <a:avLst/>
+          </a:prstGeom>
+        </p:spPr>
+      </p:pic>
+      <p:sp>
+        <p:nvSpPr>
+          <p:cNvPr id="11" name="Rectangle 10">
+            <a:extLst>
+              <a:ext uri="{FF2B5EF4-FFF2-40B4-BE49-F238E27FC236}">
+                <a16:creationId xmlns:a16="http://schemas.microsoft.com/office/drawing/2014/main" id="{C4889B52-ADA2-2340-BC75-F8CED7B42198}"/>
+              </a:ext>
+            </a:extLst>
+          </p:cNvPr>
+          <p:cNvSpPr/>
+          <p:nvPr/>
+        </p:nvSpPr>
+        <p:spPr>
+          <a:xfrm>
+            <a:off x="2486837" y="1700627"/>
+            <a:ext cx="1484702" cy="461665"/>
+          </a:xfrm>
+          <a:prstGeom prst="rect">
+            <a:avLst/>
+          </a:prstGeom>
+        </p:spPr>
+        <p:txBody>
+          <a:bodyPr wrap="none">
+            <a:spAutoFit/>
+          </a:bodyPr>
+          <a:lstStyle/>
+          <a:p>
+            <a:r>
+              <a:rPr lang="en-US" sz="2400" dirty="0"/>
+              <a:t>Quicksort</a:t>
+            </a:r>
+          </a:p>
+        </p:txBody>
+      </p:sp>
+      <p:sp>
+        <p:nvSpPr>
+          <p:cNvPr id="12" name="Rectangle 11">
+            <a:extLst>
+              <a:ext uri="{FF2B5EF4-FFF2-40B4-BE49-F238E27FC236}">
+                <a16:creationId xmlns:a16="http://schemas.microsoft.com/office/drawing/2014/main" id="{74AF08BC-16D6-C04B-A10B-9AD07E12B6B4}"/>
+              </a:ext>
+            </a:extLst>
+          </p:cNvPr>
+          <p:cNvSpPr/>
+          <p:nvPr/>
+        </p:nvSpPr>
+        <p:spPr>
+          <a:xfrm>
+            <a:off x="8284663" y="1700627"/>
+            <a:ext cx="1728358" cy="461665"/>
+          </a:xfrm>
+          <a:prstGeom prst="rect">
+            <a:avLst/>
+          </a:prstGeom>
+        </p:spPr>
+        <p:txBody>
+          <a:bodyPr wrap="none">
+            <a:spAutoFit/>
+          </a:bodyPr>
+          <a:lstStyle/>
+          <a:p>
+            <a:r>
+              <a:rPr lang="en-US" sz="2400" dirty="0"/>
+              <a:t>Pigeonhole</a:t>
+            </a:r>
+          </a:p>
+        </p:txBody>
+      </p:sp>
+      <p:pic>
+        <p:nvPicPr>
+          <p:cNvPr id="9" name="Picture 8">
+            <a:extLst>
+              <a:ext uri="{FF2B5EF4-FFF2-40B4-BE49-F238E27FC236}">
+                <a16:creationId xmlns:a16="http://schemas.microsoft.com/office/drawing/2014/main" id="{C87A8C51-E710-0048-AACE-224E5B717687}"/>
+              </a:ext>
+            </a:extLst>
+          </p:cNvPr>
+          <p:cNvPicPr>
+            <a:picLocks noChangeAspect="1"/>
+          </p:cNvPicPr>
+          <p:nvPr/>
+        </p:nvPicPr>
+        <p:blipFill>
+          <a:blip r:embed="rId3"/>
+          <a:stretch>
+            <a:fillRect/>
+          </a:stretch>
+        </p:blipFill>
+        <p:spPr>
+          <a:xfrm>
+            <a:off x="6095999" y="2172231"/>
+            <a:ext cx="5460453" cy="3757580"/>
+          </a:xfrm>
+          <a:prstGeom prst="rect">
+            <a:avLst/>
+          </a:prstGeom>
+        </p:spPr>
+      </p:pic>
+      <p:sp>
+        <p:nvSpPr>
+          <p:cNvPr id="6" name="Rectangle 5">
+            <a:extLst>
+              <a:ext uri="{FF2B5EF4-FFF2-40B4-BE49-F238E27FC236}">
+                <a16:creationId xmlns:a16="http://schemas.microsoft.com/office/drawing/2014/main" id="{A63EBE1C-F99B-984F-9356-073627DD4BAD}"/>
+              </a:ext>
+            </a:extLst>
+          </p:cNvPr>
+          <p:cNvSpPr/>
+          <p:nvPr/>
+        </p:nvSpPr>
+        <p:spPr>
+          <a:xfrm>
+            <a:off x="6391684" y="2482966"/>
+            <a:ext cx="774429" cy="300174"/>
+          </a:xfrm>
+          <a:prstGeom prst="rect">
+            <a:avLst/>
+          </a:prstGeom>
+          <a:noFill/>
+          <a:ln>
+            <a:solidFill>
+              <a:srgbClr val="E4754F"/>
+            </a:solidFill>
+          </a:ln>
+        </p:spPr>
+        <p:style>
+          <a:lnRef idx="2">
+            <a:schemeClr val="accent1">
+              <a:shade val="50000"/>
+            </a:schemeClr>
+          </a:lnRef>
+          <a:fillRef idx="1">
+            <a:schemeClr val="accent1"/>
+          </a:fillRef>
+          <a:effectRef idx="0">
+            <a:schemeClr val="accent1"/>
+          </a:effectRef>
+          <a:fontRef idx="minor">
+            <a:schemeClr val="lt1"/>
+          </a:fontRef>
+        </p:style>
+        <p:txBody>
+          <a:bodyPr rtlCol="0" anchor="ctr"/>
+          <a:lstStyle/>
+          <a:p>
+            <a:pPr algn="ctr"/>
+            <a:endParaRPr lang="en-US"/>
+          </a:p>
+        </p:txBody>
+      </p:sp>
+      <p:sp>
+        <p:nvSpPr>
+          <p:cNvPr id="13" name="Rectangle 12">
+            <a:extLst>
+              <a:ext uri="{FF2B5EF4-FFF2-40B4-BE49-F238E27FC236}">
+                <a16:creationId xmlns:a16="http://schemas.microsoft.com/office/drawing/2014/main" id="{1082E7D1-DF5C-1747-BF84-62B8C2F66E25}"/>
+              </a:ext>
+            </a:extLst>
+          </p:cNvPr>
+          <p:cNvSpPr/>
+          <p:nvPr/>
+        </p:nvSpPr>
+        <p:spPr>
+          <a:xfrm>
+            <a:off x="735496" y="2473027"/>
+            <a:ext cx="539203" cy="240356"/>
+          </a:xfrm>
+          <a:prstGeom prst="rect">
+            <a:avLst/>
+          </a:prstGeom>
+          <a:noFill/>
+          <a:ln>
+            <a:solidFill>
+              <a:srgbClr val="E4754F"/>
+            </a:solidFill>
+          </a:ln>
+        </p:spPr>
+        <p:style>
+          <a:lnRef idx="2">
+            <a:schemeClr val="accent1">
+              <a:shade val="50000"/>
+            </a:schemeClr>
+          </a:lnRef>
+          <a:fillRef idx="1">
+            <a:schemeClr val="accent1"/>
+          </a:fillRef>
+          <a:effectRef idx="0">
+            <a:schemeClr val="accent1"/>
+          </a:effectRef>
+          <a:fontRef idx="minor">
+            <a:schemeClr val="lt1"/>
+          </a:fontRef>
+        </p:style>
+        <p:txBody>
+          <a:bodyPr rtlCol="0" anchor="ctr"/>
+          <a:lstStyle/>
+          <a:p>
+            <a:pPr algn="ctr"/>
+            <a:endParaRPr lang="en-US"/>
+          </a:p>
+        </p:txBody>
+      </p:sp>
+    </p:spTree>
+    <p:extLst>
+      <p:ext uri="{BB962C8B-B14F-4D97-AF65-F5344CB8AC3E}">
+        <p14:creationId xmlns:p14="http://schemas.microsoft.com/office/powerpoint/2010/main" val="934231447"/>
+      </p:ext>
+    </p:extLst>
+  </p:cSld>
+  <p:clrMapOvr>
+    <a:masterClrMapping/>
+  </p:clrMapOvr>
+</p:sld>
+</file>
+
+<file path=ppt/slides/slide13.xml><?xml version="1.0" encoding="utf-8"?>
 <p:sld xmlns:a="http://schemas.openxmlformats.org/drawingml/2006/main" xmlns:r="http://schemas.openxmlformats.org/officeDocument/2006/relationships" xmlns:p="http://schemas.openxmlformats.org/presentationml/2006/main">
   <p:cSld>
     <p:spTree>
@@ -4523,7 +5011,7 @@
 </p:sld>
 </file>
 
-<file path=ppt/slides/slide12.xml><?xml version="1.0" encoding="utf-8"?>
+<file path=ppt/slides/slide14.xml><?xml version="1.0" encoding="utf-8"?>
 <p:sld xmlns:a="http://schemas.openxmlformats.org/drawingml/2006/main" xmlns:r="http://schemas.openxmlformats.org/officeDocument/2006/relationships" xmlns:p="http://schemas.openxmlformats.org/presentationml/2006/main">
   <p:cSld>
     <p:spTree>
@@ -4823,7 +5311,7 @@
 </p:sld>
 </file>
 
-<file path=ppt/slides/slide13.xml><?xml version="1.0" encoding="utf-8"?>
+<file path=ppt/slides/slide15.xml><?xml version="1.0" encoding="utf-8"?>
 <p:sld xmlns:a="http://schemas.openxmlformats.org/drawingml/2006/main" xmlns:r="http://schemas.openxmlformats.org/officeDocument/2006/relationships" xmlns:p="http://schemas.openxmlformats.org/presentationml/2006/main">
   <p:cSld>
     <p:spTree>
@@ -5095,7 +5583,7 @@
 </p:sld>
 </file>
 
-<file path=ppt/slides/slide14.xml><?xml version="1.0" encoding="utf-8"?>
+<file path=ppt/slides/slide16.xml><?xml version="1.0" encoding="utf-8"?>
 <p:sld xmlns:a="http://schemas.openxmlformats.org/drawingml/2006/main" xmlns:r="http://schemas.openxmlformats.org/officeDocument/2006/relationships" xmlns:p="http://schemas.openxmlformats.org/presentationml/2006/main">
   <p:cSld>
     <p:spTree>
@@ -5112,6 +5600,36 @@
           <a:chExt cx="0" cy="0"/>
         </a:xfrm>
       </p:grpSpPr>
+      <p:pic>
+        <p:nvPicPr>
+          <p:cNvPr id="5" name="Picture 4">
+            <a:extLst>
+              <a:ext uri="{FF2B5EF4-FFF2-40B4-BE49-F238E27FC236}">
+                <a16:creationId xmlns:a16="http://schemas.microsoft.com/office/drawing/2014/main" id="{79ABBC87-A945-514A-AA76-FB3F4CBB73C6}"/>
+              </a:ext>
+            </a:extLst>
+          </p:cNvPr>
+          <p:cNvPicPr>
+            <a:picLocks noChangeAspect="1"/>
+          </p:cNvPicPr>
+          <p:nvPr/>
+        </p:nvPicPr>
+        <p:blipFill>
+          <a:blip r:embed="rId2"/>
+          <a:stretch>
+            <a:fillRect/>
+          </a:stretch>
+        </p:blipFill>
+        <p:spPr>
+          <a:xfrm>
+            <a:off x="7981122" y="0"/>
+            <a:ext cx="4210878" cy="2931624"/>
+          </a:xfrm>
+          <a:prstGeom prst="rect">
+            <a:avLst/>
+          </a:prstGeom>
+        </p:spPr>
+      </p:pic>
       <p:sp>
         <p:nvSpPr>
           <p:cNvPr id="2" name="Title 1"/>
@@ -5129,7 +5647,14 @@
           <a:p>
             <a:r>
               <a:rPr lang="en-US" dirty="0"/>
-              <a:t>Bucket sort worst-case analysis</a:t>
+              <a:t>Bucket sort worst-case</a:t>
+            </a:r>
+            <a:br>
+              <a:rPr lang="en-US" dirty="0"/>
+            </a:br>
+            <a:r>
+              <a:rPr lang="en-US" dirty="0"/>
+              <a:t>analysis</a:t>
             </a:r>
           </a:p>
         </p:txBody>
@@ -5144,7 +5669,12 @@
             <p:ph idx="1"/>
           </p:nvPr>
         </p:nvSpPr>
-        <p:spPr/>
+        <p:spPr>
+          <a:xfrm>
+            <a:off x="838200" y="2266121"/>
+            <a:ext cx="10515600" cy="3910841"/>
+          </a:xfrm>
+        </p:spPr>
         <p:txBody>
           <a:bodyPr>
             <a:normAutofit/>
@@ -5400,7 +5930,7 @@
 </p:sld>
 </file>
 
-<file path=ppt/slides/slide15.xml><?xml version="1.0" encoding="utf-8"?>
+<file path=ppt/slides/slide17.xml><?xml version="1.0" encoding="utf-8"?>
 <p:sld xmlns:a="http://schemas.openxmlformats.org/drawingml/2006/main" xmlns:r="http://schemas.openxmlformats.org/officeDocument/2006/relationships" xmlns:p="http://schemas.openxmlformats.org/presentationml/2006/main">
   <p:cSld>
     <p:spTree>
@@ -5830,7 +6360,7 @@
 </p:sld>
 </file>
 
-<file path=ppt/slides/slide16.xml><?xml version="1.0" encoding="utf-8"?>
+<file path=ppt/slides/slide18.xml><?xml version="1.0" encoding="utf-8"?>
 <p:sld xmlns:a="http://schemas.openxmlformats.org/drawingml/2006/main" xmlns:r="http://schemas.openxmlformats.org/officeDocument/2006/relationships" xmlns:p="http://schemas.openxmlformats.org/presentationml/2006/main">
   <p:cSld>
     <p:spTree>
@@ -5980,7 +6510,7 @@
 </p:sld>
 </file>
 
-<file path=ppt/slides/slide17.xml><?xml version="1.0" encoding="utf-8"?>
+<file path=ppt/slides/slide19.xml><?xml version="1.0" encoding="utf-8"?>
 <p:sld xmlns:a="http://schemas.openxmlformats.org/drawingml/2006/main" xmlns:r="http://schemas.openxmlformats.org/officeDocument/2006/relationships" xmlns:p="http://schemas.openxmlformats.org/presentationml/2006/main">
   <p:cSld>
     <p:spTree>
@@ -6296,7 +6826,199 @@
 </p:sld>
 </file>
 
-<file path=ppt/slides/slide18.xml><?xml version="1.0" encoding="utf-8"?>
+<file path=ppt/slides/slide2.xml><?xml version="1.0" encoding="utf-8"?>
+<p:sld xmlns:a="http://schemas.openxmlformats.org/drawingml/2006/main" xmlns:r="http://schemas.openxmlformats.org/officeDocument/2006/relationships" xmlns:p="http://schemas.openxmlformats.org/presentationml/2006/main">
+  <p:cSld>
+    <p:spTree>
+      <p:nvGrpSpPr>
+        <p:cNvPr id="1" name=""/>
+        <p:cNvGrpSpPr/>
+        <p:nvPr/>
+      </p:nvGrpSpPr>
+      <p:grpSpPr>
+        <a:xfrm>
+          <a:off x="0" y="0"/>
+          <a:ext cx="0" cy="0"/>
+          <a:chOff x="0" y="0"/>
+          <a:chExt cx="0" cy="0"/>
+        </a:xfrm>
+      </p:grpSpPr>
+      <p:sp>
+        <p:nvSpPr>
+          <p:cNvPr id="2" name="Title 1">
+            <a:extLst>
+              <a:ext uri="{FF2B5EF4-FFF2-40B4-BE49-F238E27FC236}">
+                <a16:creationId xmlns:a16="http://schemas.microsoft.com/office/drawing/2014/main" id="{28E269BC-FCD0-3641-BD6D-5B96C2417018}"/>
+              </a:ext>
+            </a:extLst>
+          </p:cNvPr>
+          <p:cNvSpPr>
+            <a:spLocks noGrp="1"/>
+          </p:cNvSpPr>
+          <p:nvPr>
+            <p:ph type="title"/>
+          </p:nvPr>
+        </p:nvSpPr>
+        <p:spPr/>
+        <p:txBody>
+          <a:bodyPr/>
+          <a:lstStyle/>
+          <a:p>
+            <a:r>
+              <a:rPr lang="en-US" dirty="0"/>
+              <a:t>Sorting</a:t>
+            </a:r>
+          </a:p>
+        </p:txBody>
+      </p:sp>
+      <p:sp>
+        <p:nvSpPr>
+          <p:cNvPr id="3" name="Content Placeholder 2">
+            <a:extLst>
+              <a:ext uri="{FF2B5EF4-FFF2-40B4-BE49-F238E27FC236}">
+                <a16:creationId xmlns:a16="http://schemas.microsoft.com/office/drawing/2014/main" id="{011453FF-9B1C-204B-BAC3-7506D02A781A}"/>
+              </a:ext>
+            </a:extLst>
+          </p:cNvPr>
+          <p:cNvSpPr>
+            <a:spLocks noGrp="1"/>
+          </p:cNvSpPr>
+          <p:nvPr>
+            <p:ph idx="1"/>
+          </p:nvPr>
+        </p:nvSpPr>
+        <p:spPr>
+          <a:xfrm>
+            <a:off x="838200" y="1527243"/>
+            <a:ext cx="10757170" cy="4656974"/>
+          </a:xfrm>
+        </p:spPr>
+        <p:txBody>
+          <a:bodyPr>
+            <a:normAutofit/>
+          </a:bodyPr>
+          <a:lstStyle/>
+          <a:p>
+            <a:r>
+              <a:rPr lang="en-US" dirty="0"/>
+              <a:t>We can sort any kind of element for which we have a similarity or distance measure between any two elements (subject to triangle inequality property*)</a:t>
+            </a:r>
+          </a:p>
+          <a:p>
+            <a:r>
+              <a:rPr lang="en-US" dirty="0"/>
+              <a:t>Traditional sorting algorithms: bubble sort, merge sort, quicksort</a:t>
+            </a:r>
+          </a:p>
+          <a:p>
+            <a:r>
+              <a:rPr lang="en-US" dirty="0"/>
+              <a:t>Dirty tricks: pigeonhole sort, bucket sort can often sort in O(n)</a:t>
+            </a:r>
+          </a:p>
+          <a:p>
+            <a:r>
+              <a:rPr lang="en-US" dirty="0"/>
+              <a:t>Really dirty trick: nested bucket sort</a:t>
+            </a:r>
+          </a:p>
+          <a:p>
+            <a:r>
+              <a:rPr lang="en-US" dirty="0"/>
+              <a:t>What’s the fastest we could ever sort </a:t>
+            </a:r>
+            <a:r>
+              <a:rPr lang="en-US" i="1" dirty="0"/>
+              <a:t>n</a:t>
+            </a:r>
+            <a:r>
+              <a:rPr lang="en-US" dirty="0"/>
+              <a:t> numbers?</a:t>
+            </a:r>
+          </a:p>
+          <a:p>
+            <a:pPr lvl="1"/>
+            <a:r>
+              <a:rPr lang="en-US" dirty="0"/>
+              <a:t>It depends on whether we’re stuck using comparisons only</a:t>
+            </a:r>
+          </a:p>
+          <a:p>
+            <a:r>
+              <a:rPr lang="en-US" dirty="0"/>
+              <a:t>Sorting notebook </a:t>
+            </a:r>
+            <a:r>
+              <a:rPr lang="en-US" dirty="0">
+                <a:hlinkClick r:id="rId2"/>
+              </a:rPr>
+              <a:t>https://github.com/parrt/msds689/blob/master/notes/sorting.ipynb</a:t>
+            </a:r>
+            <a:r>
+              <a:rPr lang="en-US" dirty="0"/>
+              <a:t> </a:t>
+            </a:r>
+          </a:p>
+          <a:p>
+            <a:endParaRPr lang="en-US" dirty="0"/>
+          </a:p>
+        </p:txBody>
+      </p:sp>
+      <p:sp>
+        <p:nvSpPr>
+          <p:cNvPr id="5" name="Rectangle 4"/>
+          <p:cNvSpPr/>
+          <p:nvPr/>
+        </p:nvSpPr>
+        <p:spPr>
+          <a:xfrm>
+            <a:off x="838200" y="6422747"/>
+            <a:ext cx="5074915" cy="369332"/>
+          </a:xfrm>
+          <a:prstGeom prst="rect">
+            <a:avLst/>
+          </a:prstGeom>
+        </p:spPr>
+        <p:txBody>
+          <a:bodyPr wrap="none">
+            <a:spAutoFit/>
+          </a:bodyPr>
+          <a:lstStyle/>
+          <a:p>
+            <a:r>
+              <a:rPr lang="en-US" dirty="0"/>
+              <a:t>*https://</a:t>
+            </a:r>
+            <a:r>
+              <a:rPr lang="en-US" dirty="0" err="1"/>
+              <a:t>en.wikipedia.org</a:t>
+            </a:r>
+            <a:r>
+              <a:rPr lang="en-US" dirty="0"/>
+              <a:t>/wiki/</a:t>
+            </a:r>
+            <a:r>
+              <a:rPr lang="en-US" dirty="0" err="1"/>
+              <a:t>Triangle_inequality</a:t>
+            </a:r>
+            <a:endParaRPr lang="en-US" dirty="0"/>
+          </a:p>
+        </p:txBody>
+      </p:sp>
+    </p:spTree>
+    <p:extLst>
+      <p:ext uri="{BB962C8B-B14F-4D97-AF65-F5344CB8AC3E}">
+        <p14:creationId xmlns:p14="http://schemas.microsoft.com/office/powerpoint/2010/main" val="3002228280"/>
+      </p:ext>
+    </p:extLst>
+  </p:cSld>
+  <p:clrMapOvr>
+    <a:masterClrMapping/>
+  </p:clrMapOvr>
+</p:sld>
+</file>
+
+<file path=ppt/slides/slide20.xml><?xml version="1.0" encoding="utf-8"?>
 <p:sld xmlns:a="http://schemas.openxmlformats.org/drawingml/2006/main" xmlns:r="http://schemas.openxmlformats.org/officeDocument/2006/relationships" xmlns:p="http://schemas.openxmlformats.org/presentationml/2006/main">
   <p:cSld>
     <p:spTree>
@@ -6618,7 +7340,7 @@
 </p:sld>
 </file>
 
-<file path=ppt/slides/slide19.xml><?xml version="1.0" encoding="utf-8"?>
+<file path=ppt/slides/slide21.xml><?xml version="1.0" encoding="utf-8"?>
 <p:sld xmlns:a="http://schemas.openxmlformats.org/drawingml/2006/main" xmlns:r="http://schemas.openxmlformats.org/officeDocument/2006/relationships" xmlns:p="http://schemas.openxmlformats.org/presentationml/2006/main">
   <p:cSld>
     <p:spTree>
@@ -6753,190 +7475,6 @@
     <p:extLst>
       <p:ext uri="{BB962C8B-B14F-4D97-AF65-F5344CB8AC3E}">
         <p14:creationId xmlns:p14="http://schemas.microsoft.com/office/powerpoint/2010/main" val="1637123344"/>
-      </p:ext>
-    </p:extLst>
-  </p:cSld>
-  <p:clrMapOvr>
-    <a:masterClrMapping/>
-  </p:clrMapOvr>
-</p:sld>
-</file>
-
-<file path=ppt/slides/slide2.xml><?xml version="1.0" encoding="utf-8"?>
-<p:sld xmlns:a="http://schemas.openxmlformats.org/drawingml/2006/main" xmlns:r="http://schemas.openxmlformats.org/officeDocument/2006/relationships" xmlns:p="http://schemas.openxmlformats.org/presentationml/2006/main">
-  <p:cSld>
-    <p:spTree>
-      <p:nvGrpSpPr>
-        <p:cNvPr id="1" name=""/>
-        <p:cNvGrpSpPr/>
-        <p:nvPr/>
-      </p:nvGrpSpPr>
-      <p:grpSpPr>
-        <a:xfrm>
-          <a:off x="0" y="0"/>
-          <a:ext cx="0" cy="0"/>
-          <a:chOff x="0" y="0"/>
-          <a:chExt cx="0" cy="0"/>
-        </a:xfrm>
-      </p:grpSpPr>
-      <p:sp>
-        <p:nvSpPr>
-          <p:cNvPr id="2" name="Title 1">
-            <a:extLst>
-              <a:ext uri="{FF2B5EF4-FFF2-40B4-BE49-F238E27FC236}">
-                <a16:creationId xmlns:a16="http://schemas.microsoft.com/office/drawing/2014/main" id="{28E269BC-FCD0-3641-BD6D-5B96C2417018}"/>
-              </a:ext>
-            </a:extLst>
-          </p:cNvPr>
-          <p:cNvSpPr>
-            <a:spLocks noGrp="1"/>
-          </p:cNvSpPr>
-          <p:nvPr>
-            <p:ph type="title"/>
-          </p:nvPr>
-        </p:nvSpPr>
-        <p:spPr/>
-        <p:txBody>
-          <a:bodyPr/>
-          <a:lstStyle/>
-          <a:p>
-            <a:r>
-              <a:rPr lang="en-US" dirty="0"/>
-              <a:t>Sorting</a:t>
-            </a:r>
-          </a:p>
-        </p:txBody>
-      </p:sp>
-      <p:sp>
-        <p:nvSpPr>
-          <p:cNvPr id="3" name="Content Placeholder 2">
-            <a:extLst>
-              <a:ext uri="{FF2B5EF4-FFF2-40B4-BE49-F238E27FC236}">
-                <a16:creationId xmlns:a16="http://schemas.microsoft.com/office/drawing/2014/main" id="{011453FF-9B1C-204B-BAC3-7506D02A781A}"/>
-              </a:ext>
-            </a:extLst>
-          </p:cNvPr>
-          <p:cNvSpPr>
-            <a:spLocks noGrp="1"/>
-          </p:cNvSpPr>
-          <p:nvPr>
-            <p:ph idx="1"/>
-          </p:nvPr>
-        </p:nvSpPr>
-        <p:spPr>
-          <a:xfrm>
-            <a:off x="838200" y="1527243"/>
-            <a:ext cx="10757170" cy="4656974"/>
-          </a:xfrm>
-        </p:spPr>
-        <p:txBody>
-          <a:bodyPr>
-            <a:normAutofit/>
-          </a:bodyPr>
-          <a:lstStyle/>
-          <a:p>
-            <a:r>
-              <a:rPr lang="en-US" dirty="0"/>
-              <a:t>We can sort any kind of element for which we have a similarity or distance measure between any two elements (subject to triangle inequality property*)</a:t>
-            </a:r>
-          </a:p>
-          <a:p>
-            <a:r>
-              <a:rPr lang="en-US" dirty="0"/>
-              <a:t>Traditional sorting algorithms: bubble sort, merge sort, quicksort</a:t>
-            </a:r>
-          </a:p>
-          <a:p>
-            <a:r>
-              <a:rPr lang="en-US" dirty="0"/>
-              <a:t>Dirty tricks: pigeonhole sort, bucket sort can often sort in O(n)</a:t>
-            </a:r>
-          </a:p>
-          <a:p>
-            <a:r>
-              <a:rPr lang="en-US" dirty="0"/>
-              <a:t>Really dirty trick: nested bucket sort</a:t>
-            </a:r>
-          </a:p>
-          <a:p>
-            <a:r>
-              <a:rPr lang="en-US" dirty="0"/>
-              <a:t>What’s the fastest we could ever sort n numbers?</a:t>
-            </a:r>
-          </a:p>
-          <a:p>
-            <a:pPr lvl="1"/>
-            <a:r>
-              <a:rPr lang="en-US" dirty="0"/>
-              <a:t>It depends on whether we’re stuck using comparisons only</a:t>
-            </a:r>
-          </a:p>
-          <a:p>
-            <a:r>
-              <a:rPr lang="en-US" dirty="0"/>
-              <a:t>Sorting notebook </a:t>
-            </a:r>
-            <a:r>
-              <a:rPr lang="en-US" dirty="0">
-                <a:hlinkClick r:id="rId2"/>
-              </a:rPr>
-              <a:t>https://github.com/parrt/msds689/blob/master/notes/sorting.ipynb</a:t>
-            </a:r>
-            <a:r>
-              <a:rPr lang="en-US" dirty="0"/>
-              <a:t> </a:t>
-            </a:r>
-          </a:p>
-          <a:p>
-            <a:endParaRPr lang="en-US" dirty="0"/>
-          </a:p>
-        </p:txBody>
-      </p:sp>
-      <p:sp>
-        <p:nvSpPr>
-          <p:cNvPr id="5" name="Rectangle 4"/>
-          <p:cNvSpPr/>
-          <p:nvPr/>
-        </p:nvSpPr>
-        <p:spPr>
-          <a:xfrm>
-            <a:off x="838200" y="6422747"/>
-            <a:ext cx="5074915" cy="369332"/>
-          </a:xfrm>
-          <a:prstGeom prst="rect">
-            <a:avLst/>
-          </a:prstGeom>
-        </p:spPr>
-        <p:txBody>
-          <a:bodyPr wrap="none">
-            <a:spAutoFit/>
-          </a:bodyPr>
-          <a:lstStyle/>
-          <a:p>
-            <a:r>
-              <a:rPr lang="en-US" dirty="0"/>
-              <a:t>*https://</a:t>
-            </a:r>
-            <a:r>
-              <a:rPr lang="en-US" dirty="0" err="1"/>
-              <a:t>en.wikipedia.org</a:t>
-            </a:r>
-            <a:r>
-              <a:rPr lang="en-US" dirty="0"/>
-              <a:t>/wiki/</a:t>
-            </a:r>
-            <a:r>
-              <a:rPr lang="en-US" dirty="0" err="1"/>
-              <a:t>Triangle_inequality</a:t>
-            </a:r>
-            <a:endParaRPr lang="en-US" dirty="0"/>
-          </a:p>
-        </p:txBody>
-      </p:sp>
-    </p:spTree>
-    <p:extLst>
-      <p:ext uri="{BB962C8B-B14F-4D97-AF65-F5344CB8AC3E}">
-        <p14:creationId xmlns:p14="http://schemas.microsoft.com/office/powerpoint/2010/main" val="3002228280"/>
       </p:ext>
     </p:extLst>
   </p:cSld>
@@ -6973,32 +7511,10 @@
             <p:ph type="title"/>
           </p:nvPr>
         </p:nvSpPr>
-        <p:spPr/>
-        <p:txBody>
-          <a:bodyPr/>
-          <a:lstStyle/>
-          <a:p>
-            <a:r>
-              <a:rPr lang="en-US" dirty="0"/>
-              <a:t>Bubble sort</a:t>
-            </a:r>
-          </a:p>
-        </p:txBody>
-      </p:sp>
-      <p:sp>
-        <p:nvSpPr>
-          <p:cNvPr id="3" name="Content Placeholder 2"/>
-          <p:cNvSpPr>
-            <a:spLocks noGrp="1"/>
-          </p:cNvSpPr>
-          <p:nvPr>
-            <p:ph idx="1"/>
-          </p:nvPr>
-        </p:nvSpPr>
         <p:spPr>
           <a:xfrm>
-            <a:off x="583660" y="1825625"/>
-            <a:ext cx="3482502" cy="4351338"/>
+            <a:off x="838200" y="365126"/>
+            <a:ext cx="10515600" cy="807692"/>
           </a:xfrm>
         </p:spPr>
         <p:txBody>
@@ -7007,59 +7523,171 @@
           <a:p>
             <a:r>
               <a:rPr lang="en-US" dirty="0"/>
-              <a:t>O(n^2)</a:t>
-            </a:r>
-          </a:p>
-          <a:p>
-            <a:r>
-              <a:rPr lang="en-US" i="1" dirty="0"/>
-              <a:t>Stable</a:t>
-            </a:r>
-            <a:r>
-              <a:rPr lang="en-US" dirty="0"/>
-              <a:t>: order of</a:t>
-            </a:r>
-            <a:br>
-              <a:rPr lang="en-US" dirty="0"/>
-            </a:br>
-            <a:r>
-              <a:rPr lang="en-US" dirty="0"/>
-              <a:t>equal elements</a:t>
-            </a:r>
-            <a:br>
-              <a:rPr lang="en-US" dirty="0"/>
-            </a:br>
-            <a:r>
-              <a:rPr lang="en-US" dirty="0"/>
-              <a:t>doesn’t change</a:t>
-            </a:r>
-          </a:p>
-          <a:p>
-            <a:r>
-              <a:rPr lang="en-US" b="1" dirty="0"/>
-              <a:t>Idea</a:t>
-            </a:r>
-            <a:r>
-              <a:rPr lang="en-US" dirty="0"/>
-              <a:t>: look for out-of-order elements and then keep</a:t>
-            </a:r>
-            <a:br>
-              <a:rPr lang="en-US" dirty="0"/>
-            </a:br>
-            <a:r>
-              <a:rPr lang="en-US" dirty="0"/>
-              <a:t>swapping until</a:t>
-            </a:r>
-            <a:br>
-              <a:rPr lang="en-US" dirty="0"/>
-            </a:br>
-            <a:r>
-              <a:rPr lang="en-US" dirty="0"/>
-              <a:t>nothing changes</a:t>
-            </a:r>
-          </a:p>
-        </p:txBody>
-      </p:sp>
+              <a:t>Bubble sort</a:t>
+            </a:r>
+          </a:p>
+        </p:txBody>
+      </p:sp>
+      <mc:AlternateContent xmlns:mc="http://schemas.openxmlformats.org/markup-compatibility/2006">
+        <mc:Choice xmlns:a14="http://schemas.microsoft.com/office/drawing/2010/main" Requires="a14">
+          <p:sp>
+            <p:nvSpPr>
+              <p:cNvPr id="3" name="Content Placeholder 2"/>
+              <p:cNvSpPr>
+                <a:spLocks noGrp="1"/>
+              </p:cNvSpPr>
+              <p:nvPr>
+                <p:ph idx="1"/>
+              </p:nvPr>
+            </p:nvSpPr>
+            <p:spPr>
+              <a:xfrm>
+                <a:off x="583660" y="1825625"/>
+                <a:ext cx="3482502" cy="4351338"/>
+              </a:xfrm>
+            </p:spPr>
+            <p:txBody>
+              <a:bodyPr/>
+              <a:lstStyle/>
+              <a:p>
+                <a14:m>
+                  <m:oMath xmlns:m="http://schemas.openxmlformats.org/officeDocument/2006/math">
+                    <m:r>
+                      <a:rPr lang="en-US" i="1" dirty="0" smtClean="0">
+                        <a:latin typeface="Cambria Math" panose="02040503050406030204" pitchFamily="18" charset="0"/>
+                      </a:rPr>
+                      <m:t>𝑂</m:t>
+                    </m:r>
+                    <m:r>
+                      <a:rPr lang="en-US" i="1" dirty="0" smtClean="0">
+                        <a:latin typeface="Cambria Math" panose="02040503050406030204" pitchFamily="18" charset="0"/>
+                      </a:rPr>
+                      <m:t>(</m:t>
+                    </m:r>
+                    <m:sSup>
+                      <m:sSupPr>
+                        <m:ctrlPr>
+                          <a:rPr lang="en-US" i="1" dirty="0" smtClean="0">
+                            <a:latin typeface="Cambria Math" panose="02040503050406030204" pitchFamily="18" charset="0"/>
+                          </a:rPr>
+                        </m:ctrlPr>
+                      </m:sSupPr>
+                      <m:e>
+                        <m:r>
+                          <a:rPr lang="en-US" i="1" dirty="0" smtClean="0">
+                            <a:latin typeface="Cambria Math" panose="02040503050406030204" pitchFamily="18" charset="0"/>
+                          </a:rPr>
+                          <m:t>𝑛</m:t>
+                        </m:r>
+                      </m:e>
+                      <m:sup>
+                        <m:r>
+                          <a:rPr lang="en-US" b="0" i="1" dirty="0" smtClean="0">
+                            <a:latin typeface="Cambria Math" panose="02040503050406030204" pitchFamily="18" charset="0"/>
+                          </a:rPr>
+                          <m:t>2</m:t>
+                        </m:r>
+                      </m:sup>
+                    </m:sSup>
+                    <m:r>
+                      <a:rPr lang="en-US" i="1" dirty="0" smtClean="0">
+                        <a:latin typeface="Cambria Math" panose="02040503050406030204" pitchFamily="18" charset="0"/>
+                      </a:rPr>
+                      <m:t>)</m:t>
+                    </m:r>
+                  </m:oMath>
+                </a14:m>
+                <a:endParaRPr lang="en-US" dirty="0"/>
+              </a:p>
+              <a:p>
+                <a:r>
+                  <a:rPr lang="en-US" i="1" dirty="0"/>
+                  <a:t>Stable</a:t>
+                </a:r>
+                <a:r>
+                  <a:rPr lang="en-US" dirty="0"/>
+                  <a:t>: order of</a:t>
+                </a:r>
+                <a:br>
+                  <a:rPr lang="en-US" dirty="0"/>
+                </a:br>
+                <a:r>
+                  <a:rPr lang="en-US" dirty="0"/>
+                  <a:t>equal elements</a:t>
+                </a:r>
+                <a:br>
+                  <a:rPr lang="en-US" dirty="0"/>
+                </a:br>
+                <a:r>
+                  <a:rPr lang="en-US" dirty="0"/>
+                  <a:t>doesn’t change</a:t>
+                </a:r>
+              </a:p>
+              <a:p>
+                <a:r>
+                  <a:rPr lang="en-US" b="1" dirty="0"/>
+                  <a:t>Idea</a:t>
+                </a:r>
+                <a:r>
+                  <a:rPr lang="en-US" dirty="0"/>
+                  <a:t>: look for out-of-order elements and then keep</a:t>
+                </a:r>
+                <a:br>
+                  <a:rPr lang="en-US" dirty="0"/>
+                </a:br>
+                <a:r>
+                  <a:rPr lang="en-US" dirty="0"/>
+                  <a:t>swapping until</a:t>
+                </a:r>
+                <a:br>
+                  <a:rPr lang="en-US" dirty="0"/>
+                </a:br>
+                <a:r>
+                  <a:rPr lang="en-US" dirty="0"/>
+                  <a:t>nothing changes</a:t>
+                </a:r>
+              </a:p>
+            </p:txBody>
+          </p:sp>
+        </mc:Choice>
+        <mc:Fallback>
+          <p:sp>
+            <p:nvSpPr>
+              <p:cNvPr id="3" name="Content Placeholder 2"/>
+              <p:cNvSpPr>
+                <a:spLocks noGrp="1" noRot="1" noChangeAspect="1" noMove="1" noResize="1" noEditPoints="1" noAdjustHandles="1" noChangeArrowheads="1" noChangeShapeType="1" noTextEdit="1"/>
+              </p:cNvSpPr>
+              <p:nvPr>
+                <p:ph idx="1"/>
+              </p:nvPr>
+            </p:nvSpPr>
+            <p:spPr>
+              <a:xfrm>
+                <a:off x="583660" y="1825625"/>
+                <a:ext cx="3482502" cy="4351338"/>
+              </a:xfrm>
+              <a:blipFill>
+                <a:blip r:embed="rId2"/>
+                <a:stretch>
+                  <a:fillRect l="-3273" t="-1453"/>
+                </a:stretch>
+              </a:blipFill>
+            </p:spPr>
+            <p:txBody>
+              <a:bodyPr/>
+              <a:lstStyle/>
+              <a:p>
+                <a:r>
+                  <a:rPr lang="en-US">
+                    <a:noFill/>
+                  </a:rPr>
+                  <a:t> </a:t>
+                </a:r>
+              </a:p>
+            </p:txBody>
+          </p:sp>
+        </mc:Fallback>
+      </mc:AlternateContent>
       <p:pic>
         <p:nvPicPr>
           <p:cNvPr id="4" name="Content Placeholder 3"/>
@@ -7069,7 +7697,7 @@
           <p:nvPr/>
         </p:nvPicPr>
         <p:blipFill>
-          <a:blip r:embed="rId2">
+          <a:blip r:embed="rId3">
             <a:extLst>
               <a:ext uri="{28A0092B-C50C-407E-A947-70E740481C1C}">
                 <a14:useLocalDpi xmlns:a14="http://schemas.microsoft.com/office/drawing/2010/main" val="0"/>
@@ -7098,8 +7726,8 @@
         </p:nvSpPr>
         <p:spPr>
           <a:xfrm>
-            <a:off x="197795" y="6311900"/>
-            <a:ext cx="6514289" cy="338554"/>
+            <a:off x="49944" y="6492875"/>
+            <a:ext cx="7604422" cy="307777"/>
           </a:xfrm>
           <a:prstGeom prst="rect">
             <a:avLst/>
@@ -7112,16 +7740,18 @@
           <a:lstStyle/>
           <a:p>
             <a:r>
-              <a:rPr lang="en-US" sz="1600" dirty="0"/>
-              <a:t>https://</a:t>
-            </a:r>
-            <a:r>
-              <a:rPr lang="en-US" sz="1600" dirty="0" err="1"/>
-              <a:t>codingcompiler.com</a:t>
-            </a:r>
-            <a:r>
-              <a:rPr lang="en-US" sz="1600" dirty="0"/>
-              <a:t>/bubble-sort-program-in-c-using-function/</a:t>
+              <a:rPr lang="en-US" sz="1400" dirty="0"/>
+              <a:t>Image credit </a:t>
+            </a:r>
+            <a:r>
+              <a:rPr lang="en-US" sz="1400" dirty="0">
+                <a:hlinkClick r:id="rId4"/>
+              </a:rPr>
+              <a:t>https://codingcompiler.com/bubble-sort-program-in-c-using-function/</a:t>
+            </a:r>
+            <a:r>
+              <a:rPr lang="en-US" sz="1400" dirty="0"/>
+              <a:t> </a:t>
             </a:r>
           </a:p>
         </p:txBody>
@@ -7192,8 +7822,8 @@
         </p:nvSpPr>
         <p:spPr>
           <a:xfrm>
-            <a:off x="965200" y="1690688"/>
-            <a:ext cx="5700409" cy="3046988"/>
+            <a:off x="838200" y="1690688"/>
+            <a:ext cx="6814930" cy="3046988"/>
           </a:xfrm>
           <a:prstGeom prst="rect">
             <a:avLst/>
@@ -7212,170 +7842,343 @@
           <a:lstStyle/>
           <a:p>
             <a:r>
-              <a:rPr lang="en-US" sz="2400" dirty="0"/>
-              <a:t>changed=True</a:t>
-            </a:r>
-          </a:p>
-          <a:p>
-            <a:r>
-              <a:rPr lang="en-US" sz="2400" dirty="0" err="1"/>
+              <a:rPr lang="en-US" sz="2400" dirty="0">
+                <a:solidFill>
+                  <a:srgbClr val="000000"/>
+                </a:solidFill>
+                <a:latin typeface="Consolas" panose="020B0609020204030204" pitchFamily="49" charset="0"/>
+              </a:rPr>
+              <a:t>changed=</a:t>
+            </a:r>
+            <a:r>
+              <a:rPr lang="en-US" sz="2400" b="1" dirty="0">
+                <a:solidFill>
+                  <a:srgbClr val="00006D"/>
+                </a:solidFill>
+                <a:latin typeface="Consolas" panose="020B0609020204030204" pitchFamily="49" charset="0"/>
+              </a:rPr>
+              <a:t>True</a:t>
+            </a:r>
+          </a:p>
+          <a:p>
+            <a:r>
+              <a:rPr lang="en-US" sz="2400" dirty="0" err="1">
+                <a:solidFill>
+                  <a:srgbClr val="000000"/>
+                </a:solidFill>
+                <a:latin typeface="Consolas" panose="020B0609020204030204" pitchFamily="49" charset="0"/>
+              </a:rPr>
               <a:t>second_to_last_idx</a:t>
             </a:r>
             <a:r>
-              <a:rPr lang="en-US" sz="2400" dirty="0"/>
+              <a:rPr lang="en-US" sz="2400" dirty="0">
+                <a:solidFill>
+                  <a:srgbClr val="000000"/>
+                </a:solidFill>
+                <a:latin typeface="Consolas" panose="020B0609020204030204" pitchFamily="49" charset="0"/>
+              </a:rPr>
               <a:t> = </a:t>
             </a:r>
             <a:r>
-              <a:rPr lang="en-US" sz="2400" dirty="0" err="1"/>
+              <a:rPr lang="en-US" sz="2400" dirty="0" err="1">
+                <a:solidFill>
+                  <a:srgbClr val="000000"/>
+                </a:solidFill>
+                <a:latin typeface="Consolas" panose="020B0609020204030204" pitchFamily="49" charset="0"/>
+              </a:rPr>
               <a:t>len</a:t>
             </a:r>
             <a:r>
-              <a:rPr lang="en-US" sz="2400" dirty="0"/>
-              <a:t>(A)-2</a:t>
-            </a:r>
-          </a:p>
-          <a:p>
-            <a:r>
-              <a:rPr lang="en-US" sz="2400" dirty="0"/>
-              <a:t>while changed:</a:t>
-            </a:r>
-          </a:p>
-          <a:p>
-            <a:pPr lvl="1"/>
-            <a:r>
-              <a:rPr lang="en-US" sz="2400" dirty="0"/>
-              <a:t>changed=False</a:t>
-            </a:r>
-          </a:p>
-          <a:p>
-            <a:pPr lvl="1"/>
-            <a:r>
-              <a:rPr lang="en-US" sz="2400" dirty="0"/>
-              <a:t>for </a:t>
-            </a:r>
-            <a:r>
-              <a:rPr lang="en-US" sz="2400" dirty="0" err="1"/>
+              <a:rPr lang="en-US" sz="2400" dirty="0">
+                <a:solidFill>
+                  <a:srgbClr val="000000"/>
+                </a:solidFill>
+                <a:latin typeface="Consolas" panose="020B0609020204030204" pitchFamily="49" charset="0"/>
+              </a:rPr>
+              <a:t>(A)-</a:t>
+            </a:r>
+            <a:r>
+              <a:rPr lang="en-US" sz="2400" dirty="0">
+                <a:solidFill>
+                  <a:srgbClr val="0000FE"/>
+                </a:solidFill>
+                <a:latin typeface="Consolas" panose="020B0609020204030204" pitchFamily="49" charset="0"/>
+              </a:rPr>
+              <a:t>2</a:t>
+            </a:r>
+          </a:p>
+          <a:p>
+            <a:r>
+              <a:rPr lang="en-US" sz="2400" b="1" dirty="0">
+                <a:solidFill>
+                  <a:srgbClr val="00006D"/>
+                </a:solidFill>
+                <a:latin typeface="Consolas" panose="020B0609020204030204" pitchFamily="49" charset="0"/>
+              </a:rPr>
+              <a:t>while </a:t>
+            </a:r>
+            <a:r>
+              <a:rPr lang="en-US" sz="2400" dirty="0">
+                <a:solidFill>
+                  <a:srgbClr val="000000"/>
+                </a:solidFill>
+                <a:latin typeface="Consolas" panose="020B0609020204030204" pitchFamily="49" charset="0"/>
+              </a:rPr>
+              <a:t>changed:</a:t>
+            </a:r>
+          </a:p>
+          <a:p>
+            <a:r>
+              <a:rPr lang="en-US" sz="2400" dirty="0">
+                <a:solidFill>
+                  <a:srgbClr val="000000"/>
+                </a:solidFill>
+                <a:latin typeface="Consolas" panose="020B0609020204030204" pitchFamily="49" charset="0"/>
+              </a:rPr>
+              <a:t>  changed=</a:t>
+            </a:r>
+            <a:r>
+              <a:rPr lang="en-US" sz="2400" b="1" dirty="0">
+                <a:solidFill>
+                  <a:srgbClr val="00006D"/>
+                </a:solidFill>
+                <a:latin typeface="Consolas" panose="020B0609020204030204" pitchFamily="49" charset="0"/>
+              </a:rPr>
+              <a:t>False</a:t>
+            </a:r>
+          </a:p>
+          <a:p>
+            <a:r>
+              <a:rPr lang="en-US" sz="2400" b="1" dirty="0">
+                <a:solidFill>
+                  <a:srgbClr val="00006D"/>
+                </a:solidFill>
+                <a:latin typeface="Consolas" panose="020B0609020204030204" pitchFamily="49" charset="0"/>
+              </a:rPr>
+              <a:t>  for </a:t>
+            </a:r>
+            <a:r>
+              <a:rPr lang="en-US" sz="2400" dirty="0" err="1">
+                <a:solidFill>
+                  <a:srgbClr val="000000"/>
+                </a:solidFill>
+                <a:latin typeface="Consolas" panose="020B0609020204030204" pitchFamily="49" charset="0"/>
+              </a:rPr>
               <a:t>i</a:t>
             </a:r>
             <a:r>
-              <a:rPr lang="en-US" sz="2400" dirty="0"/>
-              <a:t> in range(second_to_last_idx+1):</a:t>
-            </a:r>
-          </a:p>
-          <a:p>
-            <a:pPr lvl="1"/>
-            <a:r>
-              <a:rPr lang="mr-IN" sz="2400" dirty="0"/>
+              <a:rPr lang="en-US" sz="2400" dirty="0">
+                <a:solidFill>
+                  <a:srgbClr val="000000"/>
+                </a:solidFill>
+                <a:latin typeface="Consolas" panose="020B0609020204030204" pitchFamily="49" charset="0"/>
+              </a:rPr>
+              <a:t> </a:t>
+            </a:r>
+            <a:r>
+              <a:rPr lang="en-US" sz="2400" b="1" dirty="0">
+                <a:solidFill>
+                  <a:srgbClr val="00006D"/>
+                </a:solidFill>
+                <a:latin typeface="Consolas" panose="020B0609020204030204" pitchFamily="49" charset="0"/>
+              </a:rPr>
+              <a:t>in </a:t>
+            </a:r>
+            <a:r>
+              <a:rPr lang="en-US" sz="2400" dirty="0">
+                <a:solidFill>
+                  <a:srgbClr val="000000"/>
+                </a:solidFill>
+                <a:latin typeface="Consolas" panose="020B0609020204030204" pitchFamily="49" charset="0"/>
+              </a:rPr>
+              <a:t>range(second_to_last_idx+</a:t>
+            </a:r>
+            <a:r>
+              <a:rPr lang="en-US" sz="2400" dirty="0">
+                <a:solidFill>
+                  <a:srgbClr val="0000FE"/>
+                </a:solidFill>
+                <a:latin typeface="Consolas" panose="020B0609020204030204" pitchFamily="49" charset="0"/>
+              </a:rPr>
+              <a:t>1</a:t>
+            </a:r>
+            <a:r>
+              <a:rPr lang="en-US" sz="2400" dirty="0">
+                <a:solidFill>
+                  <a:srgbClr val="000000"/>
+                </a:solidFill>
+                <a:latin typeface="Consolas" panose="020B0609020204030204" pitchFamily="49" charset="0"/>
+              </a:rPr>
+              <a:t>):</a:t>
+            </a:r>
+          </a:p>
+          <a:p>
+            <a:r>
+              <a:rPr lang="en-US" sz="2400" dirty="0">
+                <a:solidFill>
+                  <a:srgbClr val="000000"/>
+                </a:solidFill>
+                <a:latin typeface="Consolas" panose="020B0609020204030204" pitchFamily="49" charset="0"/>
+              </a:rPr>
               <a:t>    </a:t>
             </a:r>
             <a:r>
-              <a:rPr lang="mr-IN" sz="2400" dirty="0" err="1"/>
-              <a:t>if</a:t>
-            </a:r>
-            <a:r>
-              <a:rPr lang="mr-IN" sz="2400" dirty="0"/>
-              <a:t> </a:t>
-            </a:r>
-            <a:r>
-              <a:rPr lang="mr-IN" sz="2400" dirty="0" err="1"/>
-              <a:t>A</a:t>
-            </a:r>
-            <a:r>
-              <a:rPr lang="mr-IN" sz="2400" dirty="0"/>
-              <a:t>[</a:t>
-            </a:r>
-            <a:r>
-              <a:rPr lang="mr-IN" sz="2400" dirty="0" err="1"/>
+              <a:rPr lang="en-US" sz="2400" b="1" dirty="0">
+                <a:solidFill>
+                  <a:srgbClr val="00006D"/>
+                </a:solidFill>
+                <a:latin typeface="Consolas" panose="020B0609020204030204" pitchFamily="49" charset="0"/>
+              </a:rPr>
+              <a:t>if </a:t>
+            </a:r>
+            <a:r>
+              <a:rPr lang="en-US" sz="2400" dirty="0">
+                <a:solidFill>
+                  <a:srgbClr val="000000"/>
+                </a:solidFill>
+                <a:latin typeface="Consolas" panose="020B0609020204030204" pitchFamily="49" charset="0"/>
+              </a:rPr>
+              <a:t>A[</a:t>
+            </a:r>
+            <a:r>
+              <a:rPr lang="en-US" sz="2400" dirty="0" err="1">
+                <a:solidFill>
+                  <a:srgbClr val="000000"/>
+                </a:solidFill>
+                <a:latin typeface="Consolas" panose="020B0609020204030204" pitchFamily="49" charset="0"/>
+              </a:rPr>
               <a:t>i</a:t>
             </a:r>
             <a:r>
-              <a:rPr lang="mr-IN" sz="2400" dirty="0"/>
-              <a:t>] &gt; </a:t>
-            </a:r>
-            <a:r>
-              <a:rPr lang="mr-IN" sz="2400" dirty="0" err="1"/>
-              <a:t>A</a:t>
-            </a:r>
-            <a:r>
-              <a:rPr lang="mr-IN" sz="2400" dirty="0"/>
-              <a:t>[i+1]: </a:t>
-            </a:r>
-          </a:p>
-          <a:p>
-            <a:pPr lvl="1"/>
-            <a:r>
-              <a:rPr lang="mr-IN" sz="2400" dirty="0"/>
-              <a:t>        </a:t>
-            </a:r>
-            <a:r>
-              <a:rPr lang="mr-IN" sz="2400" dirty="0" err="1"/>
-              <a:t>A</a:t>
-            </a:r>
-            <a:r>
-              <a:rPr lang="mr-IN" sz="2400" dirty="0"/>
-              <a:t>[</a:t>
-            </a:r>
-            <a:r>
-              <a:rPr lang="mr-IN" sz="2400" dirty="0" err="1"/>
+              <a:rPr lang="en-US" sz="2400" dirty="0">
+                <a:solidFill>
+                  <a:srgbClr val="000000"/>
+                </a:solidFill>
+                <a:latin typeface="Consolas" panose="020B0609020204030204" pitchFamily="49" charset="0"/>
+              </a:rPr>
+              <a:t>] &gt; A[i+</a:t>
+            </a:r>
+            <a:r>
+              <a:rPr lang="en-US" sz="2400" dirty="0">
+                <a:solidFill>
+                  <a:srgbClr val="0000FE"/>
+                </a:solidFill>
+                <a:latin typeface="Consolas" panose="020B0609020204030204" pitchFamily="49" charset="0"/>
+              </a:rPr>
+              <a:t>1</a:t>
+            </a:r>
+            <a:r>
+              <a:rPr lang="en-US" sz="2400" dirty="0">
+                <a:solidFill>
+                  <a:srgbClr val="000000"/>
+                </a:solidFill>
+                <a:latin typeface="Consolas" panose="020B0609020204030204" pitchFamily="49" charset="0"/>
+              </a:rPr>
+              <a:t>]:</a:t>
+            </a:r>
+          </a:p>
+          <a:p>
+            <a:r>
+              <a:rPr lang="en-US" sz="2400" dirty="0">
+                <a:solidFill>
+                  <a:srgbClr val="000000"/>
+                </a:solidFill>
+                <a:latin typeface="Consolas" panose="020B0609020204030204" pitchFamily="49" charset="0"/>
+              </a:rPr>
+              <a:t>       A[</a:t>
+            </a:r>
+            <a:r>
+              <a:rPr lang="en-US" sz="2400" dirty="0" err="1">
+                <a:solidFill>
+                  <a:srgbClr val="000000"/>
+                </a:solidFill>
+                <a:latin typeface="Consolas" panose="020B0609020204030204" pitchFamily="49" charset="0"/>
+              </a:rPr>
               <a:t>i</a:t>
             </a:r>
             <a:r>
-              <a:rPr lang="mr-IN" sz="2400" dirty="0"/>
-              <a:t>], </a:t>
-            </a:r>
-            <a:r>
-              <a:rPr lang="mr-IN" sz="2400" dirty="0" err="1"/>
-              <a:t>A</a:t>
-            </a:r>
-            <a:r>
-              <a:rPr lang="mr-IN" sz="2400" dirty="0"/>
-              <a:t>[i+1] = </a:t>
-            </a:r>
-            <a:r>
-              <a:rPr lang="mr-IN" sz="2400" dirty="0" err="1"/>
-              <a:t>A</a:t>
-            </a:r>
-            <a:r>
-              <a:rPr lang="mr-IN" sz="2400" dirty="0"/>
-              <a:t>[i+1], </a:t>
-            </a:r>
-            <a:r>
-              <a:rPr lang="mr-IN" sz="2400" dirty="0" err="1"/>
-              <a:t>A</a:t>
-            </a:r>
-            <a:r>
-              <a:rPr lang="mr-IN" sz="2400" dirty="0"/>
-              <a:t>[</a:t>
-            </a:r>
-            <a:r>
-              <a:rPr lang="mr-IN" sz="2400" dirty="0" err="1"/>
+              <a:rPr lang="en-US" sz="2400" dirty="0">
+                <a:solidFill>
+                  <a:srgbClr val="000000"/>
+                </a:solidFill>
+                <a:latin typeface="Consolas" panose="020B0609020204030204" pitchFamily="49" charset="0"/>
+              </a:rPr>
+              <a:t>], A[i+</a:t>
+            </a:r>
+            <a:r>
+              <a:rPr lang="en-US" sz="2400" dirty="0">
+                <a:solidFill>
+                  <a:srgbClr val="0000FE"/>
+                </a:solidFill>
+                <a:latin typeface="Consolas" panose="020B0609020204030204" pitchFamily="49" charset="0"/>
+              </a:rPr>
+              <a:t>1</a:t>
+            </a:r>
+            <a:r>
+              <a:rPr lang="en-US" sz="2400" dirty="0">
+                <a:solidFill>
+                  <a:srgbClr val="000000"/>
+                </a:solidFill>
+                <a:latin typeface="Consolas" panose="020B0609020204030204" pitchFamily="49" charset="0"/>
+              </a:rPr>
+              <a:t>] = A[i+</a:t>
+            </a:r>
+            <a:r>
+              <a:rPr lang="en-US" sz="2400" dirty="0">
+                <a:solidFill>
+                  <a:srgbClr val="0000FE"/>
+                </a:solidFill>
+                <a:latin typeface="Consolas" panose="020B0609020204030204" pitchFamily="49" charset="0"/>
+              </a:rPr>
+              <a:t>1</a:t>
+            </a:r>
+            <a:r>
+              <a:rPr lang="en-US" sz="2400" dirty="0">
+                <a:solidFill>
+                  <a:srgbClr val="000000"/>
+                </a:solidFill>
+                <a:latin typeface="Consolas" panose="020B0609020204030204" pitchFamily="49" charset="0"/>
+              </a:rPr>
+              <a:t>], A[</a:t>
+            </a:r>
+            <a:r>
+              <a:rPr lang="en-US" sz="2400" dirty="0" err="1">
+                <a:solidFill>
+                  <a:srgbClr val="000000"/>
+                </a:solidFill>
+                <a:latin typeface="Consolas" panose="020B0609020204030204" pitchFamily="49" charset="0"/>
+              </a:rPr>
               <a:t>i</a:t>
             </a:r>
             <a:r>
-              <a:rPr lang="mr-IN" sz="2400" dirty="0"/>
+              <a:rPr lang="en-US" sz="2400" dirty="0">
+                <a:solidFill>
+                  <a:srgbClr val="000000"/>
+                </a:solidFill>
+                <a:latin typeface="Consolas" panose="020B0609020204030204" pitchFamily="49" charset="0"/>
+              </a:rPr>
               <a:t>]</a:t>
             </a:r>
-            <a:endParaRPr lang="en-US" sz="2400" dirty="0"/>
-          </a:p>
-          <a:p>
-            <a:pPr lvl="1"/>
-            <a:r>
-              <a:rPr lang="mr-IN" sz="2400" dirty="0"/>
-              <a:t>        </a:t>
-            </a:r>
-            <a:r>
-              <a:rPr lang="en-US" sz="2400" dirty="0"/>
-              <a:t>changed</a:t>
-            </a:r>
-            <a:r>
-              <a:rPr lang="mr-IN" sz="2400" dirty="0"/>
-              <a:t>=</a:t>
-            </a:r>
-            <a:r>
-              <a:rPr lang="mr-IN" sz="2400" dirty="0" err="1"/>
+          </a:p>
+          <a:p>
+            <a:r>
+              <a:rPr lang="en-US" sz="2400" dirty="0">
+                <a:solidFill>
+                  <a:srgbClr val="000000"/>
+                </a:solidFill>
+                <a:latin typeface="Consolas" panose="020B0609020204030204" pitchFamily="49" charset="0"/>
+              </a:rPr>
+              <a:t>       changed=</a:t>
+            </a:r>
+            <a:r>
+              <a:rPr lang="en-US" sz="2400" b="1" dirty="0">
+                <a:solidFill>
+                  <a:srgbClr val="00006D"/>
+                </a:solidFill>
+                <a:latin typeface="Consolas" panose="020B0609020204030204" pitchFamily="49" charset="0"/>
+              </a:rPr>
               <a:t>True</a:t>
             </a:r>
-            <a:endParaRPr lang="mr-IN" sz="2400" dirty="0"/>
           </a:p>
         </p:txBody>
       </p:sp>
@@ -7395,44 +8198,212 @@
         </p:blipFill>
         <p:spPr>
           <a:xfrm>
-            <a:off x="7915342" y="959391"/>
-            <a:ext cx="3073400" cy="4686300"/>
+            <a:off x="9017828" y="2669106"/>
+            <a:ext cx="2412172" cy="3678064"/>
           </a:xfrm>
           <a:prstGeom prst="rect">
             <a:avLst/>
           </a:prstGeom>
         </p:spPr>
       </p:pic>
-      <p:sp>
-        <p:nvSpPr>
-          <p:cNvPr id="11" name="Rectangle 10"/>
-          <p:cNvSpPr/>
+      <mc:AlternateContent xmlns:mc="http://schemas.openxmlformats.org/markup-compatibility/2006">
+        <mc:Choice xmlns:a14="http://schemas.microsoft.com/office/drawing/2010/main" Requires="a14">
+          <p:sp>
+            <p:nvSpPr>
+              <p:cNvPr id="11" name="Rectangle 10"/>
+              <p:cNvSpPr/>
+              <p:nvPr/>
+            </p:nvSpPr>
+            <p:spPr>
+              <a:xfrm>
+                <a:off x="838200" y="5184026"/>
+                <a:ext cx="5727850" cy="830997"/>
+              </a:xfrm>
+              <a:prstGeom prst="rect">
+                <a:avLst/>
+              </a:prstGeom>
+            </p:spPr>
+            <p:txBody>
+              <a:bodyPr wrap="none">
+                <a:spAutoFit/>
+              </a:bodyPr>
+              <a:lstStyle/>
+              <a:p>
+                <a:r>
+                  <a:rPr lang="en-US" sz="2400" dirty="0"/>
+                  <a:t>Why is this </a:t>
+                </a:r>
+                <a14:m>
+                  <m:oMath xmlns:m="http://schemas.openxmlformats.org/officeDocument/2006/math">
+                    <m:r>
+                      <a:rPr lang="en-US" sz="2400" i="1" dirty="0">
+                        <a:latin typeface="Cambria Math" panose="02040503050406030204" pitchFamily="18" charset="0"/>
+                      </a:rPr>
+                      <m:t>𝑂</m:t>
+                    </m:r>
+                    <m:r>
+                      <a:rPr lang="en-US" sz="2400" i="1" dirty="0">
+                        <a:latin typeface="Cambria Math" panose="02040503050406030204" pitchFamily="18" charset="0"/>
+                      </a:rPr>
+                      <m:t>(</m:t>
+                    </m:r>
+                    <m:sSup>
+                      <m:sSupPr>
+                        <m:ctrlPr>
+                          <a:rPr lang="en-US" sz="2400" i="1" dirty="0">
+                            <a:latin typeface="Cambria Math" panose="02040503050406030204" pitchFamily="18" charset="0"/>
+                          </a:rPr>
+                        </m:ctrlPr>
+                      </m:sSupPr>
+                      <m:e>
+                        <m:r>
+                          <a:rPr lang="en-US" sz="2400" i="1" dirty="0">
+                            <a:latin typeface="Cambria Math" panose="02040503050406030204" pitchFamily="18" charset="0"/>
+                          </a:rPr>
+                          <m:t>𝑛</m:t>
+                        </m:r>
+                      </m:e>
+                      <m:sup>
+                        <m:r>
+                          <a:rPr lang="en-US" sz="2400" i="1" dirty="0">
+                            <a:latin typeface="Cambria Math" panose="02040503050406030204" pitchFamily="18" charset="0"/>
+                          </a:rPr>
+                          <m:t>2</m:t>
+                        </m:r>
+                      </m:sup>
+                    </m:sSup>
+                    <m:r>
+                      <a:rPr lang="en-US" sz="2400" i="1" dirty="0">
+                        <a:latin typeface="Cambria Math" panose="02040503050406030204" pitchFamily="18" charset="0"/>
+                      </a:rPr>
+                      <m:t>)</m:t>
+                    </m:r>
+                  </m:oMath>
+                </a14:m>
+                <a:r>
+                  <a:rPr lang="en-US" sz="2400" dirty="0"/>
+                  <a:t>?</a:t>
+                </a:r>
+              </a:p>
+              <a:p>
+                <a:r>
+                  <a:rPr lang="en-US" sz="2400" dirty="0"/>
+                  <a:t>(hint: What is worst case order in array?)</a:t>
+                </a:r>
+              </a:p>
+            </p:txBody>
+          </p:sp>
+        </mc:Choice>
+        <mc:Fallback>
+          <p:sp>
+            <p:nvSpPr>
+              <p:cNvPr id="11" name="Rectangle 10"/>
+              <p:cNvSpPr>
+                <a:spLocks noRot="1" noChangeAspect="1" noMove="1" noResize="1" noEditPoints="1" noAdjustHandles="1" noChangeArrowheads="1" noChangeShapeType="1" noTextEdit="1"/>
+              </p:cNvSpPr>
+              <p:nvPr/>
+            </p:nvSpPr>
+            <p:spPr>
+              <a:xfrm>
+                <a:off x="838200" y="5184026"/>
+                <a:ext cx="5727850" cy="830997"/>
+              </a:xfrm>
+              <a:prstGeom prst="rect">
+                <a:avLst/>
+              </a:prstGeom>
+              <a:blipFill>
+                <a:blip r:embed="rId3"/>
+                <a:stretch>
+                  <a:fillRect l="-1774" t="-6061" r="-887" b="-15152"/>
+                </a:stretch>
+              </a:blipFill>
+            </p:spPr>
+            <p:txBody>
+              <a:bodyPr/>
+              <a:lstStyle/>
+              <a:p>
+                <a:r>
+                  <a:rPr lang="en-US">
+                    <a:noFill/>
+                  </a:rPr>
+                  <a:t> </a:t>
+                </a:r>
+              </a:p>
+            </p:txBody>
+          </p:sp>
+        </mc:Fallback>
+      </mc:AlternateContent>
+      <p:pic>
+        <p:nvPicPr>
+          <p:cNvPr id="4" name="Picture 3">
+            <a:extLst>
+              <a:ext uri="{FF2B5EF4-FFF2-40B4-BE49-F238E27FC236}">
+                <a16:creationId xmlns:a16="http://schemas.microsoft.com/office/drawing/2014/main" id="{BF615238-03F3-5C4D-BDFC-2F7FC82A3B68}"/>
+              </a:ext>
+            </a:extLst>
+          </p:cNvPr>
+          <p:cNvPicPr>
+            <a:picLocks noChangeAspect="1"/>
+          </p:cNvPicPr>
           <p:nvPr/>
-        </p:nvSpPr>
+        </p:nvPicPr>
+        <p:blipFill>
+          <a:blip r:embed="rId4"/>
+          <a:stretch>
+            <a:fillRect/>
+          </a:stretch>
+        </p:blipFill>
         <p:spPr>
           <a:xfrm>
-            <a:off x="838200" y="5184026"/>
-            <a:ext cx="5727850" cy="830997"/>
+            <a:off x="8143185" y="0"/>
+            <a:ext cx="3566643" cy="2576443"/>
           </a:xfrm>
           <a:prstGeom prst="rect">
             <a:avLst/>
           </a:prstGeom>
         </p:spPr>
-        <p:txBody>
-          <a:bodyPr wrap="none">
+      </p:pic>
+      <p:sp>
+        <p:nvSpPr>
+          <p:cNvPr id="8" name="TextBox 7">
+            <a:extLst>
+              <a:ext uri="{FF2B5EF4-FFF2-40B4-BE49-F238E27FC236}">
+                <a16:creationId xmlns:a16="http://schemas.microsoft.com/office/drawing/2014/main" id="{D8C5B962-AEE5-6B4E-88F6-B0AD64CE2331}"/>
+              </a:ext>
+            </a:extLst>
+          </p:cNvPr>
+          <p:cNvSpPr txBox="1"/>
+          <p:nvPr/>
+        </p:nvSpPr>
+        <p:spPr>
+          <a:xfrm>
+            <a:off x="0" y="6461373"/>
+            <a:ext cx="7752443" cy="338554"/>
+          </a:xfrm>
+          <a:prstGeom prst="rect">
+            <a:avLst/>
+          </a:prstGeom>
+          <a:noFill/>
+        </p:spPr>
+        <p:txBody>
+          <a:bodyPr wrap="none" rtlCol="0">
             <a:spAutoFit/>
           </a:bodyPr>
           <a:lstStyle/>
           <a:p>
             <a:r>
-              <a:rPr lang="en-US" sz="2400" dirty="0"/>
-              <a:t>Why is this O(n^2)?</a:t>
-            </a:r>
-          </a:p>
-          <a:p>
-            <a:r>
-              <a:rPr lang="en-US" sz="2400" dirty="0"/>
-              <a:t>(hint: What is worst case order in array?)</a:t>
+              <a:rPr lang="en-US" sz="1600" dirty="0"/>
+              <a:t>Sorting notebook </a:t>
+            </a:r>
+            <a:r>
+              <a:rPr lang="en-US" sz="1600" dirty="0">
+                <a:hlinkClick r:id="rId5"/>
+              </a:rPr>
+              <a:t>https://github.com/parrt/msds689/blob/master/notes/sorting.ipynb</a:t>
+            </a:r>
+            <a:r>
+              <a:rPr lang="en-US" sz="1600" dirty="0"/>
+              <a:t> </a:t>
             </a:r>
           </a:p>
         </p:txBody>
@@ -7650,77 +8621,178 @@
           </a:p>
         </p:txBody>
       </p:sp>
-      <p:sp>
-        <p:nvSpPr>
-          <p:cNvPr id="3" name="Content Placeholder 2"/>
-          <p:cNvSpPr>
-            <a:spLocks noGrp="1"/>
-          </p:cNvSpPr>
-          <p:nvPr>
-            <p:ph idx="1"/>
-          </p:nvPr>
-        </p:nvSpPr>
-        <p:spPr/>
-        <p:txBody>
-          <a:bodyPr>
-            <a:normAutofit fontScale="92500" lnSpcReduction="10000"/>
-          </a:bodyPr>
-          <a:lstStyle/>
-          <a:p>
-            <a:r>
-              <a:rPr lang="en-US" dirty="0"/>
-              <a:t>O(n^2) worst-case behavior but O(n log n) typical behavior</a:t>
-            </a:r>
-          </a:p>
-          <a:p>
-            <a:r>
-              <a:rPr lang="en-US" b="1" dirty="0"/>
-              <a:t>Idea</a:t>
-            </a:r>
-            <a:r>
-              <a:rPr lang="en-US" dirty="0"/>
-              <a:t>: pick pivot, partition so elements left of pivot are less than pivot and elements right are greater (not sorting here); recursively partition the left and right until small enough to sort trivially</a:t>
-            </a:r>
-          </a:p>
-          <a:p>
-            <a:r>
-              <a:rPr lang="en-US" dirty="0"/>
-              <a:t>Picks a pivot element, rather than just split in half like </a:t>
-            </a:r>
-            <a:r>
-              <a:rPr lang="en-US" dirty="0" err="1"/>
-              <a:t>mergesort</a:t>
-            </a:r>
-            <a:endParaRPr lang="en-US" dirty="0"/>
-          </a:p>
-          <a:p>
-            <a:r>
-              <a:rPr lang="en-US" dirty="0"/>
-              <a:t>Faster than bubble because it moves elements more than just one spot in the array</a:t>
-            </a:r>
-          </a:p>
-          <a:p>
-            <a:r>
-              <a:rPr lang="en-US" dirty="0"/>
-              <a:t>Quicksort is in-place whereas merge sort makes lots of temporary arrays, which can get expensive</a:t>
-            </a:r>
-          </a:p>
-          <a:p>
-            <a:r>
-              <a:rPr lang="en-US" dirty="0"/>
-              <a:t>Quicksort is mostly faster due to the constant in front of the complexity (memory allocation, hardware efficiencies, </a:t>
-            </a:r>
-            <a:r>
-              <a:rPr lang="mr-IN" dirty="0"/>
-              <a:t>…</a:t>
-            </a:r>
-            <a:r>
-              <a:rPr lang="en-US" dirty="0"/>
-              <a:t>)</a:t>
-            </a:r>
-          </a:p>
-        </p:txBody>
-      </p:sp>
+      <mc:AlternateContent xmlns:mc="http://schemas.openxmlformats.org/markup-compatibility/2006">
+        <mc:Choice xmlns:a14="http://schemas.microsoft.com/office/drawing/2010/main" Requires="a14">
+          <p:sp>
+            <p:nvSpPr>
+              <p:cNvPr id="3" name="Content Placeholder 2"/>
+              <p:cNvSpPr>
+                <a:spLocks noGrp="1"/>
+              </p:cNvSpPr>
+              <p:nvPr>
+                <p:ph idx="1"/>
+              </p:nvPr>
+            </p:nvSpPr>
+            <p:spPr>
+              <a:xfrm>
+                <a:off x="838200" y="1580322"/>
+                <a:ext cx="10515600" cy="4596641"/>
+              </a:xfrm>
+            </p:spPr>
+            <p:txBody>
+              <a:bodyPr>
+                <a:normAutofit fontScale="92500" lnSpcReduction="10000"/>
+              </a:bodyPr>
+              <a:lstStyle/>
+              <a:p>
+                <a14:m>
+                  <m:oMath xmlns:m="http://schemas.openxmlformats.org/officeDocument/2006/math">
+                    <m:r>
+                      <a:rPr lang="en-US" i="1" dirty="0" smtClean="0">
+                        <a:latin typeface="Cambria Math" panose="02040503050406030204" pitchFamily="18" charset="0"/>
+                      </a:rPr>
+                      <m:t>𝑂</m:t>
+                    </m:r>
+                    <m:r>
+                      <a:rPr lang="en-US" i="1" dirty="0" smtClean="0">
+                        <a:latin typeface="Cambria Math" panose="02040503050406030204" pitchFamily="18" charset="0"/>
+                      </a:rPr>
+                      <m:t>(</m:t>
+                    </m:r>
+                    <m:sSup>
+                      <m:sSupPr>
+                        <m:ctrlPr>
+                          <a:rPr lang="en-US" i="1" dirty="0" smtClean="0">
+                            <a:latin typeface="Cambria Math" panose="02040503050406030204" pitchFamily="18" charset="0"/>
+                          </a:rPr>
+                        </m:ctrlPr>
+                      </m:sSupPr>
+                      <m:e>
+                        <m:r>
+                          <a:rPr lang="en-US" i="1" dirty="0" smtClean="0">
+                            <a:latin typeface="Cambria Math" panose="02040503050406030204" pitchFamily="18" charset="0"/>
+                          </a:rPr>
+                          <m:t>𝑛</m:t>
+                        </m:r>
+                      </m:e>
+                      <m:sup>
+                        <m:r>
+                          <a:rPr lang="en-US" b="0" i="1" dirty="0" smtClean="0">
+                            <a:latin typeface="Cambria Math" panose="02040503050406030204" pitchFamily="18" charset="0"/>
+                          </a:rPr>
+                          <m:t>2</m:t>
+                        </m:r>
+                      </m:sup>
+                    </m:sSup>
+                    <m:r>
+                      <a:rPr lang="en-US" i="1" dirty="0" smtClean="0">
+                        <a:latin typeface="Cambria Math" panose="02040503050406030204" pitchFamily="18" charset="0"/>
+                      </a:rPr>
+                      <m:t>)</m:t>
+                    </m:r>
+                  </m:oMath>
+                </a14:m>
+                <a:r>
+                  <a:rPr lang="en-US" dirty="0"/>
+                  <a:t> worst-case behavior but O(</a:t>
+                </a:r>
+                <a:r>
+                  <a:rPr lang="en-US" i="1" dirty="0"/>
+                  <a:t>n log n</a:t>
+                </a:r>
+                <a:r>
+                  <a:rPr lang="en-US" dirty="0"/>
+                  <a:t>) typical behavior</a:t>
+                </a:r>
+              </a:p>
+              <a:p>
+                <a:r>
+                  <a:rPr lang="en-US" b="1" dirty="0"/>
+                  <a:t>Idea</a:t>
+                </a:r>
+                <a:r>
+                  <a:rPr lang="en-US" dirty="0"/>
+                  <a:t>: pick pivot, partition so elements left of pivot are less than pivot and elements right are greater (not sorting here); recursively partition the left and right until small enough to sort trivially</a:t>
+                </a:r>
+              </a:p>
+              <a:p>
+                <a:r>
+                  <a:rPr lang="en-US" dirty="0"/>
+                  <a:t>Picks a pivot element, rather than just split in half like </a:t>
+                </a:r>
+                <a:r>
+                  <a:rPr lang="en-US" dirty="0" err="1"/>
+                  <a:t>mergesort</a:t>
+                </a:r>
+                <a:endParaRPr lang="en-US" dirty="0"/>
+              </a:p>
+              <a:p>
+                <a:r>
+                  <a:rPr lang="en-US" dirty="0"/>
+                  <a:t>Faster than bubble because it moves elements more than just one spot in the array</a:t>
+                </a:r>
+              </a:p>
+              <a:p>
+                <a:r>
+                  <a:rPr lang="en-US" dirty="0"/>
+                  <a:t>Quicksort is in-place whereas merge sort makes lots of temporary arrays, which can get expensive</a:t>
+                </a:r>
+              </a:p>
+              <a:p>
+                <a:r>
+                  <a:rPr lang="en-US" dirty="0"/>
+                  <a:t>Quicksort is mostly faster than merge sort due to the constant in front of the complexity (memory allocation, hardware efficiencies, </a:t>
+                </a:r>
+                <a:r>
+                  <a:rPr lang="mr-IN" dirty="0"/>
+                  <a:t>…</a:t>
+                </a:r>
+                <a:r>
+                  <a:rPr lang="en-US" dirty="0"/>
+                  <a:t>)</a:t>
+                </a:r>
+              </a:p>
+            </p:txBody>
+          </p:sp>
+        </mc:Choice>
+        <mc:Fallback>
+          <p:sp>
+            <p:nvSpPr>
+              <p:cNvPr id="3" name="Content Placeholder 2"/>
+              <p:cNvSpPr>
+                <a:spLocks noGrp="1" noRot="1" noChangeAspect="1" noMove="1" noResize="1" noEditPoints="1" noAdjustHandles="1" noChangeArrowheads="1" noChangeShapeType="1" noTextEdit="1"/>
+              </p:cNvSpPr>
+              <p:nvPr>
+                <p:ph idx="1"/>
+              </p:nvPr>
+            </p:nvSpPr>
+            <p:spPr>
+              <a:xfrm>
+                <a:off x="838200" y="1580322"/>
+                <a:ext cx="10515600" cy="4596641"/>
+              </a:xfrm>
+              <a:blipFill>
+                <a:blip r:embed="rId2"/>
+                <a:stretch>
+                  <a:fillRect l="-965" t="-2755" r="-1568"/>
+                </a:stretch>
+              </a:blipFill>
+            </p:spPr>
+            <p:txBody>
+              <a:bodyPr/>
+              <a:lstStyle/>
+              <a:p>
+                <a:r>
+                  <a:rPr lang="en-US">
+                    <a:noFill/>
+                  </a:rPr>
+                  <a:t> </a:t>
+                </a:r>
+              </a:p>
+            </p:txBody>
+          </p:sp>
+        </mc:Fallback>
+      </mc:AlternateContent>
       <p:sp>
         <p:nvSpPr>
           <p:cNvPr id="4" name="TextBox 3">
@@ -7755,7 +8827,7 @@
             </a:r>
             <a:r>
               <a:rPr lang="en-US" sz="1600" dirty="0">
-                <a:hlinkClick r:id="rId2"/>
+                <a:hlinkClick r:id="rId3"/>
               </a:rPr>
               <a:t>https://github.com/parrt/msds689/blob/master/notes/sorting.ipynb</a:t>
             </a:r>
@@ -8042,8 +9114,8 @@
         </p:nvSpPr>
         <p:spPr>
           <a:xfrm>
-            <a:off x="733522" y="6026445"/>
-            <a:ext cx="5141279" cy="646331"/>
+            <a:off x="-3598" y="6550223"/>
+            <a:ext cx="5757987" cy="307777"/>
           </a:xfrm>
           <a:prstGeom prst="rect">
             <a:avLst/>
@@ -8056,31 +9128,18 @@
           <a:lstStyle/>
           <a:p>
             <a:r>
-              <a:rPr lang="en-US" dirty="0"/>
-              <a:t>Video on partitioning:</a:t>
-            </a:r>
-            <a:br>
-              <a:rPr lang="en-US" dirty="0"/>
-            </a:br>
-            <a:r>
-              <a:rPr lang="en-US" dirty="0"/>
-              <a:t>https://</a:t>
-            </a:r>
-            <a:r>
-              <a:rPr lang="en-US" dirty="0" err="1"/>
-              <a:t>www.youtube.com</a:t>
-            </a:r>
-            <a:r>
-              <a:rPr lang="en-US" dirty="0"/>
-              <a:t>/</a:t>
-            </a:r>
-            <a:r>
-              <a:rPr lang="en-US" dirty="0" err="1"/>
-              <a:t>watch?v</a:t>
-            </a:r>
-            <a:r>
-              <a:rPr lang="en-US" dirty="0"/>
-              <a:t>=MZaf_9IZCrc</a:t>
+              <a:rPr lang="en-US" sz="1400" dirty="0"/>
+              <a:t>Video on partitioning: </a:t>
+            </a:r>
+            <a:r>
+              <a:rPr lang="en-US" sz="1400" dirty="0">
+                <a:hlinkClick r:id="rId2"/>
+              </a:rPr>
+              <a:t>https://www.youtube.com/watch?v=MZaf_9IZCrc</a:t>
+            </a:r>
+            <a:r>
+              <a:rPr lang="en-US" sz="1400" dirty="0"/>
+              <a:t> </a:t>
             </a:r>
           </a:p>
         </p:txBody>
@@ -8116,6 +9175,51 @@
             <a:r>
               <a:rPr lang="en-US" sz="2200" dirty="0"/>
               <a:t>Partitioning important for decision and isolation trees</a:t>
+            </a:r>
+          </a:p>
+        </p:txBody>
+      </p:sp>
+      <p:sp>
+        <p:nvSpPr>
+          <p:cNvPr id="7" name="TextBox 6">
+            <a:extLst>
+              <a:ext uri="{FF2B5EF4-FFF2-40B4-BE49-F238E27FC236}">
+                <a16:creationId xmlns:a16="http://schemas.microsoft.com/office/drawing/2014/main" id="{C85F5391-4490-994C-9869-3E432E774C17}"/>
+              </a:ext>
+            </a:extLst>
+          </p:cNvPr>
+          <p:cNvSpPr txBox="1"/>
+          <p:nvPr/>
+        </p:nvSpPr>
+        <p:spPr>
+          <a:xfrm>
+            <a:off x="3385645" y="0"/>
+            <a:ext cx="9017212" cy="338554"/>
+          </a:xfrm>
+          <a:prstGeom prst="rect">
+            <a:avLst/>
+          </a:prstGeom>
+          <a:noFill/>
+        </p:spPr>
+        <p:txBody>
+          <a:bodyPr wrap="none" rtlCol="0">
+            <a:spAutoFit/>
+          </a:bodyPr>
+          <a:lstStyle/>
+          <a:p>
+            <a:r>
+              <a:rPr lang="en-US" sz="1600" dirty="0"/>
+              <a:t>In-place quicksort in notebook </a:t>
+            </a:r>
+            <a:r>
+              <a:rPr lang="en-US" sz="1600" dirty="0">
+                <a:hlinkClick r:id="rId3"/>
+              </a:rPr>
+              <a:t>https://github.com/parrt/msds689/blob/master/notes/sorting.ipynb</a:t>
+            </a:r>
+            <a:r>
+              <a:rPr lang="en-US" sz="1600" dirty="0"/>
+              <a:t> </a:t>
             </a:r>
           </a:p>
         </p:txBody>
@@ -8155,7 +9259,7 @@
           <p:cNvPr id="2" name="Title 1">
             <a:extLst>
               <a:ext uri="{FF2B5EF4-FFF2-40B4-BE49-F238E27FC236}">
-                <a16:creationId xmlns:a16="http://schemas.microsoft.com/office/drawing/2014/main" id="{89D33BA6-0A82-5A4F-935E-68B7DAC63EB9}"/>
+                <a16:creationId xmlns:a16="http://schemas.microsoft.com/office/drawing/2014/main" id="{649C397C-F55B-BB41-BF0D-E69B05B5A22C}"/>
               </a:ext>
             </a:extLst>
           </p:cNvPr>
@@ -8173,81 +9277,280 @@
           <a:p>
             <a:r>
               <a:rPr lang="en-US" dirty="0"/>
-              <a:t>So much for traditional sorts</a:t>
-            </a:r>
-          </a:p>
-        </p:txBody>
-      </p:sp>
-      <p:sp>
-        <p:nvSpPr>
-          <p:cNvPr id="3" name="Content Placeholder 2">
-            <a:extLst>
-              <a:ext uri="{FF2B5EF4-FFF2-40B4-BE49-F238E27FC236}">
-                <a16:creationId xmlns:a16="http://schemas.microsoft.com/office/drawing/2014/main" id="{A947031A-7E62-9E4A-B8EA-3FC46F492F8F}"/>
-              </a:ext>
-            </a:extLst>
-          </p:cNvPr>
-          <p:cNvSpPr>
-            <a:spLocks noGrp="1"/>
-          </p:cNvSpPr>
-          <p:nvPr>
-            <p:ph idx="1"/>
-          </p:nvPr>
-        </p:nvSpPr>
-        <p:spPr/>
-        <p:txBody>
-          <a:bodyPr/>
-          <a:lstStyle/>
-          <a:p>
-            <a:r>
-              <a:rPr lang="en-US" dirty="0"/>
-              <a:t>Theory says we can’t beat O(n log n)…</a:t>
-            </a:r>
-          </a:p>
-          <a:p>
-            <a:r>
-              <a:rPr lang="en-US" dirty="0"/>
-              <a:t>…for generic elements and doing comparisons</a:t>
-            </a:r>
-          </a:p>
-          <a:p>
-            <a:r>
-              <a:rPr lang="en-US" dirty="0"/>
-              <a:t>But, what if we know the elements are </a:t>
-            </a:r>
-            <a:r>
-              <a:rPr lang="en-US" dirty="0" err="1"/>
-              <a:t>ints</a:t>
-            </a:r>
-            <a:r>
-              <a:rPr lang="en-US" dirty="0"/>
-              <a:t> or strings or floats?</a:t>
-            </a:r>
-          </a:p>
-          <a:p>
-            <a:r>
-              <a:rPr lang="en-US" dirty="0"/>
-              <a:t>What if we know something about the values?</a:t>
-            </a:r>
-          </a:p>
-          <a:p>
-            <a:r>
-              <a:rPr lang="en-US" dirty="0"/>
-              <a:t>E.g., what if we know the elements are </a:t>
-            </a:r>
-            <a:r>
-              <a:rPr lang="en-US" dirty="0" err="1"/>
-              <a:t>ints</a:t>
-            </a:r>
-            <a:r>
-              <a:rPr lang="en-US" dirty="0"/>
-              <a:t> in range 0..99?</a:t>
-            </a:r>
-          </a:p>
-          <a:p>
-            <a:r>
-              <a:rPr lang="en-US" dirty="0"/>
-              <a:t>How can we sort those numbers in less than O(n log n)?</a:t>
+              <a:t>Compare bubble, quicksort</a:t>
+            </a:r>
+          </a:p>
+        </p:txBody>
+      </p:sp>
+      <p:pic>
+        <p:nvPicPr>
+          <p:cNvPr id="3" name="Picture 2">
+            <a:extLst>
+              <a:ext uri="{FF2B5EF4-FFF2-40B4-BE49-F238E27FC236}">
+                <a16:creationId xmlns:a16="http://schemas.microsoft.com/office/drawing/2014/main" id="{8C57AA52-8803-F04A-B37B-E0F9EE04466F}"/>
+              </a:ext>
+            </a:extLst>
+          </p:cNvPr>
+          <p:cNvPicPr>
+            <a:picLocks noChangeAspect="1"/>
+          </p:cNvPicPr>
+          <p:nvPr/>
+        </p:nvPicPr>
+        <p:blipFill>
+          <a:blip r:embed="rId2"/>
+          <a:stretch>
+            <a:fillRect/>
+          </a:stretch>
+        </p:blipFill>
+        <p:spPr>
+          <a:xfrm>
+            <a:off x="6167780" y="2136913"/>
+            <a:ext cx="5060949" cy="3757581"/>
+          </a:xfrm>
+          <a:prstGeom prst="rect">
+            <a:avLst/>
+          </a:prstGeom>
+        </p:spPr>
+      </p:pic>
+      <p:pic>
+        <p:nvPicPr>
+          <p:cNvPr id="4" name="Picture 3">
+            <a:extLst>
+              <a:ext uri="{FF2B5EF4-FFF2-40B4-BE49-F238E27FC236}">
+                <a16:creationId xmlns:a16="http://schemas.microsoft.com/office/drawing/2014/main" id="{8C7172A9-FD29-1A4A-9C49-9CBA79F89687}"/>
+              </a:ext>
+            </a:extLst>
+          </p:cNvPr>
+          <p:cNvPicPr>
+            <a:picLocks noChangeAspect="1"/>
+          </p:cNvPicPr>
+          <p:nvPr/>
+        </p:nvPicPr>
+        <p:blipFill>
+          <a:blip r:embed="rId3"/>
+          <a:stretch>
+            <a:fillRect/>
+          </a:stretch>
+        </p:blipFill>
+        <p:spPr>
+          <a:xfrm>
+            <a:off x="372991" y="2136913"/>
+            <a:ext cx="5091908" cy="3678252"/>
+          </a:xfrm>
+          <a:prstGeom prst="rect">
+            <a:avLst/>
+          </a:prstGeom>
+        </p:spPr>
+      </p:pic>
+      <p:sp>
+        <p:nvSpPr>
+          <p:cNvPr id="5" name="Rectangle 4">
+            <a:extLst>
+              <a:ext uri="{FF2B5EF4-FFF2-40B4-BE49-F238E27FC236}">
+                <a16:creationId xmlns:a16="http://schemas.microsoft.com/office/drawing/2014/main" id="{BBF15A01-D189-3D4C-9DA9-D1B4C313080A}"/>
+              </a:ext>
+            </a:extLst>
+          </p:cNvPr>
+          <p:cNvSpPr/>
+          <p:nvPr/>
+        </p:nvSpPr>
+        <p:spPr>
+          <a:xfrm>
+            <a:off x="4949686" y="5275679"/>
+            <a:ext cx="437323" cy="300174"/>
+          </a:xfrm>
+          <a:prstGeom prst="rect">
+            <a:avLst/>
+          </a:prstGeom>
+          <a:noFill/>
+          <a:ln>
+            <a:solidFill>
+              <a:srgbClr val="E4754F"/>
+            </a:solidFill>
+          </a:ln>
+        </p:spPr>
+        <p:style>
+          <a:lnRef idx="2">
+            <a:schemeClr val="accent1">
+              <a:shade val="50000"/>
+            </a:schemeClr>
+          </a:lnRef>
+          <a:fillRef idx="1">
+            <a:schemeClr val="accent1"/>
+          </a:fillRef>
+          <a:effectRef idx="0">
+            <a:schemeClr val="accent1"/>
+          </a:effectRef>
+          <a:fontRef idx="minor">
+            <a:schemeClr val="lt1"/>
+          </a:fontRef>
+        </p:style>
+        <p:txBody>
+          <a:bodyPr rtlCol="0" anchor="ctr"/>
+          <a:lstStyle/>
+          <a:p>
+            <a:pPr algn="ctr"/>
+            <a:endParaRPr lang="en-US"/>
+          </a:p>
+        </p:txBody>
+      </p:sp>
+      <p:sp>
+        <p:nvSpPr>
+          <p:cNvPr id="6" name="Rectangle 5">
+            <a:extLst>
+              <a:ext uri="{FF2B5EF4-FFF2-40B4-BE49-F238E27FC236}">
+                <a16:creationId xmlns:a16="http://schemas.microsoft.com/office/drawing/2014/main" id="{A63EBE1C-F99B-984F-9356-073627DD4BAD}"/>
+              </a:ext>
+            </a:extLst>
+          </p:cNvPr>
+          <p:cNvSpPr/>
+          <p:nvPr/>
+        </p:nvSpPr>
+        <p:spPr>
+          <a:xfrm>
+            <a:off x="10658060" y="5298871"/>
+            <a:ext cx="570669" cy="300174"/>
+          </a:xfrm>
+          <a:prstGeom prst="rect">
+            <a:avLst/>
+          </a:prstGeom>
+          <a:noFill/>
+          <a:ln>
+            <a:solidFill>
+              <a:srgbClr val="E4754F"/>
+            </a:solidFill>
+          </a:ln>
+        </p:spPr>
+        <p:style>
+          <a:lnRef idx="2">
+            <a:schemeClr val="accent1">
+              <a:shade val="50000"/>
+            </a:schemeClr>
+          </a:lnRef>
+          <a:fillRef idx="1">
+            <a:schemeClr val="accent1"/>
+          </a:fillRef>
+          <a:effectRef idx="0">
+            <a:schemeClr val="accent1"/>
+          </a:effectRef>
+          <a:fontRef idx="minor">
+            <a:schemeClr val="lt1"/>
+          </a:fontRef>
+        </p:style>
+        <p:txBody>
+          <a:bodyPr rtlCol="0" anchor="ctr"/>
+          <a:lstStyle/>
+          <a:p>
+            <a:pPr algn="ctr"/>
+            <a:endParaRPr lang="en-US"/>
+          </a:p>
+        </p:txBody>
+      </p:sp>
+      <p:cxnSp>
+        <p:nvCxnSpPr>
+          <p:cNvPr id="8" name="Straight Arrow Connector 7">
+            <a:extLst>
+              <a:ext uri="{FF2B5EF4-FFF2-40B4-BE49-F238E27FC236}">
+                <a16:creationId xmlns:a16="http://schemas.microsoft.com/office/drawing/2014/main" id="{9DB6C8AA-5C11-7549-87EE-02088B9FF05D}"/>
+              </a:ext>
+            </a:extLst>
+          </p:cNvPr>
+          <p:cNvCxnSpPr>
+            <a:cxnSpLocks/>
+          </p:cNvCxnSpPr>
+          <p:nvPr/>
+        </p:nvCxnSpPr>
+        <p:spPr>
+          <a:xfrm flipH="1" flipV="1">
+            <a:off x="1311966" y="2335697"/>
+            <a:ext cx="5615608" cy="1878494"/>
+          </a:xfrm>
+          <a:prstGeom prst="straightConnector1">
+            <a:avLst/>
+          </a:prstGeom>
+          <a:ln>
+            <a:tailEnd type="triangle"/>
+          </a:ln>
+        </p:spPr>
+        <p:style>
+          <a:lnRef idx="1">
+            <a:schemeClr val="accent1"/>
+          </a:lnRef>
+          <a:fillRef idx="0">
+            <a:schemeClr val="accent1"/>
+          </a:fillRef>
+          <a:effectRef idx="0">
+            <a:schemeClr val="accent1"/>
+          </a:effectRef>
+          <a:fontRef idx="minor">
+            <a:schemeClr val="tx1"/>
+          </a:fontRef>
+        </p:style>
+      </p:cxnSp>
+      <p:sp>
+        <p:nvSpPr>
+          <p:cNvPr id="11" name="Rectangle 10">
+            <a:extLst>
+              <a:ext uri="{FF2B5EF4-FFF2-40B4-BE49-F238E27FC236}">
+                <a16:creationId xmlns:a16="http://schemas.microsoft.com/office/drawing/2014/main" id="{C4889B52-ADA2-2340-BC75-F8CED7B42198}"/>
+              </a:ext>
+            </a:extLst>
+          </p:cNvPr>
+          <p:cNvSpPr/>
+          <p:nvPr/>
+        </p:nvSpPr>
+        <p:spPr>
+          <a:xfrm>
+            <a:off x="2486837" y="1700627"/>
+            <a:ext cx="1742785" cy="461665"/>
+          </a:xfrm>
+          <a:prstGeom prst="rect">
+            <a:avLst/>
+          </a:prstGeom>
+        </p:spPr>
+        <p:txBody>
+          <a:bodyPr wrap="none">
+            <a:spAutoFit/>
+          </a:bodyPr>
+          <a:lstStyle/>
+          <a:p>
+            <a:r>
+              <a:rPr lang="en-US" sz="2400" dirty="0"/>
+              <a:t>Bubble sort</a:t>
+            </a:r>
+          </a:p>
+        </p:txBody>
+      </p:sp>
+      <p:sp>
+        <p:nvSpPr>
+          <p:cNvPr id="12" name="Rectangle 11">
+            <a:extLst>
+              <a:ext uri="{FF2B5EF4-FFF2-40B4-BE49-F238E27FC236}">
+                <a16:creationId xmlns:a16="http://schemas.microsoft.com/office/drawing/2014/main" id="{74AF08BC-16D6-C04B-A10B-9AD07E12B6B4}"/>
+              </a:ext>
+            </a:extLst>
+          </p:cNvPr>
+          <p:cNvSpPr/>
+          <p:nvPr/>
+        </p:nvSpPr>
+        <p:spPr>
+          <a:xfrm>
+            <a:off x="8284663" y="1700627"/>
+            <a:ext cx="1484702" cy="461665"/>
+          </a:xfrm>
+          <a:prstGeom prst="rect">
+            <a:avLst/>
+          </a:prstGeom>
+        </p:spPr>
+        <p:txBody>
+          <a:bodyPr wrap="none">
+            <a:spAutoFit/>
+          </a:bodyPr>
+          <a:lstStyle/>
+          <a:p>
+            <a:r>
+              <a:rPr lang="en-US" sz="2400" dirty="0"/>
+              <a:t>Quicksort</a:t>
             </a:r>
           </a:p>
         </p:txBody>
@@ -8255,7 +9558,7 @@
     </p:spTree>
     <p:extLst>
       <p:ext uri="{BB962C8B-B14F-4D97-AF65-F5344CB8AC3E}">
-        <p14:creationId xmlns:p14="http://schemas.microsoft.com/office/powerpoint/2010/main" val="3575754600"/>
+        <p14:creationId xmlns:p14="http://schemas.microsoft.com/office/powerpoint/2010/main" val="307838402"/>
       </p:ext>
     </p:extLst>
   </p:cSld>
@@ -8284,7 +9587,13 @@
       </p:grpSpPr>
       <p:sp>
         <p:nvSpPr>
-          <p:cNvPr id="2" name="Title 1"/>
+          <p:cNvPr id="2" name="Title 1">
+            <a:extLst>
+              <a:ext uri="{FF2B5EF4-FFF2-40B4-BE49-F238E27FC236}">
+                <a16:creationId xmlns:a16="http://schemas.microsoft.com/office/drawing/2014/main" id="{89D33BA6-0A82-5A4F-935E-68B7DAC63EB9}"/>
+              </a:ext>
+            </a:extLst>
+          </p:cNvPr>
           <p:cNvSpPr>
             <a:spLocks noGrp="1"/>
           </p:cNvSpPr>
@@ -8299,14 +9608,20 @@
           <a:p>
             <a:r>
               <a:rPr lang="en-US" dirty="0"/>
-              <a:t>Pigeonhole sort</a:t>
-            </a:r>
-          </a:p>
-        </p:txBody>
-      </p:sp>
-      <p:sp>
-        <p:nvSpPr>
-          <p:cNvPr id="3" name="Content Placeholder 2"/>
+              <a:t>So much for traditional sorts</a:t>
+            </a:r>
+          </a:p>
+        </p:txBody>
+      </p:sp>
+      <p:sp>
+        <p:nvSpPr>
+          <p:cNvPr id="3" name="Content Placeholder 2">
+            <a:extLst>
+              <a:ext uri="{FF2B5EF4-FFF2-40B4-BE49-F238E27FC236}">
+                <a16:creationId xmlns:a16="http://schemas.microsoft.com/office/drawing/2014/main" id="{A947031A-7E62-9E4A-B8EA-3FC46F492F8F}"/>
+              </a:ext>
+            </a:extLst>
+          </p:cNvPr>
           <p:cNvSpPr>
             <a:spLocks noGrp="1"/>
           </p:cNvSpPr>
@@ -8320,138 +9635,62 @@
           <a:lstStyle/>
           <a:p>
             <a:r>
-              <a:rPr lang="en-US" b="1" dirty="0"/>
-              <a:t>Idea</a:t>
-            </a:r>
-            <a:r>
-              <a:rPr lang="en-US" dirty="0"/>
-              <a:t>: Map each key to unique pigeonhole in ordered</a:t>
-            </a:r>
-            <a:br>
-              <a:rPr lang="en-US" dirty="0"/>
-            </a:br>
-            <a:r>
-              <a:rPr lang="en-US" dirty="0"/>
-              <a:t>range of holes; then just walk pigeonholes in order to</a:t>
-            </a:r>
-            <a:br>
-              <a:rPr lang="en-US" dirty="0"/>
-            </a:br>
-            <a:r>
-              <a:rPr lang="en-US" dirty="0"/>
-              <a:t>get sorted elements</a:t>
-            </a:r>
-          </a:p>
-          <a:p>
-            <a:r>
-              <a:rPr lang="en-US" dirty="0"/>
-              <a:t>Works best when the range of keys, m, is similar to the</a:t>
-            </a:r>
-            <a:br>
-              <a:rPr lang="en-US" dirty="0"/>
-            </a:br>
-            <a:r>
-              <a:rPr lang="en-US" dirty="0"/>
-              <a:t>number of elements, n; why is that?</a:t>
-            </a:r>
-          </a:p>
-          <a:p>
-            <a:r>
-              <a:rPr lang="en-US" dirty="0"/>
-              <a:t>T(</a:t>
+              <a:rPr lang="en-US" dirty="0"/>
+              <a:t>Theory says we can’t beat O(n log n)…</a:t>
+            </a:r>
+          </a:p>
+          <a:p>
+            <a:r>
+              <a:rPr lang="en-US" dirty="0"/>
+              <a:t>…for generic elements and doing comparisons</a:t>
+            </a:r>
+          </a:p>
+          <a:p>
+            <a:r>
+              <a:rPr lang="en-US" dirty="0"/>
+              <a:t>But, what if we know the elements are </a:t>
             </a:r>
             <a:r>
               <a:rPr lang="en-US" dirty="0" err="1"/>
-              <a:t>n,m</a:t>
-            </a:r>
-            <a:r>
-              <a:rPr lang="en-US" dirty="0"/>
-              <a:t>) = n + m</a:t>
-            </a:r>
-          </a:p>
-          <a:p>
-            <a:r>
-              <a:rPr lang="en-US" dirty="0"/>
-              <a:t>This should smack of perfect hashing to you!</a:t>
-            </a:r>
-          </a:p>
-        </p:txBody>
-      </p:sp>
-      <p:sp>
-        <p:nvSpPr>
-          <p:cNvPr id="4" name="Rectangle 3"/>
-          <p:cNvSpPr/>
-          <p:nvPr/>
-        </p:nvSpPr>
-        <p:spPr>
-          <a:xfrm>
-            <a:off x="838200" y="6386368"/>
-            <a:ext cx="4724370" cy="369332"/>
-          </a:xfrm>
-          <a:prstGeom prst="rect">
-            <a:avLst/>
-          </a:prstGeom>
-        </p:spPr>
-        <p:txBody>
-          <a:bodyPr wrap="none">
-            <a:spAutoFit/>
-          </a:bodyPr>
-          <a:lstStyle/>
-          <a:p>
-            <a:r>
-              <a:rPr lang="en-US" dirty="0"/>
-              <a:t>https://</a:t>
+              <a:t>ints</a:t>
+            </a:r>
+            <a:r>
+              <a:rPr lang="en-US" dirty="0"/>
+              <a:t> or strings or floats?</a:t>
+            </a:r>
+          </a:p>
+          <a:p>
+            <a:r>
+              <a:rPr lang="en-US" dirty="0"/>
+              <a:t>What if we know something about the values?</a:t>
+            </a:r>
+          </a:p>
+          <a:p>
+            <a:r>
+              <a:rPr lang="en-US" dirty="0"/>
+              <a:t>E.g., what if we know the elements are </a:t>
             </a:r>
             <a:r>
               <a:rPr lang="en-US" dirty="0" err="1"/>
-              <a:t>en.wikipedia.org</a:t>
-            </a:r>
-            <a:r>
-              <a:rPr lang="en-US" dirty="0"/>
-              <a:t>/wiki/</a:t>
-            </a:r>
-            <a:r>
-              <a:rPr lang="en-US" dirty="0" err="1"/>
-              <a:t>Pigeonhole_sort</a:t>
-            </a:r>
-            <a:endParaRPr lang="en-US" dirty="0"/>
-          </a:p>
-        </p:txBody>
-      </p:sp>
-      <p:pic>
-        <p:nvPicPr>
-          <p:cNvPr id="5" name="Picture 4">
-            <a:extLst>
-              <a:ext uri="{FF2B5EF4-FFF2-40B4-BE49-F238E27FC236}">
-                <a16:creationId xmlns:a16="http://schemas.microsoft.com/office/drawing/2014/main" id="{4B841605-E4BF-3B45-9C0D-03FB08745711}"/>
-              </a:ext>
-            </a:extLst>
-          </p:cNvPr>
-          <p:cNvPicPr>
-            <a:picLocks noChangeAspect="1"/>
-          </p:cNvPicPr>
-          <p:nvPr/>
-        </p:nvPicPr>
-        <p:blipFill>
-          <a:blip r:embed="rId2"/>
-          <a:stretch>
-            <a:fillRect/>
-          </a:stretch>
-        </p:blipFill>
-        <p:spPr>
-          <a:xfrm>
-            <a:off x="8725711" y="0"/>
-            <a:ext cx="3466289" cy="4108194"/>
-          </a:xfrm>
-          <a:prstGeom prst="rect">
-            <a:avLst/>
-          </a:prstGeom>
-        </p:spPr>
-      </p:pic>
+              <a:t>ints</a:t>
+            </a:r>
+            <a:r>
+              <a:rPr lang="en-US" dirty="0"/>
+              <a:t> in range 0..99?</a:t>
+            </a:r>
+          </a:p>
+          <a:p>
+            <a:r>
+              <a:rPr lang="en-US" dirty="0"/>
+              <a:t>How can we sort those numbers in less than O(n log n)?</a:t>
+            </a:r>
+          </a:p>
+        </p:txBody>
+      </p:sp>
     </p:spTree>
     <p:extLst>
       <p:ext uri="{BB962C8B-B14F-4D97-AF65-F5344CB8AC3E}">
-        <p14:creationId xmlns:p14="http://schemas.microsoft.com/office/powerpoint/2010/main" val="1443524529"/>
+        <p14:creationId xmlns:p14="http://schemas.microsoft.com/office/powerpoint/2010/main" val="3575754600"/>
       </p:ext>
     </p:extLst>
   </p:cSld>

--- a/notes/sorting.pptx
+++ b/notes/sorting.pptx
@@ -4098,7 +4098,7 @@
             </a:r>
             <a:r>
               <a:rPr lang="en-US" dirty="0"/>
-              <a:t>: Map each key to unique pigeonhole in ordered</a:t>
+              <a:t>: Map each key to unique pigeonhole in an ordered</a:t>
             </a:r>
             <a:br>
               <a:rPr lang="en-US" dirty="0"/>
@@ -4118,7 +4118,15 @@
           <a:p>
             <a:r>
               <a:rPr lang="en-US" dirty="0"/>
-              <a:t>Works best when the range of keys, m, is similar to the</a:t>
+              <a:t>Works best when the range of keys, </a:t>
+            </a:r>
+            <a:r>
+              <a:rPr lang="en-US" i="1" dirty="0"/>
+              <a:t>m</a:t>
+            </a:r>
+            <a:r>
+              <a:rPr lang="en-US" dirty="0"/>
+              <a:t>, is similar to the</a:t>
             </a:r>
             <a:br>
               <a:rPr lang="en-US" dirty="0"/>
@@ -4158,8 +4166,8 @@
         </p:nvSpPr>
         <p:spPr>
           <a:xfrm>
-            <a:off x="838200" y="6386368"/>
-            <a:ext cx="4724370" cy="369332"/>
+            <a:off x="0" y="6488668"/>
+            <a:ext cx="4217821" cy="338554"/>
           </a:xfrm>
           <a:prstGeom prst="rect">
             <a:avLst/>
@@ -4172,22 +4180,12 @@
           <a:lstStyle/>
           <a:p>
             <a:r>
-              <a:rPr lang="en-US" dirty="0"/>
-              <a:t>https://</a:t>
-            </a:r>
-            <a:r>
-              <a:rPr lang="en-US" dirty="0" err="1"/>
-              <a:t>en.wikipedia.org</a:t>
-            </a:r>
-            <a:r>
-              <a:rPr lang="en-US" dirty="0"/>
-              <a:t>/wiki/</a:t>
-            </a:r>
-            <a:r>
-              <a:rPr lang="en-US" dirty="0" err="1"/>
-              <a:t>Pigeonhole_sort</a:t>
-            </a:r>
-            <a:endParaRPr lang="en-US" dirty="0"/>
+              <a:rPr lang="en-US" sz="1600" dirty="0">
+                <a:hlinkClick r:id="rId2"/>
+              </a:rPr>
+              <a:t>https://en.wikipedia.org/wiki/Pigeonhole_sort</a:t>
+            </a:r>
+            <a:endParaRPr lang="en-US" sz="1600" dirty="0"/>
           </a:p>
         </p:txBody>
       </p:sp>
@@ -4206,7 +4204,7 @@
           <p:nvPr/>
         </p:nvPicPr>
         <p:blipFill>
-          <a:blip r:embed="rId2"/>
+          <a:blip r:embed="rId3"/>
           <a:stretch>
             <a:fillRect/>
           </a:stretch>
@@ -4294,7 +4292,7 @@
         <p:spPr>
           <a:xfrm>
             <a:off x="1275944" y="1534972"/>
-            <a:ext cx="3558703" cy="4154984"/>
+            <a:ext cx="3713499" cy="3785652"/>
           </a:xfrm>
           <a:prstGeom prst="rect">
             <a:avLst/>
@@ -4373,7 +4371,15 @@
           <a:p>
             <a:r>
               <a:rPr lang="en-US" sz="2400" dirty="0"/>
-              <a:t>    for j in range(holes[</a:t>
+              <a:t>    </a:t>
+            </a:r>
+            <a:r>
+              <a:rPr lang="en-US" sz="2400" dirty="0" err="1"/>
+              <a:t>A_.extend</a:t>
+            </a:r>
+            <a:r>
+              <a:rPr lang="en-US" sz="2400" dirty="0"/>
+              <a:t>([</a:t>
             </a:r>
             <a:r>
               <a:rPr lang="en-US" sz="2400" dirty="0" err="1"/>
@@ -4381,21 +4387,7 @@
             </a:r>
             <a:r>
               <a:rPr lang="en-US" sz="2400" dirty="0"/>
-              <a:t>]):</a:t>
-            </a:r>
-          </a:p>
-          <a:p>
-            <a:r>
-              <a:rPr lang="en-US" sz="2400" dirty="0"/>
-              <a:t>         </a:t>
-            </a:r>
-            <a:r>
-              <a:rPr lang="en-US" sz="2400" dirty="0" err="1"/>
-              <a:t>A_.append</a:t>
-            </a:r>
-            <a:r>
-              <a:rPr lang="en-US" sz="2400" dirty="0"/>
-              <a:t>(</a:t>
+              <a:t>] * holes[</a:t>
             </a:r>
             <a:r>
               <a:rPr lang="en-US" sz="2400" dirty="0" err="1"/>
@@ -4403,7 +4395,7 @@
             </a:r>
             <a:r>
               <a:rPr lang="en-US" sz="2400" dirty="0"/>
-              <a:t>)</a:t>
+              <a:t>])</a:t>
             </a:r>
             <a:endParaRPr lang="mr-IN" sz="2400" dirty="0"/>
           </a:p>
@@ -4447,7 +4439,7 @@
         </p:nvSpPr>
         <p:spPr>
           <a:xfrm>
-            <a:off x="838200" y="6225703"/>
+            <a:off x="0" y="6488668"/>
             <a:ext cx="2364750" cy="369332"/>
           </a:xfrm>
           <a:prstGeom prst="rect">
@@ -4463,11 +4455,7 @@
           <a:p>
             <a:r>
               <a:rPr lang="en-US" dirty="0"/>
-              <a:t>See </a:t>
-            </a:r>
-            <a:r>
-              <a:rPr lang="en-US"/>
-              <a:t>sorting notebook</a:t>
+              <a:t>See sorting notebook</a:t>
             </a:r>
           </a:p>
         </p:txBody>
@@ -4854,7 +4842,23 @@
           <a:p>
             <a:r>
               <a:rPr lang="en-US" dirty="0"/>
-              <a:t>What do we do when m &gt;&gt; n? E.g., sort 2 numbers, 5 and 5 million. Takes T(</a:t>
+              <a:t>What do we do when </a:t>
+            </a:r>
+            <a:r>
+              <a:rPr lang="en-US" i="1" dirty="0"/>
+              <a:t>m</a:t>
+            </a:r>
+            <a:r>
+              <a:rPr lang="en-US" dirty="0"/>
+              <a:t> &gt;&gt; </a:t>
+            </a:r>
+            <a:r>
+              <a:rPr lang="en-US" i="1" dirty="0"/>
+              <a:t>n</a:t>
+            </a:r>
+            <a:r>
+              <a:rPr lang="en-US" dirty="0"/>
+              <a:t>? E.g., sort 2 numbers, 5 and 5 million. Takes T(</a:t>
             </a:r>
             <a:r>
               <a:rPr lang="en-US" dirty="0" err="1"/>
@@ -4874,7 +4878,15 @@
           <a:p>
             <a:r>
               <a:rPr lang="en-US" dirty="0"/>
-              <a:t>Hint: compress m, number of buckets, to some fixed number instead of range of numbers</a:t>
+              <a:t>Hint: compress </a:t>
+            </a:r>
+            <a:r>
+              <a:rPr lang="en-US" i="1" dirty="0"/>
+              <a:t>m</a:t>
+            </a:r>
+            <a:r>
+              <a:rPr lang="en-US" dirty="0"/>
+              <a:t> to some fixed number of buckets instead of range of numbers</a:t>
             </a:r>
           </a:p>
           <a:p>
@@ -5074,7 +5086,23 @@
           <a:p>
             <a:r>
               <a:rPr lang="en-US" dirty="0"/>
-              <a:t>Idea: distribute n elements across m buckets, sort elements within buckets, then concatenate elements from buckets in order</a:t>
+              <a:t>Idea: distribute </a:t>
+            </a:r>
+            <a:r>
+              <a:rPr lang="en-US" i="1" dirty="0"/>
+              <a:t>n</a:t>
+            </a:r>
+            <a:r>
+              <a:rPr lang="en-US" dirty="0"/>
+              <a:t> elements across </a:t>
+            </a:r>
+            <a:r>
+              <a:rPr lang="en-US" i="1" dirty="0"/>
+              <a:t>m</a:t>
+            </a:r>
+            <a:r>
+              <a:rPr lang="en-US" dirty="0"/>
+              <a:t> buckets, sort elements within buckets, then concatenate elements from buckets in order</a:t>
             </a:r>
             <a:br>
               <a:rPr lang="en-US" dirty="0"/>
@@ -5132,8 +5160,8 @@
         </p:nvSpPr>
         <p:spPr>
           <a:xfrm>
-            <a:off x="738380" y="6311900"/>
-            <a:ext cx="4275529" cy="369332"/>
+            <a:off x="-29817" y="6513393"/>
+            <a:ext cx="6904454" cy="369332"/>
           </a:xfrm>
           <a:prstGeom prst="rect">
             <a:avLst/>
@@ -5146,20 +5174,14 @@
           <a:lstStyle/>
           <a:p>
             <a:r>
-              <a:rPr lang="en-US"/>
-              <a:t>https://</a:t>
-            </a:r>
-            <a:r>
-              <a:rPr lang="en-US" dirty="0" err="1"/>
-              <a:t>en.wikipedia.org</a:t>
-            </a:r>
-            <a:r>
-              <a:rPr lang="en-US" dirty="0"/>
-              <a:t>/wiki/</a:t>
-            </a:r>
-            <a:r>
-              <a:rPr lang="en-US" dirty="0" err="1"/>
-              <a:t>Bucket_sort</a:t>
+              <a:rPr lang="en-US" dirty="0"/>
+              <a:t>See sorting notebook and </a:t>
+            </a:r>
+            <a:r>
+              <a:rPr lang="en-US" dirty="0">
+                <a:hlinkClick r:id="rId2"/>
+              </a:rPr>
+              <a:t>https://en.wikipedia.org/wiki/Bucket_sort</a:t>
             </a:r>
             <a:endParaRPr lang="en-US" dirty="0"/>
           </a:p>
@@ -5220,7 +5242,7 @@
           <p:nvPr/>
         </p:nvPicPr>
         <p:blipFill>
-          <a:blip r:embed="rId2"/>
+          <a:blip r:embed="rId3"/>
           <a:stretch>
             <a:fillRect/>
           </a:stretch>
@@ -5250,7 +5272,7 @@
           <p:nvPr/>
         </p:nvPicPr>
         <p:blipFill>
-          <a:blip r:embed="rId3"/>
+          <a:blip r:embed="rId4"/>
           <a:stretch>
             <a:fillRect/>
           </a:stretch>
@@ -5265,39 +5287,6 @@
           </a:prstGeom>
         </p:spPr>
       </p:pic>
-      <p:sp>
-        <p:nvSpPr>
-          <p:cNvPr id="9" name="TextBox 8"/>
-          <p:cNvSpPr txBox="1"/>
-          <p:nvPr/>
-        </p:nvSpPr>
-        <p:spPr>
-          <a:xfrm>
-            <a:off x="5429655" y="6311900"/>
-            <a:ext cx="2364750" cy="369332"/>
-          </a:xfrm>
-          <a:prstGeom prst="rect">
-            <a:avLst/>
-          </a:prstGeom>
-          <a:noFill/>
-        </p:spPr>
-        <p:txBody>
-          <a:bodyPr wrap="none" rtlCol="0">
-            <a:spAutoFit/>
-          </a:bodyPr>
-          <a:lstStyle/>
-          <a:p>
-            <a:r>
-              <a:rPr lang="en-US" dirty="0"/>
-              <a:t>See </a:t>
-            </a:r>
-            <a:r>
-              <a:rPr lang="en-US"/>
-              <a:t>sorting notebook</a:t>
-            </a:r>
-          </a:p>
-        </p:txBody>
-      </p:sp>
     </p:spTree>
     <p:extLst>
       <p:ext uri="{BB962C8B-B14F-4D97-AF65-F5344CB8AC3E}">
@@ -5371,7 +5360,7 @@
         <p:spPr>
           <a:xfrm>
             <a:off x="731194" y="1690688"/>
-            <a:ext cx="10406975" cy="3139321"/>
+            <a:ext cx="10406975" cy="3477875"/>
           </a:xfrm>
           <a:prstGeom prst="rect">
             <a:avLst/>
@@ -5429,7 +5418,7 @@
               <a:rPr lang="en-US" sz="2200" dirty="0">
                 <a:latin typeface="Monaco" pitchFamily="2" charset="77"/>
               </a:rPr>
-              <a:t> = a / mx # get in 0..1</a:t>
+              <a:t> = a / mx # get into 0..1</a:t>
             </a:r>
           </a:p>
           <a:p>
@@ -5437,6 +5426,14 @@
               <a:rPr lang="en-US" sz="2200" dirty="0">
                 <a:latin typeface="Monaco" pitchFamily="2" charset="77"/>
               </a:rPr>
+              <a:t>    # spread across buckets</a:t>
+            </a:r>
+          </a:p>
+          <a:p>
+            <a:r>
+              <a:rPr lang="en-US" sz="2200" dirty="0">
+                <a:latin typeface="Monaco" pitchFamily="2" charset="77"/>
+              </a:rPr>
               <a:t>    </a:t>
             </a:r>
             <a:r>
@@ -5449,91 +5446,79 @@
               <a:rPr lang="en-US" sz="2200" dirty="0">
                 <a:latin typeface="Monaco" pitchFamily="2" charset="77"/>
               </a:rPr>
-              <a:t> = </a:t>
+              <a:t> = int(</a:t>
             </a:r>
             <a:r>
               <a:rPr lang="en-US" sz="2200" dirty="0" err="1">
                 <a:latin typeface="Monaco" pitchFamily="2" charset="77"/>
               </a:rPr>
-              <a:t>int</a:t>
+              <a:t>a_normalized</a:t>
             </a:r>
             <a:r>
               <a:rPr lang="en-US" sz="2200" dirty="0">
                 <a:latin typeface="Monaco" pitchFamily="2" charset="77"/>
               </a:rPr>
-              <a:t>(</a:t>
+              <a:t> * (nbuckets-1)) </a:t>
+            </a:r>
+          </a:p>
+          <a:p>
+            <a:r>
+              <a:rPr lang="en-US" sz="2200" dirty="0">
+                <a:latin typeface="Monaco" pitchFamily="2" charset="77"/>
+              </a:rPr>
+              <a:t>    buckets[</a:t>
             </a:r>
             <a:r>
               <a:rPr lang="en-US" sz="2200" dirty="0" err="1">
                 <a:latin typeface="Monaco" pitchFamily="2" charset="77"/>
               </a:rPr>
-              <a:t>a_normalized</a:t>
+              <a:t>i</a:t>
             </a:r>
             <a:r>
               <a:rPr lang="en-US" sz="2200" dirty="0">
                 <a:latin typeface="Monaco" pitchFamily="2" charset="77"/>
               </a:rPr>
-              <a:t> * </a:t>
+              <a:t>].append(a)</a:t>
+            </a:r>
+          </a:p>
+          <a:p>
+            <a:r>
+              <a:rPr lang="en-US" sz="2200" dirty="0">
+                <a:latin typeface="Monaco" pitchFamily="2" charset="77"/>
+              </a:rPr>
+              <a:t>…</a:t>
+            </a:r>
+          </a:p>
+          <a:p>
+            <a:r>
+              <a:rPr lang="en-US" sz="2200" dirty="0">
+                <a:latin typeface="Monaco" pitchFamily="2" charset="77"/>
+              </a:rPr>
+              <a:t>for </a:t>
             </a:r>
             <a:r>
               <a:rPr lang="en-US" sz="2200" dirty="0" err="1">
                 <a:latin typeface="Monaco" pitchFamily="2" charset="77"/>
               </a:rPr>
-              <a:t>nbuckets</a:t>
+              <a:t>i</a:t>
             </a:r>
             <a:r>
               <a:rPr lang="en-US" sz="2200" dirty="0">
                 <a:latin typeface="Monaco" pitchFamily="2" charset="77"/>
               </a:rPr>
-              <a:t>) # spread across buckets</a:t>
-            </a:r>
-          </a:p>
-          <a:p>
+              <a:t> in range(</a:t>
+            </a:r>
+            <a:r>
+              <a:rPr lang="en-US" sz="2200" dirty="0" err="1">
+                <a:latin typeface="Monaco" pitchFamily="2" charset="77"/>
+              </a:rPr>
+              <a:t>nbuckets</a:t>
+            </a:r>
             <a:r>
               <a:rPr lang="en-US" sz="2200" dirty="0">
                 <a:latin typeface="Monaco" pitchFamily="2" charset="77"/>
               </a:rPr>
-              <a:t>    buckets[</a:t>
-            </a:r>
-            <a:r>
-              <a:rPr lang="en-US" sz="2200" dirty="0" err="1">
-                <a:latin typeface="Monaco" pitchFamily="2" charset="77"/>
-              </a:rPr>
-              <a:t>i</a:t>
-            </a:r>
-            <a:r>
-              <a:rPr lang="en-US" sz="2200" dirty="0">
-                <a:latin typeface="Monaco" pitchFamily="2" charset="77"/>
-              </a:rPr>
-              <a:t>].append(a)</a:t>
-            </a:r>
-          </a:p>
-          <a:p>
-            <a:r>
-              <a:rPr lang="en-US" sz="2200" dirty="0">
-                <a:latin typeface="Monaco" pitchFamily="2" charset="77"/>
-              </a:rPr>
-              <a:t>…</a:t>
-            </a:r>
-          </a:p>
-          <a:p>
-            <a:r>
-              <a:rPr lang="en-US" sz="2200" dirty="0">
-                <a:latin typeface="Monaco" pitchFamily="2" charset="77"/>
-              </a:rPr>
-              <a:t>for </a:t>
-            </a:r>
-            <a:r>
-              <a:rPr lang="en-US" sz="2200" dirty="0" err="1">
-                <a:latin typeface="Monaco" pitchFamily="2" charset="77"/>
-              </a:rPr>
-              <a:t>i</a:t>
-            </a:r>
-            <a:r>
-              <a:rPr lang="en-US" sz="2200" dirty="0">
-                <a:latin typeface="Monaco" pitchFamily="2" charset="77"/>
-              </a:rPr>
-              <a:t> in range(max_bucket_idx+1):</a:t>
+              <a:t>):</a:t>
             </a:r>
           </a:p>
           <a:p>
@@ -5703,7 +5688,7 @@
           <a:p>
             <a:r>
               <a:rPr lang="en-US" dirty="0"/>
-              <a:t>Sorting one bucket at best costs us O(n log n)</a:t>
+              <a:t>Sorting one bucket at best costs us O(k log k) for bucket size k</a:t>
             </a:r>
           </a:p>
           <a:p>
@@ -5713,7 +5698,7 @@
             </a:r>
             <a:r>
               <a:rPr lang="en-US" dirty="0"/>
-              <a:t> might be faster for small buckets but that’s O(n^2) worst-case in theory</a:t>
+              <a:t> might be faster for small buckets but that’s O(k^2) worst-case in theory</a:t>
             </a:r>
           </a:p>
           <a:p>
@@ -5991,7 +5976,7 @@
           <a:p>
             <a:r>
               <a:rPr lang="en-US" dirty="0"/>
-              <a:t>What’s the best case or average case look like?</a:t>
+              <a:t>What does the best case or average case look like?</a:t>
             </a:r>
           </a:p>
           <a:p>
@@ -6035,6 +6020,13 @@
             </a:r>
           </a:p>
           <a:p>
+            <a:r>
+              <a:rPr lang="en-US" dirty="0"/>
+              <a:t>Replace m=n/k:</a:t>
+            </a:r>
+            <a:br>
+              <a:rPr lang="en-US" dirty="0"/>
+            </a:br>
             <a:r>
               <a:rPr lang="en-US" dirty="0"/>
               <a:t>T(</a:t>
@@ -7427,7 +7419,7 @@
             </a:r>
             <a:r>
               <a:rPr lang="en-US" dirty="0"/>
-              <a:t> merges to sorted halves recursively; takes extra memory</a:t>
+              <a:t> merges two sorted halves recursively; takes extra memory</a:t>
             </a:r>
           </a:p>
           <a:p>
@@ -7446,7 +7438,7 @@
           <a:p>
             <a:r>
               <a:rPr lang="en-US" dirty="0"/>
-              <a:t>If mapping to unique bucket is hard, as with floating-point numbers, use bin/bucket sort like a hash table; O(n) if reasonably evenly distributed</a:t>
+              <a:t>If mapping to unique bucket is hard, as with floating-point numbers, use bin/bucket sort like a hash table; O(n) if reasonably evenly distributed and enough buckets</a:t>
             </a:r>
           </a:p>
           <a:p>
@@ -7466,7 +7458,15 @@
           <a:p>
             <a:r>
               <a:rPr lang="en-US" dirty="0"/>
-              <a:t>Use all letters in strings, get nested bucket sort (called a TRIE)</a:t>
+              <a:t>Use all letters </a:t>
+            </a:r>
+            <a:r>
+              <a:rPr lang="en-US"/>
+              <a:t>in strings to </a:t>
+            </a:r>
+            <a:r>
+              <a:rPr lang="en-US" dirty="0"/>
+              <a:t>get nested bucket sort (called a TRIE)</a:t>
             </a:r>
           </a:p>
         </p:txBody>
@@ -8904,8 +8904,8 @@
         </p:nvSpPr>
         <p:spPr>
           <a:xfrm>
-            <a:off x="565821" y="1951412"/>
-            <a:ext cx="4356375" cy="1938992"/>
+            <a:off x="85790" y="1951412"/>
+            <a:ext cx="5003043" cy="1938992"/>
           </a:xfrm>
           <a:prstGeom prst="rect">
             <a:avLst/>
@@ -8924,82 +8924,276 @@
           <a:lstStyle/>
           <a:p>
             <a:r>
-              <a:rPr lang="en-US" sz="2400" dirty="0"/>
+              <a:rPr lang="en-US" sz="2000" b="1" dirty="0">
+                <a:solidFill>
+                  <a:srgbClr val="00006D"/>
+                </a:solidFill>
+                <a:latin typeface="Consolas" panose="020B0609020204030204" pitchFamily="49" charset="0"/>
+              </a:rPr>
               <a:t>def </a:t>
             </a:r>
             <a:r>
-              <a:rPr lang="en-US" sz="2400" dirty="0" err="1"/>
+              <a:rPr lang="en-US" sz="2000" dirty="0" err="1">
+                <a:solidFill>
+                  <a:srgbClr val="000000"/>
+                </a:solidFill>
+                <a:latin typeface="Consolas" panose="020B0609020204030204" pitchFamily="49" charset="0"/>
+              </a:rPr>
               <a:t>qsort</a:t>
             </a:r>
             <a:r>
-              <a:rPr lang="en-US" sz="2400" dirty="0"/>
-              <a:t>(A, lo=0, hi=</a:t>
-            </a:r>
-            <a:r>
-              <a:rPr lang="en-US" sz="2400" dirty="0" err="1"/>
+              <a:rPr lang="en-US" sz="2000" dirty="0">
+                <a:solidFill>
+                  <a:srgbClr val="000000"/>
+                </a:solidFill>
+                <a:latin typeface="Consolas" panose="020B0609020204030204" pitchFamily="49" charset="0"/>
+              </a:rPr>
+              <a:t>(A, lo=</a:t>
+            </a:r>
+            <a:r>
+              <a:rPr lang="en-US" sz="2000" dirty="0">
+                <a:solidFill>
+                  <a:srgbClr val="0000FE"/>
+                </a:solidFill>
+                <a:latin typeface="Consolas" panose="020B0609020204030204" pitchFamily="49" charset="0"/>
+              </a:rPr>
+              <a:t>0</a:t>
+            </a:r>
+            <a:r>
+              <a:rPr lang="en-US" sz="2000" dirty="0">
+                <a:solidFill>
+                  <a:srgbClr val="000000"/>
+                </a:solidFill>
+                <a:latin typeface="Consolas" panose="020B0609020204030204" pitchFamily="49" charset="0"/>
+              </a:rPr>
+              <a:t>, hi=</a:t>
+            </a:r>
+            <a:r>
+              <a:rPr lang="en-US" sz="2000" dirty="0" err="1">
+                <a:solidFill>
+                  <a:srgbClr val="00006D"/>
+                </a:solidFill>
+                <a:latin typeface="Consolas" panose="020B0609020204030204" pitchFamily="49" charset="0"/>
+              </a:rPr>
               <a:t>len</a:t>
             </a:r>
             <a:r>
-              <a:rPr lang="en-US" sz="2400" dirty="0"/>
-              <a:t>(A)-1):</a:t>
-            </a:r>
-          </a:p>
-          <a:p>
-            <a:r>
-              <a:rPr lang="en-US" sz="2400" dirty="0"/>
-              <a:t>    if lo &gt;= hi: return</a:t>
-            </a:r>
-          </a:p>
-          <a:p>
-            <a:r>
-              <a:rPr lang="en-US" sz="2400" dirty="0"/>
+              <a:rPr lang="en-US" sz="2000" dirty="0">
+                <a:solidFill>
+                  <a:srgbClr val="000000"/>
+                </a:solidFill>
+                <a:latin typeface="Consolas" panose="020B0609020204030204" pitchFamily="49" charset="0"/>
+              </a:rPr>
+              <a:t>(A)-</a:t>
+            </a:r>
+            <a:r>
+              <a:rPr lang="en-US" sz="2000" dirty="0">
+                <a:solidFill>
+                  <a:srgbClr val="0000FE"/>
+                </a:solidFill>
+                <a:latin typeface="Consolas" panose="020B0609020204030204" pitchFamily="49" charset="0"/>
+              </a:rPr>
+              <a:t>1</a:t>
+            </a:r>
+            <a:r>
+              <a:rPr lang="en-US" sz="2000" dirty="0">
+                <a:solidFill>
+                  <a:srgbClr val="000000"/>
+                </a:solidFill>
+                <a:latin typeface="Consolas" panose="020B0609020204030204" pitchFamily="49" charset="0"/>
+              </a:rPr>
+              <a:t>):</a:t>
+            </a:r>
+          </a:p>
+          <a:p>
+            <a:r>
+              <a:rPr lang="en-US" sz="2000" dirty="0">
+                <a:solidFill>
+                  <a:srgbClr val="000000"/>
+                </a:solidFill>
+                <a:latin typeface="Consolas" panose="020B0609020204030204" pitchFamily="49" charset="0"/>
+              </a:rPr>
               <a:t>    </a:t>
             </a:r>
             <a:r>
-              <a:rPr lang="en-US" sz="2400" dirty="0" err="1"/>
+              <a:rPr lang="en-US" sz="2000" b="1" dirty="0">
+                <a:solidFill>
+                  <a:srgbClr val="00006D"/>
+                </a:solidFill>
+                <a:latin typeface="Consolas" panose="020B0609020204030204" pitchFamily="49" charset="0"/>
+              </a:rPr>
+              <a:t>if </a:t>
+            </a:r>
+            <a:r>
+              <a:rPr lang="en-US" sz="2000" dirty="0">
+                <a:solidFill>
+                  <a:srgbClr val="000000"/>
+                </a:solidFill>
+                <a:latin typeface="Consolas" panose="020B0609020204030204" pitchFamily="49" charset="0"/>
+              </a:rPr>
+              <a:t>lo &gt;= hi:</a:t>
+            </a:r>
+          </a:p>
+          <a:p>
+            <a:r>
+              <a:rPr lang="en-US" sz="2000" dirty="0">
+                <a:solidFill>
+                  <a:srgbClr val="000000"/>
+                </a:solidFill>
+                <a:latin typeface="Consolas" panose="020B0609020204030204" pitchFamily="49" charset="0"/>
+              </a:rPr>
+              <a:t>       </a:t>
+            </a:r>
+            <a:r>
+              <a:rPr lang="en-US" sz="2000" b="1" dirty="0">
+                <a:solidFill>
+                  <a:srgbClr val="00006D"/>
+                </a:solidFill>
+                <a:latin typeface="Consolas" panose="020B0609020204030204" pitchFamily="49" charset="0"/>
+              </a:rPr>
+              <a:t>return</a:t>
+            </a:r>
+          </a:p>
+          <a:p>
+            <a:r>
+              <a:rPr lang="en-US" sz="2000" b="1" dirty="0">
+                <a:solidFill>
+                  <a:srgbClr val="00006D"/>
+                </a:solidFill>
+                <a:latin typeface="Consolas" panose="020B0609020204030204" pitchFamily="49" charset="0"/>
+              </a:rPr>
+              <a:t>    </a:t>
+            </a:r>
+            <a:r>
+              <a:rPr lang="en-US" sz="2000" dirty="0" err="1">
+                <a:solidFill>
+                  <a:srgbClr val="000000"/>
+                </a:solidFill>
+                <a:latin typeface="Consolas" panose="020B0609020204030204" pitchFamily="49" charset="0"/>
+              </a:rPr>
               <a:t>pivot_idx</a:t>
             </a:r>
             <a:r>
-              <a:rPr lang="en-US" sz="2400" dirty="0"/>
+              <a:rPr lang="en-US" sz="2000" dirty="0">
+                <a:solidFill>
+                  <a:srgbClr val="000000"/>
+                </a:solidFill>
+                <a:latin typeface="Consolas" panose="020B0609020204030204" pitchFamily="49" charset="0"/>
+              </a:rPr>
               <a:t> = partition(</a:t>
             </a:r>
             <a:r>
-              <a:rPr lang="en-US" sz="2400" dirty="0" err="1"/>
+              <a:rPr lang="en-US" sz="2000" dirty="0" err="1">
+                <a:solidFill>
+                  <a:srgbClr val="000000"/>
+                </a:solidFill>
+                <a:latin typeface="Consolas" panose="020B0609020204030204" pitchFamily="49" charset="0"/>
+              </a:rPr>
               <a:t>A,lo,hi</a:t>
             </a:r>
             <a:r>
-              <a:rPr lang="en-US" sz="2400" dirty="0"/>
+              <a:rPr lang="en-US" sz="2000" dirty="0">
+                <a:solidFill>
+                  <a:srgbClr val="000000"/>
+                </a:solidFill>
+                <a:latin typeface="Consolas" panose="020B0609020204030204" pitchFamily="49" charset="0"/>
+              </a:rPr>
               <a:t>)</a:t>
             </a:r>
           </a:p>
           <a:p>
             <a:r>
-              <a:rPr lang="en-US" sz="2400" dirty="0"/>
+              <a:rPr lang="en-US" sz="2000" dirty="0">
+                <a:solidFill>
+                  <a:srgbClr val="000000"/>
+                </a:solidFill>
+                <a:latin typeface="Consolas" panose="020B0609020204030204" pitchFamily="49" charset="0"/>
+              </a:rPr>
               <a:t>    </a:t>
             </a:r>
             <a:r>
-              <a:rPr lang="en-US" sz="2400" dirty="0" err="1"/>
+              <a:rPr lang="en-US" sz="2000" dirty="0" err="1">
+                <a:solidFill>
+                  <a:srgbClr val="000000"/>
+                </a:solidFill>
+                <a:latin typeface="Consolas" panose="020B0609020204030204" pitchFamily="49" charset="0"/>
+              </a:rPr>
               <a:t>qsort</a:t>
             </a:r>
             <a:r>
-              <a:rPr lang="en-US" sz="2400" dirty="0"/>
-              <a:t>(A, lo, pivot_idx-1)</a:t>
-            </a:r>
-          </a:p>
-          <a:p>
-            <a:r>
-              <a:rPr lang="en-US" sz="2400" dirty="0"/>
+              <a:rPr lang="en-US" sz="2000" dirty="0">
+                <a:solidFill>
+                  <a:srgbClr val="000000"/>
+                </a:solidFill>
+                <a:latin typeface="Consolas" panose="020B0609020204030204" pitchFamily="49" charset="0"/>
+              </a:rPr>
+              <a:t>(A, lo, pivot_idx-</a:t>
+            </a:r>
+            <a:r>
+              <a:rPr lang="en-US" sz="2000" dirty="0">
+                <a:solidFill>
+                  <a:srgbClr val="0000FE"/>
+                </a:solidFill>
+                <a:latin typeface="Consolas" panose="020B0609020204030204" pitchFamily="49" charset="0"/>
+              </a:rPr>
+              <a:t>1</a:t>
+            </a:r>
+            <a:r>
+              <a:rPr lang="en-US" sz="2000" dirty="0">
+                <a:solidFill>
+                  <a:srgbClr val="000000"/>
+                </a:solidFill>
+                <a:latin typeface="Consolas" panose="020B0609020204030204" pitchFamily="49" charset="0"/>
+              </a:rPr>
+              <a:t>)</a:t>
+            </a:r>
+          </a:p>
+          <a:p>
+            <a:r>
+              <a:rPr lang="en-US" sz="2000" dirty="0">
+                <a:solidFill>
+                  <a:srgbClr val="000000"/>
+                </a:solidFill>
+                <a:latin typeface="Consolas" panose="020B0609020204030204" pitchFamily="49" charset="0"/>
+              </a:rPr>
               <a:t>    </a:t>
             </a:r>
             <a:r>
-              <a:rPr lang="en-US" sz="2400" dirty="0" err="1"/>
+              <a:rPr lang="en-US" sz="2000" dirty="0" err="1">
+                <a:solidFill>
+                  <a:srgbClr val="000000"/>
+                </a:solidFill>
+                <a:latin typeface="Consolas" panose="020B0609020204030204" pitchFamily="49" charset="0"/>
+              </a:rPr>
               <a:t>qsort</a:t>
             </a:r>
             <a:r>
-              <a:rPr lang="en-US" sz="2400" dirty="0"/>
-              <a:t>(A, pivot_idx+1, hi)</a:t>
-            </a:r>
-            <a:endParaRPr lang="mr-IN" sz="2400" dirty="0"/>
+              <a:rPr lang="en-US" sz="2000" dirty="0">
+                <a:solidFill>
+                  <a:srgbClr val="000000"/>
+                </a:solidFill>
+                <a:latin typeface="Consolas" panose="020B0609020204030204" pitchFamily="49" charset="0"/>
+              </a:rPr>
+              <a:t>(A, pivot_idx+</a:t>
+            </a:r>
+            <a:r>
+              <a:rPr lang="en-US" sz="2000" dirty="0">
+                <a:solidFill>
+                  <a:srgbClr val="0000FE"/>
+                </a:solidFill>
+                <a:latin typeface="Consolas" panose="020B0609020204030204" pitchFamily="49" charset="0"/>
+              </a:rPr>
+              <a:t>1</a:t>
+            </a:r>
+            <a:r>
+              <a:rPr lang="en-US" sz="2000" dirty="0">
+                <a:solidFill>
+                  <a:srgbClr val="000000"/>
+                </a:solidFill>
+                <a:latin typeface="Consolas" panose="020B0609020204030204" pitchFamily="49" charset="0"/>
+              </a:rPr>
+              <a:t>, hi)</a:t>
+            </a:r>
           </a:p>
         </p:txBody>
       </p:sp>
@@ -9018,7 +9212,7 @@
         <p:spPr>
           <a:xfrm>
             <a:off x="5194567" y="1951412"/>
-            <a:ext cx="6643286" cy="3046988"/>
+            <a:ext cx="6643286" cy="2554545"/>
           </a:xfrm>
           <a:prstGeom prst="rect">
             <a:avLst/>
@@ -9037,72 +9231,310 @@
           <a:lstStyle/>
           <a:p>
             <a:r>
-              <a:rPr lang="en-US" sz="2400" dirty="0"/>
+              <a:rPr lang="en-US" sz="2000" i="1" dirty="0">
+                <a:solidFill>
+                  <a:srgbClr val="6D6D6D"/>
+                </a:solidFill>
+                <a:latin typeface="Consolas" panose="020B0609020204030204" pitchFamily="49" charset="0"/>
+              </a:rPr>
               <a:t># many ways to do this; here’s a slow O(n) one</a:t>
             </a:r>
           </a:p>
           <a:p>
             <a:r>
-              <a:rPr lang="en-US" sz="2400" dirty="0"/>
+              <a:rPr lang="en-US" sz="2000" i="1" dirty="0">
+                <a:solidFill>
+                  <a:srgbClr val="6D6D6D"/>
+                </a:solidFill>
+                <a:latin typeface="Consolas" panose="020B0609020204030204" pitchFamily="49" charset="0"/>
+              </a:rPr>
               <a:t># breaks idea of in-place for </a:t>
             </a:r>
             <a:r>
-              <a:rPr lang="en-US" sz="2400" dirty="0" err="1"/>
+              <a:rPr lang="en-US" sz="2000" i="1" dirty="0" err="1">
+                <a:solidFill>
+                  <a:srgbClr val="6D6D6D"/>
+                </a:solidFill>
+                <a:latin typeface="Consolas" panose="020B0609020204030204" pitchFamily="49" charset="0"/>
+              </a:rPr>
               <a:t>qsort</a:t>
             </a:r>
-            <a:endParaRPr lang="en-US" sz="2400" dirty="0"/>
-          </a:p>
-          <a:p>
-            <a:r>
-              <a:rPr lang="en-US" sz="2400" dirty="0"/>
-              <a:t>def partition(</a:t>
-            </a:r>
-            <a:r>
-              <a:rPr lang="en-US" sz="2400" dirty="0" err="1"/>
+            <a:endParaRPr lang="en-US" sz="2000" i="1" dirty="0">
+              <a:solidFill>
+                <a:srgbClr val="6D6D6D"/>
+              </a:solidFill>
+              <a:latin typeface="Consolas" panose="020B0609020204030204" pitchFamily="49" charset="0"/>
+            </a:endParaRPr>
+          </a:p>
+          <a:p>
+            <a:r>
+              <a:rPr lang="en-US" sz="2000" b="1" dirty="0">
+                <a:solidFill>
+                  <a:srgbClr val="00006D"/>
+                </a:solidFill>
+                <a:latin typeface="Consolas" panose="020B0609020204030204" pitchFamily="49" charset="0"/>
+              </a:rPr>
+              <a:t>def </a:t>
+            </a:r>
+            <a:r>
+              <a:rPr lang="en-US" sz="2000" dirty="0">
+                <a:solidFill>
+                  <a:srgbClr val="000000"/>
+                </a:solidFill>
+                <a:latin typeface="Consolas" panose="020B0609020204030204" pitchFamily="49" charset="0"/>
+              </a:rPr>
+              <a:t>partition(</a:t>
+            </a:r>
+            <a:r>
+              <a:rPr lang="en-US" sz="2000" dirty="0" err="1">
+                <a:solidFill>
+                  <a:srgbClr val="000000"/>
+                </a:solidFill>
+                <a:latin typeface="Consolas" panose="020B0609020204030204" pitchFamily="49" charset="0"/>
+              </a:rPr>
               <a:t>A,lo,hi</a:t>
             </a:r>
             <a:r>
-              <a:rPr lang="en-US" sz="2400" dirty="0"/>
+              <a:rPr lang="en-US" sz="2000" dirty="0">
+                <a:solidFill>
+                  <a:srgbClr val="000000"/>
+                </a:solidFill>
+                <a:latin typeface="Consolas" panose="020B0609020204030204" pitchFamily="49" charset="0"/>
+              </a:rPr>
               <a:t>):</a:t>
             </a:r>
           </a:p>
           <a:p>
             <a:r>
-              <a:rPr lang="en-US" sz="2400" dirty="0"/>
-              <a:t>    pivot = A[hi]    # pick last element as pivot  </a:t>
-            </a:r>
-          </a:p>
-          <a:p>
-            <a:r>
-              <a:rPr lang="en-US" sz="2400" dirty="0"/>
-              <a:t>    left = [a for a in A if a&lt;pivot]</a:t>
-            </a:r>
-          </a:p>
-          <a:p>
-            <a:r>
-              <a:rPr lang="en-US" sz="2400" dirty="0"/>
-              <a:t>    right = [a for a in A if a&gt;pivot]</a:t>
-            </a:r>
-          </a:p>
-          <a:p>
-            <a:r>
-              <a:rPr lang="en-US" sz="2400" dirty="0"/>
-              <a:t>    A[lo:hi+1] = left+[pivot]+right # copy back to A</a:t>
-            </a:r>
-          </a:p>
-          <a:p>
-            <a:r>
-              <a:rPr lang="en-US" sz="2400" dirty="0"/>
-              <a:t>    return </a:t>
-            </a:r>
-            <a:r>
-              <a:rPr lang="en-US" sz="2400" dirty="0" err="1"/>
+              <a:rPr lang="en-US" sz="2000" dirty="0">
+                <a:solidFill>
+                  <a:srgbClr val="000000"/>
+                </a:solidFill>
+                <a:latin typeface="Consolas" panose="020B0609020204030204" pitchFamily="49" charset="0"/>
+              </a:rPr>
+              <a:t>  pivot = A[hi]  </a:t>
+            </a:r>
+            <a:r>
+              <a:rPr lang="en-US" sz="2000" i="1" dirty="0">
+                <a:solidFill>
+                  <a:srgbClr val="6D6D6D"/>
+                </a:solidFill>
+                <a:latin typeface="Consolas" panose="020B0609020204030204" pitchFamily="49" charset="0"/>
+              </a:rPr>
+              <a:t># pick last element as pivot</a:t>
+            </a:r>
+          </a:p>
+          <a:p>
+            <a:r>
+              <a:rPr lang="en-US" sz="2000" dirty="0">
+                <a:solidFill>
+                  <a:srgbClr val="000000"/>
+                </a:solidFill>
+                <a:latin typeface="Consolas" panose="020B0609020204030204" pitchFamily="49" charset="0"/>
+              </a:rPr>
+              <a:t>  left = [a </a:t>
+            </a:r>
+            <a:r>
+              <a:rPr lang="en-US" sz="2000" b="1" dirty="0">
+                <a:solidFill>
+                  <a:srgbClr val="00006D"/>
+                </a:solidFill>
+                <a:latin typeface="Consolas" panose="020B0609020204030204" pitchFamily="49" charset="0"/>
+              </a:rPr>
+              <a:t>for </a:t>
+            </a:r>
+            <a:r>
+              <a:rPr lang="en-US" sz="2000" dirty="0">
+                <a:solidFill>
+                  <a:srgbClr val="000000"/>
+                </a:solidFill>
+                <a:latin typeface="Consolas" panose="020B0609020204030204" pitchFamily="49" charset="0"/>
+              </a:rPr>
+              <a:t>a </a:t>
+            </a:r>
+            <a:r>
+              <a:rPr lang="en-US" sz="2000" b="1" dirty="0">
+                <a:solidFill>
+                  <a:srgbClr val="00006D"/>
+                </a:solidFill>
+                <a:latin typeface="Consolas" panose="020B0609020204030204" pitchFamily="49" charset="0"/>
+              </a:rPr>
+              <a:t>in </a:t>
+            </a:r>
+            <a:r>
+              <a:rPr lang="en-US" sz="2000" dirty="0">
+                <a:solidFill>
+                  <a:srgbClr val="000000"/>
+                </a:solidFill>
+                <a:latin typeface="Consolas" panose="020B0609020204030204" pitchFamily="49" charset="0"/>
+              </a:rPr>
+              <a:t>A </a:t>
+            </a:r>
+            <a:r>
+              <a:rPr lang="en-US" sz="2000" b="1" dirty="0">
+                <a:solidFill>
+                  <a:srgbClr val="00006D"/>
+                </a:solidFill>
+                <a:latin typeface="Consolas" panose="020B0609020204030204" pitchFamily="49" charset="0"/>
+              </a:rPr>
+              <a:t>if </a:t>
+            </a:r>
+            <a:r>
+              <a:rPr lang="en-US" sz="2000" dirty="0">
+                <a:solidFill>
+                  <a:srgbClr val="000000"/>
+                </a:solidFill>
+                <a:latin typeface="Consolas" panose="020B0609020204030204" pitchFamily="49" charset="0"/>
+              </a:rPr>
+              <a:t>a&lt;pivot]</a:t>
+            </a:r>
+          </a:p>
+          <a:p>
+            <a:r>
+              <a:rPr lang="en-US" sz="2000" dirty="0">
+                <a:solidFill>
+                  <a:srgbClr val="000000"/>
+                </a:solidFill>
+                <a:latin typeface="Consolas" panose="020B0609020204030204" pitchFamily="49" charset="0"/>
+              </a:rPr>
+              <a:t>  right = [a </a:t>
+            </a:r>
+            <a:r>
+              <a:rPr lang="en-US" sz="2000" b="1" dirty="0">
+                <a:solidFill>
+                  <a:srgbClr val="00006D"/>
+                </a:solidFill>
+                <a:latin typeface="Consolas" panose="020B0609020204030204" pitchFamily="49" charset="0"/>
+              </a:rPr>
+              <a:t>for </a:t>
+            </a:r>
+            <a:r>
+              <a:rPr lang="en-US" sz="2000" dirty="0">
+                <a:solidFill>
+                  <a:srgbClr val="000000"/>
+                </a:solidFill>
+                <a:latin typeface="Consolas" panose="020B0609020204030204" pitchFamily="49" charset="0"/>
+              </a:rPr>
+              <a:t>a </a:t>
+            </a:r>
+            <a:r>
+              <a:rPr lang="en-US" sz="2000" b="1" dirty="0">
+                <a:solidFill>
+                  <a:srgbClr val="00006D"/>
+                </a:solidFill>
+                <a:latin typeface="Consolas" panose="020B0609020204030204" pitchFamily="49" charset="0"/>
+              </a:rPr>
+              <a:t>in </a:t>
+            </a:r>
+            <a:r>
+              <a:rPr lang="en-US" sz="2000" dirty="0">
+                <a:solidFill>
+                  <a:srgbClr val="000000"/>
+                </a:solidFill>
+                <a:latin typeface="Consolas" panose="020B0609020204030204" pitchFamily="49" charset="0"/>
+              </a:rPr>
+              <a:t>A </a:t>
+            </a:r>
+            <a:r>
+              <a:rPr lang="en-US" sz="2000" b="1" dirty="0">
+                <a:solidFill>
+                  <a:srgbClr val="00006D"/>
+                </a:solidFill>
+                <a:latin typeface="Consolas" panose="020B0609020204030204" pitchFamily="49" charset="0"/>
+              </a:rPr>
+              <a:t>if </a:t>
+            </a:r>
+            <a:r>
+              <a:rPr lang="en-US" sz="2000" dirty="0">
+                <a:solidFill>
+                  <a:srgbClr val="000000"/>
+                </a:solidFill>
+                <a:latin typeface="Consolas" panose="020B0609020204030204" pitchFamily="49" charset="0"/>
+              </a:rPr>
+              <a:t>a&gt;pivot]</a:t>
+            </a:r>
+          </a:p>
+          <a:p>
+            <a:r>
+              <a:rPr lang="en-US" sz="2000" dirty="0">
+                <a:solidFill>
+                  <a:srgbClr val="000000"/>
+                </a:solidFill>
+                <a:latin typeface="Consolas" panose="020B0609020204030204" pitchFamily="49" charset="0"/>
+              </a:rPr>
+              <a:t>  A[lo:hi+</a:t>
+            </a:r>
+            <a:r>
+              <a:rPr lang="en-US" sz="2000" dirty="0">
+                <a:solidFill>
+                  <a:srgbClr val="0000FE"/>
+                </a:solidFill>
+                <a:latin typeface="Consolas" panose="020B0609020204030204" pitchFamily="49" charset="0"/>
+              </a:rPr>
+              <a:t>1</a:t>
+            </a:r>
+            <a:r>
+              <a:rPr lang="en-US" sz="2000" dirty="0">
+                <a:solidFill>
+                  <a:srgbClr val="000000"/>
+                </a:solidFill>
+                <a:latin typeface="Consolas" panose="020B0609020204030204" pitchFamily="49" charset="0"/>
+              </a:rPr>
+              <a:t>] = left+[pivot]+right </a:t>
+            </a:r>
+            <a:r>
+              <a:rPr lang="en-US" sz="2000" i="1" dirty="0">
+                <a:solidFill>
+                  <a:srgbClr val="6D6D6D"/>
+                </a:solidFill>
+                <a:latin typeface="Consolas" panose="020B0609020204030204" pitchFamily="49" charset="0"/>
+              </a:rPr>
+              <a:t># copy back </a:t>
+            </a:r>
+          </a:p>
+          <a:p>
+            <a:r>
+              <a:rPr lang="en-US" sz="2000" b="1" dirty="0">
+                <a:solidFill>
+                  <a:srgbClr val="00006D"/>
+                </a:solidFill>
+                <a:latin typeface="Consolas" panose="020B0609020204030204" pitchFamily="49" charset="0"/>
+              </a:rPr>
+              <a:t>  return </a:t>
+            </a:r>
+            <a:r>
+              <a:rPr lang="en-US" sz="2000" dirty="0" err="1">
+                <a:solidFill>
+                  <a:srgbClr val="000000"/>
+                </a:solidFill>
+                <a:latin typeface="Consolas" panose="020B0609020204030204" pitchFamily="49" charset="0"/>
+              </a:rPr>
               <a:t>len</a:t>
             </a:r>
             <a:r>
-              <a:rPr lang="en-US" sz="2400" dirty="0"/>
-              <a:t>(left) # return index of pivot</a:t>
-            </a:r>
+              <a:rPr lang="en-US" sz="2000" dirty="0">
+                <a:solidFill>
+                  <a:srgbClr val="000000"/>
+                </a:solidFill>
+                <a:latin typeface="Consolas" panose="020B0609020204030204" pitchFamily="49" charset="0"/>
+              </a:rPr>
+              <a:t>(left) </a:t>
+            </a:r>
+            <a:r>
+              <a:rPr lang="en-US" sz="2000" i="1" dirty="0">
+                <a:solidFill>
+                  <a:srgbClr val="6D6D6D"/>
+                </a:solidFill>
+                <a:latin typeface="Consolas" panose="020B0609020204030204" pitchFamily="49" charset="0"/>
+              </a:rPr>
+              <a:t># return index of pivot</a:t>
+            </a:r>
+            <a:endParaRPr lang="en-US" sz="2400" i="1" dirty="0">
+              <a:solidFill>
+                <a:srgbClr val="6D6D6D"/>
+              </a:solidFill>
+              <a:latin typeface="Consolas" panose="020B0609020204030204" pitchFamily="49" charset="0"/>
+            </a:endParaRPr>
           </a:p>
         </p:txBody>
       </p:sp>
@@ -9140,41 +9572,6 @@
             <a:r>
               <a:rPr lang="en-US" sz="1400" dirty="0"/>
               <a:t> </a:t>
-            </a:r>
-          </a:p>
-        </p:txBody>
-      </p:sp>
-      <p:sp>
-        <p:nvSpPr>
-          <p:cNvPr id="6" name="TextBox 5">
-            <a:extLst>
-              <a:ext uri="{FF2B5EF4-FFF2-40B4-BE49-F238E27FC236}">
-                <a16:creationId xmlns:a16="http://schemas.microsoft.com/office/drawing/2014/main" id="{29CB3794-A5D6-0546-885D-6E6A1C96DAFF}"/>
-              </a:ext>
-            </a:extLst>
-          </p:cNvPr>
-          <p:cNvSpPr txBox="1"/>
-          <p:nvPr/>
-        </p:nvSpPr>
-        <p:spPr>
-          <a:xfrm>
-            <a:off x="5090493" y="5081535"/>
-            <a:ext cx="6747360" cy="430887"/>
-          </a:xfrm>
-          <a:prstGeom prst="rect">
-            <a:avLst/>
-          </a:prstGeom>
-          <a:noFill/>
-        </p:spPr>
-        <p:txBody>
-          <a:bodyPr wrap="none" rtlCol="0">
-            <a:spAutoFit/>
-          </a:bodyPr>
-          <a:lstStyle/>
-          <a:p>
-            <a:r>
-              <a:rPr lang="en-US" sz="2200" dirty="0"/>
-              <a:t>Partitioning important for decision and isolation trees</a:t>
             </a:r>
           </a:p>
         </p:txBody>

--- a/notes/sorting.pptx
+++ b/notes/sorting.pptx
@@ -7091,7 +7091,7 @@
         </p:spPr>
         <p:txBody>
           <a:bodyPr>
-            <a:normAutofit lnSpcReduction="10000"/>
+            <a:normAutofit/>
           </a:bodyPr>
           <a:lstStyle/>
           <a:p>
@@ -7164,15 +7164,6 @@
               <a:rPr lang="en-US" dirty="0"/>
               <a:t>to collect words in leaves</a:t>
             </a:r>
-          </a:p>
-          <a:p>
-            <a:r>
-              <a:rPr lang="en-US" dirty="0"/>
-              <a:t>What is rough complexity?</a:t>
-            </a:r>
-          </a:p>
-          <a:p>
-            <a:endParaRPr lang="en-US" dirty="0"/>
           </a:p>
         </p:txBody>
       </p:sp>
@@ -7206,41 +7197,6 @@
           </a:prstGeom>
         </p:spPr>
       </p:pic>
-      <p:sp>
-        <p:nvSpPr>
-          <p:cNvPr id="5" name="TextBox 4">
-            <a:extLst>
-              <a:ext uri="{FF2B5EF4-FFF2-40B4-BE49-F238E27FC236}">
-                <a16:creationId xmlns:a16="http://schemas.microsoft.com/office/drawing/2014/main" id="{B64307D0-FC33-4044-B181-315ADF77133F}"/>
-              </a:ext>
-            </a:extLst>
-          </p:cNvPr>
-          <p:cNvSpPr txBox="1"/>
-          <p:nvPr/>
-        </p:nvSpPr>
-        <p:spPr>
-          <a:xfrm>
-            <a:off x="1040859" y="5807631"/>
-            <a:ext cx="4950394" cy="430887"/>
-          </a:xfrm>
-          <a:prstGeom prst="rect">
-            <a:avLst/>
-          </a:prstGeom>
-          <a:noFill/>
-        </p:spPr>
-        <p:txBody>
-          <a:bodyPr wrap="none" rtlCol="0">
-            <a:spAutoFit/>
-          </a:bodyPr>
-          <a:lstStyle/>
-          <a:p>
-            <a:r>
-              <a:rPr lang="en-US" sz="2200" dirty="0"/>
-              <a:t>O(n*k) for k = max length of any string</a:t>
-            </a:r>
-          </a:p>
-        </p:txBody>
-      </p:sp>
     </p:spTree>
     <p:extLst>
       <p:ext uri="{BB962C8B-B14F-4D97-AF65-F5344CB8AC3E}">
@@ -7251,84 +7207,6 @@
   <p:clrMapOvr>
     <a:masterClrMapping/>
   </p:clrMapOvr>
-  <p:timing>
-    <p:tnLst>
-      <p:par>
-        <p:cTn id="1" dur="indefinite" restart="never" nodeType="tmRoot">
-          <p:childTnLst>
-            <p:seq concurrent="1" nextAc="seek">
-              <p:cTn id="2" dur="indefinite" nodeType="mainSeq">
-                <p:childTnLst>
-                  <p:par>
-                    <p:cTn id="3" fill="hold">
-                      <p:stCondLst>
-                        <p:cond delay="indefinite"/>
-                      </p:stCondLst>
-                      <p:childTnLst>
-                        <p:par>
-                          <p:cTn id="4" fill="hold">
-                            <p:stCondLst>
-                              <p:cond delay="0"/>
-                            </p:stCondLst>
-                            <p:childTnLst>
-                              <p:par>
-                                <p:cTn id="5" presetID="1" presetClass="entr" presetSubtype="0" fill="hold" grpId="0" nodeType="clickEffect">
-                                  <p:stCondLst>
-                                    <p:cond delay="0"/>
-                                  </p:stCondLst>
-                                  <p:childTnLst>
-                                    <p:set>
-                                      <p:cBhvr>
-                                        <p:cTn id="6" dur="1" fill="hold">
-                                          <p:stCondLst>
-                                            <p:cond delay="0"/>
-                                          </p:stCondLst>
-                                        </p:cTn>
-                                        <p:tgtEl>
-                                          <p:spTgt spid="5"/>
-                                        </p:tgtEl>
-                                        <p:attrNameLst>
-                                          <p:attrName>style.visibility</p:attrName>
-                                        </p:attrNameLst>
-                                      </p:cBhvr>
-                                      <p:to>
-                                        <p:strVal val="visible"/>
-                                      </p:to>
-                                    </p:set>
-                                  </p:childTnLst>
-                                </p:cTn>
-                              </p:par>
-                            </p:childTnLst>
-                          </p:cTn>
-                        </p:par>
-                      </p:childTnLst>
-                    </p:cTn>
-                  </p:par>
-                </p:childTnLst>
-              </p:cTn>
-              <p:prevCondLst>
-                <p:cond evt="onPrev" delay="0">
-                  <p:tgtEl>
-                    <p:sldTgt/>
-                  </p:tgtEl>
-                </p:cond>
-              </p:prevCondLst>
-              <p:nextCondLst>
-                <p:cond evt="onNext" delay="0">
-                  <p:tgtEl>
-                    <p:sldTgt/>
-                  </p:tgtEl>
-                </p:cond>
-              </p:nextCondLst>
-            </p:seq>
-          </p:childTnLst>
-        </p:cTn>
-      </p:par>
-    </p:tnLst>
-    <p:bldLst>
-      <p:bldP spid="5" grpId="0"/>
-    </p:bldLst>
-  </p:timing>
 </p:sld>
 </file>
 
@@ -7458,15 +7336,7 @@
           <a:p>
             <a:r>
               <a:rPr lang="en-US" dirty="0"/>
-              <a:t>Use all letters </a:t>
-            </a:r>
-            <a:r>
-              <a:rPr lang="en-US"/>
-              <a:t>in strings to </a:t>
-            </a:r>
-            <a:r>
-              <a:rPr lang="en-US" dirty="0"/>
-              <a:t>get nested bucket sort (called a TRIE)</a:t>
+              <a:t>Use all letters in strings to get nested bucket sort (called a TRIE)</a:t>
             </a:r>
           </a:p>
         </p:txBody>

--- a/notes/sorting.pptx
+++ b/notes/sorting.pptx
@@ -226,7 +226,7 @@
           <a:p>
             <a:fld id="{8A1B613A-EFF1-404F-BEE8-EFAE84A4E5E2}" type="datetimeFigureOut">
               <a:rPr lang="en-US" smtClean="0"/>
-              <a:t>4/13/21</a:t>
+              <a:t>2/17/22</a:t>
             </a:fld>
             <a:endParaRPr lang="en-US"/>
           </a:p>
@@ -391,7 +391,7 @@
           <a:p>
             <a:fld id="{690847EA-AC25-3D4E-89E1-FD3F6A9702B6}" type="datetimeFigureOut">
               <a:rPr lang="en-US" smtClean="0"/>
-              <a:t>4/13/21</a:t>
+              <a:t>2/17/22</a:t>
             </a:fld>
             <a:endParaRPr lang="en-US"/>
           </a:p>
@@ -805,7 +805,7 @@
           <a:p>
             <a:fld id="{BE5295ED-3BAF-1140-8495-3D368771D6B1}" type="datetimeFigureOut">
               <a:rPr lang="en-US" smtClean="0"/>
-              <a:t>4/13/21</a:t>
+              <a:t>2/17/22</a:t>
             </a:fld>
             <a:endParaRPr lang="en-US"/>
           </a:p>
@@ -1003,7 +1003,7 @@
           <a:p>
             <a:fld id="{BE5295ED-3BAF-1140-8495-3D368771D6B1}" type="datetimeFigureOut">
               <a:rPr lang="en-US" smtClean="0"/>
-              <a:t>4/13/21</a:t>
+              <a:t>2/17/22</a:t>
             </a:fld>
             <a:endParaRPr lang="en-US"/>
           </a:p>
@@ -1211,7 +1211,7 @@
           <a:p>
             <a:fld id="{BE5295ED-3BAF-1140-8495-3D368771D6B1}" type="datetimeFigureOut">
               <a:rPr lang="en-US" smtClean="0"/>
-              <a:t>4/13/21</a:t>
+              <a:t>2/17/22</a:t>
             </a:fld>
             <a:endParaRPr lang="en-US"/>
           </a:p>
@@ -1409,7 +1409,7 @@
           <a:p>
             <a:fld id="{BE5295ED-3BAF-1140-8495-3D368771D6B1}" type="datetimeFigureOut">
               <a:rPr lang="en-US" smtClean="0"/>
-              <a:t>4/13/21</a:t>
+              <a:t>2/17/22</a:t>
             </a:fld>
             <a:endParaRPr lang="en-US"/>
           </a:p>
@@ -1684,7 +1684,7 @@
           <a:p>
             <a:fld id="{BE5295ED-3BAF-1140-8495-3D368771D6B1}" type="datetimeFigureOut">
               <a:rPr lang="en-US" smtClean="0"/>
-              <a:t>4/13/21</a:t>
+              <a:t>2/17/22</a:t>
             </a:fld>
             <a:endParaRPr lang="en-US"/>
           </a:p>
@@ -1949,7 +1949,7 @@
           <a:p>
             <a:fld id="{BE5295ED-3BAF-1140-8495-3D368771D6B1}" type="datetimeFigureOut">
               <a:rPr lang="en-US" smtClean="0"/>
-              <a:t>4/13/21</a:t>
+              <a:t>2/17/22</a:t>
             </a:fld>
             <a:endParaRPr lang="en-US"/>
           </a:p>
@@ -2361,7 +2361,7 @@
           <a:p>
             <a:fld id="{BE5295ED-3BAF-1140-8495-3D368771D6B1}" type="datetimeFigureOut">
               <a:rPr lang="en-US" smtClean="0"/>
-              <a:t>4/13/21</a:t>
+              <a:t>2/17/22</a:t>
             </a:fld>
             <a:endParaRPr lang="en-US"/>
           </a:p>
@@ -2502,7 +2502,7 @@
           <a:p>
             <a:fld id="{BE5295ED-3BAF-1140-8495-3D368771D6B1}" type="datetimeFigureOut">
               <a:rPr lang="en-US" smtClean="0"/>
-              <a:t>4/13/21</a:t>
+              <a:t>2/17/22</a:t>
             </a:fld>
             <a:endParaRPr lang="en-US"/>
           </a:p>
@@ -2615,7 +2615,7 @@
           <a:p>
             <a:fld id="{BE5295ED-3BAF-1140-8495-3D368771D6B1}" type="datetimeFigureOut">
               <a:rPr lang="en-US" smtClean="0"/>
-              <a:t>4/13/21</a:t>
+              <a:t>2/17/22</a:t>
             </a:fld>
             <a:endParaRPr lang="en-US"/>
           </a:p>
@@ -2926,7 +2926,7 @@
           <a:p>
             <a:fld id="{BE5295ED-3BAF-1140-8495-3D368771D6B1}" type="datetimeFigureOut">
               <a:rPr lang="en-US" smtClean="0"/>
-              <a:t>4/13/21</a:t>
+              <a:t>2/17/22</a:t>
             </a:fld>
             <a:endParaRPr lang="en-US"/>
           </a:p>
@@ -3217,7 +3217,7 @@
           <a:p>
             <a:fld id="{BE5295ED-3BAF-1140-8495-3D368771D6B1}" type="datetimeFigureOut">
               <a:rPr lang="en-US" smtClean="0"/>
-              <a:t>4/13/21</a:t>
+              <a:t>2/17/22</a:t>
             </a:fld>
             <a:endParaRPr lang="en-US"/>
           </a:p>
@@ -3458,7 +3458,7 @@
           <a:p>
             <a:fld id="{BE5295ED-3BAF-1140-8495-3D368771D6B1}" type="datetimeFigureOut">
               <a:rPr lang="en-US" smtClean="0"/>
-              <a:t>4/13/21</a:t>
+              <a:t>2/17/22</a:t>
             </a:fld>
             <a:endParaRPr lang="en-US"/>
           </a:p>
@@ -5704,7 +5704,23 @@
           <a:p>
             <a:r>
               <a:rPr lang="en-US" dirty="0"/>
-              <a:t>Can use insertion sort is O(k^2) for adding to bucket or leave unsorted and sort later</a:t>
+              <a:t>Can use insertion sort</a:t>
+            </a:r>
+            <a:r>
+              <a:rPr lang="en-US"/>
+              <a:t>, which is </a:t>
+            </a:r>
+            <a:r>
+              <a:rPr lang="en-US" dirty="0"/>
+              <a:t>O(k^</a:t>
+            </a:r>
+            <a:r>
+              <a:rPr lang="en-US"/>
+              <a:t>2), </a:t>
+            </a:r>
+            <a:r>
+              <a:rPr lang="en-US" dirty="0"/>
+              <a:t>for adding to bucket or leave unsorted and sort later</a:t>
             </a:r>
           </a:p>
         </p:txBody>
@@ -7398,8 +7414,8 @@
           </a:p>
         </p:txBody>
       </p:sp>
-      <mc:AlternateContent xmlns:mc="http://schemas.openxmlformats.org/markup-compatibility/2006">
-        <mc:Choice xmlns:a14="http://schemas.microsoft.com/office/drawing/2010/main" Requires="a14">
+      <mc:AlternateContent xmlns:mc="http://schemas.openxmlformats.org/markup-compatibility/2006" xmlns:a14="http://schemas.microsoft.com/office/drawing/2010/main">
+        <mc:Choice Requires="a14">
           <p:sp>
             <p:nvSpPr>
               <p:cNvPr id="3" name="Content Placeholder 2"/>
@@ -7520,7 +7536,7 @@
             </p:txBody>
           </p:sp>
         </mc:Choice>
-        <mc:Fallback>
+        <mc:Fallback xmlns="">
           <p:sp>
             <p:nvSpPr>
               <p:cNvPr id="3" name="Content Placeholder 2"/>
@@ -8076,8 +8092,8 @@
           </a:prstGeom>
         </p:spPr>
       </p:pic>
-      <mc:AlternateContent xmlns:mc="http://schemas.openxmlformats.org/markup-compatibility/2006">
-        <mc:Choice xmlns:a14="http://schemas.microsoft.com/office/drawing/2010/main" Requires="a14">
+      <mc:AlternateContent xmlns:mc="http://schemas.openxmlformats.org/markup-compatibility/2006" xmlns:a14="http://schemas.microsoft.com/office/drawing/2010/main">
+        <mc:Choice Requires="a14">
           <p:sp>
             <p:nvSpPr>
               <p:cNvPr id="11" name="Rectangle 10"/>
@@ -8164,7 +8180,7 @@
             </p:txBody>
           </p:sp>
         </mc:Choice>
-        <mc:Fallback>
+        <mc:Fallback xmlns="">
           <p:sp>
             <p:nvSpPr>
               <p:cNvPr id="11" name="Rectangle 10"/>
@@ -8605,7 +8621,7 @@
               <a:p>
                 <a:r>
                   <a:rPr lang="en-US" dirty="0"/>
-                  <a:t>Quicksort is in-place whereas merge sort makes lots of temporary arrays, which can get expensive</a:t>
+                  <a:t>Quicksort is / can be in-place whereas merge sort makes lots of temporary arrays, which can get expensive</a:t>
                 </a:r>
               </a:p>
               <a:p>
